--- a/Beer_Present_Final-3.pptx
+++ b/Beer_Present_Final-3.pptx
@@ -5,24 +5,25 @@
     <p:sldMasterId id="2147483684" r:id="rId4"/>
   </p:sldMasterIdLst>
   <p:notesMasterIdLst>
-    <p:notesMasterId r:id="rId17"/>
+    <p:notesMasterId r:id="rId18"/>
   </p:notesMasterIdLst>
   <p:handoutMasterIdLst>
-    <p:handoutMasterId r:id="rId18"/>
+    <p:handoutMasterId r:id="rId19"/>
   </p:handoutMasterIdLst>
   <p:sldIdLst>
     <p:sldId id="257" r:id="rId5"/>
-    <p:sldId id="384" r:id="rId6"/>
-    <p:sldId id="317" r:id="rId7"/>
-    <p:sldId id="393" r:id="rId8"/>
-    <p:sldId id="392" r:id="rId9"/>
-    <p:sldId id="396" r:id="rId10"/>
-    <p:sldId id="278" r:id="rId11"/>
-    <p:sldId id="279" r:id="rId12"/>
-    <p:sldId id="394" r:id="rId13"/>
-    <p:sldId id="268" r:id="rId14"/>
-    <p:sldId id="395" r:id="rId15"/>
-    <p:sldId id="321" r:id="rId16"/>
+    <p:sldId id="397" r:id="rId6"/>
+    <p:sldId id="384" r:id="rId7"/>
+    <p:sldId id="317" r:id="rId8"/>
+    <p:sldId id="393" r:id="rId9"/>
+    <p:sldId id="392" r:id="rId10"/>
+    <p:sldId id="396" r:id="rId11"/>
+    <p:sldId id="278" r:id="rId12"/>
+    <p:sldId id="279" r:id="rId13"/>
+    <p:sldId id="394" r:id="rId14"/>
+    <p:sldId id="268" r:id="rId15"/>
+    <p:sldId id="395" r:id="rId16"/>
+    <p:sldId id="321" r:id="rId17"/>
   </p:sldIdLst>
   <p:sldSz cx="12192000" cy="6858000"/>
   <p:notesSz cx="6858000" cy="9144000"/>
@@ -170,7 +171,7 @@
           <p:cNvPr id="2" name="Header Placeholder 1">
             <a:extLst>
               <a:ext uri="{FF2B5EF4-FFF2-40B4-BE49-F238E27FC236}">
-                <a16:creationId xmlns="" xmlns:a16="http://schemas.microsoft.com/office/drawing/2014/main" id="{D1471C2C-1567-47F4-803E-468024209D92}"/>
+                <a16:creationId xmlns:a16="http://schemas.microsoft.com/office/drawing/2014/main" id="{D1471C2C-1567-47F4-803E-468024209D92}"/>
               </a:ext>
             </a:extLst>
           </p:cNvPr>
@@ -207,7 +208,7 @@
           <p:cNvPr id="3" name="Date Placeholder 2">
             <a:extLst>
               <a:ext uri="{FF2B5EF4-FFF2-40B4-BE49-F238E27FC236}">
-                <a16:creationId xmlns="" xmlns:a16="http://schemas.microsoft.com/office/drawing/2014/main" id="{058F5B09-2954-46C6-97BB-9E10649FE2C3}"/>
+                <a16:creationId xmlns:a16="http://schemas.microsoft.com/office/drawing/2014/main" id="{058F5B09-2954-46C6-97BB-9E10649FE2C3}"/>
               </a:ext>
             </a:extLst>
           </p:cNvPr>
@@ -248,7 +249,7 @@
           <p:cNvPr id="4" name="Footer Placeholder 3">
             <a:extLst>
               <a:ext uri="{FF2B5EF4-FFF2-40B4-BE49-F238E27FC236}">
-                <a16:creationId xmlns="" xmlns:a16="http://schemas.microsoft.com/office/drawing/2014/main" id="{E39A204B-EBA9-4C6D-BFB2-A104F00C8E26}"/>
+                <a16:creationId xmlns:a16="http://schemas.microsoft.com/office/drawing/2014/main" id="{E39A204B-EBA9-4C6D-BFB2-A104F00C8E26}"/>
               </a:ext>
             </a:extLst>
           </p:cNvPr>
@@ -285,7 +286,7 @@
           <p:cNvPr id="5" name="Slide Number Placeholder 4">
             <a:extLst>
               <a:ext uri="{FF2B5EF4-FFF2-40B4-BE49-F238E27FC236}">
-                <a16:creationId xmlns="" xmlns:a16="http://schemas.microsoft.com/office/drawing/2014/main" id="{855F72FC-4D2D-4E5B-A4DD-62E2C822FB1E}"/>
+                <a16:creationId xmlns:a16="http://schemas.microsoft.com/office/drawing/2014/main" id="{855F72FC-4D2D-4E5B-A4DD-62E2C822FB1E}"/>
               </a:ext>
             </a:extLst>
           </p:cNvPr>
@@ -830,7 +831,7 @@
           <a:p>
             <a:fld id="{1983A999-5E0E-42CA-8400-604AE921FF7C}" type="slidenum">
               <a:rPr lang="en-US" smtClean="0"/>
-              <a:t>2</a:t>
+              <a:t>3</a:t>
             </a:fld>
             <a:endParaRPr lang="en-US"/>
           </a:p>
@@ -914,7 +915,7 @@
           <a:p>
             <a:fld id="{1983A999-5E0E-42CA-8400-604AE921FF7C}" type="slidenum">
               <a:rPr lang="en-US" smtClean="0"/>
-              <a:t>3</a:t>
+              <a:t>4</a:t>
             </a:fld>
             <a:endParaRPr lang="en-US"/>
           </a:p>
@@ -998,7 +999,7 @@
           <a:p>
             <a:fld id="{1983A999-5E0E-42CA-8400-604AE921FF7C}" type="slidenum">
               <a:rPr lang="en-US" smtClean="0"/>
-              <a:t>4</a:t>
+              <a:t>5</a:t>
             </a:fld>
             <a:endParaRPr lang="en-US"/>
           </a:p>
@@ -1082,7 +1083,7 @@
           <a:p>
             <a:fld id="{1983A999-5E0E-42CA-8400-604AE921FF7C}" type="slidenum">
               <a:rPr lang="en-US" smtClean="0"/>
-              <a:t>10</a:t>
+              <a:t>11</a:t>
             </a:fld>
             <a:endParaRPr lang="en-US"/>
           </a:p>
@@ -1166,7 +1167,7 @@
           <a:p>
             <a:fld id="{1983A999-5E0E-42CA-8400-604AE921FF7C}" type="slidenum">
               <a:rPr lang="en-US" smtClean="0"/>
-              <a:t>12</a:t>
+              <a:t>13</a:t>
             </a:fld>
             <a:endParaRPr lang="en-US"/>
           </a:p>
@@ -1207,7 +1208,7 @@
           <p:cNvPr id="6" name="Title 1">
             <a:extLst>
               <a:ext uri="{FF2B5EF4-FFF2-40B4-BE49-F238E27FC236}">
-                <a16:creationId xmlns="" xmlns:a16="http://schemas.microsoft.com/office/drawing/2014/main" id="{9E68F591-F3C7-4872-BBA0-0693794F4F11}"/>
+                <a16:creationId xmlns:a16="http://schemas.microsoft.com/office/drawing/2014/main" id="{9E68F591-F3C7-4872-BBA0-0693794F4F11}"/>
               </a:ext>
             </a:extLst>
           </p:cNvPr>
@@ -1242,7 +1243,7 @@
           <p:cNvPr id="14" name="Picture Placeholder 13">
             <a:extLst>
               <a:ext uri="{FF2B5EF4-FFF2-40B4-BE49-F238E27FC236}">
-                <a16:creationId xmlns="" xmlns:a16="http://schemas.microsoft.com/office/drawing/2014/main" id="{967766A8-18D5-4391-8DB7-7BFF6427636C}"/>
+                <a16:creationId xmlns:a16="http://schemas.microsoft.com/office/drawing/2014/main" id="{967766A8-18D5-4391-8DB7-7BFF6427636C}"/>
               </a:ext>
             </a:extLst>
           </p:cNvPr>
@@ -1280,10 +1281,10 @@
           <p:cNvPr id="8" name="Oval 7">
             <a:extLst>
               <a:ext uri="{FF2B5EF4-FFF2-40B4-BE49-F238E27FC236}">
-                <a16:creationId xmlns="" xmlns:a16="http://schemas.microsoft.com/office/drawing/2014/main" id="{938AD48E-7D67-4BE9-97B6-DB64DE5253B9}"/>
+                <a16:creationId xmlns:a16="http://schemas.microsoft.com/office/drawing/2014/main" id="{938AD48E-7D67-4BE9-97B6-DB64DE5253B9}"/>
               </a:ext>
               <a:ext uri="{C183D7F6-B498-43B3-948B-1728B52AA6E4}">
-                <adec:decorative xmlns="" xmlns:adec="http://schemas.microsoft.com/office/drawing/2017/decorative" val="1"/>
+                <adec:decorative xmlns:adec="http://schemas.microsoft.com/office/drawing/2017/decorative" val="1"/>
               </a:ext>
             </a:extLst>
           </p:cNvPr>
@@ -1366,10 +1367,10 @@
           <p:cNvPr id="9" name="Group 8">
             <a:extLst>
               <a:ext uri="{FF2B5EF4-FFF2-40B4-BE49-F238E27FC236}">
-                <a16:creationId xmlns="" xmlns:a16="http://schemas.microsoft.com/office/drawing/2014/main" id="{EB6FF8E2-165B-49EB-8120-14190F9491BC}"/>
+                <a16:creationId xmlns:a16="http://schemas.microsoft.com/office/drawing/2014/main" id="{EB6FF8E2-165B-49EB-8120-14190F9491BC}"/>
               </a:ext>
               <a:ext uri="{C183D7F6-B498-43B3-948B-1728B52AA6E4}">
-                <adec:decorative xmlns="" xmlns:adec="http://schemas.microsoft.com/office/drawing/2017/decorative" val="1"/>
+                <adec:decorative xmlns:adec="http://schemas.microsoft.com/office/drawing/2017/decorative" val="1"/>
               </a:ext>
             </a:extLst>
           </p:cNvPr>
@@ -1389,7 +1390,7 @@
             <p:cNvPr id="10" name="Freeform: Shape 9">
               <a:extLst>
                 <a:ext uri="{FF2B5EF4-FFF2-40B4-BE49-F238E27FC236}">
-                  <a16:creationId xmlns="" xmlns:a16="http://schemas.microsoft.com/office/drawing/2014/main" id="{79B763A7-EE7D-4306-8306-01E8C86E6350}"/>
+                  <a16:creationId xmlns:a16="http://schemas.microsoft.com/office/drawing/2014/main" id="{79B763A7-EE7D-4306-8306-01E8C86E6350}"/>
                 </a:ext>
               </a:extLst>
             </p:cNvPr>
@@ -1611,7 +1612,7 @@
             <p:cNvPr id="11" name="Oval 10">
               <a:extLst>
                 <a:ext uri="{FF2B5EF4-FFF2-40B4-BE49-F238E27FC236}">
-                  <a16:creationId xmlns="" xmlns:a16="http://schemas.microsoft.com/office/drawing/2014/main" id="{4B3A935F-6844-4FCE-B0AE-5492715A58F1}"/>
+                  <a16:creationId xmlns:a16="http://schemas.microsoft.com/office/drawing/2014/main" id="{4B3A935F-6844-4FCE-B0AE-5492715A58F1}"/>
                 </a:ext>
               </a:extLst>
             </p:cNvPr>
@@ -1681,7 +1682,7 @@
           <p:cNvPr id="3" name="Text Placeholder 2">
             <a:extLst>
               <a:ext uri="{FF2B5EF4-FFF2-40B4-BE49-F238E27FC236}">
-                <a16:creationId xmlns="" xmlns:a16="http://schemas.microsoft.com/office/drawing/2014/main" id="{5B16EB97-6E8A-4B50-8701-7CB158044DCA}"/>
+                <a16:creationId xmlns:a16="http://schemas.microsoft.com/office/drawing/2014/main" id="{5B16EB97-6E8A-4B50-8701-7CB158044DCA}"/>
               </a:ext>
             </a:extLst>
           </p:cNvPr>
@@ -1768,10 +1769,10 @@
           <p:cNvPr id="34" name="Group 33">
             <a:extLst>
               <a:ext uri="{FF2B5EF4-FFF2-40B4-BE49-F238E27FC236}">
-                <a16:creationId xmlns="" xmlns:a16="http://schemas.microsoft.com/office/drawing/2014/main" id="{79DE9FAB-6BBA-4CFE-B67D-77B47F01ECA4}"/>
+                <a16:creationId xmlns:a16="http://schemas.microsoft.com/office/drawing/2014/main" id="{79DE9FAB-6BBA-4CFE-B67D-77B47F01ECA4}"/>
               </a:ext>
               <a:ext uri="{C183D7F6-B498-43B3-948B-1728B52AA6E4}">
-                <adec:decorative xmlns="" xmlns:adec="http://schemas.microsoft.com/office/drawing/2017/decorative" val="1"/>
+                <adec:decorative xmlns:adec="http://schemas.microsoft.com/office/drawing/2017/decorative" val="1"/>
               </a:ext>
             </a:extLst>
           </p:cNvPr>
@@ -1791,7 +1792,7 @@
             <p:cNvPr id="35" name="Freeform: Shape 34">
               <a:extLst>
                 <a:ext uri="{FF2B5EF4-FFF2-40B4-BE49-F238E27FC236}">
-                  <a16:creationId xmlns="" xmlns:a16="http://schemas.microsoft.com/office/drawing/2014/main" id="{79FAC916-D9BB-4794-81B4-7C47C67E850D}"/>
+                  <a16:creationId xmlns:a16="http://schemas.microsoft.com/office/drawing/2014/main" id="{79FAC916-D9BB-4794-81B4-7C47C67E850D}"/>
                 </a:ext>
               </a:extLst>
             </p:cNvPr>
@@ -1931,7 +1932,7 @@
             <p:cNvPr id="36" name="Freeform: Shape 35">
               <a:extLst>
                 <a:ext uri="{FF2B5EF4-FFF2-40B4-BE49-F238E27FC236}">
-                  <a16:creationId xmlns="" xmlns:a16="http://schemas.microsoft.com/office/drawing/2014/main" id="{B5CA2231-7A65-4D16-8400-A210CC41DB73}"/>
+                  <a16:creationId xmlns:a16="http://schemas.microsoft.com/office/drawing/2014/main" id="{B5CA2231-7A65-4D16-8400-A210CC41DB73}"/>
                 </a:ext>
               </a:extLst>
             </p:cNvPr>
@@ -2073,7 +2074,7 @@
             <p:cNvPr id="37" name="Oval 36">
               <a:extLst>
                 <a:ext uri="{FF2B5EF4-FFF2-40B4-BE49-F238E27FC236}">
-                  <a16:creationId xmlns="" xmlns:a16="http://schemas.microsoft.com/office/drawing/2014/main" id="{4B089C8C-B82B-4704-88E2-E857A5E21529}"/>
+                  <a16:creationId xmlns:a16="http://schemas.microsoft.com/office/drawing/2014/main" id="{4B089C8C-B82B-4704-88E2-E857A5E21529}"/>
                 </a:ext>
               </a:extLst>
             </p:cNvPr>
@@ -2142,7 +2143,7 @@
             <p:cNvPr id="38" name="Oval 37">
               <a:extLst>
                 <a:ext uri="{FF2B5EF4-FFF2-40B4-BE49-F238E27FC236}">
-                  <a16:creationId xmlns="" xmlns:a16="http://schemas.microsoft.com/office/drawing/2014/main" id="{434B90C8-5B4D-456E-AD99-80EF748FDD72}"/>
+                  <a16:creationId xmlns:a16="http://schemas.microsoft.com/office/drawing/2014/main" id="{434B90C8-5B4D-456E-AD99-80EF748FDD72}"/>
                 </a:ext>
               </a:extLst>
             </p:cNvPr>
@@ -2212,10 +2213,10 @@
           <p:cNvPr id="19" name="Freeform: Shape 18">
             <a:extLst>
               <a:ext uri="{FF2B5EF4-FFF2-40B4-BE49-F238E27FC236}">
-                <a16:creationId xmlns="" xmlns:a16="http://schemas.microsoft.com/office/drawing/2014/main" id="{82184FF4-7029-4ED7-813A-192E60608764}"/>
+                <a16:creationId xmlns:a16="http://schemas.microsoft.com/office/drawing/2014/main" id="{82184FF4-7029-4ED7-813A-192E60608764}"/>
               </a:ext>
               <a:ext uri="{C183D7F6-B498-43B3-948B-1728B52AA6E4}">
-                <adec:decorative xmlns="" xmlns:adec="http://schemas.microsoft.com/office/drawing/2017/decorative" val="1"/>
+                <adec:decorative xmlns:adec="http://schemas.microsoft.com/office/drawing/2017/decorative" val="1"/>
               </a:ext>
             </a:extLst>
           </p:cNvPr>
@@ -2437,10 +2438,10 @@
           <p:cNvPr id="20" name="Oval 19">
             <a:extLst>
               <a:ext uri="{FF2B5EF4-FFF2-40B4-BE49-F238E27FC236}">
-                <a16:creationId xmlns="" xmlns:a16="http://schemas.microsoft.com/office/drawing/2014/main" id="{AAA7AB09-557C-41AD-9113-FF9F68FA1035}"/>
+                <a16:creationId xmlns:a16="http://schemas.microsoft.com/office/drawing/2014/main" id="{AAA7AB09-557C-41AD-9113-FF9F68FA1035}"/>
               </a:ext>
               <a:ext uri="{C183D7F6-B498-43B3-948B-1728B52AA6E4}">
-                <adec:decorative xmlns="" xmlns:adec="http://schemas.microsoft.com/office/drawing/2017/decorative" val="1"/>
+                <adec:decorative xmlns:adec="http://schemas.microsoft.com/office/drawing/2017/decorative" val="1"/>
               </a:ext>
             </a:extLst>
           </p:cNvPr>
@@ -2520,10 +2521,10 @@
           <p:cNvPr id="25" name="Oval 24">
             <a:extLst>
               <a:ext uri="{FF2B5EF4-FFF2-40B4-BE49-F238E27FC236}">
-                <a16:creationId xmlns="" xmlns:a16="http://schemas.microsoft.com/office/drawing/2014/main" id="{EF99ECAA-1F11-4937-BBA6-51935AB44C9D}"/>
+                <a16:creationId xmlns:a16="http://schemas.microsoft.com/office/drawing/2014/main" id="{EF99ECAA-1F11-4937-BBA6-51935AB44C9D}"/>
               </a:ext>
               <a:ext uri="{C183D7F6-B498-43B3-948B-1728B52AA6E4}">
-                <adec:decorative xmlns="" xmlns:adec="http://schemas.microsoft.com/office/drawing/2017/decorative" val="1"/>
+                <adec:decorative xmlns:adec="http://schemas.microsoft.com/office/drawing/2017/decorative" val="1"/>
               </a:ext>
             </a:extLst>
           </p:cNvPr>
@@ -2606,7 +2607,7 @@
           <p:cNvPr id="15" name="Title 1">
             <a:extLst>
               <a:ext uri="{FF2B5EF4-FFF2-40B4-BE49-F238E27FC236}">
-                <a16:creationId xmlns="" xmlns:a16="http://schemas.microsoft.com/office/drawing/2014/main" id="{EBCCE83C-72C8-4181-8D03-7CFB23A6FF2D}"/>
+                <a16:creationId xmlns:a16="http://schemas.microsoft.com/office/drawing/2014/main" id="{EBCCE83C-72C8-4181-8D03-7CFB23A6FF2D}"/>
               </a:ext>
             </a:extLst>
           </p:cNvPr>
@@ -2651,7 +2652,7 @@
           <p:cNvPr id="16" name="Text Placeholder 2">
             <a:extLst>
               <a:ext uri="{FF2B5EF4-FFF2-40B4-BE49-F238E27FC236}">
-                <a16:creationId xmlns="" xmlns:a16="http://schemas.microsoft.com/office/drawing/2014/main" id="{C6FCDFCC-38D1-43A4-918F-491DBA6B2CF6}"/>
+                <a16:creationId xmlns:a16="http://schemas.microsoft.com/office/drawing/2014/main" id="{C6FCDFCC-38D1-43A4-918F-491DBA6B2CF6}"/>
               </a:ext>
             </a:extLst>
           </p:cNvPr>
@@ -2729,7 +2730,7 @@
           <p:cNvPr id="17" name="Content Placeholder 3">
             <a:extLst>
               <a:ext uri="{FF2B5EF4-FFF2-40B4-BE49-F238E27FC236}">
-                <a16:creationId xmlns="" xmlns:a16="http://schemas.microsoft.com/office/drawing/2014/main" id="{8A9CB740-8581-4D62-8481-7ECBBEDA7219}"/>
+                <a16:creationId xmlns:a16="http://schemas.microsoft.com/office/drawing/2014/main" id="{8A9CB740-8581-4D62-8481-7ECBBEDA7219}"/>
               </a:ext>
             </a:extLst>
           </p:cNvPr>
@@ -2810,7 +2811,7 @@
           <p:cNvPr id="22" name="Text Placeholder 4">
             <a:extLst>
               <a:ext uri="{FF2B5EF4-FFF2-40B4-BE49-F238E27FC236}">
-                <a16:creationId xmlns="" xmlns:a16="http://schemas.microsoft.com/office/drawing/2014/main" id="{AB16E493-D962-46EC-BBB8-D7E68A640438}"/>
+                <a16:creationId xmlns:a16="http://schemas.microsoft.com/office/drawing/2014/main" id="{AB16E493-D962-46EC-BBB8-D7E68A640438}"/>
               </a:ext>
             </a:extLst>
           </p:cNvPr>
@@ -2855,7 +2856,7 @@
           <p:cNvPr id="23" name="Content Placeholder 5">
             <a:extLst>
               <a:ext uri="{FF2B5EF4-FFF2-40B4-BE49-F238E27FC236}">
-                <a16:creationId xmlns="" xmlns:a16="http://schemas.microsoft.com/office/drawing/2014/main" id="{88CC7C67-1BA6-42A6-B9D3-8EDF70A3DB38}"/>
+                <a16:creationId xmlns:a16="http://schemas.microsoft.com/office/drawing/2014/main" id="{88CC7C67-1BA6-42A6-B9D3-8EDF70A3DB38}"/>
               </a:ext>
             </a:extLst>
           </p:cNvPr>
@@ -2936,7 +2937,7 @@
           <p:cNvPr id="18" name="Text Placeholder 4">
             <a:extLst>
               <a:ext uri="{FF2B5EF4-FFF2-40B4-BE49-F238E27FC236}">
-                <a16:creationId xmlns="" xmlns:a16="http://schemas.microsoft.com/office/drawing/2014/main" id="{C17092A6-D0E6-4EF2-B3B8-AE35438D4D77}"/>
+                <a16:creationId xmlns:a16="http://schemas.microsoft.com/office/drawing/2014/main" id="{C17092A6-D0E6-4EF2-B3B8-AE35438D4D77}"/>
               </a:ext>
             </a:extLst>
           </p:cNvPr>
@@ -2981,7 +2982,7 @@
           <p:cNvPr id="21" name="Content Placeholder 5">
             <a:extLst>
               <a:ext uri="{FF2B5EF4-FFF2-40B4-BE49-F238E27FC236}">
-                <a16:creationId xmlns="" xmlns:a16="http://schemas.microsoft.com/office/drawing/2014/main" id="{4534254A-2561-400F-87CB-18A8D3538124}"/>
+                <a16:creationId xmlns:a16="http://schemas.microsoft.com/office/drawing/2014/main" id="{4534254A-2561-400F-87CB-18A8D3538124}"/>
               </a:ext>
             </a:extLst>
           </p:cNvPr>
@@ -3062,7 +3063,7 @@
           <p:cNvPr id="4" name="Date Placeholder 3">
             <a:extLst>
               <a:ext uri="{FF2B5EF4-FFF2-40B4-BE49-F238E27FC236}">
-                <a16:creationId xmlns="" xmlns:a16="http://schemas.microsoft.com/office/drawing/2014/main" id="{8B1BC074-1090-47AF-BDE8-3859BF574BA6}"/>
+                <a16:creationId xmlns:a16="http://schemas.microsoft.com/office/drawing/2014/main" id="{8B1BC074-1090-47AF-BDE8-3859BF574BA6}"/>
               </a:ext>
             </a:extLst>
           </p:cNvPr>
@@ -3081,7 +3082,7 @@
           <a:lstStyle/>
           <a:p>
             <a:r>
-              <a:rPr lang="en-US" smtClean="0"/>
+              <a:rPr lang="en-US"/>
               <a:t>Wednesday March 17, 2021</a:t>
             </a:r>
             <a:endParaRPr lang="en-US" dirty="0"/>
@@ -3093,7 +3094,7 @@
           <p:cNvPr id="5" name="Footer Placeholder 4">
             <a:extLst>
               <a:ext uri="{FF2B5EF4-FFF2-40B4-BE49-F238E27FC236}">
-                <a16:creationId xmlns="" xmlns:a16="http://schemas.microsoft.com/office/drawing/2014/main" id="{F1D6522F-D41A-4734-8BD1-BD6E5A37D04C}"/>
+                <a16:creationId xmlns:a16="http://schemas.microsoft.com/office/drawing/2014/main" id="{F1D6522F-D41A-4734-8BD1-BD6E5A37D04C}"/>
               </a:ext>
             </a:extLst>
           </p:cNvPr>
@@ -3112,10 +3113,9 @@
           <a:lstStyle/>
           <a:p>
             <a:r>
-              <a:rPr lang="en-US" smtClean="0"/>
+              <a:rPr lang="en-US"/>
               <a:t>https://github.com/jenmusdat/BeerMachineLearning</a:t>
             </a:r>
-            <a:endParaRPr lang="en-US"/>
           </a:p>
         </p:txBody>
       </p:sp>
@@ -3124,7 +3124,7 @@
           <p:cNvPr id="6" name="Slide Number Placeholder 5">
             <a:extLst>
               <a:ext uri="{FF2B5EF4-FFF2-40B4-BE49-F238E27FC236}">
-                <a16:creationId xmlns="" xmlns:a16="http://schemas.microsoft.com/office/drawing/2014/main" id="{D74D4206-406C-42A3-BBD4-44C043180931}"/>
+                <a16:creationId xmlns:a16="http://schemas.microsoft.com/office/drawing/2014/main" id="{D74D4206-406C-42A3-BBD4-44C043180931}"/>
               </a:ext>
             </a:extLst>
           </p:cNvPr>
@@ -3185,7 +3185,7 @@
           <p:cNvPr id="5" name="Title 1">
             <a:extLst>
               <a:ext uri="{FF2B5EF4-FFF2-40B4-BE49-F238E27FC236}">
-                <a16:creationId xmlns="" xmlns:a16="http://schemas.microsoft.com/office/drawing/2014/main" id="{E949202B-67AE-417A-A336-DF5257FFDCF0}"/>
+                <a16:creationId xmlns:a16="http://schemas.microsoft.com/office/drawing/2014/main" id="{E949202B-67AE-417A-A336-DF5257FFDCF0}"/>
               </a:ext>
             </a:extLst>
           </p:cNvPr>
@@ -3220,7 +3220,7 @@
           <p:cNvPr id="10" name="Picture Placeholder 9">
             <a:extLst>
               <a:ext uri="{FF2B5EF4-FFF2-40B4-BE49-F238E27FC236}">
-                <a16:creationId xmlns="" xmlns:a16="http://schemas.microsoft.com/office/drawing/2014/main" id="{1786D546-2834-435F-950F-DCEFE654B3B1}"/>
+                <a16:creationId xmlns:a16="http://schemas.microsoft.com/office/drawing/2014/main" id="{1786D546-2834-435F-950F-DCEFE654B3B1}"/>
               </a:ext>
             </a:extLst>
           </p:cNvPr>
@@ -3258,7 +3258,7 @@
           <p:cNvPr id="7" name="Content Placeholder 6">
             <a:extLst>
               <a:ext uri="{FF2B5EF4-FFF2-40B4-BE49-F238E27FC236}">
-                <a16:creationId xmlns="" xmlns:a16="http://schemas.microsoft.com/office/drawing/2014/main" id="{3BD763BD-EAC5-4DB8-81AF-9743BB6A9576}"/>
+                <a16:creationId xmlns:a16="http://schemas.microsoft.com/office/drawing/2014/main" id="{3BD763BD-EAC5-4DB8-81AF-9743BB6A9576}"/>
               </a:ext>
             </a:extLst>
           </p:cNvPr>
@@ -3315,7 +3315,7 @@
           <p:cNvPr id="2" name="Date Placeholder 1">
             <a:extLst>
               <a:ext uri="{FF2B5EF4-FFF2-40B4-BE49-F238E27FC236}">
-                <a16:creationId xmlns="" xmlns:a16="http://schemas.microsoft.com/office/drawing/2014/main" id="{AB81B449-7B97-41DC-B23F-65EDCBD316A6}"/>
+                <a16:creationId xmlns:a16="http://schemas.microsoft.com/office/drawing/2014/main" id="{AB81B449-7B97-41DC-B23F-65EDCBD316A6}"/>
               </a:ext>
             </a:extLst>
           </p:cNvPr>
@@ -3334,10 +3334,9 @@
           <a:lstStyle/>
           <a:p>
             <a:r>
-              <a:rPr lang="en-US" smtClean="0"/>
+              <a:rPr lang="en-US"/>
               <a:t>Wednesday March 17, 2021</a:t>
             </a:r>
-            <a:endParaRPr lang="en-US"/>
           </a:p>
         </p:txBody>
       </p:sp>
@@ -3346,7 +3345,7 @@
           <p:cNvPr id="3" name="Footer Placeholder 2">
             <a:extLst>
               <a:ext uri="{FF2B5EF4-FFF2-40B4-BE49-F238E27FC236}">
-                <a16:creationId xmlns="" xmlns:a16="http://schemas.microsoft.com/office/drawing/2014/main" id="{7C6B46D5-337B-4906-8412-4EEA3884FA7E}"/>
+                <a16:creationId xmlns:a16="http://schemas.microsoft.com/office/drawing/2014/main" id="{7C6B46D5-337B-4906-8412-4EEA3884FA7E}"/>
               </a:ext>
             </a:extLst>
           </p:cNvPr>
@@ -3365,10 +3364,9 @@
           <a:lstStyle/>
           <a:p>
             <a:r>
-              <a:rPr lang="en-US" smtClean="0"/>
+              <a:rPr lang="en-US"/>
               <a:t>https://github.com/jenmusdat/BeerMachineLearning</a:t>
             </a:r>
-            <a:endParaRPr lang="en-US"/>
           </a:p>
         </p:txBody>
       </p:sp>
@@ -3377,7 +3375,7 @@
           <p:cNvPr id="4" name="Slide Number Placeholder 3">
             <a:extLst>
               <a:ext uri="{FF2B5EF4-FFF2-40B4-BE49-F238E27FC236}">
-                <a16:creationId xmlns="" xmlns:a16="http://schemas.microsoft.com/office/drawing/2014/main" id="{E436F230-C9A7-407A-B923-873839C8D8A0}"/>
+                <a16:creationId xmlns:a16="http://schemas.microsoft.com/office/drawing/2014/main" id="{E436F230-C9A7-407A-B923-873839C8D8A0}"/>
               </a:ext>
             </a:extLst>
           </p:cNvPr>
@@ -3408,10 +3406,10 @@
           <p:cNvPr id="8" name="Oval 7">
             <a:extLst>
               <a:ext uri="{FF2B5EF4-FFF2-40B4-BE49-F238E27FC236}">
-                <a16:creationId xmlns="" xmlns:a16="http://schemas.microsoft.com/office/drawing/2014/main" id="{446AF837-10C6-44A5-B8D6-960A57487B43}"/>
+                <a16:creationId xmlns:a16="http://schemas.microsoft.com/office/drawing/2014/main" id="{446AF837-10C6-44A5-B8D6-960A57487B43}"/>
               </a:ext>
               <a:ext uri="{C183D7F6-B498-43B3-948B-1728B52AA6E4}">
-                <adec:decorative xmlns="" xmlns:adec="http://schemas.microsoft.com/office/drawing/2017/decorative" val="1"/>
+                <adec:decorative xmlns:adec="http://schemas.microsoft.com/office/drawing/2017/decorative" val="1"/>
               </a:ext>
             </a:extLst>
           </p:cNvPr>
@@ -3524,7 +3522,7 @@
           <p:cNvPr id="28" name="Title 1">
             <a:extLst>
               <a:ext uri="{FF2B5EF4-FFF2-40B4-BE49-F238E27FC236}">
-                <a16:creationId xmlns="" xmlns:a16="http://schemas.microsoft.com/office/drawing/2014/main" id="{97246E34-E6EE-4BF3-A0D3-A20868B5A594}"/>
+                <a16:creationId xmlns:a16="http://schemas.microsoft.com/office/drawing/2014/main" id="{97246E34-E6EE-4BF3-A0D3-A20868B5A594}"/>
               </a:ext>
             </a:extLst>
           </p:cNvPr>
@@ -3560,7 +3558,7 @@
           <p:cNvPr id="31" name="Subtitle 2">
             <a:extLst>
               <a:ext uri="{FF2B5EF4-FFF2-40B4-BE49-F238E27FC236}">
-                <a16:creationId xmlns="" xmlns:a16="http://schemas.microsoft.com/office/drawing/2014/main" id="{45BE5FFB-47D1-4474-B6CA-C3C936DF285E}"/>
+                <a16:creationId xmlns:a16="http://schemas.microsoft.com/office/drawing/2014/main" id="{45BE5FFB-47D1-4474-B6CA-C3C936DF285E}"/>
               </a:ext>
             </a:extLst>
           </p:cNvPr>
@@ -3613,7 +3611,7 @@
           <p:cNvPr id="40" name="Picture Placeholder 39">
             <a:extLst>
               <a:ext uri="{FF2B5EF4-FFF2-40B4-BE49-F238E27FC236}">
-                <a16:creationId xmlns="" xmlns:a16="http://schemas.microsoft.com/office/drawing/2014/main" id="{008D9209-1A62-4AC3-BF92-94348A9BC06B}"/>
+                <a16:creationId xmlns:a16="http://schemas.microsoft.com/office/drawing/2014/main" id="{008D9209-1A62-4AC3-BF92-94348A9BC06B}"/>
               </a:ext>
             </a:extLst>
           </p:cNvPr>
@@ -3652,7 +3650,7 @@
           <p:cNvPr id="42" name="Picture Placeholder 41">
             <a:extLst>
               <a:ext uri="{FF2B5EF4-FFF2-40B4-BE49-F238E27FC236}">
-                <a16:creationId xmlns="" xmlns:a16="http://schemas.microsoft.com/office/drawing/2014/main" id="{FADBFB6B-1787-4549-91B6-D748C66B13C6}"/>
+                <a16:creationId xmlns:a16="http://schemas.microsoft.com/office/drawing/2014/main" id="{FADBFB6B-1787-4549-91B6-D748C66B13C6}"/>
               </a:ext>
             </a:extLst>
           </p:cNvPr>
@@ -3690,10 +3688,10 @@
           <p:cNvPr id="43" name="Group 42">
             <a:extLst>
               <a:ext uri="{FF2B5EF4-FFF2-40B4-BE49-F238E27FC236}">
-                <a16:creationId xmlns="" xmlns:a16="http://schemas.microsoft.com/office/drawing/2014/main" id="{06966E3E-9B30-4375-AC9A-23256CC87D25}"/>
+                <a16:creationId xmlns:a16="http://schemas.microsoft.com/office/drawing/2014/main" id="{06966E3E-9B30-4375-AC9A-23256CC87D25}"/>
               </a:ext>
               <a:ext uri="{C183D7F6-B498-43B3-948B-1728B52AA6E4}">
-                <adec:decorative xmlns="" xmlns:adec="http://schemas.microsoft.com/office/drawing/2017/decorative" val="1"/>
+                <adec:decorative xmlns:adec="http://schemas.microsoft.com/office/drawing/2017/decorative" val="1"/>
               </a:ext>
             </a:extLst>
           </p:cNvPr>
@@ -3713,7 +3711,7 @@
             <p:cNvPr id="44" name="Freeform: Shape 43">
               <a:extLst>
                 <a:ext uri="{FF2B5EF4-FFF2-40B4-BE49-F238E27FC236}">
-                  <a16:creationId xmlns="" xmlns:a16="http://schemas.microsoft.com/office/drawing/2014/main" id="{4EBBC5A2-A37E-47DF-9230-9A75067F1883}"/>
+                  <a16:creationId xmlns:a16="http://schemas.microsoft.com/office/drawing/2014/main" id="{4EBBC5A2-A37E-47DF-9230-9A75067F1883}"/>
                 </a:ext>
               </a:extLst>
             </p:cNvPr>
@@ -3873,7 +3871,7 @@
             <p:cNvPr id="45" name="Oval 44">
               <a:extLst>
                 <a:ext uri="{FF2B5EF4-FFF2-40B4-BE49-F238E27FC236}">
-                  <a16:creationId xmlns="" xmlns:a16="http://schemas.microsoft.com/office/drawing/2014/main" id="{11781B9A-C230-4FFC-90A8-E0571B1DEDA7}"/>
+                  <a16:creationId xmlns:a16="http://schemas.microsoft.com/office/drawing/2014/main" id="{11781B9A-C230-4FFC-90A8-E0571B1DEDA7}"/>
                 </a:ext>
               </a:extLst>
             </p:cNvPr>
@@ -3939,7 +3937,7 @@
             <p:cNvPr id="46" name="Freeform: Shape 45">
               <a:extLst>
                 <a:ext uri="{FF2B5EF4-FFF2-40B4-BE49-F238E27FC236}">
-                  <a16:creationId xmlns="" xmlns:a16="http://schemas.microsoft.com/office/drawing/2014/main" id="{3295925C-3570-40F1-B3CE-07D947ED4643}"/>
+                  <a16:creationId xmlns:a16="http://schemas.microsoft.com/office/drawing/2014/main" id="{3295925C-3570-40F1-B3CE-07D947ED4643}"/>
                 </a:ext>
               </a:extLst>
             </p:cNvPr>
@@ -4098,10 +4096,10 @@
           <p:cNvPr id="15" name="Group 14">
             <a:extLst>
               <a:ext uri="{FF2B5EF4-FFF2-40B4-BE49-F238E27FC236}">
-                <a16:creationId xmlns="" xmlns:a16="http://schemas.microsoft.com/office/drawing/2014/main" id="{394664AE-6DC5-428F-9AC4-5A8F67571F72}"/>
+                <a16:creationId xmlns:a16="http://schemas.microsoft.com/office/drawing/2014/main" id="{394664AE-6DC5-428F-9AC4-5A8F67571F72}"/>
               </a:ext>
               <a:ext uri="{C183D7F6-B498-43B3-948B-1728B52AA6E4}">
-                <adec:decorative xmlns="" xmlns:adec="http://schemas.microsoft.com/office/drawing/2017/decorative" val="1"/>
+                <adec:decorative xmlns:adec="http://schemas.microsoft.com/office/drawing/2017/decorative" val="1"/>
               </a:ext>
             </a:extLst>
           </p:cNvPr>
@@ -4121,7 +4119,7 @@
             <p:cNvPr id="16" name="Freeform: Shape 15">
               <a:extLst>
                 <a:ext uri="{FF2B5EF4-FFF2-40B4-BE49-F238E27FC236}">
-                  <a16:creationId xmlns="" xmlns:a16="http://schemas.microsoft.com/office/drawing/2014/main" id="{8288F304-7DF7-42FB-BD6F-D575128A1DDE}"/>
+                  <a16:creationId xmlns:a16="http://schemas.microsoft.com/office/drawing/2014/main" id="{8288F304-7DF7-42FB-BD6F-D575128A1DDE}"/>
                 </a:ext>
               </a:extLst>
             </p:cNvPr>
@@ -4343,7 +4341,7 @@
             <p:cNvPr id="21" name="Oval 20">
               <a:extLst>
                 <a:ext uri="{FF2B5EF4-FFF2-40B4-BE49-F238E27FC236}">
-                  <a16:creationId xmlns="" xmlns:a16="http://schemas.microsoft.com/office/drawing/2014/main" id="{104835D9-7DE9-4DDD-A6C2-1C526822700A}"/>
+                  <a16:creationId xmlns:a16="http://schemas.microsoft.com/office/drawing/2014/main" id="{104835D9-7DE9-4DDD-A6C2-1C526822700A}"/>
                 </a:ext>
               </a:extLst>
             </p:cNvPr>
@@ -4413,7 +4411,7 @@
           <p:cNvPr id="5" name="Date Placeholder 4">
             <a:extLst>
               <a:ext uri="{FF2B5EF4-FFF2-40B4-BE49-F238E27FC236}">
-                <a16:creationId xmlns="" xmlns:a16="http://schemas.microsoft.com/office/drawing/2014/main" id="{E57D2D6F-49E8-4217-A908-2D9E43583589}"/>
+                <a16:creationId xmlns:a16="http://schemas.microsoft.com/office/drawing/2014/main" id="{E57D2D6F-49E8-4217-A908-2D9E43583589}"/>
               </a:ext>
             </a:extLst>
           </p:cNvPr>
@@ -4432,10 +4430,9 @@
           <a:lstStyle/>
           <a:p>
             <a:r>
-              <a:rPr lang="en-US" smtClean="0"/>
+              <a:rPr lang="en-US"/>
               <a:t>Wednesday March 17, 2021</a:t>
             </a:r>
-            <a:endParaRPr lang="en-US"/>
           </a:p>
         </p:txBody>
       </p:sp>
@@ -4444,7 +4441,7 @@
           <p:cNvPr id="6" name="Footer Placeholder 5">
             <a:extLst>
               <a:ext uri="{FF2B5EF4-FFF2-40B4-BE49-F238E27FC236}">
-                <a16:creationId xmlns="" xmlns:a16="http://schemas.microsoft.com/office/drawing/2014/main" id="{591C4440-6B8D-4A24-A807-8B1302A3DFAF}"/>
+                <a16:creationId xmlns:a16="http://schemas.microsoft.com/office/drawing/2014/main" id="{591C4440-6B8D-4A24-A807-8B1302A3DFAF}"/>
               </a:ext>
             </a:extLst>
           </p:cNvPr>
@@ -4463,10 +4460,9 @@
           <a:lstStyle/>
           <a:p>
             <a:r>
-              <a:rPr lang="en-US" smtClean="0"/>
+              <a:rPr lang="en-US"/>
               <a:t>https://github.com/jenmusdat/BeerMachineLearning</a:t>
             </a:r>
-            <a:endParaRPr lang="en-US"/>
           </a:p>
         </p:txBody>
       </p:sp>
@@ -4475,7 +4471,7 @@
           <p:cNvPr id="7" name="Slide Number Placeholder 6">
             <a:extLst>
               <a:ext uri="{FF2B5EF4-FFF2-40B4-BE49-F238E27FC236}">
-                <a16:creationId xmlns="" xmlns:a16="http://schemas.microsoft.com/office/drawing/2014/main" id="{76CFE189-E20B-4108-B290-244424336512}"/>
+                <a16:creationId xmlns:a16="http://schemas.microsoft.com/office/drawing/2014/main" id="{76CFE189-E20B-4108-B290-244424336512}"/>
               </a:ext>
             </a:extLst>
           </p:cNvPr>
@@ -4506,10 +4502,10 @@
           <p:cNvPr id="17" name="Oval 16">
             <a:extLst>
               <a:ext uri="{FF2B5EF4-FFF2-40B4-BE49-F238E27FC236}">
-                <a16:creationId xmlns="" xmlns:a16="http://schemas.microsoft.com/office/drawing/2014/main" id="{83C43C1C-00B3-40E0-B073-B8C56206D07D}"/>
+                <a16:creationId xmlns:a16="http://schemas.microsoft.com/office/drawing/2014/main" id="{83C43C1C-00B3-40E0-B073-B8C56206D07D}"/>
               </a:ext>
               <a:ext uri="{C183D7F6-B498-43B3-948B-1728B52AA6E4}">
-                <adec:decorative xmlns="" xmlns:adec="http://schemas.microsoft.com/office/drawing/2017/decorative" val="1"/>
+                <adec:decorative xmlns:adec="http://schemas.microsoft.com/office/drawing/2017/decorative" val="1"/>
               </a:ext>
             </a:extLst>
           </p:cNvPr>
@@ -4624,7 +4620,7 @@
           <p:cNvPr id="2" name="Title 1">
             <a:extLst>
               <a:ext uri="{FF2B5EF4-FFF2-40B4-BE49-F238E27FC236}">
-                <a16:creationId xmlns="" xmlns:a16="http://schemas.microsoft.com/office/drawing/2014/main" id="{AB577394-0A20-4CF6-9066-CFC2C1C9D30F}"/>
+                <a16:creationId xmlns:a16="http://schemas.microsoft.com/office/drawing/2014/main" id="{AB577394-0A20-4CF6-9066-CFC2C1C9D30F}"/>
               </a:ext>
             </a:extLst>
           </p:cNvPr>
@@ -4667,7 +4663,7 @@
           <p:cNvPr id="3" name="Subtitle 2">
             <a:extLst>
               <a:ext uri="{FF2B5EF4-FFF2-40B4-BE49-F238E27FC236}">
-                <a16:creationId xmlns="" xmlns:a16="http://schemas.microsoft.com/office/drawing/2014/main" id="{3F10971F-8922-4B23-9C80-0643D7E35026}"/>
+                <a16:creationId xmlns:a16="http://schemas.microsoft.com/office/drawing/2014/main" id="{3F10971F-8922-4B23-9C80-0643D7E35026}"/>
               </a:ext>
             </a:extLst>
           </p:cNvPr>
@@ -4749,7 +4745,7 @@
           <p:cNvPr id="4" name="Date Placeholder 3">
             <a:extLst>
               <a:ext uri="{FF2B5EF4-FFF2-40B4-BE49-F238E27FC236}">
-                <a16:creationId xmlns="" xmlns:a16="http://schemas.microsoft.com/office/drawing/2014/main" id="{8B1BC074-1090-47AF-BDE8-3859BF574BA6}"/>
+                <a16:creationId xmlns:a16="http://schemas.microsoft.com/office/drawing/2014/main" id="{8B1BC074-1090-47AF-BDE8-3859BF574BA6}"/>
               </a:ext>
             </a:extLst>
           </p:cNvPr>
@@ -4768,7 +4764,7 @@
           <a:lstStyle/>
           <a:p>
             <a:r>
-              <a:rPr lang="en-US" smtClean="0"/>
+              <a:rPr lang="en-US"/>
               <a:t>Wednesday March 17, 2021</a:t>
             </a:r>
             <a:endParaRPr lang="en-US" dirty="0"/>
@@ -4780,7 +4776,7 @@
           <p:cNvPr id="5" name="Footer Placeholder 4">
             <a:extLst>
               <a:ext uri="{FF2B5EF4-FFF2-40B4-BE49-F238E27FC236}">
-                <a16:creationId xmlns="" xmlns:a16="http://schemas.microsoft.com/office/drawing/2014/main" id="{F1D6522F-D41A-4734-8BD1-BD6E5A37D04C}"/>
+                <a16:creationId xmlns:a16="http://schemas.microsoft.com/office/drawing/2014/main" id="{F1D6522F-D41A-4734-8BD1-BD6E5A37D04C}"/>
               </a:ext>
             </a:extLst>
           </p:cNvPr>
@@ -4799,10 +4795,9 @@
           <a:lstStyle/>
           <a:p>
             <a:r>
-              <a:rPr lang="en-US" smtClean="0"/>
+              <a:rPr lang="en-US"/>
               <a:t>https://github.com/jenmusdat/BeerMachineLearning</a:t>
             </a:r>
-            <a:endParaRPr lang="en-US"/>
           </a:p>
         </p:txBody>
       </p:sp>
@@ -4811,7 +4806,7 @@
           <p:cNvPr id="6" name="Slide Number Placeholder 5">
             <a:extLst>
               <a:ext uri="{FF2B5EF4-FFF2-40B4-BE49-F238E27FC236}">
-                <a16:creationId xmlns="" xmlns:a16="http://schemas.microsoft.com/office/drawing/2014/main" id="{D74D4206-406C-42A3-BBD4-44C043180931}"/>
+                <a16:creationId xmlns:a16="http://schemas.microsoft.com/office/drawing/2014/main" id="{D74D4206-406C-42A3-BBD4-44C043180931}"/>
               </a:ext>
             </a:extLst>
           </p:cNvPr>
@@ -4842,7 +4837,7 @@
           <p:cNvPr id="19" name="Freeform: Shape 18">
             <a:extLst>
               <a:ext uri="{FF2B5EF4-FFF2-40B4-BE49-F238E27FC236}">
-                <a16:creationId xmlns="" xmlns:a16="http://schemas.microsoft.com/office/drawing/2014/main" id="{82184FF4-7029-4ED7-813A-192E60608764}"/>
+                <a16:creationId xmlns:a16="http://schemas.microsoft.com/office/drawing/2014/main" id="{82184FF4-7029-4ED7-813A-192E60608764}"/>
               </a:ext>
             </a:extLst>
           </p:cNvPr>
@@ -5064,7 +5059,7 @@
           <p:cNvPr id="20" name="Oval 19">
             <a:extLst>
               <a:ext uri="{FF2B5EF4-FFF2-40B4-BE49-F238E27FC236}">
-                <a16:creationId xmlns="" xmlns:a16="http://schemas.microsoft.com/office/drawing/2014/main" id="{AAA7AB09-557C-41AD-9113-FF9F68FA1035}"/>
+                <a16:creationId xmlns:a16="http://schemas.microsoft.com/office/drawing/2014/main" id="{AAA7AB09-557C-41AD-9113-FF9F68FA1035}"/>
               </a:ext>
             </a:extLst>
           </p:cNvPr>
@@ -5144,7 +5139,7 @@
           <p:cNvPr id="25" name="Oval 24">
             <a:extLst>
               <a:ext uri="{FF2B5EF4-FFF2-40B4-BE49-F238E27FC236}">
-                <a16:creationId xmlns="" xmlns:a16="http://schemas.microsoft.com/office/drawing/2014/main" id="{EF99ECAA-1F11-4937-BBA6-51935AB44C9D}"/>
+                <a16:creationId xmlns:a16="http://schemas.microsoft.com/office/drawing/2014/main" id="{EF99ECAA-1F11-4937-BBA6-51935AB44C9D}"/>
               </a:ext>
             </a:extLst>
           </p:cNvPr>
@@ -5227,7 +5222,7 @@
           <p:cNvPr id="34" name="Group 33">
             <a:extLst>
               <a:ext uri="{FF2B5EF4-FFF2-40B4-BE49-F238E27FC236}">
-                <a16:creationId xmlns="" xmlns:a16="http://schemas.microsoft.com/office/drawing/2014/main" id="{79DE9FAB-6BBA-4CFE-B67D-77B47F01ECA4}"/>
+                <a16:creationId xmlns:a16="http://schemas.microsoft.com/office/drawing/2014/main" id="{79DE9FAB-6BBA-4CFE-B67D-77B47F01ECA4}"/>
               </a:ext>
             </a:extLst>
           </p:cNvPr>
@@ -5247,7 +5242,7 @@
             <p:cNvPr id="35" name="Freeform: Shape 34">
               <a:extLst>
                 <a:ext uri="{FF2B5EF4-FFF2-40B4-BE49-F238E27FC236}">
-                  <a16:creationId xmlns="" xmlns:a16="http://schemas.microsoft.com/office/drawing/2014/main" id="{79FAC916-D9BB-4794-81B4-7C47C67E850D}"/>
+                  <a16:creationId xmlns:a16="http://schemas.microsoft.com/office/drawing/2014/main" id="{79FAC916-D9BB-4794-81B4-7C47C67E850D}"/>
                 </a:ext>
               </a:extLst>
             </p:cNvPr>
@@ -5387,7 +5382,7 @@
             <p:cNvPr id="36" name="Freeform: Shape 35">
               <a:extLst>
                 <a:ext uri="{FF2B5EF4-FFF2-40B4-BE49-F238E27FC236}">
-                  <a16:creationId xmlns="" xmlns:a16="http://schemas.microsoft.com/office/drawing/2014/main" id="{B5CA2231-7A65-4D16-8400-A210CC41DB73}"/>
+                  <a16:creationId xmlns:a16="http://schemas.microsoft.com/office/drawing/2014/main" id="{B5CA2231-7A65-4D16-8400-A210CC41DB73}"/>
                 </a:ext>
               </a:extLst>
             </p:cNvPr>
@@ -5529,7 +5524,7 @@
             <p:cNvPr id="37" name="Oval 36">
               <a:extLst>
                 <a:ext uri="{FF2B5EF4-FFF2-40B4-BE49-F238E27FC236}">
-                  <a16:creationId xmlns="" xmlns:a16="http://schemas.microsoft.com/office/drawing/2014/main" id="{4B089C8C-B82B-4704-88E2-E857A5E21529}"/>
+                  <a16:creationId xmlns:a16="http://schemas.microsoft.com/office/drawing/2014/main" id="{4B089C8C-B82B-4704-88E2-E857A5E21529}"/>
                 </a:ext>
               </a:extLst>
             </p:cNvPr>
@@ -5598,7 +5593,7 @@
             <p:cNvPr id="38" name="Oval 37">
               <a:extLst>
                 <a:ext uri="{FF2B5EF4-FFF2-40B4-BE49-F238E27FC236}">
-                  <a16:creationId xmlns="" xmlns:a16="http://schemas.microsoft.com/office/drawing/2014/main" id="{434B90C8-5B4D-456E-AD99-80EF748FDD72}"/>
+                  <a16:creationId xmlns:a16="http://schemas.microsoft.com/office/drawing/2014/main" id="{434B90C8-5B4D-456E-AD99-80EF748FDD72}"/>
                 </a:ext>
               </a:extLst>
             </p:cNvPr>
@@ -5698,7 +5693,7 @@
           <p:cNvPr id="22" name="Oval 21">
             <a:extLst>
               <a:ext uri="{FF2B5EF4-FFF2-40B4-BE49-F238E27FC236}">
-                <a16:creationId xmlns="" xmlns:a16="http://schemas.microsoft.com/office/drawing/2014/main" id="{94729CA3-91C4-4A89-9448-A2F0E409177A}"/>
+                <a16:creationId xmlns:a16="http://schemas.microsoft.com/office/drawing/2014/main" id="{94729CA3-91C4-4A89-9448-A2F0E409177A}"/>
               </a:ext>
             </a:extLst>
           </p:cNvPr>
@@ -5781,7 +5776,7 @@
           <p:cNvPr id="13" name="Group 12">
             <a:extLst>
               <a:ext uri="{FF2B5EF4-FFF2-40B4-BE49-F238E27FC236}">
-                <a16:creationId xmlns="" xmlns:a16="http://schemas.microsoft.com/office/drawing/2014/main" id="{168347B7-45FA-4A01-924D-DC385B720B3E}"/>
+                <a16:creationId xmlns:a16="http://schemas.microsoft.com/office/drawing/2014/main" id="{168347B7-45FA-4A01-924D-DC385B720B3E}"/>
               </a:ext>
             </a:extLst>
           </p:cNvPr>
@@ -5801,7 +5796,7 @@
             <p:cNvPr id="20" name="Freeform: Shape 19">
               <a:extLst>
                 <a:ext uri="{FF2B5EF4-FFF2-40B4-BE49-F238E27FC236}">
-                  <a16:creationId xmlns="" xmlns:a16="http://schemas.microsoft.com/office/drawing/2014/main" id="{31167DA1-25D1-4E60-A62E-42B6F56A96EC}"/>
+                  <a16:creationId xmlns:a16="http://schemas.microsoft.com/office/drawing/2014/main" id="{31167DA1-25D1-4E60-A62E-42B6F56A96EC}"/>
                 </a:ext>
               </a:extLst>
             </p:cNvPr>
@@ -6023,7 +6018,7 @@
             <p:cNvPr id="21" name="Oval 20">
               <a:extLst>
                 <a:ext uri="{FF2B5EF4-FFF2-40B4-BE49-F238E27FC236}">
-                  <a16:creationId xmlns="" xmlns:a16="http://schemas.microsoft.com/office/drawing/2014/main" id="{6B7B7215-A661-477E-91D0-CDBE5564D2B9}"/>
+                  <a16:creationId xmlns:a16="http://schemas.microsoft.com/office/drawing/2014/main" id="{6B7B7215-A661-477E-91D0-CDBE5564D2B9}"/>
                 </a:ext>
               </a:extLst>
             </p:cNvPr>
@@ -6104,7 +6099,7 @@
           <p:cNvPr id="2" name="Title 1">
             <a:extLst>
               <a:ext uri="{FF2B5EF4-FFF2-40B4-BE49-F238E27FC236}">
-                <a16:creationId xmlns="" xmlns:a16="http://schemas.microsoft.com/office/drawing/2014/main" id="{8978E540-142B-4A82-9C3F-E61BC190AEED}"/>
+                <a16:creationId xmlns:a16="http://schemas.microsoft.com/office/drawing/2014/main" id="{8978E540-142B-4A82-9C3F-E61BC190AEED}"/>
               </a:ext>
             </a:extLst>
           </p:cNvPr>
@@ -6147,7 +6142,7 @@
           <p:cNvPr id="3" name="Content Placeholder 2">
             <a:extLst>
               <a:ext uri="{FF2B5EF4-FFF2-40B4-BE49-F238E27FC236}">
-                <a16:creationId xmlns="" xmlns:a16="http://schemas.microsoft.com/office/drawing/2014/main" id="{02C6BF36-D4F5-4363-B440-BDAE50BBD4B6}"/>
+                <a16:creationId xmlns:a16="http://schemas.microsoft.com/office/drawing/2014/main" id="{02C6BF36-D4F5-4363-B440-BDAE50BBD4B6}"/>
               </a:ext>
             </a:extLst>
           </p:cNvPr>
@@ -6212,7 +6207,7 @@
           <p:cNvPr id="4" name="Content Placeholder 3">
             <a:extLst>
               <a:ext uri="{FF2B5EF4-FFF2-40B4-BE49-F238E27FC236}">
-                <a16:creationId xmlns="" xmlns:a16="http://schemas.microsoft.com/office/drawing/2014/main" id="{F8362910-87AA-4E67-992D-8D4822FD89FE}"/>
+                <a16:creationId xmlns:a16="http://schemas.microsoft.com/office/drawing/2014/main" id="{F8362910-87AA-4E67-992D-8D4822FD89FE}"/>
               </a:ext>
             </a:extLst>
           </p:cNvPr>
@@ -6277,7 +6272,7 @@
           <p:cNvPr id="5" name="Date Placeholder 4">
             <a:extLst>
               <a:ext uri="{FF2B5EF4-FFF2-40B4-BE49-F238E27FC236}">
-                <a16:creationId xmlns="" xmlns:a16="http://schemas.microsoft.com/office/drawing/2014/main" id="{BB99A8AF-0998-4613-B1D8-C14ECBFFDF67}"/>
+                <a16:creationId xmlns:a16="http://schemas.microsoft.com/office/drawing/2014/main" id="{BB99A8AF-0998-4613-B1D8-C14ECBFFDF67}"/>
               </a:ext>
             </a:extLst>
           </p:cNvPr>
@@ -6296,10 +6291,9 @@
           <a:lstStyle/>
           <a:p>
             <a:r>
-              <a:rPr lang="en-US" smtClean="0"/>
+              <a:rPr lang="en-US"/>
               <a:t>Wednesday March 17, 2021</a:t>
             </a:r>
-            <a:endParaRPr lang="en-US"/>
           </a:p>
         </p:txBody>
       </p:sp>
@@ -6308,7 +6302,7 @@
           <p:cNvPr id="6" name="Footer Placeholder 5">
             <a:extLst>
               <a:ext uri="{FF2B5EF4-FFF2-40B4-BE49-F238E27FC236}">
-                <a16:creationId xmlns="" xmlns:a16="http://schemas.microsoft.com/office/drawing/2014/main" id="{66E44EAA-B8A9-4428-A9DF-1174DA940990}"/>
+                <a16:creationId xmlns:a16="http://schemas.microsoft.com/office/drawing/2014/main" id="{66E44EAA-B8A9-4428-A9DF-1174DA940990}"/>
               </a:ext>
             </a:extLst>
           </p:cNvPr>
@@ -6327,10 +6321,9 @@
           <a:lstStyle/>
           <a:p>
             <a:r>
-              <a:rPr lang="en-US" smtClean="0"/>
+              <a:rPr lang="en-US"/>
               <a:t>https://github.com/jenmusdat/BeerMachineLearning</a:t>
             </a:r>
-            <a:endParaRPr lang="en-US"/>
           </a:p>
         </p:txBody>
       </p:sp>
@@ -6339,7 +6332,7 @@
           <p:cNvPr id="7" name="Slide Number Placeholder 6">
             <a:extLst>
               <a:ext uri="{FF2B5EF4-FFF2-40B4-BE49-F238E27FC236}">
-                <a16:creationId xmlns="" xmlns:a16="http://schemas.microsoft.com/office/drawing/2014/main" id="{19E5C381-C899-4BF9-B584-2D78074D1CB2}"/>
+                <a16:creationId xmlns:a16="http://schemas.microsoft.com/office/drawing/2014/main" id="{19E5C381-C899-4BF9-B584-2D78074D1CB2}"/>
               </a:ext>
             </a:extLst>
           </p:cNvPr>
@@ -6400,7 +6393,7 @@
           <p:cNvPr id="2" name="Date Placeholder 1">
             <a:extLst>
               <a:ext uri="{FF2B5EF4-FFF2-40B4-BE49-F238E27FC236}">
-                <a16:creationId xmlns="" xmlns:a16="http://schemas.microsoft.com/office/drawing/2014/main" id="{AB81B449-7B97-41DC-B23F-65EDCBD316A6}"/>
+                <a16:creationId xmlns:a16="http://schemas.microsoft.com/office/drawing/2014/main" id="{AB81B449-7B97-41DC-B23F-65EDCBD316A6}"/>
               </a:ext>
             </a:extLst>
           </p:cNvPr>
@@ -6419,10 +6412,9 @@
           <a:lstStyle/>
           <a:p>
             <a:r>
-              <a:rPr lang="en-US" smtClean="0"/>
+              <a:rPr lang="en-US"/>
               <a:t>Wednesday March 17, 2021</a:t>
             </a:r>
-            <a:endParaRPr lang="en-US"/>
           </a:p>
         </p:txBody>
       </p:sp>
@@ -6431,7 +6423,7 @@
           <p:cNvPr id="3" name="Footer Placeholder 2">
             <a:extLst>
               <a:ext uri="{FF2B5EF4-FFF2-40B4-BE49-F238E27FC236}">
-                <a16:creationId xmlns="" xmlns:a16="http://schemas.microsoft.com/office/drawing/2014/main" id="{7C6B46D5-337B-4906-8412-4EEA3884FA7E}"/>
+                <a16:creationId xmlns:a16="http://schemas.microsoft.com/office/drawing/2014/main" id="{7C6B46D5-337B-4906-8412-4EEA3884FA7E}"/>
               </a:ext>
             </a:extLst>
           </p:cNvPr>
@@ -6450,10 +6442,9 @@
           <a:lstStyle/>
           <a:p>
             <a:r>
-              <a:rPr lang="en-US" smtClean="0"/>
+              <a:rPr lang="en-US"/>
               <a:t>https://github.com/jenmusdat/BeerMachineLearning</a:t>
             </a:r>
-            <a:endParaRPr lang="en-US"/>
           </a:p>
         </p:txBody>
       </p:sp>
@@ -6462,7 +6453,7 @@
           <p:cNvPr id="4" name="Slide Number Placeholder 3">
             <a:extLst>
               <a:ext uri="{FF2B5EF4-FFF2-40B4-BE49-F238E27FC236}">
-                <a16:creationId xmlns="" xmlns:a16="http://schemas.microsoft.com/office/drawing/2014/main" id="{E436F230-C9A7-407A-B923-873839C8D8A0}"/>
+                <a16:creationId xmlns:a16="http://schemas.microsoft.com/office/drawing/2014/main" id="{E436F230-C9A7-407A-B923-873839C8D8A0}"/>
               </a:ext>
             </a:extLst>
           </p:cNvPr>
@@ -6523,7 +6514,7 @@
           <p:cNvPr id="8" name="Group 7">
             <a:extLst>
               <a:ext uri="{FF2B5EF4-FFF2-40B4-BE49-F238E27FC236}">
-                <a16:creationId xmlns="" xmlns:a16="http://schemas.microsoft.com/office/drawing/2014/main" id="{778B0BE9-88B0-4883-9BA9-CD594C400EC1}"/>
+                <a16:creationId xmlns:a16="http://schemas.microsoft.com/office/drawing/2014/main" id="{778B0BE9-88B0-4883-9BA9-CD594C400EC1}"/>
               </a:ext>
             </a:extLst>
           </p:cNvPr>
@@ -6543,7 +6534,7 @@
             <p:cNvPr id="11" name="Freeform: Shape 10">
               <a:extLst>
                 <a:ext uri="{FF2B5EF4-FFF2-40B4-BE49-F238E27FC236}">
-                  <a16:creationId xmlns="" xmlns:a16="http://schemas.microsoft.com/office/drawing/2014/main" id="{C59DCBF3-7AFA-4CD1-A918-BC6DDE674E6C}"/>
+                  <a16:creationId xmlns:a16="http://schemas.microsoft.com/office/drawing/2014/main" id="{C59DCBF3-7AFA-4CD1-A918-BC6DDE674E6C}"/>
                 </a:ext>
               </a:extLst>
             </p:cNvPr>
@@ -6765,7 +6756,7 @@
             <p:cNvPr id="12" name="Oval 11">
               <a:extLst>
                 <a:ext uri="{FF2B5EF4-FFF2-40B4-BE49-F238E27FC236}">
-                  <a16:creationId xmlns="" xmlns:a16="http://schemas.microsoft.com/office/drawing/2014/main" id="{06964A02-96E1-4654-9187-DDDE7409F75B}"/>
+                  <a16:creationId xmlns:a16="http://schemas.microsoft.com/office/drawing/2014/main" id="{06964A02-96E1-4654-9187-DDDE7409F75B}"/>
                 </a:ext>
               </a:extLst>
             </p:cNvPr>
@@ -6846,7 +6837,7 @@
           <p:cNvPr id="2" name="Title 1">
             <a:extLst>
               <a:ext uri="{FF2B5EF4-FFF2-40B4-BE49-F238E27FC236}">
-                <a16:creationId xmlns="" xmlns:a16="http://schemas.microsoft.com/office/drawing/2014/main" id="{BF3FF76C-A012-4CDA-8AE7-E9413955716A}"/>
+                <a16:creationId xmlns:a16="http://schemas.microsoft.com/office/drawing/2014/main" id="{BF3FF76C-A012-4CDA-8AE7-E9413955716A}"/>
               </a:ext>
             </a:extLst>
           </p:cNvPr>
@@ -6889,7 +6880,7 @@
           <p:cNvPr id="3" name="Content Placeholder 2">
             <a:extLst>
               <a:ext uri="{FF2B5EF4-FFF2-40B4-BE49-F238E27FC236}">
-                <a16:creationId xmlns="" xmlns:a16="http://schemas.microsoft.com/office/drawing/2014/main" id="{611A4C80-DC38-4641-924F-90D6078CF592}"/>
+                <a16:creationId xmlns:a16="http://schemas.microsoft.com/office/drawing/2014/main" id="{611A4C80-DC38-4641-924F-90D6078CF592}"/>
               </a:ext>
             </a:extLst>
           </p:cNvPr>
@@ -6982,7 +6973,7 @@
           <p:cNvPr id="4" name="Text Placeholder 3">
             <a:extLst>
               <a:ext uri="{FF2B5EF4-FFF2-40B4-BE49-F238E27FC236}">
-                <a16:creationId xmlns="" xmlns:a16="http://schemas.microsoft.com/office/drawing/2014/main" id="{82C42771-D3A7-4072-85DC-B7C5E530E8AA}"/>
+                <a16:creationId xmlns:a16="http://schemas.microsoft.com/office/drawing/2014/main" id="{82C42771-D3A7-4072-85DC-B7C5E530E8AA}"/>
               </a:ext>
             </a:extLst>
           </p:cNvPr>
@@ -7055,7 +7046,7 @@
           <p:cNvPr id="5" name="Date Placeholder 4">
             <a:extLst>
               <a:ext uri="{FF2B5EF4-FFF2-40B4-BE49-F238E27FC236}">
-                <a16:creationId xmlns="" xmlns:a16="http://schemas.microsoft.com/office/drawing/2014/main" id="{EBD47AB1-6EB5-4E2C-B4A7-42DC643E9FF9}"/>
+                <a16:creationId xmlns:a16="http://schemas.microsoft.com/office/drawing/2014/main" id="{EBD47AB1-6EB5-4E2C-B4A7-42DC643E9FF9}"/>
               </a:ext>
             </a:extLst>
           </p:cNvPr>
@@ -7074,10 +7065,9 @@
           <a:lstStyle/>
           <a:p>
             <a:r>
-              <a:rPr lang="en-US" smtClean="0"/>
+              <a:rPr lang="en-US"/>
               <a:t>Wednesday March 17, 2021</a:t>
             </a:r>
-            <a:endParaRPr lang="en-US"/>
           </a:p>
         </p:txBody>
       </p:sp>
@@ -7086,7 +7076,7 @@
           <p:cNvPr id="6" name="Footer Placeholder 5">
             <a:extLst>
               <a:ext uri="{FF2B5EF4-FFF2-40B4-BE49-F238E27FC236}">
-                <a16:creationId xmlns="" xmlns:a16="http://schemas.microsoft.com/office/drawing/2014/main" id="{5BA9D15F-B6ED-46E1-9840-0B625880EE4B}"/>
+                <a16:creationId xmlns:a16="http://schemas.microsoft.com/office/drawing/2014/main" id="{5BA9D15F-B6ED-46E1-9840-0B625880EE4B}"/>
               </a:ext>
             </a:extLst>
           </p:cNvPr>
@@ -7105,10 +7095,9 @@
           <a:lstStyle/>
           <a:p>
             <a:r>
-              <a:rPr lang="en-US" smtClean="0"/>
+              <a:rPr lang="en-US"/>
               <a:t>https://github.com/jenmusdat/BeerMachineLearning</a:t>
             </a:r>
-            <a:endParaRPr lang="en-US"/>
           </a:p>
         </p:txBody>
       </p:sp>
@@ -7117,7 +7106,7 @@
           <p:cNvPr id="7" name="Slide Number Placeholder 6">
             <a:extLst>
               <a:ext uri="{FF2B5EF4-FFF2-40B4-BE49-F238E27FC236}">
-                <a16:creationId xmlns="" xmlns:a16="http://schemas.microsoft.com/office/drawing/2014/main" id="{CDAEB023-7A5E-4087-B75E-A38A80EE5D01}"/>
+                <a16:creationId xmlns:a16="http://schemas.microsoft.com/office/drawing/2014/main" id="{CDAEB023-7A5E-4087-B75E-A38A80EE5D01}"/>
               </a:ext>
             </a:extLst>
           </p:cNvPr>
@@ -7178,7 +7167,7 @@
           <p:cNvPr id="5" name="Title 1">
             <a:extLst>
               <a:ext uri="{FF2B5EF4-FFF2-40B4-BE49-F238E27FC236}">
-                <a16:creationId xmlns="" xmlns:a16="http://schemas.microsoft.com/office/drawing/2014/main" id="{C0923D16-1EC5-4C17-ABA8-B13A1256B36F}"/>
+                <a16:creationId xmlns:a16="http://schemas.microsoft.com/office/drawing/2014/main" id="{C0923D16-1EC5-4C17-ABA8-B13A1256B36F}"/>
               </a:ext>
             </a:extLst>
           </p:cNvPr>
@@ -7217,7 +7206,7 @@
           <p:cNvPr id="7" name="Content Placeholder 2">
             <a:extLst>
               <a:ext uri="{FF2B5EF4-FFF2-40B4-BE49-F238E27FC236}">
-                <a16:creationId xmlns="" xmlns:a16="http://schemas.microsoft.com/office/drawing/2014/main" id="{50294D8B-CF64-4C26-8C78-57A375E7D33B}"/>
+                <a16:creationId xmlns:a16="http://schemas.microsoft.com/office/drawing/2014/main" id="{50294D8B-CF64-4C26-8C78-57A375E7D33B}"/>
               </a:ext>
             </a:extLst>
           </p:cNvPr>
@@ -7262,7 +7251,7 @@
           <p:cNvPr id="17" name="Picture Placeholder 16">
             <a:extLst>
               <a:ext uri="{FF2B5EF4-FFF2-40B4-BE49-F238E27FC236}">
-                <a16:creationId xmlns="" xmlns:a16="http://schemas.microsoft.com/office/drawing/2014/main" id="{67BCF456-426F-435B-8DF0-A32A44F5A889}"/>
+                <a16:creationId xmlns:a16="http://schemas.microsoft.com/office/drawing/2014/main" id="{67BCF456-426F-435B-8DF0-A32A44F5A889}"/>
               </a:ext>
             </a:extLst>
           </p:cNvPr>
@@ -7362,7 +7351,7 @@
           <p:cNvPr id="22" name="Picture Placeholder 21">
             <a:extLst>
               <a:ext uri="{FF2B5EF4-FFF2-40B4-BE49-F238E27FC236}">
-                <a16:creationId xmlns="" xmlns:a16="http://schemas.microsoft.com/office/drawing/2014/main" id="{4813A609-7079-46D5-9C1D-52004ABDAC9D}"/>
+                <a16:creationId xmlns:a16="http://schemas.microsoft.com/office/drawing/2014/main" id="{4813A609-7079-46D5-9C1D-52004ABDAC9D}"/>
               </a:ext>
             </a:extLst>
           </p:cNvPr>
@@ -7462,7 +7451,7 @@
           <p:cNvPr id="25" name="Picture Placeholder 24">
             <a:extLst>
               <a:ext uri="{FF2B5EF4-FFF2-40B4-BE49-F238E27FC236}">
-                <a16:creationId xmlns="" xmlns:a16="http://schemas.microsoft.com/office/drawing/2014/main" id="{A14F21DF-D5E0-4C6C-BA2C-D69D65DBB18E}"/>
+                <a16:creationId xmlns:a16="http://schemas.microsoft.com/office/drawing/2014/main" id="{A14F21DF-D5E0-4C6C-BA2C-D69D65DBB18E}"/>
               </a:ext>
             </a:extLst>
           </p:cNvPr>
@@ -7562,7 +7551,7 @@
           <p:cNvPr id="2" name="Date Placeholder 1">
             <a:extLst>
               <a:ext uri="{FF2B5EF4-FFF2-40B4-BE49-F238E27FC236}">
-                <a16:creationId xmlns="" xmlns:a16="http://schemas.microsoft.com/office/drawing/2014/main" id="{AB81B449-7B97-41DC-B23F-65EDCBD316A6}"/>
+                <a16:creationId xmlns:a16="http://schemas.microsoft.com/office/drawing/2014/main" id="{AB81B449-7B97-41DC-B23F-65EDCBD316A6}"/>
               </a:ext>
             </a:extLst>
           </p:cNvPr>
@@ -7581,10 +7570,9 @@
           <a:lstStyle/>
           <a:p>
             <a:r>
-              <a:rPr lang="en-US" smtClean="0"/>
+              <a:rPr lang="en-US"/>
               <a:t>Wednesday March 17, 2021</a:t>
             </a:r>
-            <a:endParaRPr lang="en-US"/>
           </a:p>
         </p:txBody>
       </p:sp>
@@ -7593,7 +7581,7 @@
           <p:cNvPr id="3" name="Footer Placeholder 2">
             <a:extLst>
               <a:ext uri="{FF2B5EF4-FFF2-40B4-BE49-F238E27FC236}">
-                <a16:creationId xmlns="" xmlns:a16="http://schemas.microsoft.com/office/drawing/2014/main" id="{7C6B46D5-337B-4906-8412-4EEA3884FA7E}"/>
+                <a16:creationId xmlns:a16="http://schemas.microsoft.com/office/drawing/2014/main" id="{7C6B46D5-337B-4906-8412-4EEA3884FA7E}"/>
               </a:ext>
             </a:extLst>
           </p:cNvPr>
@@ -7612,10 +7600,9 @@
           <a:lstStyle/>
           <a:p>
             <a:r>
-              <a:rPr lang="en-US" smtClean="0"/>
+              <a:rPr lang="en-US"/>
               <a:t>https://github.com/jenmusdat/BeerMachineLearning</a:t>
             </a:r>
-            <a:endParaRPr lang="en-US"/>
           </a:p>
         </p:txBody>
       </p:sp>
@@ -7624,7 +7611,7 @@
           <p:cNvPr id="4" name="Slide Number Placeholder 3">
             <a:extLst>
               <a:ext uri="{FF2B5EF4-FFF2-40B4-BE49-F238E27FC236}">
-                <a16:creationId xmlns="" xmlns:a16="http://schemas.microsoft.com/office/drawing/2014/main" id="{E436F230-C9A7-407A-B923-873839C8D8A0}"/>
+                <a16:creationId xmlns:a16="http://schemas.microsoft.com/office/drawing/2014/main" id="{E436F230-C9A7-407A-B923-873839C8D8A0}"/>
               </a:ext>
             </a:extLst>
           </p:cNvPr>
@@ -7655,10 +7642,10 @@
           <p:cNvPr id="6" name="Oval 5">
             <a:extLst>
               <a:ext uri="{FF2B5EF4-FFF2-40B4-BE49-F238E27FC236}">
-                <a16:creationId xmlns="" xmlns:a16="http://schemas.microsoft.com/office/drawing/2014/main" id="{92FF63B4-C261-4597-9EE0-811D250B9D21}"/>
+                <a16:creationId xmlns:a16="http://schemas.microsoft.com/office/drawing/2014/main" id="{92FF63B4-C261-4597-9EE0-811D250B9D21}"/>
               </a:ext>
               <a:ext uri="{C183D7F6-B498-43B3-948B-1728B52AA6E4}">
-                <adec:decorative xmlns="" xmlns:adec="http://schemas.microsoft.com/office/drawing/2017/decorative" val="1"/>
+                <adec:decorative xmlns:adec="http://schemas.microsoft.com/office/drawing/2017/decorative" val="1"/>
               </a:ext>
             </a:extLst>
           </p:cNvPr>
@@ -7741,10 +7728,10 @@
           <p:cNvPr id="10" name="Group 9">
             <a:extLst>
               <a:ext uri="{FF2B5EF4-FFF2-40B4-BE49-F238E27FC236}">
-                <a16:creationId xmlns="" xmlns:a16="http://schemas.microsoft.com/office/drawing/2014/main" id="{F92CF088-7F97-4A11-8A81-0EF641F6986F}"/>
+                <a16:creationId xmlns:a16="http://schemas.microsoft.com/office/drawing/2014/main" id="{F92CF088-7F97-4A11-8A81-0EF641F6986F}"/>
               </a:ext>
               <a:ext uri="{C183D7F6-B498-43B3-948B-1728B52AA6E4}">
-                <adec:decorative xmlns="" xmlns:adec="http://schemas.microsoft.com/office/drawing/2017/decorative" val="1"/>
+                <adec:decorative xmlns:adec="http://schemas.microsoft.com/office/drawing/2017/decorative" val="1"/>
               </a:ext>
             </a:extLst>
           </p:cNvPr>
@@ -7764,7 +7751,7 @@
             <p:cNvPr id="11" name="Freeform: Shape 10">
               <a:extLst>
                 <a:ext uri="{FF2B5EF4-FFF2-40B4-BE49-F238E27FC236}">
-                  <a16:creationId xmlns="" xmlns:a16="http://schemas.microsoft.com/office/drawing/2014/main" id="{165B23B7-CE74-4974-ABD8-BFA31D583416}"/>
+                  <a16:creationId xmlns:a16="http://schemas.microsoft.com/office/drawing/2014/main" id="{165B23B7-CE74-4974-ABD8-BFA31D583416}"/>
                 </a:ext>
               </a:extLst>
             </p:cNvPr>
@@ -7986,7 +7973,7 @@
             <p:cNvPr id="12" name="Oval 11">
               <a:extLst>
                 <a:ext uri="{FF2B5EF4-FFF2-40B4-BE49-F238E27FC236}">
-                  <a16:creationId xmlns="" xmlns:a16="http://schemas.microsoft.com/office/drawing/2014/main" id="{FF99BB1F-6C9D-4972-9EF4-98ACD7BE71E5}"/>
+                  <a16:creationId xmlns:a16="http://schemas.microsoft.com/office/drawing/2014/main" id="{FF99BB1F-6C9D-4972-9EF4-98ACD7BE71E5}"/>
                 </a:ext>
               </a:extLst>
             </p:cNvPr>
@@ -8099,7 +8086,7 @@
           <p:cNvPr id="9" name="Title 1">
             <a:extLst>
               <a:ext uri="{FF2B5EF4-FFF2-40B4-BE49-F238E27FC236}">
-                <a16:creationId xmlns="" xmlns:a16="http://schemas.microsoft.com/office/drawing/2014/main" id="{A458B3A1-C77D-4AFC-B2C8-79520B53C452}"/>
+                <a16:creationId xmlns:a16="http://schemas.microsoft.com/office/drawing/2014/main" id="{A458B3A1-C77D-4AFC-B2C8-79520B53C452}"/>
               </a:ext>
             </a:extLst>
           </p:cNvPr>
@@ -8135,7 +8122,7 @@
           <p:cNvPr id="12" name="Picture Placeholder 11">
             <a:extLst>
               <a:ext uri="{FF2B5EF4-FFF2-40B4-BE49-F238E27FC236}">
-                <a16:creationId xmlns="" xmlns:a16="http://schemas.microsoft.com/office/drawing/2014/main" id="{F551DA26-B267-4F28-B4D0-65B3EF6E1112}"/>
+                <a16:creationId xmlns:a16="http://schemas.microsoft.com/office/drawing/2014/main" id="{F551DA26-B267-4F28-B4D0-65B3EF6E1112}"/>
               </a:ext>
             </a:extLst>
           </p:cNvPr>
@@ -8173,7 +8160,7 @@
           <p:cNvPr id="18" name="Picture Placeholder 11">
             <a:extLst>
               <a:ext uri="{FF2B5EF4-FFF2-40B4-BE49-F238E27FC236}">
-                <a16:creationId xmlns="" xmlns:a16="http://schemas.microsoft.com/office/drawing/2014/main" id="{95544A62-DA23-4840-99DE-09AFC8F4DC48}"/>
+                <a16:creationId xmlns:a16="http://schemas.microsoft.com/office/drawing/2014/main" id="{95544A62-DA23-4840-99DE-09AFC8F4DC48}"/>
               </a:ext>
             </a:extLst>
           </p:cNvPr>
@@ -8211,7 +8198,7 @@
           <p:cNvPr id="19" name="Picture Placeholder 11">
             <a:extLst>
               <a:ext uri="{FF2B5EF4-FFF2-40B4-BE49-F238E27FC236}">
-                <a16:creationId xmlns="" xmlns:a16="http://schemas.microsoft.com/office/drawing/2014/main" id="{0C91AF30-C5BB-4601-BDEB-E60C93A16933}"/>
+                <a16:creationId xmlns:a16="http://schemas.microsoft.com/office/drawing/2014/main" id="{0C91AF30-C5BB-4601-BDEB-E60C93A16933}"/>
               </a:ext>
             </a:extLst>
           </p:cNvPr>
@@ -8249,7 +8236,7 @@
           <p:cNvPr id="20" name="Picture Placeholder 11">
             <a:extLst>
               <a:ext uri="{FF2B5EF4-FFF2-40B4-BE49-F238E27FC236}">
-                <a16:creationId xmlns="" xmlns:a16="http://schemas.microsoft.com/office/drawing/2014/main" id="{5B625AA5-EA5B-4115-A461-DA2C7087D83E}"/>
+                <a16:creationId xmlns:a16="http://schemas.microsoft.com/office/drawing/2014/main" id="{5B625AA5-EA5B-4115-A461-DA2C7087D83E}"/>
               </a:ext>
             </a:extLst>
           </p:cNvPr>
@@ -8287,7 +8274,7 @@
           <p:cNvPr id="2" name="Date Placeholder 1">
             <a:extLst>
               <a:ext uri="{FF2B5EF4-FFF2-40B4-BE49-F238E27FC236}">
-                <a16:creationId xmlns="" xmlns:a16="http://schemas.microsoft.com/office/drawing/2014/main" id="{AB81B449-7B97-41DC-B23F-65EDCBD316A6}"/>
+                <a16:creationId xmlns:a16="http://schemas.microsoft.com/office/drawing/2014/main" id="{AB81B449-7B97-41DC-B23F-65EDCBD316A6}"/>
               </a:ext>
             </a:extLst>
           </p:cNvPr>
@@ -8306,10 +8293,9 @@
           <a:lstStyle/>
           <a:p>
             <a:r>
-              <a:rPr lang="en-US" smtClean="0"/>
+              <a:rPr lang="en-US"/>
               <a:t>Wednesday March 17, 2021</a:t>
             </a:r>
-            <a:endParaRPr lang="en-US"/>
           </a:p>
         </p:txBody>
       </p:sp>
@@ -8318,7 +8304,7 @@
           <p:cNvPr id="3" name="Footer Placeholder 2">
             <a:extLst>
               <a:ext uri="{FF2B5EF4-FFF2-40B4-BE49-F238E27FC236}">
-                <a16:creationId xmlns="" xmlns:a16="http://schemas.microsoft.com/office/drawing/2014/main" id="{7C6B46D5-337B-4906-8412-4EEA3884FA7E}"/>
+                <a16:creationId xmlns:a16="http://schemas.microsoft.com/office/drawing/2014/main" id="{7C6B46D5-337B-4906-8412-4EEA3884FA7E}"/>
               </a:ext>
             </a:extLst>
           </p:cNvPr>
@@ -8337,10 +8323,9 @@
           <a:lstStyle/>
           <a:p>
             <a:r>
-              <a:rPr lang="en-US" smtClean="0"/>
+              <a:rPr lang="en-US"/>
               <a:t>https://github.com/jenmusdat/BeerMachineLearning</a:t>
             </a:r>
-            <a:endParaRPr lang="en-US"/>
           </a:p>
         </p:txBody>
       </p:sp>
@@ -8349,7 +8334,7 @@
           <p:cNvPr id="4" name="Slide Number Placeholder 3">
             <a:extLst>
               <a:ext uri="{FF2B5EF4-FFF2-40B4-BE49-F238E27FC236}">
-                <a16:creationId xmlns="" xmlns:a16="http://schemas.microsoft.com/office/drawing/2014/main" id="{E436F230-C9A7-407A-B923-873839C8D8A0}"/>
+                <a16:creationId xmlns:a16="http://schemas.microsoft.com/office/drawing/2014/main" id="{E436F230-C9A7-407A-B923-873839C8D8A0}"/>
               </a:ext>
             </a:extLst>
           </p:cNvPr>
@@ -8380,7 +8365,7 @@
           <p:cNvPr id="11" name="Content Placeholder 6">
             <a:extLst>
               <a:ext uri="{FF2B5EF4-FFF2-40B4-BE49-F238E27FC236}">
-                <a16:creationId xmlns="" xmlns:a16="http://schemas.microsoft.com/office/drawing/2014/main" id="{1B1AE41C-3196-4E6F-A3A8-313A92677FF3}"/>
+                <a16:creationId xmlns:a16="http://schemas.microsoft.com/office/drawing/2014/main" id="{1B1AE41C-3196-4E6F-A3A8-313A92677FF3}"/>
               </a:ext>
             </a:extLst>
           </p:cNvPr>
@@ -8476,7 +8461,7 @@
           <p:cNvPr id="8" name="Picture Placeholder 7">
             <a:extLst>
               <a:ext uri="{FF2B5EF4-FFF2-40B4-BE49-F238E27FC236}">
-                <a16:creationId xmlns="" xmlns:a16="http://schemas.microsoft.com/office/drawing/2014/main" id="{F75B2FBE-0C5C-48AA-8D7F-9D5B7373CC9A}"/>
+                <a16:creationId xmlns:a16="http://schemas.microsoft.com/office/drawing/2014/main" id="{F75B2FBE-0C5C-48AA-8D7F-9D5B7373CC9A}"/>
               </a:ext>
             </a:extLst>
           </p:cNvPr>
@@ -8512,7 +8497,7 @@
           <p:cNvPr id="4" name="Date Placeholder 3">
             <a:extLst>
               <a:ext uri="{FF2B5EF4-FFF2-40B4-BE49-F238E27FC236}">
-                <a16:creationId xmlns="" xmlns:a16="http://schemas.microsoft.com/office/drawing/2014/main" id="{56403DDF-462A-45CE-931B-010AB4F73C3F}"/>
+                <a16:creationId xmlns:a16="http://schemas.microsoft.com/office/drawing/2014/main" id="{56403DDF-462A-45CE-931B-010AB4F73C3F}"/>
               </a:ext>
             </a:extLst>
           </p:cNvPr>
@@ -8529,10 +8514,9 @@
           <a:lstStyle/>
           <a:p>
             <a:r>
-              <a:rPr lang="en-US" smtClean="0"/>
+              <a:rPr lang="en-US"/>
               <a:t>Wednesday March 17, 2021</a:t>
             </a:r>
-            <a:endParaRPr lang="en-US"/>
           </a:p>
         </p:txBody>
       </p:sp>
@@ -8541,7 +8525,7 @@
           <p:cNvPr id="5" name="Footer Placeholder 4">
             <a:extLst>
               <a:ext uri="{FF2B5EF4-FFF2-40B4-BE49-F238E27FC236}">
-                <a16:creationId xmlns="" xmlns:a16="http://schemas.microsoft.com/office/drawing/2014/main" id="{39E10702-2ACF-4768-9E91-8CB87B89594D}"/>
+                <a16:creationId xmlns:a16="http://schemas.microsoft.com/office/drawing/2014/main" id="{39E10702-2ACF-4768-9E91-8CB87B89594D}"/>
               </a:ext>
             </a:extLst>
           </p:cNvPr>
@@ -8558,10 +8542,9 @@
           <a:lstStyle/>
           <a:p>
             <a:r>
-              <a:rPr lang="en-US" smtClean="0"/>
+              <a:rPr lang="en-US"/>
               <a:t>https://github.com/jenmusdat/BeerMachineLearning</a:t>
             </a:r>
-            <a:endParaRPr lang="en-US"/>
           </a:p>
         </p:txBody>
       </p:sp>
@@ -8570,7 +8553,7 @@
           <p:cNvPr id="6" name="Slide Number Placeholder 5">
             <a:extLst>
               <a:ext uri="{FF2B5EF4-FFF2-40B4-BE49-F238E27FC236}">
-                <a16:creationId xmlns="" xmlns:a16="http://schemas.microsoft.com/office/drawing/2014/main" id="{E8DFA722-391E-4FCF-8E15-0D7E2EC02B63}"/>
+                <a16:creationId xmlns:a16="http://schemas.microsoft.com/office/drawing/2014/main" id="{E8DFA722-391E-4FCF-8E15-0D7E2EC02B63}"/>
               </a:ext>
             </a:extLst>
           </p:cNvPr>
@@ -8599,10 +8582,10 @@
           <p:cNvPr id="13" name="Rectangle 12">
             <a:extLst>
               <a:ext uri="{FF2B5EF4-FFF2-40B4-BE49-F238E27FC236}">
-                <a16:creationId xmlns="" xmlns:a16="http://schemas.microsoft.com/office/drawing/2014/main" id="{80517979-166D-4AAA-ABBC-0C3E5C2ECF37}"/>
+                <a16:creationId xmlns:a16="http://schemas.microsoft.com/office/drawing/2014/main" id="{80517979-166D-4AAA-ABBC-0C3E5C2ECF37}"/>
               </a:ext>
               <a:ext uri="{C183D7F6-B498-43B3-948B-1728B52AA6E4}">
-                <adec:decorative xmlns="" xmlns:adec="http://schemas.microsoft.com/office/drawing/2017/decorative" val="1"/>
+                <adec:decorative xmlns:adec="http://schemas.microsoft.com/office/drawing/2017/decorative" val="1"/>
               </a:ext>
             </a:extLst>
           </p:cNvPr>
@@ -8667,7 +8650,7 @@
           <p:cNvPr id="14" name="Rectangle 13">
             <a:extLst>
               <a:ext uri="{FF2B5EF4-FFF2-40B4-BE49-F238E27FC236}">
-                <a16:creationId xmlns="" xmlns:a16="http://schemas.microsoft.com/office/drawing/2014/main" id="{4E111559-B769-4E2A-A891-97B3C4AA6BAC}"/>
+                <a16:creationId xmlns:a16="http://schemas.microsoft.com/office/drawing/2014/main" id="{4E111559-B769-4E2A-A891-97B3C4AA6BAC}"/>
               </a:ext>
             </a:extLst>
           </p:cNvPr>
@@ -8732,7 +8715,7 @@
           <p:cNvPr id="15" name="Title 1">
             <a:extLst>
               <a:ext uri="{FF2B5EF4-FFF2-40B4-BE49-F238E27FC236}">
-                <a16:creationId xmlns="" xmlns:a16="http://schemas.microsoft.com/office/drawing/2014/main" id="{754E1219-253E-4FEF-A576-83857F44BA01}"/>
+                <a16:creationId xmlns:a16="http://schemas.microsoft.com/office/drawing/2014/main" id="{754E1219-253E-4FEF-A576-83857F44BA01}"/>
               </a:ext>
             </a:extLst>
           </p:cNvPr>
@@ -8772,7 +8755,7 @@
           <p:cNvPr id="16" name="Subtitle 2">
             <a:extLst>
               <a:ext uri="{FF2B5EF4-FFF2-40B4-BE49-F238E27FC236}">
-                <a16:creationId xmlns="" xmlns:a16="http://schemas.microsoft.com/office/drawing/2014/main" id="{93411FC5-0B5A-4566-9984-827485AF9265}"/>
+                <a16:creationId xmlns:a16="http://schemas.microsoft.com/office/drawing/2014/main" id="{93411FC5-0B5A-4566-9984-827485AF9265}"/>
               </a:ext>
             </a:extLst>
           </p:cNvPr>
@@ -8860,7 +8843,7 @@
           <p:cNvPr id="8" name="Picture Placeholder 7">
             <a:extLst>
               <a:ext uri="{FF2B5EF4-FFF2-40B4-BE49-F238E27FC236}">
-                <a16:creationId xmlns="" xmlns:a16="http://schemas.microsoft.com/office/drawing/2014/main" id="{F75B2FBE-0C5C-48AA-8D7F-9D5B7373CC9A}"/>
+                <a16:creationId xmlns:a16="http://schemas.microsoft.com/office/drawing/2014/main" id="{F75B2FBE-0C5C-48AA-8D7F-9D5B7373CC9A}"/>
               </a:ext>
             </a:extLst>
           </p:cNvPr>
@@ -8896,7 +8879,7 @@
           <p:cNvPr id="16" name="Subtitle 2">
             <a:extLst>
               <a:ext uri="{FF2B5EF4-FFF2-40B4-BE49-F238E27FC236}">
-                <a16:creationId xmlns="" xmlns:a16="http://schemas.microsoft.com/office/drawing/2014/main" id="{93411FC5-0B5A-4566-9984-827485AF9265}"/>
+                <a16:creationId xmlns:a16="http://schemas.microsoft.com/office/drawing/2014/main" id="{93411FC5-0B5A-4566-9984-827485AF9265}"/>
               </a:ext>
             </a:extLst>
           </p:cNvPr>
@@ -8967,7 +8950,7 @@
           <p:cNvPr id="15" name="Title 1">
             <a:extLst>
               <a:ext uri="{FF2B5EF4-FFF2-40B4-BE49-F238E27FC236}">
-                <a16:creationId xmlns="" xmlns:a16="http://schemas.microsoft.com/office/drawing/2014/main" id="{754E1219-253E-4FEF-A576-83857F44BA01}"/>
+                <a16:creationId xmlns:a16="http://schemas.microsoft.com/office/drawing/2014/main" id="{754E1219-253E-4FEF-A576-83857F44BA01}"/>
               </a:ext>
             </a:extLst>
           </p:cNvPr>
@@ -9056,7 +9039,7 @@
           <p:cNvPr id="12" name="Group 11">
             <a:extLst>
               <a:ext uri="{FF2B5EF4-FFF2-40B4-BE49-F238E27FC236}">
-                <a16:creationId xmlns="" xmlns:a16="http://schemas.microsoft.com/office/drawing/2014/main" id="{3BDBC526-6DCD-4FF6-8395-D8C22E46E527}"/>
+                <a16:creationId xmlns:a16="http://schemas.microsoft.com/office/drawing/2014/main" id="{3BDBC526-6DCD-4FF6-8395-D8C22E46E527}"/>
               </a:ext>
             </a:extLst>
           </p:cNvPr>
@@ -9076,7 +9059,7 @@
             <p:cNvPr id="13" name="Freeform: Shape 12">
               <a:extLst>
                 <a:ext uri="{FF2B5EF4-FFF2-40B4-BE49-F238E27FC236}">
-                  <a16:creationId xmlns="" xmlns:a16="http://schemas.microsoft.com/office/drawing/2014/main" id="{02ECB475-568C-47AC-B16D-2E202DEB2DE0}"/>
+                  <a16:creationId xmlns:a16="http://schemas.microsoft.com/office/drawing/2014/main" id="{02ECB475-568C-47AC-B16D-2E202DEB2DE0}"/>
                 </a:ext>
               </a:extLst>
             </p:cNvPr>
@@ -9220,7 +9203,7 @@
             <p:cNvPr id="14" name="Oval 13">
               <a:extLst>
                 <a:ext uri="{FF2B5EF4-FFF2-40B4-BE49-F238E27FC236}">
-                  <a16:creationId xmlns="" xmlns:a16="http://schemas.microsoft.com/office/drawing/2014/main" id="{080D8764-525A-441E-B58F-068E82F09714}"/>
+                  <a16:creationId xmlns:a16="http://schemas.microsoft.com/office/drawing/2014/main" id="{080D8764-525A-441E-B58F-068E82F09714}"/>
                 </a:ext>
               </a:extLst>
             </p:cNvPr>
@@ -9289,7 +9272,7 @@
             <p:cNvPr id="15" name="Oval 14">
               <a:extLst>
                 <a:ext uri="{FF2B5EF4-FFF2-40B4-BE49-F238E27FC236}">
-                  <a16:creationId xmlns="" xmlns:a16="http://schemas.microsoft.com/office/drawing/2014/main" id="{11196109-6F2B-4738-B2FC-2CCC753AABD4}"/>
+                  <a16:creationId xmlns:a16="http://schemas.microsoft.com/office/drawing/2014/main" id="{11196109-6F2B-4738-B2FC-2CCC753AABD4}"/>
                 </a:ext>
               </a:extLst>
             </p:cNvPr>
@@ -9358,7 +9341,7 @@
             <p:cNvPr id="16" name="Freeform: Shape 15">
               <a:extLst>
                 <a:ext uri="{FF2B5EF4-FFF2-40B4-BE49-F238E27FC236}">
-                  <a16:creationId xmlns="" xmlns:a16="http://schemas.microsoft.com/office/drawing/2014/main" id="{F7E468C2-69B8-470B-85E3-801A3CB1D7E2}"/>
+                  <a16:creationId xmlns:a16="http://schemas.microsoft.com/office/drawing/2014/main" id="{F7E468C2-69B8-470B-85E3-801A3CB1D7E2}"/>
                 </a:ext>
               </a:extLst>
             </p:cNvPr>
@@ -9501,7 +9484,7 @@
           <p:cNvPr id="2" name="Title 1">
             <a:extLst>
               <a:ext uri="{FF2B5EF4-FFF2-40B4-BE49-F238E27FC236}">
-                <a16:creationId xmlns="" xmlns:a16="http://schemas.microsoft.com/office/drawing/2014/main" id="{B1A4B040-51E3-4DA0-B21D-EEE173E7536F}"/>
+                <a16:creationId xmlns:a16="http://schemas.microsoft.com/office/drawing/2014/main" id="{B1A4B040-51E3-4DA0-B21D-EEE173E7536F}"/>
               </a:ext>
             </a:extLst>
           </p:cNvPr>
@@ -9546,7 +9529,7 @@
           <p:cNvPr id="3" name="Content Placeholder 2">
             <a:extLst>
               <a:ext uri="{FF2B5EF4-FFF2-40B4-BE49-F238E27FC236}">
-                <a16:creationId xmlns="" xmlns:a16="http://schemas.microsoft.com/office/drawing/2014/main" id="{F8A2CD90-429B-4A55-B6C8-DD6CE6994118}"/>
+                <a16:creationId xmlns:a16="http://schemas.microsoft.com/office/drawing/2014/main" id="{F8A2CD90-429B-4A55-B6C8-DD6CE6994118}"/>
               </a:ext>
             </a:extLst>
           </p:cNvPr>
@@ -9611,7 +9594,7 @@
           <p:cNvPr id="4" name="Date Placeholder 3">
             <a:extLst>
               <a:ext uri="{FF2B5EF4-FFF2-40B4-BE49-F238E27FC236}">
-                <a16:creationId xmlns="" xmlns:a16="http://schemas.microsoft.com/office/drawing/2014/main" id="{4D4EE704-5DCA-484E-85E0-0E3A7B1C5046}"/>
+                <a16:creationId xmlns:a16="http://schemas.microsoft.com/office/drawing/2014/main" id="{4D4EE704-5DCA-484E-85E0-0E3A7B1C5046}"/>
               </a:ext>
             </a:extLst>
           </p:cNvPr>
@@ -9630,10 +9613,9 @@
           <a:lstStyle/>
           <a:p>
             <a:r>
-              <a:rPr lang="en-US" smtClean="0"/>
+              <a:rPr lang="en-US"/>
               <a:t>Wednesday March 17, 2021</a:t>
             </a:r>
-            <a:endParaRPr lang="en-US"/>
           </a:p>
         </p:txBody>
       </p:sp>
@@ -9642,7 +9624,7 @@
           <p:cNvPr id="5" name="Footer Placeholder 4">
             <a:extLst>
               <a:ext uri="{FF2B5EF4-FFF2-40B4-BE49-F238E27FC236}">
-                <a16:creationId xmlns="" xmlns:a16="http://schemas.microsoft.com/office/drawing/2014/main" id="{4CA69B66-1C18-44A2-93F7-97DED26F24AB}"/>
+                <a16:creationId xmlns:a16="http://schemas.microsoft.com/office/drawing/2014/main" id="{4CA69B66-1C18-44A2-93F7-97DED26F24AB}"/>
               </a:ext>
             </a:extLst>
           </p:cNvPr>
@@ -9661,10 +9643,9 @@
           <a:lstStyle/>
           <a:p>
             <a:r>
-              <a:rPr lang="en-US" smtClean="0"/>
+              <a:rPr lang="en-US"/>
               <a:t>https://github.com/jenmusdat/BeerMachineLearning</a:t>
             </a:r>
-            <a:endParaRPr lang="en-US"/>
           </a:p>
         </p:txBody>
       </p:sp>
@@ -9673,7 +9654,7 @@
           <p:cNvPr id="6" name="Slide Number Placeholder 5">
             <a:extLst>
               <a:ext uri="{FF2B5EF4-FFF2-40B4-BE49-F238E27FC236}">
-                <a16:creationId xmlns="" xmlns:a16="http://schemas.microsoft.com/office/drawing/2014/main" id="{7E44B5A0-66FA-433A-8DC5-C097C63B4DFC}"/>
+                <a16:creationId xmlns:a16="http://schemas.microsoft.com/office/drawing/2014/main" id="{7E44B5A0-66FA-433A-8DC5-C097C63B4DFC}"/>
               </a:ext>
             </a:extLst>
           </p:cNvPr>
@@ -9734,7 +9715,7 @@
           <p:cNvPr id="5" name="Title 1">
             <a:extLst>
               <a:ext uri="{FF2B5EF4-FFF2-40B4-BE49-F238E27FC236}">
-                <a16:creationId xmlns="" xmlns:a16="http://schemas.microsoft.com/office/drawing/2014/main" id="{7062BF5C-3876-4161-B4FF-14CA94D326C6}"/>
+                <a16:creationId xmlns:a16="http://schemas.microsoft.com/office/drawing/2014/main" id="{7062BF5C-3876-4161-B4FF-14CA94D326C6}"/>
               </a:ext>
             </a:extLst>
           </p:cNvPr>
@@ -9774,10 +9755,10 @@
           <p:cNvPr id="8" name="Group 7">
             <a:extLst>
               <a:ext uri="{FF2B5EF4-FFF2-40B4-BE49-F238E27FC236}">
-                <a16:creationId xmlns="" xmlns:a16="http://schemas.microsoft.com/office/drawing/2014/main" id="{B17C5C60-EC4D-410B-9997-0B73289605FD}"/>
+                <a16:creationId xmlns:a16="http://schemas.microsoft.com/office/drawing/2014/main" id="{B17C5C60-EC4D-410B-9997-0B73289605FD}"/>
               </a:ext>
               <a:ext uri="{C183D7F6-B498-43B3-948B-1728B52AA6E4}">
-                <adec:decorative xmlns="" xmlns:adec="http://schemas.microsoft.com/office/drawing/2017/decorative" val="1"/>
+                <adec:decorative xmlns:adec="http://schemas.microsoft.com/office/drawing/2017/decorative" val="1"/>
               </a:ext>
             </a:extLst>
           </p:cNvPr>
@@ -9797,7 +9778,7 @@
             <p:cNvPr id="9" name="Freeform 5">
               <a:extLst>
                 <a:ext uri="{FF2B5EF4-FFF2-40B4-BE49-F238E27FC236}">
-                  <a16:creationId xmlns="" xmlns:a16="http://schemas.microsoft.com/office/drawing/2014/main" id="{0573155C-3428-4F4F-AE66-A519D777EAAE}"/>
+                  <a16:creationId xmlns:a16="http://schemas.microsoft.com/office/drawing/2014/main" id="{0573155C-3428-4F4F-AE66-A519D777EAAE}"/>
                 </a:ext>
               </a:extLst>
             </p:cNvPr>
@@ -9932,7 +9913,7 @@
             <p:cNvPr id="10" name="Freeform 6">
               <a:extLst>
                 <a:ext uri="{FF2B5EF4-FFF2-40B4-BE49-F238E27FC236}">
-                  <a16:creationId xmlns="" xmlns:a16="http://schemas.microsoft.com/office/drawing/2014/main" id="{1853496C-159E-4D47-94B5-0835FB6511BA}"/>
+                  <a16:creationId xmlns:a16="http://schemas.microsoft.com/office/drawing/2014/main" id="{1853496C-159E-4D47-94B5-0835FB6511BA}"/>
                 </a:ext>
               </a:extLst>
             </p:cNvPr>
@@ -10083,7 +10064,7 @@
             <p:cNvPr id="11" name="Freeform 8">
               <a:extLst>
                 <a:ext uri="{FF2B5EF4-FFF2-40B4-BE49-F238E27FC236}">
-                  <a16:creationId xmlns="" xmlns:a16="http://schemas.microsoft.com/office/drawing/2014/main" id="{CE93E330-715B-44E8-84D9-CE166D428DAB}"/>
+                  <a16:creationId xmlns:a16="http://schemas.microsoft.com/office/drawing/2014/main" id="{CE93E330-715B-44E8-84D9-CE166D428DAB}"/>
                 </a:ext>
               </a:extLst>
             </p:cNvPr>
@@ -10236,10 +10217,10 @@
           <p:cNvPr id="12" name="Oval 11">
             <a:extLst>
               <a:ext uri="{FF2B5EF4-FFF2-40B4-BE49-F238E27FC236}">
-                <a16:creationId xmlns="" xmlns:a16="http://schemas.microsoft.com/office/drawing/2014/main" id="{80A2FA6F-99B7-4984-A80C-570644889F02}"/>
+                <a16:creationId xmlns:a16="http://schemas.microsoft.com/office/drawing/2014/main" id="{80A2FA6F-99B7-4984-A80C-570644889F02}"/>
               </a:ext>
               <a:ext uri="{C183D7F6-B498-43B3-948B-1728B52AA6E4}">
-                <adec:decorative xmlns="" xmlns:adec="http://schemas.microsoft.com/office/drawing/2017/decorative" val="1"/>
+                <adec:decorative xmlns:adec="http://schemas.microsoft.com/office/drawing/2017/decorative" val="1"/>
               </a:ext>
             </a:extLst>
           </p:cNvPr>
@@ -10324,7 +10305,7 @@
           <p:cNvPr id="17" name="Content Placeholder 16">
             <a:extLst>
               <a:ext uri="{FF2B5EF4-FFF2-40B4-BE49-F238E27FC236}">
-                <a16:creationId xmlns="" xmlns:a16="http://schemas.microsoft.com/office/drawing/2014/main" id="{439C8C03-81B3-4DE8-B96A-78258E4467CC}"/>
+                <a16:creationId xmlns:a16="http://schemas.microsoft.com/office/drawing/2014/main" id="{439C8C03-81B3-4DE8-B96A-78258E4467CC}"/>
               </a:ext>
             </a:extLst>
           </p:cNvPr>
@@ -10377,7 +10358,7 @@
           <p:cNvPr id="15" name="Picture Placeholder 14">
             <a:extLst>
               <a:ext uri="{FF2B5EF4-FFF2-40B4-BE49-F238E27FC236}">
-                <a16:creationId xmlns="" xmlns:a16="http://schemas.microsoft.com/office/drawing/2014/main" id="{C1FBB56D-C8B1-4ED9-A5DB-72BA636DADF3}"/>
+                <a16:creationId xmlns:a16="http://schemas.microsoft.com/office/drawing/2014/main" id="{C1FBB56D-C8B1-4ED9-A5DB-72BA636DADF3}"/>
               </a:ext>
             </a:extLst>
           </p:cNvPr>
@@ -10477,7 +10458,7 @@
           <p:cNvPr id="2" name="Date Placeholder 1">
             <a:extLst>
               <a:ext uri="{FF2B5EF4-FFF2-40B4-BE49-F238E27FC236}">
-                <a16:creationId xmlns="" xmlns:a16="http://schemas.microsoft.com/office/drawing/2014/main" id="{AB81B449-7B97-41DC-B23F-65EDCBD316A6}"/>
+                <a16:creationId xmlns:a16="http://schemas.microsoft.com/office/drawing/2014/main" id="{AB81B449-7B97-41DC-B23F-65EDCBD316A6}"/>
               </a:ext>
             </a:extLst>
           </p:cNvPr>
@@ -10496,10 +10477,9 @@
           <a:lstStyle/>
           <a:p>
             <a:r>
-              <a:rPr lang="en-US" smtClean="0"/>
+              <a:rPr lang="en-US"/>
               <a:t>Wednesday March 17, 2021</a:t>
             </a:r>
-            <a:endParaRPr lang="en-US"/>
           </a:p>
         </p:txBody>
       </p:sp>
@@ -10508,7 +10488,7 @@
           <p:cNvPr id="3" name="Footer Placeholder 2">
             <a:extLst>
               <a:ext uri="{FF2B5EF4-FFF2-40B4-BE49-F238E27FC236}">
-                <a16:creationId xmlns="" xmlns:a16="http://schemas.microsoft.com/office/drawing/2014/main" id="{7C6B46D5-337B-4906-8412-4EEA3884FA7E}"/>
+                <a16:creationId xmlns:a16="http://schemas.microsoft.com/office/drawing/2014/main" id="{7C6B46D5-337B-4906-8412-4EEA3884FA7E}"/>
               </a:ext>
             </a:extLst>
           </p:cNvPr>
@@ -10527,10 +10507,9 @@
           <a:lstStyle/>
           <a:p>
             <a:r>
-              <a:rPr lang="en-US" smtClean="0"/>
+              <a:rPr lang="en-US"/>
               <a:t>https://github.com/jenmusdat/BeerMachineLearning</a:t>
             </a:r>
-            <a:endParaRPr lang="en-US"/>
           </a:p>
         </p:txBody>
       </p:sp>
@@ -10539,7 +10518,7 @@
           <p:cNvPr id="4" name="Slide Number Placeholder 3">
             <a:extLst>
               <a:ext uri="{FF2B5EF4-FFF2-40B4-BE49-F238E27FC236}">
-                <a16:creationId xmlns="" xmlns:a16="http://schemas.microsoft.com/office/drawing/2014/main" id="{E436F230-C9A7-407A-B923-873839C8D8A0}"/>
+                <a16:creationId xmlns:a16="http://schemas.microsoft.com/office/drawing/2014/main" id="{E436F230-C9A7-407A-B923-873839C8D8A0}"/>
               </a:ext>
             </a:extLst>
           </p:cNvPr>
@@ -10600,10 +10579,10 @@
           <p:cNvPr id="16" name="Rectangle 15">
             <a:extLst>
               <a:ext uri="{FF2B5EF4-FFF2-40B4-BE49-F238E27FC236}">
-                <a16:creationId xmlns="" xmlns:a16="http://schemas.microsoft.com/office/drawing/2014/main" id="{E38C6F9E-A74F-4F54-9409-B6B93DF8CE78}"/>
+                <a16:creationId xmlns:a16="http://schemas.microsoft.com/office/drawing/2014/main" id="{E38C6F9E-A74F-4F54-9409-B6B93DF8CE78}"/>
               </a:ext>
               <a:ext uri="{C183D7F6-B498-43B3-948B-1728B52AA6E4}">
-                <adec:decorative xmlns="" xmlns:adec="http://schemas.microsoft.com/office/drawing/2017/decorative" val="1"/>
+                <adec:decorative xmlns:adec="http://schemas.microsoft.com/office/drawing/2017/decorative" val="1"/>
               </a:ext>
             </a:extLst>
           </p:cNvPr>
@@ -10670,10 +10649,10 @@
           <p:cNvPr id="34" name="Oval 33">
             <a:extLst>
               <a:ext uri="{FF2B5EF4-FFF2-40B4-BE49-F238E27FC236}">
-                <a16:creationId xmlns="" xmlns:a16="http://schemas.microsoft.com/office/drawing/2014/main" id="{6F0F71C5-78A4-4793-9BD4-3DF0EE3E3EB7}"/>
+                <a16:creationId xmlns:a16="http://schemas.microsoft.com/office/drawing/2014/main" id="{6F0F71C5-78A4-4793-9BD4-3DF0EE3E3EB7}"/>
               </a:ext>
               <a:ext uri="{C183D7F6-B498-43B3-948B-1728B52AA6E4}">
-                <adec:decorative xmlns="" xmlns:adec="http://schemas.microsoft.com/office/drawing/2017/decorative" val="1"/>
+                <adec:decorative xmlns:adec="http://schemas.microsoft.com/office/drawing/2017/decorative" val="1"/>
               </a:ext>
             </a:extLst>
           </p:cNvPr>
@@ -10758,7 +10737,7 @@
           <p:cNvPr id="40" name="Title 5">
             <a:extLst>
               <a:ext uri="{FF2B5EF4-FFF2-40B4-BE49-F238E27FC236}">
-                <a16:creationId xmlns="" xmlns:a16="http://schemas.microsoft.com/office/drawing/2014/main" id="{36F60F77-4CC9-4F86-B70A-85012C6588A0}"/>
+                <a16:creationId xmlns:a16="http://schemas.microsoft.com/office/drawing/2014/main" id="{36F60F77-4CC9-4F86-B70A-85012C6588A0}"/>
               </a:ext>
             </a:extLst>
           </p:cNvPr>
@@ -10793,10 +10772,10 @@
           <p:cNvPr id="51" name="Group 50">
             <a:extLst>
               <a:ext uri="{FF2B5EF4-FFF2-40B4-BE49-F238E27FC236}">
-                <a16:creationId xmlns="" xmlns:a16="http://schemas.microsoft.com/office/drawing/2014/main" id="{E6093F87-C1F6-4FAB-B891-6F7D7FC20751}"/>
+                <a16:creationId xmlns:a16="http://schemas.microsoft.com/office/drawing/2014/main" id="{E6093F87-C1F6-4FAB-B891-6F7D7FC20751}"/>
               </a:ext>
               <a:ext uri="{C183D7F6-B498-43B3-948B-1728B52AA6E4}">
-                <adec:decorative xmlns="" xmlns:adec="http://schemas.microsoft.com/office/drawing/2017/decorative" val="1"/>
+                <adec:decorative xmlns:adec="http://schemas.microsoft.com/office/drawing/2017/decorative" val="1"/>
               </a:ext>
             </a:extLst>
           </p:cNvPr>
@@ -10816,7 +10795,7 @@
             <p:cNvPr id="52" name="Freeform: Shape 51">
               <a:extLst>
                 <a:ext uri="{FF2B5EF4-FFF2-40B4-BE49-F238E27FC236}">
-                  <a16:creationId xmlns="" xmlns:a16="http://schemas.microsoft.com/office/drawing/2014/main" id="{E1A4FD5C-1E5B-46D1-BA9D-99928D19AF04}"/>
+                  <a16:creationId xmlns:a16="http://schemas.microsoft.com/office/drawing/2014/main" id="{E1A4FD5C-1E5B-46D1-BA9D-99928D19AF04}"/>
                 </a:ext>
               </a:extLst>
             </p:cNvPr>
@@ -10956,7 +10935,7 @@
             <p:cNvPr id="53" name="Freeform: Shape 52">
               <a:extLst>
                 <a:ext uri="{FF2B5EF4-FFF2-40B4-BE49-F238E27FC236}">
-                  <a16:creationId xmlns="" xmlns:a16="http://schemas.microsoft.com/office/drawing/2014/main" id="{B7DF0ED5-A971-408F-A055-C7E5D7A623CD}"/>
+                  <a16:creationId xmlns:a16="http://schemas.microsoft.com/office/drawing/2014/main" id="{B7DF0ED5-A971-408F-A055-C7E5D7A623CD}"/>
                 </a:ext>
               </a:extLst>
             </p:cNvPr>
@@ -11098,7 +11077,7 @@
             <p:cNvPr id="54" name="Oval 53">
               <a:extLst>
                 <a:ext uri="{FF2B5EF4-FFF2-40B4-BE49-F238E27FC236}">
-                  <a16:creationId xmlns="" xmlns:a16="http://schemas.microsoft.com/office/drawing/2014/main" id="{AA81F353-4C5B-4A37-9846-2C1E2D0FC25F}"/>
+                  <a16:creationId xmlns:a16="http://schemas.microsoft.com/office/drawing/2014/main" id="{AA81F353-4C5B-4A37-9846-2C1E2D0FC25F}"/>
                 </a:ext>
               </a:extLst>
             </p:cNvPr>
@@ -11167,7 +11146,7 @@
             <p:cNvPr id="55" name="Oval 54">
               <a:extLst>
                 <a:ext uri="{FF2B5EF4-FFF2-40B4-BE49-F238E27FC236}">
-                  <a16:creationId xmlns="" xmlns:a16="http://schemas.microsoft.com/office/drawing/2014/main" id="{42B74EA3-11CE-4D3F-99AD-162563447653}"/>
+                  <a16:creationId xmlns:a16="http://schemas.microsoft.com/office/drawing/2014/main" id="{42B74EA3-11CE-4D3F-99AD-162563447653}"/>
                 </a:ext>
               </a:extLst>
             </p:cNvPr>
@@ -11237,7 +11216,7 @@
           <p:cNvPr id="56" name="Picture Placeholder 55">
             <a:extLst>
               <a:ext uri="{FF2B5EF4-FFF2-40B4-BE49-F238E27FC236}">
-                <a16:creationId xmlns="" xmlns:a16="http://schemas.microsoft.com/office/drawing/2014/main" id="{8F41896B-6DDA-4F82-9F74-3EBF93A3CD58}"/>
+                <a16:creationId xmlns:a16="http://schemas.microsoft.com/office/drawing/2014/main" id="{8F41896B-6DDA-4F82-9F74-3EBF93A3CD58}"/>
               </a:ext>
             </a:extLst>
           </p:cNvPr>
@@ -11275,7 +11254,7 @@
           <p:cNvPr id="57" name="Picture Placeholder 55">
             <a:extLst>
               <a:ext uri="{FF2B5EF4-FFF2-40B4-BE49-F238E27FC236}">
-                <a16:creationId xmlns="" xmlns:a16="http://schemas.microsoft.com/office/drawing/2014/main" id="{EF85499B-C29A-4C8B-922C-7CE4771E352C}"/>
+                <a16:creationId xmlns:a16="http://schemas.microsoft.com/office/drawing/2014/main" id="{EF85499B-C29A-4C8B-922C-7CE4771E352C}"/>
               </a:ext>
             </a:extLst>
           </p:cNvPr>
@@ -11313,7 +11292,7 @@
           <p:cNvPr id="58" name="Picture Placeholder 55">
             <a:extLst>
               <a:ext uri="{FF2B5EF4-FFF2-40B4-BE49-F238E27FC236}">
-                <a16:creationId xmlns="" xmlns:a16="http://schemas.microsoft.com/office/drawing/2014/main" id="{F82A1DB8-0AE7-4E17-B07B-FCF45B85EE17}"/>
+                <a16:creationId xmlns:a16="http://schemas.microsoft.com/office/drawing/2014/main" id="{F82A1DB8-0AE7-4E17-B07B-FCF45B85EE17}"/>
               </a:ext>
             </a:extLst>
           </p:cNvPr>
@@ -11352,7 +11331,7 @@
           <p:cNvPr id="59" name="Picture Placeholder 55">
             <a:extLst>
               <a:ext uri="{FF2B5EF4-FFF2-40B4-BE49-F238E27FC236}">
-                <a16:creationId xmlns="" xmlns:a16="http://schemas.microsoft.com/office/drawing/2014/main" id="{A83EEB6C-83B7-471D-B5A4-4071534048D2}"/>
+                <a16:creationId xmlns:a16="http://schemas.microsoft.com/office/drawing/2014/main" id="{A83EEB6C-83B7-471D-B5A4-4071534048D2}"/>
               </a:ext>
             </a:extLst>
           </p:cNvPr>
@@ -11390,7 +11369,7 @@
           <p:cNvPr id="63" name="Text Placeholder 62">
             <a:extLst>
               <a:ext uri="{FF2B5EF4-FFF2-40B4-BE49-F238E27FC236}">
-                <a16:creationId xmlns="" xmlns:a16="http://schemas.microsoft.com/office/drawing/2014/main" id="{17A96A8C-F792-485A-9BB9-4DEDCA0CE6B8}"/>
+                <a16:creationId xmlns:a16="http://schemas.microsoft.com/office/drawing/2014/main" id="{17A96A8C-F792-485A-9BB9-4DEDCA0CE6B8}"/>
               </a:ext>
             </a:extLst>
           </p:cNvPr>
@@ -11431,7 +11410,7 @@
           <p:cNvPr id="61" name="Text Placeholder 60">
             <a:extLst>
               <a:ext uri="{FF2B5EF4-FFF2-40B4-BE49-F238E27FC236}">
-                <a16:creationId xmlns="" xmlns:a16="http://schemas.microsoft.com/office/drawing/2014/main" id="{6C65AE07-519E-4E3B-8521-621C8343914D}"/>
+                <a16:creationId xmlns:a16="http://schemas.microsoft.com/office/drawing/2014/main" id="{6C65AE07-519E-4E3B-8521-621C8343914D}"/>
               </a:ext>
             </a:extLst>
           </p:cNvPr>
@@ -11472,7 +11451,7 @@
           <p:cNvPr id="65" name="Text Placeholder 62">
             <a:extLst>
               <a:ext uri="{FF2B5EF4-FFF2-40B4-BE49-F238E27FC236}">
-                <a16:creationId xmlns="" xmlns:a16="http://schemas.microsoft.com/office/drawing/2014/main" id="{FB878318-C287-428B-8105-429BC4B03F55}"/>
+                <a16:creationId xmlns:a16="http://schemas.microsoft.com/office/drawing/2014/main" id="{FB878318-C287-428B-8105-429BC4B03F55}"/>
               </a:ext>
             </a:extLst>
           </p:cNvPr>
@@ -11513,7 +11492,7 @@
           <p:cNvPr id="64" name="Text Placeholder 60">
             <a:extLst>
               <a:ext uri="{FF2B5EF4-FFF2-40B4-BE49-F238E27FC236}">
-                <a16:creationId xmlns="" xmlns:a16="http://schemas.microsoft.com/office/drawing/2014/main" id="{1465E516-2CEF-4F9E-9375-7D41DCFCBB41}"/>
+                <a16:creationId xmlns:a16="http://schemas.microsoft.com/office/drawing/2014/main" id="{1465E516-2CEF-4F9E-9375-7D41DCFCBB41}"/>
               </a:ext>
             </a:extLst>
           </p:cNvPr>
@@ -11554,7 +11533,7 @@
           <p:cNvPr id="67" name="Text Placeholder 62">
             <a:extLst>
               <a:ext uri="{FF2B5EF4-FFF2-40B4-BE49-F238E27FC236}">
-                <a16:creationId xmlns="" xmlns:a16="http://schemas.microsoft.com/office/drawing/2014/main" id="{FE012CE3-36AA-4016-A88E-27BCFFEFD69F}"/>
+                <a16:creationId xmlns:a16="http://schemas.microsoft.com/office/drawing/2014/main" id="{FE012CE3-36AA-4016-A88E-27BCFFEFD69F}"/>
               </a:ext>
             </a:extLst>
           </p:cNvPr>
@@ -11595,7 +11574,7 @@
           <p:cNvPr id="66" name="Text Placeholder 60">
             <a:extLst>
               <a:ext uri="{FF2B5EF4-FFF2-40B4-BE49-F238E27FC236}">
-                <a16:creationId xmlns="" xmlns:a16="http://schemas.microsoft.com/office/drawing/2014/main" id="{8D5671AF-0137-4226-8A84-2784817E519C}"/>
+                <a16:creationId xmlns:a16="http://schemas.microsoft.com/office/drawing/2014/main" id="{8D5671AF-0137-4226-8A84-2784817E519C}"/>
               </a:ext>
             </a:extLst>
           </p:cNvPr>
@@ -11636,7 +11615,7 @@
           <p:cNvPr id="69" name="Text Placeholder 62">
             <a:extLst>
               <a:ext uri="{FF2B5EF4-FFF2-40B4-BE49-F238E27FC236}">
-                <a16:creationId xmlns="" xmlns:a16="http://schemas.microsoft.com/office/drawing/2014/main" id="{DA1587F0-23BF-4FB8-B06C-2B0AA928E931}"/>
+                <a16:creationId xmlns:a16="http://schemas.microsoft.com/office/drawing/2014/main" id="{DA1587F0-23BF-4FB8-B06C-2B0AA928E931}"/>
               </a:ext>
             </a:extLst>
           </p:cNvPr>
@@ -11677,7 +11656,7 @@
           <p:cNvPr id="68" name="Text Placeholder 60">
             <a:extLst>
               <a:ext uri="{FF2B5EF4-FFF2-40B4-BE49-F238E27FC236}">
-                <a16:creationId xmlns="" xmlns:a16="http://schemas.microsoft.com/office/drawing/2014/main" id="{565C0B22-B5E7-44BB-A17C-7FB5BB5D82BB}"/>
+                <a16:creationId xmlns:a16="http://schemas.microsoft.com/office/drawing/2014/main" id="{565C0B22-B5E7-44BB-A17C-7FB5BB5D82BB}"/>
               </a:ext>
             </a:extLst>
           </p:cNvPr>
@@ -11718,7 +11697,7 @@
           <p:cNvPr id="4" name="Date Placeholder 3">
             <a:extLst>
               <a:ext uri="{FF2B5EF4-FFF2-40B4-BE49-F238E27FC236}">
-                <a16:creationId xmlns="" xmlns:a16="http://schemas.microsoft.com/office/drawing/2014/main" id="{D8661572-1A59-4E3B-BA65-3329E9468C69}"/>
+                <a16:creationId xmlns:a16="http://schemas.microsoft.com/office/drawing/2014/main" id="{D8661572-1A59-4E3B-BA65-3329E9468C69}"/>
               </a:ext>
             </a:extLst>
           </p:cNvPr>
@@ -11737,7 +11716,7 @@
           <a:lstStyle/>
           <a:p>
             <a:r>
-              <a:rPr lang="en-US" smtClean="0"/>
+              <a:rPr lang="en-US"/>
               <a:t>Wednesday March 17, 2021</a:t>
             </a:r>
             <a:endParaRPr lang="en-US" dirty="0"/>
@@ -11749,7 +11728,7 @@
           <p:cNvPr id="5" name="Footer Placeholder 4">
             <a:extLst>
               <a:ext uri="{FF2B5EF4-FFF2-40B4-BE49-F238E27FC236}">
-                <a16:creationId xmlns="" xmlns:a16="http://schemas.microsoft.com/office/drawing/2014/main" id="{AFEF84F1-99FE-4F0B-9E76-F581C2C1B6D9}"/>
+                <a16:creationId xmlns:a16="http://schemas.microsoft.com/office/drawing/2014/main" id="{AFEF84F1-99FE-4F0B-9E76-F581C2C1B6D9}"/>
               </a:ext>
             </a:extLst>
           </p:cNvPr>
@@ -11768,10 +11747,9 @@
           <a:lstStyle/>
           <a:p>
             <a:r>
-              <a:rPr lang="en-US" smtClean="0"/>
+              <a:rPr lang="en-US"/>
               <a:t>https://github.com/jenmusdat/BeerMachineLearning</a:t>
             </a:r>
-            <a:endParaRPr lang="en-US"/>
           </a:p>
         </p:txBody>
       </p:sp>
@@ -11780,7 +11758,7 @@
           <p:cNvPr id="6" name="Slide Number Placeholder 5">
             <a:extLst>
               <a:ext uri="{FF2B5EF4-FFF2-40B4-BE49-F238E27FC236}">
-                <a16:creationId xmlns="" xmlns:a16="http://schemas.microsoft.com/office/drawing/2014/main" id="{97B2D769-16B1-43C4-BF14-3175533511ED}"/>
+                <a16:creationId xmlns:a16="http://schemas.microsoft.com/office/drawing/2014/main" id="{97B2D769-16B1-43C4-BF14-3175533511ED}"/>
               </a:ext>
             </a:extLst>
           </p:cNvPr>
@@ -11841,7 +11819,7 @@
           <p:cNvPr id="12" name="Oval 11">
             <a:extLst>
               <a:ext uri="{FF2B5EF4-FFF2-40B4-BE49-F238E27FC236}">
-                <a16:creationId xmlns="" xmlns:a16="http://schemas.microsoft.com/office/drawing/2014/main" id="{FD65A50E-2F73-4426-8586-9731AFA2D2E0}"/>
+                <a16:creationId xmlns:a16="http://schemas.microsoft.com/office/drawing/2014/main" id="{FD65A50E-2F73-4426-8586-9731AFA2D2E0}"/>
               </a:ext>
             </a:extLst>
           </p:cNvPr>
@@ -11924,7 +11902,7 @@
           <p:cNvPr id="11" name="Rectangle 10">
             <a:extLst>
               <a:ext uri="{FF2B5EF4-FFF2-40B4-BE49-F238E27FC236}">
-                <a16:creationId xmlns="" xmlns:a16="http://schemas.microsoft.com/office/drawing/2014/main" id="{EB89C080-4102-49AE-BDA9-59A4A67E2486}"/>
+                <a16:creationId xmlns:a16="http://schemas.microsoft.com/office/drawing/2014/main" id="{EB89C080-4102-49AE-BDA9-59A4A67E2486}"/>
               </a:ext>
             </a:extLst>
           </p:cNvPr>
@@ -11980,7 +11958,7 @@
           <p:cNvPr id="2" name="Title 1">
             <a:extLst>
               <a:ext uri="{FF2B5EF4-FFF2-40B4-BE49-F238E27FC236}">
-                <a16:creationId xmlns="" xmlns:a16="http://schemas.microsoft.com/office/drawing/2014/main" id="{DDE62014-F04C-495A-964E-6B888D49CDE9}"/>
+                <a16:creationId xmlns:a16="http://schemas.microsoft.com/office/drawing/2014/main" id="{DDE62014-F04C-495A-964E-6B888D49CDE9}"/>
               </a:ext>
             </a:extLst>
           </p:cNvPr>
@@ -12025,7 +12003,7 @@
           <p:cNvPr id="3" name="Text Placeholder 2">
             <a:extLst>
               <a:ext uri="{FF2B5EF4-FFF2-40B4-BE49-F238E27FC236}">
-                <a16:creationId xmlns="" xmlns:a16="http://schemas.microsoft.com/office/drawing/2014/main" id="{555DF027-E633-44EE-ACA0-C205930AA93E}"/>
+                <a16:creationId xmlns:a16="http://schemas.microsoft.com/office/drawing/2014/main" id="{555DF027-E633-44EE-ACA0-C205930AA93E}"/>
               </a:ext>
             </a:extLst>
           </p:cNvPr>
@@ -12103,7 +12081,7 @@
           <p:cNvPr id="4" name="Content Placeholder 3">
             <a:extLst>
               <a:ext uri="{FF2B5EF4-FFF2-40B4-BE49-F238E27FC236}">
-                <a16:creationId xmlns="" xmlns:a16="http://schemas.microsoft.com/office/drawing/2014/main" id="{9BA4F363-FEEF-4CD2-A18E-17AE8D485171}"/>
+                <a16:creationId xmlns:a16="http://schemas.microsoft.com/office/drawing/2014/main" id="{9BA4F363-FEEF-4CD2-A18E-17AE8D485171}"/>
               </a:ext>
             </a:extLst>
           </p:cNvPr>
@@ -12184,7 +12162,7 @@
           <p:cNvPr id="5" name="Text Placeholder 4">
             <a:extLst>
               <a:ext uri="{FF2B5EF4-FFF2-40B4-BE49-F238E27FC236}">
-                <a16:creationId xmlns="" xmlns:a16="http://schemas.microsoft.com/office/drawing/2014/main" id="{34E50F8C-4D64-40FD-AE8C-6A1F3C2A84ED}"/>
+                <a16:creationId xmlns:a16="http://schemas.microsoft.com/office/drawing/2014/main" id="{34E50F8C-4D64-40FD-AE8C-6A1F3C2A84ED}"/>
               </a:ext>
             </a:extLst>
           </p:cNvPr>
@@ -12229,7 +12207,7 @@
           <p:cNvPr id="6" name="Content Placeholder 5">
             <a:extLst>
               <a:ext uri="{FF2B5EF4-FFF2-40B4-BE49-F238E27FC236}">
-                <a16:creationId xmlns="" xmlns:a16="http://schemas.microsoft.com/office/drawing/2014/main" id="{A7AC943E-DB2B-40E0-907F-8EA1404791DE}"/>
+                <a16:creationId xmlns:a16="http://schemas.microsoft.com/office/drawing/2014/main" id="{A7AC943E-DB2B-40E0-907F-8EA1404791DE}"/>
               </a:ext>
             </a:extLst>
           </p:cNvPr>
@@ -12309,7 +12287,7 @@
           <p:cNvPr id="7" name="Date Placeholder 6">
             <a:extLst>
               <a:ext uri="{FF2B5EF4-FFF2-40B4-BE49-F238E27FC236}">
-                <a16:creationId xmlns="" xmlns:a16="http://schemas.microsoft.com/office/drawing/2014/main" id="{DDCDCD5B-3F26-4AFA-8BD4-E5D8DD2AF494}"/>
+                <a16:creationId xmlns:a16="http://schemas.microsoft.com/office/drawing/2014/main" id="{DDCDCD5B-3F26-4AFA-8BD4-E5D8DD2AF494}"/>
               </a:ext>
             </a:extLst>
           </p:cNvPr>
@@ -12328,10 +12306,9 @@
           <a:lstStyle/>
           <a:p>
             <a:r>
-              <a:rPr lang="en-US" smtClean="0"/>
+              <a:rPr lang="en-US"/>
               <a:t>Wednesday March 17, 2021</a:t>
             </a:r>
-            <a:endParaRPr lang="en-US"/>
           </a:p>
         </p:txBody>
       </p:sp>
@@ -12340,7 +12317,7 @@
           <p:cNvPr id="8" name="Footer Placeholder 7">
             <a:extLst>
               <a:ext uri="{FF2B5EF4-FFF2-40B4-BE49-F238E27FC236}">
-                <a16:creationId xmlns="" xmlns:a16="http://schemas.microsoft.com/office/drawing/2014/main" id="{3D10D1EE-83A0-4FB5-9B25-8A73DE891A87}"/>
+                <a16:creationId xmlns:a16="http://schemas.microsoft.com/office/drawing/2014/main" id="{3D10D1EE-83A0-4FB5-9B25-8A73DE891A87}"/>
               </a:ext>
             </a:extLst>
           </p:cNvPr>
@@ -12359,10 +12336,9 @@
           <a:lstStyle/>
           <a:p>
             <a:r>
-              <a:rPr lang="en-US" smtClean="0"/>
+              <a:rPr lang="en-US"/>
               <a:t>https://github.com/jenmusdat/BeerMachineLearning</a:t>
             </a:r>
-            <a:endParaRPr lang="en-US"/>
           </a:p>
         </p:txBody>
       </p:sp>
@@ -12371,7 +12347,7 @@
           <p:cNvPr id="9" name="Slide Number Placeholder 8">
             <a:extLst>
               <a:ext uri="{FF2B5EF4-FFF2-40B4-BE49-F238E27FC236}">
-                <a16:creationId xmlns="" xmlns:a16="http://schemas.microsoft.com/office/drawing/2014/main" id="{03031C35-2E5B-491D-85ED-DB42A4FE1623}"/>
+                <a16:creationId xmlns:a16="http://schemas.microsoft.com/office/drawing/2014/main" id="{03031C35-2E5B-491D-85ED-DB42A4FE1623}"/>
               </a:ext>
             </a:extLst>
           </p:cNvPr>
@@ -12437,7 +12413,7 @@
           <p:cNvPr id="2" name="Title Placeholder 1">
             <a:extLst>
               <a:ext uri="{FF2B5EF4-FFF2-40B4-BE49-F238E27FC236}">
-                <a16:creationId xmlns="" xmlns:a16="http://schemas.microsoft.com/office/drawing/2014/main" id="{A8028302-E866-455D-8898-53623027543F}"/>
+                <a16:creationId xmlns:a16="http://schemas.microsoft.com/office/drawing/2014/main" id="{A8028302-E866-455D-8898-53623027543F}"/>
               </a:ext>
             </a:extLst>
           </p:cNvPr>
@@ -12481,7 +12457,7 @@
           <p:cNvPr id="3" name="Text Placeholder 2">
             <a:extLst>
               <a:ext uri="{FF2B5EF4-FFF2-40B4-BE49-F238E27FC236}">
-                <a16:creationId xmlns="" xmlns:a16="http://schemas.microsoft.com/office/drawing/2014/main" id="{BC94E72B-F0CF-4BC4-B509-A1C4508BE435}"/>
+                <a16:creationId xmlns:a16="http://schemas.microsoft.com/office/drawing/2014/main" id="{BC94E72B-F0CF-4BC4-B509-A1C4508BE435}"/>
               </a:ext>
             </a:extLst>
           </p:cNvPr>
@@ -12549,7 +12525,7 @@
           <p:cNvPr id="4" name="Date Placeholder 3">
             <a:extLst>
               <a:ext uri="{FF2B5EF4-FFF2-40B4-BE49-F238E27FC236}">
-                <a16:creationId xmlns="" xmlns:a16="http://schemas.microsoft.com/office/drawing/2014/main" id="{34ACE49D-C22F-4540-AC09-E421D2A2EDBE}"/>
+                <a16:creationId xmlns:a16="http://schemas.microsoft.com/office/drawing/2014/main" id="{34ACE49D-C22F-4540-AC09-E421D2A2EDBE}"/>
               </a:ext>
             </a:extLst>
           </p:cNvPr>
@@ -12587,7 +12563,7 @@
           </a:lstStyle>
           <a:p>
             <a:r>
-              <a:rPr lang="en-US" smtClean="0"/>
+              <a:rPr lang="en-US"/>
               <a:t>Wednesday March 17, 2021</a:t>
             </a:r>
             <a:endParaRPr lang="en-US" dirty="0"/>
@@ -12599,7 +12575,7 @@
           <p:cNvPr id="5" name="Footer Placeholder 4">
             <a:extLst>
               <a:ext uri="{FF2B5EF4-FFF2-40B4-BE49-F238E27FC236}">
-                <a16:creationId xmlns="" xmlns:a16="http://schemas.microsoft.com/office/drawing/2014/main" id="{ACD5C3BE-317E-49E8-82B5-C8A7EC9C8A7E}"/>
+                <a16:creationId xmlns:a16="http://schemas.microsoft.com/office/drawing/2014/main" id="{ACD5C3BE-317E-49E8-82B5-C8A7EC9C8A7E}"/>
               </a:ext>
             </a:extLst>
           </p:cNvPr>
@@ -12637,7 +12613,7 @@
           </a:lstStyle>
           <a:p>
             <a:r>
-              <a:rPr lang="en-US" smtClean="0"/>
+              <a:rPr lang="en-US"/>
               <a:t>https://github.com/jenmusdat/BeerMachineLearning</a:t>
             </a:r>
             <a:endParaRPr lang="en-US" dirty="0"/>
@@ -12649,7 +12625,7 @@
           <p:cNvPr id="6" name="Slide Number Placeholder 5">
             <a:extLst>
               <a:ext uri="{FF2B5EF4-FFF2-40B4-BE49-F238E27FC236}">
-                <a16:creationId xmlns="" xmlns:a16="http://schemas.microsoft.com/office/drawing/2014/main" id="{45574E12-6C16-431F-B2CE-E4B15916BA05}"/>
+                <a16:creationId xmlns:a16="http://schemas.microsoft.com/office/drawing/2014/main" id="{45574E12-6C16-431F-B2CE-E4B15916BA05}"/>
               </a:ext>
             </a:extLst>
           </p:cNvPr>
@@ -13027,7 +13003,7 @@
       </a:lvl9pPr>
     </p:otherStyle>
   </p:txStyles>
-  <p:extLst mod="1">
+  <p:extLst>
     <p:ext uri="{27BBF7A9-308A-43DC-89C8-2F10F3537804}">
       <p15:sldGuideLst xmlns:p15="http://schemas.microsoft.com/office/powerpoint/2012/main">
         <p15:guide id="32" pos="3840">
@@ -13253,7 +13229,7 @@
           <p:cNvPr id="2" name="Title 1">
             <a:extLst>
               <a:ext uri="{FF2B5EF4-FFF2-40B4-BE49-F238E27FC236}">
-                <a16:creationId xmlns="" xmlns:a16="http://schemas.microsoft.com/office/drawing/2014/main" id="{286E938C-9D94-4B05-979A-D39FFC457291}"/>
+                <a16:creationId xmlns:a16="http://schemas.microsoft.com/office/drawing/2014/main" id="{286E938C-9D94-4B05-979A-D39FFC457291}"/>
               </a:ext>
             </a:extLst>
           </p:cNvPr>
@@ -13283,7 +13259,7 @@
           <p:cNvPr id="14" name="Picture Placeholder 13" descr="Data Points Digital background">
             <a:extLst>
               <a:ext uri="{FF2B5EF4-FFF2-40B4-BE49-F238E27FC236}">
-                <a16:creationId xmlns="" xmlns:a16="http://schemas.microsoft.com/office/drawing/2014/main" id="{9A8AD548-922D-4E1D-B19C-5F6E808B8160}"/>
+                <a16:creationId xmlns:a16="http://schemas.microsoft.com/office/drawing/2014/main" id="{9A8AD548-922D-4E1D-B19C-5F6E808B8160}"/>
               </a:ext>
             </a:extLst>
           </p:cNvPr>
@@ -13312,7 +13288,7 @@
           <p:cNvPr id="3" name="Subtitle 2">
             <a:extLst>
               <a:ext uri="{FF2B5EF4-FFF2-40B4-BE49-F238E27FC236}">
-                <a16:creationId xmlns="" xmlns:a16="http://schemas.microsoft.com/office/drawing/2014/main" id="{D9A11267-FC52-4990-8D98-010AFABA5544}"/>
+                <a16:creationId xmlns:a16="http://schemas.microsoft.com/office/drawing/2014/main" id="{D9A11267-FC52-4990-8D98-010AFABA5544}"/>
               </a:ext>
             </a:extLst>
           </p:cNvPr>
@@ -13365,13 +13341,6 @@
   <p:clrMapOvr>
     <a:masterClrMapping/>
   </p:clrMapOvr>
-  <p:timing>
-    <p:tnLst>
-      <p:par>
-        <p:cTn id="1" dur="indefinite" restart="never" nodeType="tmRoot"/>
-      </p:par>
-    </p:tnLst>
-  </p:timing>
 </p:sld>
 </file>
 
@@ -13394,10 +13363,1311 @@
       </p:grpSpPr>
       <p:sp>
         <p:nvSpPr>
+          <p:cNvPr id="10" name="Title 9">
+            <a:extLst>
+              <a:ext uri="{FF2B5EF4-FFF2-40B4-BE49-F238E27FC236}">
+                <a16:creationId xmlns:a16="http://schemas.microsoft.com/office/drawing/2014/main" id="{11141A23-3245-413B-A849-2D9D2E484676}"/>
+              </a:ext>
+            </a:extLst>
+          </p:cNvPr>
+          <p:cNvSpPr>
+            <a:spLocks noGrp="1"/>
+          </p:cNvSpPr>
+          <p:nvPr>
+            <p:ph type="title"/>
+          </p:nvPr>
+        </p:nvSpPr>
+        <p:spPr/>
+        <p:txBody>
+          <a:bodyPr/>
+          <a:lstStyle/>
+          <a:p>
+            <a:r>
+              <a:rPr lang="en-US" dirty="0"/>
+              <a:t>Results</a:t>
+            </a:r>
+          </a:p>
+        </p:txBody>
+      </p:sp>
+      <p:sp>
+        <p:nvSpPr>
+          <p:cNvPr id="11" name="Text Placeholder 10">
+            <a:extLst>
+              <a:ext uri="{FF2B5EF4-FFF2-40B4-BE49-F238E27FC236}">
+                <a16:creationId xmlns:a16="http://schemas.microsoft.com/office/drawing/2014/main" id="{C252BADD-8097-43DD-9FB7-8BDFCF1A56DE}"/>
+              </a:ext>
+            </a:extLst>
+          </p:cNvPr>
+          <p:cNvSpPr>
+            <a:spLocks noGrp="1"/>
+          </p:cNvSpPr>
+          <p:nvPr>
+            <p:ph type="body" idx="1"/>
+          </p:nvPr>
+        </p:nvSpPr>
+        <p:spPr>
+          <a:xfrm>
+            <a:off x="550859" y="1215275"/>
+            <a:ext cx="5437186" cy="535354"/>
+          </a:xfrm>
+        </p:spPr>
+        <p:txBody>
+          <a:bodyPr/>
+          <a:lstStyle/>
+          <a:p>
+            <a:r>
+              <a:rPr lang="en-US" dirty="0"/>
+              <a:t>Two Dimensional</a:t>
+            </a:r>
+          </a:p>
+        </p:txBody>
+      </p:sp>
+      <p:pic>
+        <p:nvPicPr>
+          <p:cNvPr id="30" name="Content Placeholder 29" descr="Chart, scatter chart&#10;&#10;Description automatically generated">
+            <a:extLst>
+              <a:ext uri="{FF2B5EF4-FFF2-40B4-BE49-F238E27FC236}">
+                <a16:creationId xmlns:a16="http://schemas.microsoft.com/office/drawing/2014/main" id="{B5AE11C4-2F61-4B1A-AB66-3025FDE7F60A}"/>
+              </a:ext>
+            </a:extLst>
+          </p:cNvPr>
+          <p:cNvPicPr>
+            <a:picLocks noGrp="1" noChangeAspect="1"/>
+          </p:cNvPicPr>
+          <p:nvPr>
+            <p:ph sz="half" idx="2"/>
+          </p:nvPr>
+        </p:nvPicPr>
+        <p:blipFill>
+          <a:blip r:embed="rId2"/>
+          <a:stretch>
+            <a:fillRect/>
+          </a:stretch>
+        </p:blipFill>
+        <p:spPr>
+          <a:xfrm>
+            <a:off x="569900" y="2427288"/>
+            <a:ext cx="5391176" cy="3516312"/>
+          </a:xfrm>
+        </p:spPr>
+      </p:pic>
+      <p:sp>
+        <p:nvSpPr>
+          <p:cNvPr id="13" name="Text Placeholder 12">
+            <a:extLst>
+              <a:ext uri="{FF2B5EF4-FFF2-40B4-BE49-F238E27FC236}">
+                <a16:creationId xmlns:a16="http://schemas.microsoft.com/office/drawing/2014/main" id="{0859A9BC-4D8F-488D-AF3A-8FF9C6DE9123}"/>
+              </a:ext>
+            </a:extLst>
+          </p:cNvPr>
+          <p:cNvSpPr>
+            <a:spLocks noGrp="1"/>
+          </p:cNvSpPr>
+          <p:nvPr>
+            <p:ph type="body" sz="quarter" idx="3"/>
+          </p:nvPr>
+        </p:nvSpPr>
+        <p:spPr>
+          <a:xfrm>
+            <a:off x="6212024" y="1862489"/>
+            <a:ext cx="5436392" cy="404239"/>
+          </a:xfrm>
+        </p:spPr>
+        <p:txBody>
+          <a:bodyPr/>
+          <a:lstStyle/>
+          <a:p>
+            <a:r>
+              <a:rPr lang="en-US" dirty="0"/>
+              <a:t>Cosine distance = 0.2235</a:t>
+            </a:r>
+          </a:p>
+        </p:txBody>
+      </p:sp>
+      <p:pic>
+        <p:nvPicPr>
+          <p:cNvPr id="32" name="Content Placeholder 31" descr="Chart, scatter chart&#10;&#10;Description automatically generated">
+            <a:extLst>
+              <a:ext uri="{FF2B5EF4-FFF2-40B4-BE49-F238E27FC236}">
+                <a16:creationId xmlns:a16="http://schemas.microsoft.com/office/drawing/2014/main" id="{45712531-E93C-4F74-B5D7-6D877DC0E158}"/>
+              </a:ext>
+            </a:extLst>
+          </p:cNvPr>
+          <p:cNvPicPr>
+            <a:picLocks noGrp="1" noChangeAspect="1"/>
+          </p:cNvPicPr>
+          <p:nvPr>
+            <p:ph sz="quarter" idx="4"/>
+          </p:nvPr>
+        </p:nvPicPr>
+        <p:blipFill>
+          <a:blip r:embed="rId3"/>
+          <a:stretch>
+            <a:fillRect/>
+          </a:stretch>
+        </p:blipFill>
+        <p:spPr>
+          <a:xfrm>
+            <a:off x="6212024" y="2426695"/>
+            <a:ext cx="4997835" cy="3516312"/>
+          </a:xfrm>
+        </p:spPr>
+      </p:pic>
+      <p:sp>
+        <p:nvSpPr>
+          <p:cNvPr id="7" name="Date Placeholder 6">
+            <a:extLst>
+              <a:ext uri="{FF2B5EF4-FFF2-40B4-BE49-F238E27FC236}">
+                <a16:creationId xmlns:a16="http://schemas.microsoft.com/office/drawing/2014/main" id="{6C9769B6-7D27-4AAD-B7F1-024D10E1C336}"/>
+              </a:ext>
+            </a:extLst>
+          </p:cNvPr>
+          <p:cNvSpPr>
+            <a:spLocks noGrp="1"/>
+          </p:cNvSpPr>
+          <p:nvPr>
+            <p:ph type="dt" sz="half" idx="10"/>
+          </p:nvPr>
+        </p:nvSpPr>
+        <p:spPr/>
+        <p:txBody>
+          <a:bodyPr/>
+          <a:lstStyle/>
+          <a:p>
+            <a:r>
+              <a:rPr lang="en-US"/>
+              <a:t>Wednesday March 17, 2021</a:t>
+            </a:r>
+          </a:p>
+        </p:txBody>
+      </p:sp>
+      <p:sp>
+        <p:nvSpPr>
+          <p:cNvPr id="8" name="Footer Placeholder 7">
+            <a:extLst>
+              <a:ext uri="{FF2B5EF4-FFF2-40B4-BE49-F238E27FC236}">
+                <a16:creationId xmlns:a16="http://schemas.microsoft.com/office/drawing/2014/main" id="{C7026285-04C5-4037-8761-F916E119F47E}"/>
+              </a:ext>
+            </a:extLst>
+          </p:cNvPr>
+          <p:cNvSpPr>
+            <a:spLocks noGrp="1"/>
+          </p:cNvSpPr>
+          <p:nvPr>
+            <p:ph type="ftr" sz="quarter" idx="11"/>
+          </p:nvPr>
+        </p:nvSpPr>
+        <p:spPr/>
+        <p:txBody>
+          <a:bodyPr/>
+          <a:lstStyle/>
+          <a:p>
+            <a:r>
+              <a:rPr lang="en-US"/>
+              <a:t>https://github.com/jenmusdat/BeerMachineLearning</a:t>
+            </a:r>
+          </a:p>
+        </p:txBody>
+      </p:sp>
+      <p:sp>
+        <p:nvSpPr>
+          <p:cNvPr id="9" name="Slide Number Placeholder 8">
+            <a:extLst>
+              <a:ext uri="{FF2B5EF4-FFF2-40B4-BE49-F238E27FC236}">
+                <a16:creationId xmlns:a16="http://schemas.microsoft.com/office/drawing/2014/main" id="{6CDFEF72-70D2-4584-82FF-A79B4781D983}"/>
+              </a:ext>
+            </a:extLst>
+          </p:cNvPr>
+          <p:cNvSpPr>
+            <a:spLocks noGrp="1"/>
+          </p:cNvSpPr>
+          <p:nvPr>
+            <p:ph type="sldNum" sz="quarter" idx="12"/>
+          </p:nvPr>
+        </p:nvSpPr>
+        <p:spPr/>
+        <p:txBody>
+          <a:bodyPr/>
+          <a:lstStyle/>
+          <a:p>
+            <a:fld id="{DBA1B0FB-D917-4C8C-928F-313BD683BF39}" type="slidenum">
+              <a:rPr lang="en-US" smtClean="0"/>
+              <a:t>10</a:t>
+            </a:fld>
+            <a:endParaRPr lang="en-US"/>
+          </a:p>
+        </p:txBody>
+      </p:sp>
+      <p:sp>
+        <p:nvSpPr>
+          <p:cNvPr id="15" name="Text Placeholder 10">
+            <a:extLst>
+              <a:ext uri="{FF2B5EF4-FFF2-40B4-BE49-F238E27FC236}">
+                <a16:creationId xmlns:a16="http://schemas.microsoft.com/office/drawing/2014/main" id="{8151D13B-337F-464B-87F0-8EA3C048DF27}"/>
+              </a:ext>
+            </a:extLst>
+          </p:cNvPr>
+          <p:cNvSpPr txBox="1">
+            <a:spLocks/>
+          </p:cNvSpPr>
+          <p:nvPr/>
+        </p:nvSpPr>
+        <p:spPr>
+          <a:xfrm>
+            <a:off x="542791" y="1731375"/>
+            <a:ext cx="5437186" cy="535354"/>
+          </a:xfrm>
+          <a:prstGeom prst="rect">
+            <a:avLst/>
+          </a:prstGeom>
+        </p:spPr>
+        <p:txBody>
+          <a:bodyPr vert="horz" wrap="square" lIns="0" tIns="0" rIns="0" bIns="0" rtlCol="0" anchor="b">
+            <a:noAutofit/>
+          </a:bodyPr>
+          <a:lstStyle>
+            <a:lvl1pPr marL="0" indent="0" algn="l" defTabSz="914400" rtl="0" eaLnBrk="1" latinLnBrk="0" hangingPunct="1">
+              <a:lnSpc>
+                <a:spcPct val="110000"/>
+              </a:lnSpc>
+              <a:spcBef>
+                <a:spcPts val="1000"/>
+              </a:spcBef>
+              <a:spcAft>
+                <a:spcPts val="800"/>
+              </a:spcAft>
+              <a:buFont typeface="Arial" panose="020B0604020202020204" pitchFamily="34" charset="0"/>
+              <a:buNone/>
+              <a:defRPr sz="1400" b="0" kern="1200" cap="all" spc="200" baseline="0">
+                <a:solidFill>
+                  <a:schemeClr val="tx1"/>
+                </a:solidFill>
+                <a:latin typeface="+mn-lt"/>
+                <a:ea typeface="+mn-ea"/>
+                <a:cs typeface="+mn-cs"/>
+              </a:defRPr>
+            </a:lvl1pPr>
+            <a:lvl2pPr marL="457200" indent="0" algn="l" defTabSz="914400" rtl="0" eaLnBrk="1" latinLnBrk="0" hangingPunct="1">
+              <a:lnSpc>
+                <a:spcPct val="110000"/>
+              </a:lnSpc>
+              <a:spcBef>
+                <a:spcPts val="500"/>
+              </a:spcBef>
+              <a:spcAft>
+                <a:spcPts val="800"/>
+              </a:spcAft>
+              <a:buFont typeface="Arial" panose="020B0604020202020204" pitchFamily="34" charset="0"/>
+              <a:buNone/>
+              <a:defRPr sz="2000" b="1" kern="1200">
+                <a:solidFill>
+                  <a:schemeClr val="tx1">
+                    <a:alpha val="60000"/>
+                  </a:schemeClr>
+                </a:solidFill>
+                <a:latin typeface="+mn-lt"/>
+                <a:ea typeface="+mn-ea"/>
+                <a:cs typeface="+mn-cs"/>
+              </a:defRPr>
+            </a:lvl2pPr>
+            <a:lvl3pPr marL="914400" indent="0" algn="l" defTabSz="914400" rtl="0" eaLnBrk="1" latinLnBrk="0" hangingPunct="1">
+              <a:lnSpc>
+                <a:spcPct val="110000"/>
+              </a:lnSpc>
+              <a:spcBef>
+                <a:spcPts val="500"/>
+              </a:spcBef>
+              <a:spcAft>
+                <a:spcPts val="800"/>
+              </a:spcAft>
+              <a:buFont typeface="Arial" panose="020B0604020202020204" pitchFamily="34" charset="0"/>
+              <a:buNone/>
+              <a:defRPr sz="1800" b="1" kern="1200">
+                <a:solidFill>
+                  <a:schemeClr val="tx1">
+                    <a:alpha val="60000"/>
+                  </a:schemeClr>
+                </a:solidFill>
+                <a:latin typeface="+mn-lt"/>
+                <a:ea typeface="+mn-ea"/>
+                <a:cs typeface="+mn-cs"/>
+              </a:defRPr>
+            </a:lvl3pPr>
+            <a:lvl4pPr marL="1371600" indent="0" algn="l" defTabSz="914400" rtl="0" eaLnBrk="1" latinLnBrk="0" hangingPunct="1">
+              <a:lnSpc>
+                <a:spcPct val="110000"/>
+              </a:lnSpc>
+              <a:spcBef>
+                <a:spcPts val="500"/>
+              </a:spcBef>
+              <a:spcAft>
+                <a:spcPts val="800"/>
+              </a:spcAft>
+              <a:buFont typeface="Arial" panose="020B0604020202020204" pitchFamily="34" charset="0"/>
+              <a:buNone/>
+              <a:defRPr sz="1600" b="1" kern="1200">
+                <a:solidFill>
+                  <a:schemeClr val="tx1">
+                    <a:alpha val="60000"/>
+                  </a:schemeClr>
+                </a:solidFill>
+                <a:latin typeface="+mn-lt"/>
+                <a:ea typeface="+mn-ea"/>
+                <a:cs typeface="+mn-cs"/>
+              </a:defRPr>
+            </a:lvl4pPr>
+            <a:lvl5pPr marL="1828800" indent="0" algn="l" defTabSz="914400" rtl="0" eaLnBrk="1" latinLnBrk="0" hangingPunct="1">
+              <a:lnSpc>
+                <a:spcPct val="110000"/>
+              </a:lnSpc>
+              <a:spcBef>
+                <a:spcPts val="500"/>
+              </a:spcBef>
+              <a:spcAft>
+                <a:spcPts val="800"/>
+              </a:spcAft>
+              <a:buFont typeface="Arial" panose="020B0604020202020204" pitchFamily="34" charset="0"/>
+              <a:buNone/>
+              <a:defRPr sz="1600" b="1" kern="1200">
+                <a:solidFill>
+                  <a:schemeClr val="tx1">
+                    <a:alpha val="60000"/>
+                  </a:schemeClr>
+                </a:solidFill>
+                <a:latin typeface="+mn-lt"/>
+                <a:ea typeface="+mn-ea"/>
+                <a:cs typeface="+mn-cs"/>
+              </a:defRPr>
+            </a:lvl5pPr>
+            <a:lvl6pPr marL="2286000" indent="0" algn="l" defTabSz="914400" rtl="0" eaLnBrk="1" latinLnBrk="0" hangingPunct="1">
+              <a:lnSpc>
+                <a:spcPct val="90000"/>
+              </a:lnSpc>
+              <a:spcBef>
+                <a:spcPts val="500"/>
+              </a:spcBef>
+              <a:buFont typeface="Arial" panose="020B0604020202020204" pitchFamily="34" charset="0"/>
+              <a:buNone/>
+              <a:defRPr sz="1600" b="1" kern="1200">
+                <a:solidFill>
+                  <a:schemeClr val="tx1"/>
+                </a:solidFill>
+                <a:latin typeface="+mn-lt"/>
+                <a:ea typeface="+mn-ea"/>
+                <a:cs typeface="+mn-cs"/>
+              </a:defRPr>
+            </a:lvl6pPr>
+            <a:lvl7pPr marL="2743200" indent="0" algn="l" defTabSz="914400" rtl="0" eaLnBrk="1" latinLnBrk="0" hangingPunct="1">
+              <a:lnSpc>
+                <a:spcPct val="90000"/>
+              </a:lnSpc>
+              <a:spcBef>
+                <a:spcPts val="500"/>
+              </a:spcBef>
+              <a:buFont typeface="Arial" panose="020B0604020202020204" pitchFamily="34" charset="0"/>
+              <a:buNone/>
+              <a:defRPr sz="1600" b="1" kern="1200">
+                <a:solidFill>
+                  <a:schemeClr val="tx1"/>
+                </a:solidFill>
+                <a:latin typeface="+mn-lt"/>
+                <a:ea typeface="+mn-ea"/>
+                <a:cs typeface="+mn-cs"/>
+              </a:defRPr>
+            </a:lvl7pPr>
+            <a:lvl8pPr marL="3200400" indent="0" algn="l" defTabSz="914400" rtl="0" eaLnBrk="1" latinLnBrk="0" hangingPunct="1">
+              <a:lnSpc>
+                <a:spcPct val="90000"/>
+              </a:lnSpc>
+              <a:spcBef>
+                <a:spcPts val="500"/>
+              </a:spcBef>
+              <a:buFont typeface="Arial" panose="020B0604020202020204" pitchFamily="34" charset="0"/>
+              <a:buNone/>
+              <a:defRPr sz="1600" b="1" kern="1200">
+                <a:solidFill>
+                  <a:schemeClr val="tx1"/>
+                </a:solidFill>
+                <a:latin typeface="+mn-lt"/>
+                <a:ea typeface="+mn-ea"/>
+                <a:cs typeface="+mn-cs"/>
+              </a:defRPr>
+            </a:lvl8pPr>
+            <a:lvl9pPr marL="3657600" indent="0" algn="l" defTabSz="914400" rtl="0" eaLnBrk="1" latinLnBrk="0" hangingPunct="1">
+              <a:lnSpc>
+                <a:spcPct val="90000"/>
+              </a:lnSpc>
+              <a:spcBef>
+                <a:spcPts val="500"/>
+              </a:spcBef>
+              <a:buFont typeface="Arial" panose="020B0604020202020204" pitchFamily="34" charset="0"/>
+              <a:buNone/>
+              <a:defRPr sz="1600" b="1" kern="1200">
+                <a:solidFill>
+                  <a:schemeClr val="tx1"/>
+                </a:solidFill>
+                <a:latin typeface="+mn-lt"/>
+                <a:ea typeface="+mn-ea"/>
+                <a:cs typeface="+mn-cs"/>
+              </a:defRPr>
+            </a:lvl9pPr>
+          </a:lstStyle>
+          <a:p>
+            <a:r>
+              <a:rPr lang="en-US" dirty="0"/>
+              <a:t>Cosine distance = 0.1127</a:t>
+            </a:r>
+          </a:p>
+        </p:txBody>
+      </p:sp>
+      <p:sp>
+        <p:nvSpPr>
+          <p:cNvPr id="16" name="Text Placeholder 12">
+            <a:extLst>
+              <a:ext uri="{FF2B5EF4-FFF2-40B4-BE49-F238E27FC236}">
+                <a16:creationId xmlns:a16="http://schemas.microsoft.com/office/drawing/2014/main" id="{3F0D04FF-8AAF-45F8-86BD-F1A55F837EDF}"/>
+              </a:ext>
+            </a:extLst>
+          </p:cNvPr>
+          <p:cNvSpPr txBox="1">
+            <a:spLocks/>
+          </p:cNvSpPr>
+          <p:nvPr/>
+        </p:nvSpPr>
+        <p:spPr>
+          <a:xfrm>
+            <a:off x="6203956" y="1327729"/>
+            <a:ext cx="5436392" cy="535354"/>
+          </a:xfrm>
+          <a:prstGeom prst="rect">
+            <a:avLst/>
+          </a:prstGeom>
+        </p:spPr>
+        <p:txBody>
+          <a:bodyPr vert="horz" wrap="square" lIns="0" tIns="0" rIns="0" bIns="0" rtlCol="0" anchor="b">
+            <a:noAutofit/>
+          </a:bodyPr>
+          <a:lstStyle>
+            <a:lvl1pPr marL="228600" indent="-228600" algn="l" defTabSz="914400" rtl="0" eaLnBrk="1" latinLnBrk="0" hangingPunct="1">
+              <a:lnSpc>
+                <a:spcPct val="110000"/>
+              </a:lnSpc>
+              <a:spcBef>
+                <a:spcPts val="1000"/>
+              </a:spcBef>
+              <a:spcAft>
+                <a:spcPts val="800"/>
+              </a:spcAft>
+              <a:buFont typeface="Arial" panose="020B0604020202020204" pitchFamily="34" charset="0"/>
+              <a:buNone/>
+              <a:defRPr lang="en-US" sz="1400" b="0" kern="1200" cap="all" spc="200" baseline="0" dirty="0">
+                <a:solidFill>
+                  <a:schemeClr val="tx1"/>
+                </a:solidFill>
+                <a:latin typeface="+mn-lt"/>
+                <a:ea typeface="+mn-ea"/>
+                <a:cs typeface="+mn-cs"/>
+              </a:defRPr>
+            </a:lvl1pPr>
+            <a:lvl2pPr marL="685800" indent="-228600" algn="l" defTabSz="914400" rtl="0" eaLnBrk="1" latinLnBrk="0" hangingPunct="1">
+              <a:lnSpc>
+                <a:spcPct val="110000"/>
+              </a:lnSpc>
+              <a:spcBef>
+                <a:spcPts val="500"/>
+              </a:spcBef>
+              <a:spcAft>
+                <a:spcPts val="800"/>
+              </a:spcAft>
+              <a:buFont typeface="Arial" panose="020B0604020202020204" pitchFamily="34" charset="0"/>
+              <a:buChar char="•"/>
+              <a:defRPr sz="1400" kern="1200">
+                <a:solidFill>
+                  <a:schemeClr val="tx1">
+                    <a:alpha val="60000"/>
+                  </a:schemeClr>
+                </a:solidFill>
+                <a:latin typeface="+mn-lt"/>
+                <a:ea typeface="+mn-ea"/>
+                <a:cs typeface="+mn-cs"/>
+              </a:defRPr>
+            </a:lvl2pPr>
+            <a:lvl3pPr marL="1143000" indent="-228600" algn="l" defTabSz="914400" rtl="0" eaLnBrk="1" latinLnBrk="0" hangingPunct="1">
+              <a:lnSpc>
+                <a:spcPct val="110000"/>
+              </a:lnSpc>
+              <a:spcBef>
+                <a:spcPts val="500"/>
+              </a:spcBef>
+              <a:spcAft>
+                <a:spcPts val="800"/>
+              </a:spcAft>
+              <a:buFont typeface="Arial" panose="020B0604020202020204" pitchFamily="34" charset="0"/>
+              <a:buChar char="•"/>
+              <a:defRPr sz="1400" kern="1200">
+                <a:solidFill>
+                  <a:schemeClr val="tx1">
+                    <a:alpha val="60000"/>
+                  </a:schemeClr>
+                </a:solidFill>
+                <a:latin typeface="+mn-lt"/>
+                <a:ea typeface="+mn-ea"/>
+                <a:cs typeface="+mn-cs"/>
+              </a:defRPr>
+            </a:lvl3pPr>
+            <a:lvl4pPr marL="1600200" indent="-228600" algn="l" defTabSz="914400" rtl="0" eaLnBrk="1" latinLnBrk="0" hangingPunct="1">
+              <a:lnSpc>
+                <a:spcPct val="110000"/>
+              </a:lnSpc>
+              <a:spcBef>
+                <a:spcPts val="500"/>
+              </a:spcBef>
+              <a:spcAft>
+                <a:spcPts val="800"/>
+              </a:spcAft>
+              <a:buFont typeface="Arial" panose="020B0604020202020204" pitchFamily="34" charset="0"/>
+              <a:buChar char="•"/>
+              <a:defRPr sz="1400" kern="1200">
+                <a:solidFill>
+                  <a:schemeClr val="tx1">
+                    <a:alpha val="60000"/>
+                  </a:schemeClr>
+                </a:solidFill>
+                <a:latin typeface="+mn-lt"/>
+                <a:ea typeface="+mn-ea"/>
+                <a:cs typeface="+mn-cs"/>
+              </a:defRPr>
+            </a:lvl4pPr>
+            <a:lvl5pPr marL="2057400" indent="-228600" algn="l" defTabSz="914400" rtl="0" eaLnBrk="1" latinLnBrk="0" hangingPunct="1">
+              <a:lnSpc>
+                <a:spcPct val="110000"/>
+              </a:lnSpc>
+              <a:spcBef>
+                <a:spcPts val="500"/>
+              </a:spcBef>
+              <a:spcAft>
+                <a:spcPts val="800"/>
+              </a:spcAft>
+              <a:buFont typeface="Arial" panose="020B0604020202020204" pitchFamily="34" charset="0"/>
+              <a:buChar char="•"/>
+              <a:defRPr sz="1400" kern="1200">
+                <a:solidFill>
+                  <a:schemeClr val="tx1">
+                    <a:alpha val="60000"/>
+                  </a:schemeClr>
+                </a:solidFill>
+                <a:latin typeface="+mn-lt"/>
+                <a:ea typeface="+mn-ea"/>
+                <a:cs typeface="+mn-cs"/>
+              </a:defRPr>
+            </a:lvl5pPr>
+            <a:lvl6pPr marL="2514600" indent="-228600" algn="l" defTabSz="914400" rtl="0" eaLnBrk="1" latinLnBrk="0" hangingPunct="1">
+              <a:lnSpc>
+                <a:spcPct val="90000"/>
+              </a:lnSpc>
+              <a:spcBef>
+                <a:spcPts val="500"/>
+              </a:spcBef>
+              <a:buFont typeface="Arial" panose="020B0604020202020204" pitchFamily="34" charset="0"/>
+              <a:buChar char="•"/>
+              <a:defRPr sz="1800" kern="1200">
+                <a:solidFill>
+                  <a:schemeClr val="tx1"/>
+                </a:solidFill>
+                <a:latin typeface="+mn-lt"/>
+                <a:ea typeface="+mn-ea"/>
+                <a:cs typeface="+mn-cs"/>
+              </a:defRPr>
+            </a:lvl6pPr>
+            <a:lvl7pPr marL="2971800" indent="-228600" algn="l" defTabSz="914400" rtl="0" eaLnBrk="1" latinLnBrk="0" hangingPunct="1">
+              <a:lnSpc>
+                <a:spcPct val="90000"/>
+              </a:lnSpc>
+              <a:spcBef>
+                <a:spcPts val="500"/>
+              </a:spcBef>
+              <a:buFont typeface="Arial" panose="020B0604020202020204" pitchFamily="34" charset="0"/>
+              <a:buChar char="•"/>
+              <a:defRPr sz="1800" kern="1200">
+                <a:solidFill>
+                  <a:schemeClr val="tx1"/>
+                </a:solidFill>
+                <a:latin typeface="+mn-lt"/>
+                <a:ea typeface="+mn-ea"/>
+                <a:cs typeface="+mn-cs"/>
+              </a:defRPr>
+            </a:lvl7pPr>
+            <a:lvl8pPr marL="3429000" indent="-228600" algn="l" defTabSz="914400" rtl="0" eaLnBrk="1" latinLnBrk="0" hangingPunct="1">
+              <a:lnSpc>
+                <a:spcPct val="90000"/>
+              </a:lnSpc>
+              <a:spcBef>
+                <a:spcPts val="500"/>
+              </a:spcBef>
+              <a:buFont typeface="Arial" panose="020B0604020202020204" pitchFamily="34" charset="0"/>
+              <a:buChar char="•"/>
+              <a:defRPr sz="1800" kern="1200">
+                <a:solidFill>
+                  <a:schemeClr val="tx1"/>
+                </a:solidFill>
+                <a:latin typeface="+mn-lt"/>
+                <a:ea typeface="+mn-ea"/>
+                <a:cs typeface="+mn-cs"/>
+              </a:defRPr>
+            </a:lvl8pPr>
+            <a:lvl9pPr marL="3886200" indent="-228600" algn="l" defTabSz="914400" rtl="0" eaLnBrk="1" latinLnBrk="0" hangingPunct="1">
+              <a:lnSpc>
+                <a:spcPct val="90000"/>
+              </a:lnSpc>
+              <a:spcBef>
+                <a:spcPts val="500"/>
+              </a:spcBef>
+              <a:buFont typeface="Arial" panose="020B0604020202020204" pitchFamily="34" charset="0"/>
+              <a:buChar char="•"/>
+              <a:defRPr sz="1800" kern="1200">
+                <a:solidFill>
+                  <a:schemeClr val="tx1"/>
+                </a:solidFill>
+                <a:latin typeface="+mn-lt"/>
+                <a:ea typeface="+mn-ea"/>
+                <a:cs typeface="+mn-cs"/>
+              </a:defRPr>
+            </a:lvl9pPr>
+          </a:lstStyle>
+          <a:p>
+            <a:r>
+              <a:rPr lang="en-US" dirty="0"/>
+              <a:t>3-d</a:t>
+            </a:r>
+          </a:p>
+        </p:txBody>
+      </p:sp>
+    </p:spTree>
+    <p:extLst>
+      <p:ext uri="{BB962C8B-B14F-4D97-AF65-F5344CB8AC3E}">
+        <p14:creationId xmlns:p14="http://schemas.microsoft.com/office/powerpoint/2010/main" val="2433461697"/>
+      </p:ext>
+    </p:extLst>
+  </p:cSld>
+  <p:clrMapOvr>
+    <a:masterClrMapping/>
+  </p:clrMapOvr>
+  <p:timing>
+    <p:tnLst>
+      <p:par>
+        <p:cTn id="1" dur="indefinite" restart="never" nodeType="tmRoot">
+          <p:childTnLst>
+            <p:seq concurrent="1" nextAc="seek">
+              <p:cTn id="2" dur="indefinite" nodeType="mainSeq">
+                <p:childTnLst>
+                  <p:par>
+                    <p:cTn id="3" fill="hold">
+                      <p:stCondLst>
+                        <p:cond delay="indefinite"/>
+                      </p:stCondLst>
+                      <p:childTnLst>
+                        <p:par>
+                          <p:cTn id="4" fill="hold">
+                            <p:stCondLst>
+                              <p:cond delay="0"/>
+                            </p:stCondLst>
+                            <p:childTnLst>
+                              <p:par>
+                                <p:cTn id="5" presetID="42" presetClass="entr" presetSubtype="0" fill="hold" grpId="0" nodeType="clickEffect">
+                                  <p:stCondLst>
+                                    <p:cond delay="0"/>
+                                  </p:stCondLst>
+                                  <p:childTnLst>
+                                    <p:set>
+                                      <p:cBhvr>
+                                        <p:cTn id="6" dur="1" fill="hold">
+                                          <p:stCondLst>
+                                            <p:cond delay="0"/>
+                                          </p:stCondLst>
+                                        </p:cTn>
+                                        <p:tgtEl>
+                                          <p:spTgt spid="11">
+                                            <p:txEl>
+                                              <p:pRg st="0" end="0"/>
+                                            </p:txEl>
+                                          </p:spTgt>
+                                        </p:tgtEl>
+                                        <p:attrNameLst>
+                                          <p:attrName>style.visibility</p:attrName>
+                                        </p:attrNameLst>
+                                      </p:cBhvr>
+                                      <p:to>
+                                        <p:strVal val="visible"/>
+                                      </p:to>
+                                    </p:set>
+                                    <p:animEffect transition="in" filter="fade">
+                                      <p:cBhvr>
+                                        <p:cTn id="7" dur="1000"/>
+                                        <p:tgtEl>
+                                          <p:spTgt spid="11">
+                                            <p:txEl>
+                                              <p:pRg st="0" end="0"/>
+                                            </p:txEl>
+                                          </p:spTgt>
+                                        </p:tgtEl>
+                                      </p:cBhvr>
+                                    </p:animEffect>
+                                    <p:anim calcmode="lin" valueType="num">
+                                      <p:cBhvr>
+                                        <p:cTn id="8" dur="1000" fill="hold"/>
+                                        <p:tgtEl>
+                                          <p:spTgt spid="11">
+                                            <p:txEl>
+                                              <p:pRg st="0" end="0"/>
+                                            </p:txEl>
+                                          </p:spTgt>
+                                        </p:tgtEl>
+                                        <p:attrNameLst>
+                                          <p:attrName>ppt_x</p:attrName>
+                                        </p:attrNameLst>
+                                      </p:cBhvr>
+                                      <p:tavLst>
+                                        <p:tav tm="0">
+                                          <p:val>
+                                            <p:strVal val="#ppt_x"/>
+                                          </p:val>
+                                        </p:tav>
+                                        <p:tav tm="100000">
+                                          <p:val>
+                                            <p:strVal val="#ppt_x"/>
+                                          </p:val>
+                                        </p:tav>
+                                      </p:tavLst>
+                                    </p:anim>
+                                    <p:anim calcmode="lin" valueType="num">
+                                      <p:cBhvr>
+                                        <p:cTn id="9" dur="1000" fill="hold"/>
+                                        <p:tgtEl>
+                                          <p:spTgt spid="11">
+                                            <p:txEl>
+                                              <p:pRg st="0" end="0"/>
+                                            </p:txEl>
+                                          </p:spTgt>
+                                        </p:tgtEl>
+                                        <p:attrNameLst>
+                                          <p:attrName>ppt_y</p:attrName>
+                                        </p:attrNameLst>
+                                      </p:cBhvr>
+                                      <p:tavLst>
+                                        <p:tav tm="0">
+                                          <p:val>
+                                            <p:strVal val="#ppt_y+.1"/>
+                                          </p:val>
+                                        </p:tav>
+                                        <p:tav tm="100000">
+                                          <p:val>
+                                            <p:strVal val="#ppt_y"/>
+                                          </p:val>
+                                        </p:tav>
+                                      </p:tavLst>
+                                    </p:anim>
+                                  </p:childTnLst>
+                                </p:cTn>
+                              </p:par>
+                              <p:par>
+                                <p:cTn id="10" presetID="42" presetClass="entr" presetSubtype="0" fill="hold" grpId="0" nodeType="withEffect">
+                                  <p:stCondLst>
+                                    <p:cond delay="0"/>
+                                  </p:stCondLst>
+                                  <p:childTnLst>
+                                    <p:set>
+                                      <p:cBhvr>
+                                        <p:cTn id="11" dur="1" fill="hold">
+                                          <p:stCondLst>
+                                            <p:cond delay="0"/>
+                                          </p:stCondLst>
+                                        </p:cTn>
+                                        <p:tgtEl>
+                                          <p:spTgt spid="15"/>
+                                        </p:tgtEl>
+                                        <p:attrNameLst>
+                                          <p:attrName>style.visibility</p:attrName>
+                                        </p:attrNameLst>
+                                      </p:cBhvr>
+                                      <p:to>
+                                        <p:strVal val="visible"/>
+                                      </p:to>
+                                    </p:set>
+                                    <p:animEffect transition="in" filter="fade">
+                                      <p:cBhvr>
+                                        <p:cTn id="12" dur="1000"/>
+                                        <p:tgtEl>
+                                          <p:spTgt spid="15"/>
+                                        </p:tgtEl>
+                                      </p:cBhvr>
+                                    </p:animEffect>
+                                    <p:anim calcmode="lin" valueType="num">
+                                      <p:cBhvr>
+                                        <p:cTn id="13" dur="1000" fill="hold"/>
+                                        <p:tgtEl>
+                                          <p:spTgt spid="15"/>
+                                        </p:tgtEl>
+                                        <p:attrNameLst>
+                                          <p:attrName>ppt_x</p:attrName>
+                                        </p:attrNameLst>
+                                      </p:cBhvr>
+                                      <p:tavLst>
+                                        <p:tav tm="0">
+                                          <p:val>
+                                            <p:strVal val="#ppt_x"/>
+                                          </p:val>
+                                        </p:tav>
+                                        <p:tav tm="100000">
+                                          <p:val>
+                                            <p:strVal val="#ppt_x"/>
+                                          </p:val>
+                                        </p:tav>
+                                      </p:tavLst>
+                                    </p:anim>
+                                    <p:anim calcmode="lin" valueType="num">
+                                      <p:cBhvr>
+                                        <p:cTn id="14" dur="1000" fill="hold"/>
+                                        <p:tgtEl>
+                                          <p:spTgt spid="15"/>
+                                        </p:tgtEl>
+                                        <p:attrNameLst>
+                                          <p:attrName>ppt_y</p:attrName>
+                                        </p:attrNameLst>
+                                      </p:cBhvr>
+                                      <p:tavLst>
+                                        <p:tav tm="0">
+                                          <p:val>
+                                            <p:strVal val="#ppt_y+.1"/>
+                                          </p:val>
+                                        </p:tav>
+                                        <p:tav tm="100000">
+                                          <p:val>
+                                            <p:strVal val="#ppt_y"/>
+                                          </p:val>
+                                        </p:tav>
+                                      </p:tavLst>
+                                    </p:anim>
+                                  </p:childTnLst>
+                                </p:cTn>
+                              </p:par>
+                              <p:par>
+                                <p:cTn id="15" presetID="42" presetClass="entr" presetSubtype="0" fill="hold" nodeType="withEffect">
+                                  <p:stCondLst>
+                                    <p:cond delay="0"/>
+                                  </p:stCondLst>
+                                  <p:childTnLst>
+                                    <p:set>
+                                      <p:cBhvr>
+                                        <p:cTn id="16" dur="1" fill="hold">
+                                          <p:stCondLst>
+                                            <p:cond delay="0"/>
+                                          </p:stCondLst>
+                                        </p:cTn>
+                                        <p:tgtEl>
+                                          <p:spTgt spid="30"/>
+                                        </p:tgtEl>
+                                        <p:attrNameLst>
+                                          <p:attrName>style.visibility</p:attrName>
+                                        </p:attrNameLst>
+                                      </p:cBhvr>
+                                      <p:to>
+                                        <p:strVal val="visible"/>
+                                      </p:to>
+                                    </p:set>
+                                    <p:animEffect transition="in" filter="fade">
+                                      <p:cBhvr>
+                                        <p:cTn id="17" dur="1000"/>
+                                        <p:tgtEl>
+                                          <p:spTgt spid="30"/>
+                                        </p:tgtEl>
+                                      </p:cBhvr>
+                                    </p:animEffect>
+                                    <p:anim calcmode="lin" valueType="num">
+                                      <p:cBhvr>
+                                        <p:cTn id="18" dur="1000" fill="hold"/>
+                                        <p:tgtEl>
+                                          <p:spTgt spid="30"/>
+                                        </p:tgtEl>
+                                        <p:attrNameLst>
+                                          <p:attrName>ppt_x</p:attrName>
+                                        </p:attrNameLst>
+                                      </p:cBhvr>
+                                      <p:tavLst>
+                                        <p:tav tm="0">
+                                          <p:val>
+                                            <p:strVal val="#ppt_x"/>
+                                          </p:val>
+                                        </p:tav>
+                                        <p:tav tm="100000">
+                                          <p:val>
+                                            <p:strVal val="#ppt_x"/>
+                                          </p:val>
+                                        </p:tav>
+                                      </p:tavLst>
+                                    </p:anim>
+                                    <p:anim calcmode="lin" valueType="num">
+                                      <p:cBhvr>
+                                        <p:cTn id="19" dur="1000" fill="hold"/>
+                                        <p:tgtEl>
+                                          <p:spTgt spid="30"/>
+                                        </p:tgtEl>
+                                        <p:attrNameLst>
+                                          <p:attrName>ppt_y</p:attrName>
+                                        </p:attrNameLst>
+                                      </p:cBhvr>
+                                      <p:tavLst>
+                                        <p:tav tm="0">
+                                          <p:val>
+                                            <p:strVal val="#ppt_y+.1"/>
+                                          </p:val>
+                                        </p:tav>
+                                        <p:tav tm="100000">
+                                          <p:val>
+                                            <p:strVal val="#ppt_y"/>
+                                          </p:val>
+                                        </p:tav>
+                                      </p:tavLst>
+                                    </p:anim>
+                                  </p:childTnLst>
+                                </p:cTn>
+                              </p:par>
+                            </p:childTnLst>
+                          </p:cTn>
+                        </p:par>
+                      </p:childTnLst>
+                    </p:cTn>
+                  </p:par>
+                  <p:par>
+                    <p:cTn id="20" fill="hold">
+                      <p:stCondLst>
+                        <p:cond delay="indefinite"/>
+                      </p:stCondLst>
+                      <p:childTnLst>
+                        <p:par>
+                          <p:cTn id="21" fill="hold">
+                            <p:stCondLst>
+                              <p:cond delay="0"/>
+                            </p:stCondLst>
+                            <p:childTnLst>
+                              <p:par>
+                                <p:cTn id="22" presetID="42" presetClass="entr" presetSubtype="0" fill="hold" grpId="0" nodeType="clickEffect">
+                                  <p:stCondLst>
+                                    <p:cond delay="0"/>
+                                  </p:stCondLst>
+                                  <p:childTnLst>
+                                    <p:set>
+                                      <p:cBhvr>
+                                        <p:cTn id="23" dur="1" fill="hold">
+                                          <p:stCondLst>
+                                            <p:cond delay="0"/>
+                                          </p:stCondLst>
+                                        </p:cTn>
+                                        <p:tgtEl>
+                                          <p:spTgt spid="16"/>
+                                        </p:tgtEl>
+                                        <p:attrNameLst>
+                                          <p:attrName>style.visibility</p:attrName>
+                                        </p:attrNameLst>
+                                      </p:cBhvr>
+                                      <p:to>
+                                        <p:strVal val="visible"/>
+                                      </p:to>
+                                    </p:set>
+                                    <p:animEffect transition="in" filter="fade">
+                                      <p:cBhvr>
+                                        <p:cTn id="24" dur="1000"/>
+                                        <p:tgtEl>
+                                          <p:spTgt spid="16"/>
+                                        </p:tgtEl>
+                                      </p:cBhvr>
+                                    </p:animEffect>
+                                    <p:anim calcmode="lin" valueType="num">
+                                      <p:cBhvr>
+                                        <p:cTn id="25" dur="1000" fill="hold"/>
+                                        <p:tgtEl>
+                                          <p:spTgt spid="16"/>
+                                        </p:tgtEl>
+                                        <p:attrNameLst>
+                                          <p:attrName>ppt_x</p:attrName>
+                                        </p:attrNameLst>
+                                      </p:cBhvr>
+                                      <p:tavLst>
+                                        <p:tav tm="0">
+                                          <p:val>
+                                            <p:strVal val="#ppt_x"/>
+                                          </p:val>
+                                        </p:tav>
+                                        <p:tav tm="100000">
+                                          <p:val>
+                                            <p:strVal val="#ppt_x"/>
+                                          </p:val>
+                                        </p:tav>
+                                      </p:tavLst>
+                                    </p:anim>
+                                    <p:anim calcmode="lin" valueType="num">
+                                      <p:cBhvr>
+                                        <p:cTn id="26" dur="1000" fill="hold"/>
+                                        <p:tgtEl>
+                                          <p:spTgt spid="16"/>
+                                        </p:tgtEl>
+                                        <p:attrNameLst>
+                                          <p:attrName>ppt_y</p:attrName>
+                                        </p:attrNameLst>
+                                      </p:cBhvr>
+                                      <p:tavLst>
+                                        <p:tav tm="0">
+                                          <p:val>
+                                            <p:strVal val="#ppt_y+.1"/>
+                                          </p:val>
+                                        </p:tav>
+                                        <p:tav tm="100000">
+                                          <p:val>
+                                            <p:strVal val="#ppt_y"/>
+                                          </p:val>
+                                        </p:tav>
+                                      </p:tavLst>
+                                    </p:anim>
+                                  </p:childTnLst>
+                                </p:cTn>
+                              </p:par>
+                              <p:par>
+                                <p:cTn id="27" presetID="42" presetClass="entr" presetSubtype="0" fill="hold" grpId="0" nodeType="withEffect">
+                                  <p:stCondLst>
+                                    <p:cond delay="0"/>
+                                  </p:stCondLst>
+                                  <p:childTnLst>
+                                    <p:set>
+                                      <p:cBhvr>
+                                        <p:cTn id="28" dur="1" fill="hold">
+                                          <p:stCondLst>
+                                            <p:cond delay="0"/>
+                                          </p:stCondLst>
+                                        </p:cTn>
+                                        <p:tgtEl>
+                                          <p:spTgt spid="13">
+                                            <p:txEl>
+                                              <p:pRg st="0" end="0"/>
+                                            </p:txEl>
+                                          </p:spTgt>
+                                        </p:tgtEl>
+                                        <p:attrNameLst>
+                                          <p:attrName>style.visibility</p:attrName>
+                                        </p:attrNameLst>
+                                      </p:cBhvr>
+                                      <p:to>
+                                        <p:strVal val="visible"/>
+                                      </p:to>
+                                    </p:set>
+                                    <p:animEffect transition="in" filter="fade">
+                                      <p:cBhvr>
+                                        <p:cTn id="29" dur="1000"/>
+                                        <p:tgtEl>
+                                          <p:spTgt spid="13">
+                                            <p:txEl>
+                                              <p:pRg st="0" end="0"/>
+                                            </p:txEl>
+                                          </p:spTgt>
+                                        </p:tgtEl>
+                                      </p:cBhvr>
+                                    </p:animEffect>
+                                    <p:anim calcmode="lin" valueType="num">
+                                      <p:cBhvr>
+                                        <p:cTn id="30" dur="1000" fill="hold"/>
+                                        <p:tgtEl>
+                                          <p:spTgt spid="13">
+                                            <p:txEl>
+                                              <p:pRg st="0" end="0"/>
+                                            </p:txEl>
+                                          </p:spTgt>
+                                        </p:tgtEl>
+                                        <p:attrNameLst>
+                                          <p:attrName>ppt_x</p:attrName>
+                                        </p:attrNameLst>
+                                      </p:cBhvr>
+                                      <p:tavLst>
+                                        <p:tav tm="0">
+                                          <p:val>
+                                            <p:strVal val="#ppt_x"/>
+                                          </p:val>
+                                        </p:tav>
+                                        <p:tav tm="100000">
+                                          <p:val>
+                                            <p:strVal val="#ppt_x"/>
+                                          </p:val>
+                                        </p:tav>
+                                      </p:tavLst>
+                                    </p:anim>
+                                    <p:anim calcmode="lin" valueType="num">
+                                      <p:cBhvr>
+                                        <p:cTn id="31" dur="1000" fill="hold"/>
+                                        <p:tgtEl>
+                                          <p:spTgt spid="13">
+                                            <p:txEl>
+                                              <p:pRg st="0" end="0"/>
+                                            </p:txEl>
+                                          </p:spTgt>
+                                        </p:tgtEl>
+                                        <p:attrNameLst>
+                                          <p:attrName>ppt_y</p:attrName>
+                                        </p:attrNameLst>
+                                      </p:cBhvr>
+                                      <p:tavLst>
+                                        <p:tav tm="0">
+                                          <p:val>
+                                            <p:strVal val="#ppt_y+.1"/>
+                                          </p:val>
+                                        </p:tav>
+                                        <p:tav tm="100000">
+                                          <p:val>
+                                            <p:strVal val="#ppt_y"/>
+                                          </p:val>
+                                        </p:tav>
+                                      </p:tavLst>
+                                    </p:anim>
+                                  </p:childTnLst>
+                                </p:cTn>
+                              </p:par>
+                              <p:par>
+                                <p:cTn id="32" presetID="42" presetClass="entr" presetSubtype="0" fill="hold" nodeType="withEffect">
+                                  <p:stCondLst>
+                                    <p:cond delay="0"/>
+                                  </p:stCondLst>
+                                  <p:childTnLst>
+                                    <p:set>
+                                      <p:cBhvr>
+                                        <p:cTn id="33" dur="1" fill="hold">
+                                          <p:stCondLst>
+                                            <p:cond delay="0"/>
+                                          </p:stCondLst>
+                                        </p:cTn>
+                                        <p:tgtEl>
+                                          <p:spTgt spid="32"/>
+                                        </p:tgtEl>
+                                        <p:attrNameLst>
+                                          <p:attrName>style.visibility</p:attrName>
+                                        </p:attrNameLst>
+                                      </p:cBhvr>
+                                      <p:to>
+                                        <p:strVal val="visible"/>
+                                      </p:to>
+                                    </p:set>
+                                    <p:animEffect transition="in" filter="fade">
+                                      <p:cBhvr>
+                                        <p:cTn id="34" dur="1000"/>
+                                        <p:tgtEl>
+                                          <p:spTgt spid="32"/>
+                                        </p:tgtEl>
+                                      </p:cBhvr>
+                                    </p:animEffect>
+                                    <p:anim calcmode="lin" valueType="num">
+                                      <p:cBhvr>
+                                        <p:cTn id="35" dur="1000" fill="hold"/>
+                                        <p:tgtEl>
+                                          <p:spTgt spid="32"/>
+                                        </p:tgtEl>
+                                        <p:attrNameLst>
+                                          <p:attrName>ppt_x</p:attrName>
+                                        </p:attrNameLst>
+                                      </p:cBhvr>
+                                      <p:tavLst>
+                                        <p:tav tm="0">
+                                          <p:val>
+                                            <p:strVal val="#ppt_x"/>
+                                          </p:val>
+                                        </p:tav>
+                                        <p:tav tm="100000">
+                                          <p:val>
+                                            <p:strVal val="#ppt_x"/>
+                                          </p:val>
+                                        </p:tav>
+                                      </p:tavLst>
+                                    </p:anim>
+                                    <p:anim calcmode="lin" valueType="num">
+                                      <p:cBhvr>
+                                        <p:cTn id="36" dur="1000" fill="hold"/>
+                                        <p:tgtEl>
+                                          <p:spTgt spid="32"/>
+                                        </p:tgtEl>
+                                        <p:attrNameLst>
+                                          <p:attrName>ppt_y</p:attrName>
+                                        </p:attrNameLst>
+                                      </p:cBhvr>
+                                      <p:tavLst>
+                                        <p:tav tm="0">
+                                          <p:val>
+                                            <p:strVal val="#ppt_y+.1"/>
+                                          </p:val>
+                                        </p:tav>
+                                        <p:tav tm="100000">
+                                          <p:val>
+                                            <p:strVal val="#ppt_y"/>
+                                          </p:val>
+                                        </p:tav>
+                                      </p:tavLst>
+                                    </p:anim>
+                                  </p:childTnLst>
+                                </p:cTn>
+                              </p:par>
+                            </p:childTnLst>
+                          </p:cTn>
+                        </p:par>
+                      </p:childTnLst>
+                    </p:cTn>
+                  </p:par>
+                </p:childTnLst>
+              </p:cTn>
+              <p:prevCondLst>
+                <p:cond evt="onPrev" delay="0">
+                  <p:tgtEl>
+                    <p:sldTgt/>
+                  </p:tgtEl>
+                </p:cond>
+              </p:prevCondLst>
+              <p:nextCondLst>
+                <p:cond evt="onNext" delay="0">
+                  <p:tgtEl>
+                    <p:sldTgt/>
+                  </p:tgtEl>
+                </p:cond>
+              </p:nextCondLst>
+            </p:seq>
+          </p:childTnLst>
+        </p:cTn>
+      </p:par>
+    </p:tnLst>
+    <p:bldLst>
+      <p:bldP spid="11" grpId="0" build="p"/>
+      <p:bldP spid="13" grpId="0" build="p"/>
+      <p:bldP spid="15" grpId="0"/>
+      <p:bldP spid="16" grpId="0"/>
+    </p:bldLst>
+  </p:timing>
+</p:sld>
+</file>
+
+<file path=ppt/slides/slide11.xml><?xml version="1.0" encoding="utf-8"?>
+<p:sld xmlns:a="http://schemas.openxmlformats.org/drawingml/2006/main" xmlns:r="http://schemas.openxmlformats.org/officeDocument/2006/relationships" xmlns:p="http://schemas.openxmlformats.org/presentationml/2006/main">
+  <p:cSld>
+    <p:spTree>
+      <p:nvGrpSpPr>
+        <p:cNvPr id="1" name=""/>
+        <p:cNvGrpSpPr/>
+        <p:nvPr/>
+      </p:nvGrpSpPr>
+      <p:grpSpPr>
+        <a:xfrm>
+          <a:off x="0" y="0"/>
+          <a:ext cx="0" cy="0"/>
+          <a:chOff x="0" y="0"/>
+          <a:chExt cx="0" cy="0"/>
+        </a:xfrm>
+      </p:grpSpPr>
+      <p:sp>
+        <p:nvSpPr>
           <p:cNvPr id="6" name="Title 5">
             <a:extLst>
               <a:ext uri="{FF2B5EF4-FFF2-40B4-BE49-F238E27FC236}">
-                <a16:creationId xmlns="" xmlns:a16="http://schemas.microsoft.com/office/drawing/2014/main" id="{ED2A30C0-1BC4-4764-9C0F-5D811CAB8312}"/>
+                <a16:creationId xmlns:a16="http://schemas.microsoft.com/office/drawing/2014/main" id="{ED2A30C0-1BC4-4764-9C0F-5D811CAB8312}"/>
               </a:ext>
             </a:extLst>
           </p:cNvPr>
@@ -13430,7 +14700,7 @@
           <p:cNvPr id="12" name="Content Placeholder 11" descr="Text, chat or text message&#10;&#10;Description automatically generated">
             <a:extLst>
               <a:ext uri="{FF2B5EF4-FFF2-40B4-BE49-F238E27FC236}">
-                <a16:creationId xmlns="" xmlns:a16="http://schemas.microsoft.com/office/drawing/2014/main" id="{1BB12CD6-84CA-4E0A-812C-4E728F793AED}"/>
+                <a16:creationId xmlns:a16="http://schemas.microsoft.com/office/drawing/2014/main" id="{1BB12CD6-84CA-4E0A-812C-4E728F793AED}"/>
               </a:ext>
             </a:extLst>
           </p:cNvPr>
@@ -13459,7 +14729,7 @@
           <p:cNvPr id="7" name="Date Placeholder 6">
             <a:extLst>
               <a:ext uri="{FF2B5EF4-FFF2-40B4-BE49-F238E27FC236}">
-                <a16:creationId xmlns="" xmlns:a16="http://schemas.microsoft.com/office/drawing/2014/main" id="{45F69D6A-822D-4DB9-A2CC-D9106F1F2B68}"/>
+                <a16:creationId xmlns:a16="http://schemas.microsoft.com/office/drawing/2014/main" id="{45F69D6A-822D-4DB9-A2CC-D9106F1F2B68}"/>
               </a:ext>
             </a:extLst>
           </p:cNvPr>
@@ -13476,7 +14746,7 @@
           <a:lstStyle/>
           <a:p>
             <a:r>
-              <a:rPr lang="en-US" smtClean="0"/>
+              <a:rPr lang="en-US"/>
               <a:t>Wednesday March 17, 2021</a:t>
             </a:r>
             <a:endParaRPr lang="en-US" dirty="0"/>
@@ -13488,7 +14758,7 @@
           <p:cNvPr id="8" name="Footer Placeholder 7">
             <a:extLst>
               <a:ext uri="{FF2B5EF4-FFF2-40B4-BE49-F238E27FC236}">
-                <a16:creationId xmlns="" xmlns:a16="http://schemas.microsoft.com/office/drawing/2014/main" id="{6375D7F3-165A-439B-8D1D-6553B68C2886}"/>
+                <a16:creationId xmlns:a16="http://schemas.microsoft.com/office/drawing/2014/main" id="{6375D7F3-165A-439B-8D1D-6553B68C2886}"/>
               </a:ext>
             </a:extLst>
           </p:cNvPr>
@@ -13505,10 +14775,9 @@
           <a:lstStyle/>
           <a:p>
             <a:r>
-              <a:rPr lang="en-US" smtClean="0"/>
+              <a:rPr lang="en-US"/>
               <a:t>https://github.com/jenmusdat/BeerMachineLearning</a:t>
             </a:r>
-            <a:endParaRPr lang="en-US"/>
           </a:p>
         </p:txBody>
       </p:sp>
@@ -13517,7 +14786,7 @@
           <p:cNvPr id="9" name="Slide Number Placeholder 8">
             <a:extLst>
               <a:ext uri="{FF2B5EF4-FFF2-40B4-BE49-F238E27FC236}">
-                <a16:creationId xmlns="" xmlns:a16="http://schemas.microsoft.com/office/drawing/2014/main" id="{7AF9A883-CC44-4401-AE67-8FCEACB7DDDA}"/>
+                <a16:creationId xmlns:a16="http://schemas.microsoft.com/office/drawing/2014/main" id="{7AF9A883-CC44-4401-AE67-8FCEACB7DDDA}"/>
               </a:ext>
             </a:extLst>
           </p:cNvPr>
@@ -13536,7 +14805,7 @@
             <a:fld id="{DBA1B0FB-D917-4C8C-928F-313BD683BF39}" type="slidenum">
               <a:rPr lang="en-US" smtClean="0"/>
               <a:pPr/>
-              <a:t>10</a:t>
+              <a:t>11</a:t>
             </a:fld>
             <a:endParaRPr lang="en-US"/>
           </a:p>
@@ -13547,7 +14816,7 @@
           <p:cNvPr id="24" name="Content Placeholder 11">
             <a:extLst>
               <a:ext uri="{FF2B5EF4-FFF2-40B4-BE49-F238E27FC236}">
-                <a16:creationId xmlns="" xmlns:a16="http://schemas.microsoft.com/office/drawing/2014/main" id="{7F08B057-C02B-4AB9-B8E8-9B09CB81AA39}"/>
+                <a16:creationId xmlns:a16="http://schemas.microsoft.com/office/drawing/2014/main" id="{7F08B057-C02B-4AB9-B8E8-9B09CB81AA39}"/>
               </a:ext>
             </a:extLst>
           </p:cNvPr>
@@ -13576,7 +14845,7 @@
           <p:cNvPr id="25" name="Content Placeholder 11">
             <a:extLst>
               <a:ext uri="{FF2B5EF4-FFF2-40B4-BE49-F238E27FC236}">
-                <a16:creationId xmlns="" xmlns:a16="http://schemas.microsoft.com/office/drawing/2014/main" id="{E09FDDF5-82DC-4709-B58D-47712B1CC42E}"/>
+                <a16:creationId xmlns:a16="http://schemas.microsoft.com/office/drawing/2014/main" id="{E09FDDF5-82DC-4709-B58D-47712B1CC42E}"/>
               </a:ext>
             </a:extLst>
           </p:cNvPr>
@@ -13605,7 +14874,7 @@
           <p:cNvPr id="26" name="Content Placeholder 11">
             <a:extLst>
               <a:ext uri="{FF2B5EF4-FFF2-40B4-BE49-F238E27FC236}">
-                <a16:creationId xmlns="" xmlns:a16="http://schemas.microsoft.com/office/drawing/2014/main" id="{20DAEE25-F2E9-44F7-8F35-795D0CFADFA5}"/>
+                <a16:creationId xmlns:a16="http://schemas.microsoft.com/office/drawing/2014/main" id="{20DAEE25-F2E9-44F7-8F35-795D0CFADFA5}"/>
               </a:ext>
             </a:extLst>
           </p:cNvPr>
@@ -13634,7 +14903,7 @@
           <p:cNvPr id="27" name="Content Placeholder 11">
             <a:extLst>
               <a:ext uri="{FF2B5EF4-FFF2-40B4-BE49-F238E27FC236}">
-                <a16:creationId xmlns="" xmlns:a16="http://schemas.microsoft.com/office/drawing/2014/main" id="{C2012656-8011-4A9D-9141-E2C93B97D760}"/>
+                <a16:creationId xmlns:a16="http://schemas.microsoft.com/office/drawing/2014/main" id="{C2012656-8011-4A9D-9141-E2C93B97D760}"/>
               </a:ext>
             </a:extLst>
           </p:cNvPr>
@@ -14118,7 +15387,7 @@
 </p:sld>
 </file>
 
-<file path=ppt/slides/slide11.xml><?xml version="1.0" encoding="utf-8"?>
+<file path=ppt/slides/slide12.xml><?xml version="1.0" encoding="utf-8"?>
 <p:sld xmlns:a="http://schemas.openxmlformats.org/drawingml/2006/main" xmlns:r="http://schemas.openxmlformats.org/officeDocument/2006/relationships" xmlns:p="http://schemas.openxmlformats.org/presentationml/2006/main">
   <p:cSld>
     <p:bg>
@@ -14148,10 +15417,10 @@
           <p:cNvPr id="21" name="Freeform: Shape 20">
             <a:extLst>
               <a:ext uri="{FF2B5EF4-FFF2-40B4-BE49-F238E27FC236}">
-                <a16:creationId xmlns="" xmlns:a16="http://schemas.microsoft.com/office/drawing/2014/main" id="{82184FF4-7029-4ED7-813A-192E60608764}"/>
+                <a16:creationId xmlns:a16="http://schemas.microsoft.com/office/drawing/2014/main" id="{82184FF4-7029-4ED7-813A-192E60608764}"/>
               </a:ext>
               <a:ext uri="{C183D7F6-B498-43B3-948B-1728B52AA6E4}">
-                <adec:decorative xmlns="" xmlns:adec="http://schemas.microsoft.com/office/drawing/2017/decorative" val="1"/>
+                <adec:decorative xmlns:adec="http://schemas.microsoft.com/office/drawing/2017/decorative" val="1"/>
               </a:ext>
             </a:extLst>
           </p:cNvPr>
@@ -14161,7 +15430,7 @@
           <p:nvPr>
             <p:extLst>
               <p:ext uri="{386F3935-93C4-4BCD-93E2-E3B085C9AB24}">
-                <p16:designElem xmlns="" xmlns:p16="http://schemas.microsoft.com/office/powerpoint/2015/main" val="1"/>
+                <p16:designElem xmlns:p16="http://schemas.microsoft.com/office/powerpoint/2015/main" val="1"/>
               </p:ext>
             </p:extLst>
           </p:nvPr>
@@ -14292,10 +15561,10 @@
           <p:cNvPr id="23" name="Oval 22">
             <a:extLst>
               <a:ext uri="{FF2B5EF4-FFF2-40B4-BE49-F238E27FC236}">
-                <a16:creationId xmlns="" xmlns:a16="http://schemas.microsoft.com/office/drawing/2014/main" id="{AAA7AB09-557C-41AD-9113-FF9F68FA1035}"/>
+                <a16:creationId xmlns:a16="http://schemas.microsoft.com/office/drawing/2014/main" id="{AAA7AB09-557C-41AD-9113-FF9F68FA1035}"/>
               </a:ext>
               <a:ext uri="{C183D7F6-B498-43B3-948B-1728B52AA6E4}">
-                <adec:decorative xmlns="" xmlns:adec="http://schemas.microsoft.com/office/drawing/2017/decorative" val="1"/>
+                <adec:decorative xmlns:adec="http://schemas.microsoft.com/office/drawing/2017/decorative" val="1"/>
               </a:ext>
             </a:extLst>
           </p:cNvPr>
@@ -14305,7 +15574,7 @@
           <p:nvPr>
             <p:extLst>
               <p:ext uri="{386F3935-93C4-4BCD-93E2-E3B085C9AB24}">
-                <p16:designElem xmlns="" xmlns:p16="http://schemas.microsoft.com/office/powerpoint/2015/main" val="1"/>
+                <p16:designElem xmlns:p16="http://schemas.microsoft.com/office/powerpoint/2015/main" val="1"/>
               </p:ext>
             </p:extLst>
           </p:nvPr>
@@ -14383,10 +15652,10 @@
           <p:cNvPr id="25" name="Oval 24">
             <a:extLst>
               <a:ext uri="{FF2B5EF4-FFF2-40B4-BE49-F238E27FC236}">
-                <a16:creationId xmlns="" xmlns:a16="http://schemas.microsoft.com/office/drawing/2014/main" id="{EF99ECAA-1F11-4937-BBA6-51935AB44C9D}"/>
+                <a16:creationId xmlns:a16="http://schemas.microsoft.com/office/drawing/2014/main" id="{EF99ECAA-1F11-4937-BBA6-51935AB44C9D}"/>
               </a:ext>
               <a:ext uri="{C183D7F6-B498-43B3-948B-1728B52AA6E4}">
-                <adec:decorative xmlns="" xmlns:adec="http://schemas.microsoft.com/office/drawing/2017/decorative" val="1"/>
+                <adec:decorative xmlns:adec="http://schemas.microsoft.com/office/drawing/2017/decorative" val="1"/>
               </a:ext>
             </a:extLst>
           </p:cNvPr>
@@ -14396,7 +15665,7 @@
           <p:nvPr>
             <p:extLst>
               <p:ext uri="{386F3935-93C4-4BCD-93E2-E3B085C9AB24}">
-                <p16:designElem xmlns="" xmlns:p16="http://schemas.microsoft.com/office/powerpoint/2015/main" val="1"/>
+                <p16:designElem xmlns:p16="http://schemas.microsoft.com/office/powerpoint/2015/main" val="1"/>
               </p:ext>
             </p:extLst>
           </p:nvPr>
@@ -14475,10 +15744,10 @@
           <p:cNvPr id="27" name="Group 26">
             <a:extLst>
               <a:ext uri="{FF2B5EF4-FFF2-40B4-BE49-F238E27FC236}">
-                <a16:creationId xmlns="" xmlns:a16="http://schemas.microsoft.com/office/drawing/2014/main" id="{79DE9FAB-6BBA-4CFE-B67D-77B47F01ECA4}"/>
+                <a16:creationId xmlns:a16="http://schemas.microsoft.com/office/drawing/2014/main" id="{79DE9FAB-6BBA-4CFE-B67D-77B47F01ECA4}"/>
               </a:ext>
               <a:ext uri="{C183D7F6-B498-43B3-948B-1728B52AA6E4}">
-                <adec:decorative xmlns="" xmlns:adec="http://schemas.microsoft.com/office/drawing/2017/decorative" val="1"/>
+                <adec:decorative xmlns:adec="http://schemas.microsoft.com/office/drawing/2017/decorative" val="1"/>
               </a:ext>
             </a:extLst>
           </p:cNvPr>
@@ -14488,7 +15757,7 @@
           <p:nvPr>
             <p:extLst>
               <p:ext uri="{386F3935-93C4-4BCD-93E2-E3B085C9AB24}">
-                <p16:designElem xmlns="" xmlns:p16="http://schemas.microsoft.com/office/powerpoint/2015/main" val="1"/>
+                <p16:designElem xmlns:p16="http://schemas.microsoft.com/office/powerpoint/2015/main" val="1"/>
               </p:ext>
             </p:extLst>
           </p:nvPr>
@@ -14506,10 +15775,10 @@
             <p:cNvPr id="28" name="Freeform: Shape 27">
               <a:extLst>
                 <a:ext uri="{FF2B5EF4-FFF2-40B4-BE49-F238E27FC236}">
-                  <a16:creationId xmlns="" xmlns:a16="http://schemas.microsoft.com/office/drawing/2014/main" id="{79FAC916-D9BB-4794-81B4-7C47C67E850D}"/>
+                  <a16:creationId xmlns:a16="http://schemas.microsoft.com/office/drawing/2014/main" id="{79FAC916-D9BB-4794-81B4-7C47C67E850D}"/>
                 </a:ext>
                 <a:ext uri="{C183D7F6-B498-43B3-948B-1728B52AA6E4}">
-                  <adec:decorative xmlns="" xmlns:adec="http://schemas.microsoft.com/office/drawing/2017/decorative" val="1"/>
+                  <adec:decorative xmlns:adec="http://schemas.microsoft.com/office/drawing/2017/decorative" val="1"/>
                 </a:ext>
               </a:extLst>
             </p:cNvPr>
@@ -14519,7 +15788,7 @@
             <p:nvPr>
               <p:extLst>
                 <p:ext uri="{386F3935-93C4-4BCD-93E2-E3B085C9AB24}">
-                  <p16:designElem xmlns="" xmlns:p16="http://schemas.microsoft.com/office/powerpoint/2015/main" val="1"/>
+                  <p16:designElem xmlns:p16="http://schemas.microsoft.com/office/powerpoint/2015/main" val="1"/>
                 </p:ext>
               </p:extLst>
             </p:nvPr>
@@ -14653,10 +15922,10 @@
             <p:cNvPr id="29" name="Freeform: Shape 28">
               <a:extLst>
                 <a:ext uri="{FF2B5EF4-FFF2-40B4-BE49-F238E27FC236}">
-                  <a16:creationId xmlns="" xmlns:a16="http://schemas.microsoft.com/office/drawing/2014/main" id="{B5CA2231-7A65-4D16-8400-A210CC41DB73}"/>
+                  <a16:creationId xmlns:a16="http://schemas.microsoft.com/office/drawing/2014/main" id="{B5CA2231-7A65-4D16-8400-A210CC41DB73}"/>
                 </a:ext>
                 <a:ext uri="{C183D7F6-B498-43B3-948B-1728B52AA6E4}">
-                  <adec:decorative xmlns="" xmlns:adec="http://schemas.microsoft.com/office/drawing/2017/decorative" val="1"/>
+                  <adec:decorative xmlns:adec="http://schemas.microsoft.com/office/drawing/2017/decorative" val="1"/>
                 </a:ext>
               </a:extLst>
             </p:cNvPr>
@@ -14666,7 +15935,7 @@
             <p:nvPr>
               <p:extLst>
                 <p:ext uri="{386F3935-93C4-4BCD-93E2-E3B085C9AB24}">
-                  <p16:designElem xmlns="" xmlns:p16="http://schemas.microsoft.com/office/powerpoint/2015/main" val="1"/>
+                  <p16:designElem xmlns:p16="http://schemas.microsoft.com/office/powerpoint/2015/main" val="1"/>
                 </p:ext>
               </p:extLst>
             </p:nvPr>
@@ -14802,10 +16071,10 @@
             <p:cNvPr id="30" name="Oval 29">
               <a:extLst>
                 <a:ext uri="{FF2B5EF4-FFF2-40B4-BE49-F238E27FC236}">
-                  <a16:creationId xmlns="" xmlns:a16="http://schemas.microsoft.com/office/drawing/2014/main" id="{4B089C8C-B82B-4704-88E2-E857A5E21529}"/>
+                  <a16:creationId xmlns:a16="http://schemas.microsoft.com/office/drawing/2014/main" id="{4B089C8C-B82B-4704-88E2-E857A5E21529}"/>
                 </a:ext>
                 <a:ext uri="{C183D7F6-B498-43B3-948B-1728B52AA6E4}">
-                  <adec:decorative xmlns="" xmlns:adec="http://schemas.microsoft.com/office/drawing/2017/decorative" val="1"/>
+                  <adec:decorative xmlns:adec="http://schemas.microsoft.com/office/drawing/2017/decorative" val="1"/>
                 </a:ext>
               </a:extLst>
             </p:cNvPr>
@@ -14813,7 +16082,7 @@
             <p:nvPr>
               <p:extLst>
                 <p:ext uri="{386F3935-93C4-4BCD-93E2-E3B085C9AB24}">
-                  <p16:designElem xmlns="" xmlns:p16="http://schemas.microsoft.com/office/powerpoint/2015/main" val="1"/>
+                  <p16:designElem xmlns:p16="http://schemas.microsoft.com/office/powerpoint/2015/main" val="1"/>
                 </p:ext>
               </p:extLst>
             </p:nvPr>
@@ -14880,10 +16149,10 @@
             <p:cNvPr id="31" name="Oval 30">
               <a:extLst>
                 <a:ext uri="{FF2B5EF4-FFF2-40B4-BE49-F238E27FC236}">
-                  <a16:creationId xmlns="" xmlns:a16="http://schemas.microsoft.com/office/drawing/2014/main" id="{434B90C8-5B4D-456E-AD99-80EF748FDD72}"/>
+                  <a16:creationId xmlns:a16="http://schemas.microsoft.com/office/drawing/2014/main" id="{434B90C8-5B4D-456E-AD99-80EF748FDD72}"/>
                 </a:ext>
                 <a:ext uri="{C183D7F6-B498-43B3-948B-1728B52AA6E4}">
-                  <adec:decorative xmlns="" xmlns:adec="http://schemas.microsoft.com/office/drawing/2017/decorative" val="1"/>
+                  <adec:decorative xmlns:adec="http://schemas.microsoft.com/office/drawing/2017/decorative" val="1"/>
                 </a:ext>
               </a:extLst>
             </p:cNvPr>
@@ -14891,7 +16160,7 @@
             <p:nvPr>
               <p:extLst>
                 <p:ext uri="{386F3935-93C4-4BCD-93E2-E3B085C9AB24}">
-                  <p16:designElem xmlns="" xmlns:p16="http://schemas.microsoft.com/office/powerpoint/2015/main" val="1"/>
+                  <p16:designElem xmlns:p16="http://schemas.microsoft.com/office/powerpoint/2015/main" val="1"/>
                 </p:ext>
               </p:extLst>
             </p:nvPr>
@@ -14959,10 +16228,10 @@
           <p:cNvPr id="33" name="Rectangle 32">
             <a:extLst>
               <a:ext uri="{FF2B5EF4-FFF2-40B4-BE49-F238E27FC236}">
-                <a16:creationId xmlns="" xmlns:a16="http://schemas.microsoft.com/office/drawing/2014/main" id="{1DB043B4-68C6-45B9-82AC-A5800EADB8DB}"/>
+                <a16:creationId xmlns:a16="http://schemas.microsoft.com/office/drawing/2014/main" id="{1DB043B4-68C6-45B9-82AC-A5800EADB8DB}"/>
               </a:ext>
               <a:ext uri="{C183D7F6-B498-43B3-948B-1728B52AA6E4}">
-                <adec:decorative xmlns="" xmlns:adec="http://schemas.microsoft.com/office/drawing/2017/decorative" val="1"/>
+                <adec:decorative xmlns:adec="http://schemas.microsoft.com/office/drawing/2017/decorative" val="1"/>
               </a:ext>
             </a:extLst>
           </p:cNvPr>
@@ -14972,7 +16241,7 @@
           <p:nvPr>
             <p:extLst>
               <p:ext uri="{386F3935-93C4-4BCD-93E2-E3B085C9AB24}">
-                <p16:designElem xmlns="" xmlns:p16="http://schemas.microsoft.com/office/powerpoint/2015/main" val="1"/>
+                <p16:designElem xmlns:p16="http://schemas.microsoft.com/office/powerpoint/2015/main" val="1"/>
               </p:ext>
             </p:extLst>
           </p:nvPr>
@@ -15035,7 +16304,7 @@
           <p:cNvPr id="2" name="Title 1">
             <a:extLst>
               <a:ext uri="{FF2B5EF4-FFF2-40B4-BE49-F238E27FC236}">
-                <a16:creationId xmlns="" xmlns:a16="http://schemas.microsoft.com/office/drawing/2014/main" id="{FCB102D8-1D22-4940-AF19-07CF3A0DC5F4}"/>
+                <a16:creationId xmlns:a16="http://schemas.microsoft.com/office/drawing/2014/main" id="{FCB102D8-1D22-4940-AF19-07CF3A0DC5F4}"/>
               </a:ext>
             </a:extLst>
           </p:cNvPr>
@@ -15075,7 +16344,7 @@
           <p:cNvPr id="14" name="Date Placeholder 13">
             <a:extLst>
               <a:ext uri="{FF2B5EF4-FFF2-40B4-BE49-F238E27FC236}">
-                <a16:creationId xmlns="" xmlns:a16="http://schemas.microsoft.com/office/drawing/2014/main" id="{DC738669-5750-45EA-9715-A0041D4C569B}"/>
+                <a16:creationId xmlns:a16="http://schemas.microsoft.com/office/drawing/2014/main" id="{DC738669-5750-45EA-9715-A0041D4C569B}"/>
               </a:ext>
             </a:extLst>
           </p:cNvPr>
@@ -15099,7 +16368,7 @@
               </a:spcAft>
             </a:pPr>
             <a:r>
-              <a:rPr lang="en-US" smtClean="0">
+              <a:rPr lang="en-US">
                 <a:solidFill>
                   <a:schemeClr val="tx1">
                     <a:alpha val="80000"/>
@@ -15108,13 +16377,6 @@
               </a:rPr>
               <a:t>Wednesday March 17, 2021</a:t>
             </a:r>
-            <a:endParaRPr lang="en-US">
-              <a:solidFill>
-                <a:schemeClr val="tx1">
-                  <a:alpha val="80000"/>
-                </a:schemeClr>
-              </a:solidFill>
-            </a:endParaRPr>
           </a:p>
         </p:txBody>
       </p:sp>
@@ -15123,7 +16385,7 @@
           <p:cNvPr id="15" name="Footer Placeholder 14">
             <a:extLst>
               <a:ext uri="{FF2B5EF4-FFF2-40B4-BE49-F238E27FC236}">
-                <a16:creationId xmlns="" xmlns:a16="http://schemas.microsoft.com/office/drawing/2014/main" id="{CD05A243-8080-4F6D-8538-65CDDF891BA6}"/>
+                <a16:creationId xmlns:a16="http://schemas.microsoft.com/office/drawing/2014/main" id="{CD05A243-8080-4F6D-8538-65CDDF891BA6}"/>
               </a:ext>
             </a:extLst>
           </p:cNvPr>
@@ -15147,7 +16409,7 @@
               </a:spcAft>
             </a:pPr>
             <a:r>
-              <a:rPr lang="en-US" kern="1200" smtClean="0">
+              <a:rPr lang="en-US" kern="1200">
                 <a:solidFill>
                   <a:schemeClr val="tx1">
                     <a:alpha val="80000"/>
@@ -15159,16 +16421,6 @@
               </a:rPr>
               <a:t>https://github.com/jenmusdat/BeerMachineLearning</a:t>
             </a:r>
-            <a:endParaRPr lang="en-US" kern="1200">
-              <a:solidFill>
-                <a:schemeClr val="tx1">
-                  <a:alpha val="80000"/>
-                </a:schemeClr>
-              </a:solidFill>
-              <a:latin typeface="+mn-lt"/>
-              <a:ea typeface="+mn-ea"/>
-              <a:cs typeface="+mn-cs"/>
-            </a:endParaRPr>
           </a:p>
         </p:txBody>
       </p:sp>
@@ -15177,7 +16429,7 @@
           <p:cNvPr id="16" name="Slide Number Placeholder 15">
             <a:extLst>
               <a:ext uri="{FF2B5EF4-FFF2-40B4-BE49-F238E27FC236}">
-                <a16:creationId xmlns="" xmlns:a16="http://schemas.microsoft.com/office/drawing/2014/main" id="{3F8A62C8-5437-4C47-AC0F-0605F84CBA57}"/>
+                <a16:creationId xmlns:a16="http://schemas.microsoft.com/office/drawing/2014/main" id="{3F8A62C8-5437-4C47-AC0F-0605F84CBA57}"/>
               </a:ext>
             </a:extLst>
           </p:cNvPr>
@@ -15213,7 +16465,7 @@
                   <a:spcPts val="600"/>
                 </a:spcAft>
               </a:pPr>
-              <a:t>11</a:t>
+              <a:t>12</a:t>
             </a:fld>
             <a:endParaRPr lang="en-US">
               <a:solidFill>
@@ -15305,7 +16557,7 @@
           <a:p>
             <a:pPr algn="ctr"/>
             <a:r>
-              <a:rPr lang="en-US" sz="6600" dirty="0" smtClean="0">
+              <a:rPr lang="en-US" sz="6600" dirty="0">
                 <a:solidFill>
                   <a:schemeClr val="accent3">
                     <a:lumMod val="50000"/>
@@ -15314,13 +16566,6 @@
               </a:rPr>
               <a:t>84%</a:t>
             </a:r>
-            <a:endParaRPr lang="en-US" sz="6600" dirty="0">
-              <a:solidFill>
-                <a:schemeClr val="accent3">
-                  <a:lumMod val="50000"/>
-                </a:schemeClr>
-              </a:solidFill>
-            </a:endParaRPr>
           </a:p>
         </p:txBody>
       </p:sp>
@@ -15458,7 +16703,7 @@
 </p:sld>
 </file>
 
-<file path=ppt/slides/slide12.xml><?xml version="1.0" encoding="utf-8"?>
+<file path=ppt/slides/slide13.xml><?xml version="1.0" encoding="utf-8"?>
 <p:sld xmlns:a="http://schemas.openxmlformats.org/drawingml/2006/main" xmlns:r="http://schemas.openxmlformats.org/officeDocument/2006/relationships" xmlns:p="http://schemas.openxmlformats.org/presentationml/2006/main">
   <p:cSld>
     <p:bg>
@@ -15488,10 +16733,10 @@
           <p:cNvPr id="14" name="Freeform: Shape 15">
             <a:extLst>
               <a:ext uri="{FF2B5EF4-FFF2-40B4-BE49-F238E27FC236}">
-                <a16:creationId xmlns="" xmlns:a16="http://schemas.microsoft.com/office/drawing/2014/main" id="{82184FF4-7029-4ED7-813A-192E60608764}"/>
+                <a16:creationId xmlns:a16="http://schemas.microsoft.com/office/drawing/2014/main" id="{82184FF4-7029-4ED7-813A-192E60608764}"/>
               </a:ext>
               <a:ext uri="{C183D7F6-B498-43B3-948B-1728B52AA6E4}">
-                <adec:decorative xmlns="" xmlns:adec="http://schemas.microsoft.com/office/drawing/2017/decorative" val="1"/>
+                <adec:decorative xmlns:adec="http://schemas.microsoft.com/office/drawing/2017/decorative" val="1"/>
               </a:ext>
             </a:extLst>
           </p:cNvPr>
@@ -15501,7 +16746,7 @@
           <p:nvPr>
             <p:extLst>
               <p:ext uri="{386F3935-93C4-4BCD-93E2-E3B085C9AB24}">
-                <p16:designElem xmlns="" xmlns:p16="http://schemas.microsoft.com/office/powerpoint/2015/main" val="1"/>
+                <p16:designElem xmlns:p16="http://schemas.microsoft.com/office/powerpoint/2015/main" val="1"/>
               </p:ext>
             </p:extLst>
           </p:nvPr>
@@ -15632,10 +16877,10 @@
           <p:cNvPr id="18" name="Oval 17">
             <a:extLst>
               <a:ext uri="{FF2B5EF4-FFF2-40B4-BE49-F238E27FC236}">
-                <a16:creationId xmlns="" xmlns:a16="http://schemas.microsoft.com/office/drawing/2014/main" id="{AAA7AB09-557C-41AD-9113-FF9F68FA1035}"/>
+                <a16:creationId xmlns:a16="http://schemas.microsoft.com/office/drawing/2014/main" id="{AAA7AB09-557C-41AD-9113-FF9F68FA1035}"/>
               </a:ext>
               <a:ext uri="{C183D7F6-B498-43B3-948B-1728B52AA6E4}">
-                <adec:decorative xmlns="" xmlns:adec="http://schemas.microsoft.com/office/drawing/2017/decorative" val="1"/>
+                <adec:decorative xmlns:adec="http://schemas.microsoft.com/office/drawing/2017/decorative" val="1"/>
               </a:ext>
             </a:extLst>
           </p:cNvPr>
@@ -15645,7 +16890,7 @@
           <p:nvPr>
             <p:extLst>
               <p:ext uri="{386F3935-93C4-4BCD-93E2-E3B085C9AB24}">
-                <p16:designElem xmlns="" xmlns:p16="http://schemas.microsoft.com/office/powerpoint/2015/main" val="1"/>
+                <p16:designElem xmlns:p16="http://schemas.microsoft.com/office/powerpoint/2015/main" val="1"/>
               </p:ext>
             </p:extLst>
           </p:nvPr>
@@ -15723,10 +16968,10 @@
           <p:cNvPr id="20" name="Oval 19">
             <a:extLst>
               <a:ext uri="{FF2B5EF4-FFF2-40B4-BE49-F238E27FC236}">
-                <a16:creationId xmlns="" xmlns:a16="http://schemas.microsoft.com/office/drawing/2014/main" id="{EF99ECAA-1F11-4937-BBA6-51935AB44C9D}"/>
+                <a16:creationId xmlns:a16="http://schemas.microsoft.com/office/drawing/2014/main" id="{EF99ECAA-1F11-4937-BBA6-51935AB44C9D}"/>
               </a:ext>
               <a:ext uri="{C183D7F6-B498-43B3-948B-1728B52AA6E4}">
-                <adec:decorative xmlns="" xmlns:adec="http://schemas.microsoft.com/office/drawing/2017/decorative" val="1"/>
+                <adec:decorative xmlns:adec="http://schemas.microsoft.com/office/drawing/2017/decorative" val="1"/>
               </a:ext>
             </a:extLst>
           </p:cNvPr>
@@ -15736,7 +16981,7 @@
           <p:nvPr>
             <p:extLst>
               <p:ext uri="{386F3935-93C4-4BCD-93E2-E3B085C9AB24}">
-                <p16:designElem xmlns="" xmlns:p16="http://schemas.microsoft.com/office/powerpoint/2015/main" val="1"/>
+                <p16:designElem xmlns:p16="http://schemas.microsoft.com/office/powerpoint/2015/main" val="1"/>
               </p:ext>
             </p:extLst>
           </p:nvPr>
@@ -15815,10 +17060,10 @@
           <p:cNvPr id="22" name="Group 21">
             <a:extLst>
               <a:ext uri="{FF2B5EF4-FFF2-40B4-BE49-F238E27FC236}">
-                <a16:creationId xmlns="" xmlns:a16="http://schemas.microsoft.com/office/drawing/2014/main" id="{79DE9FAB-6BBA-4CFE-B67D-77B47F01ECA4}"/>
+                <a16:creationId xmlns:a16="http://schemas.microsoft.com/office/drawing/2014/main" id="{79DE9FAB-6BBA-4CFE-B67D-77B47F01ECA4}"/>
               </a:ext>
               <a:ext uri="{C183D7F6-B498-43B3-948B-1728B52AA6E4}">
-                <adec:decorative xmlns="" xmlns:adec="http://schemas.microsoft.com/office/drawing/2017/decorative" val="1"/>
+                <adec:decorative xmlns:adec="http://schemas.microsoft.com/office/drawing/2017/decorative" val="1"/>
               </a:ext>
             </a:extLst>
           </p:cNvPr>
@@ -15828,7 +17073,7 @@
           <p:nvPr>
             <p:extLst>
               <p:ext uri="{386F3935-93C4-4BCD-93E2-E3B085C9AB24}">
-                <p16:designElem xmlns="" xmlns:p16="http://schemas.microsoft.com/office/powerpoint/2015/main" val="1"/>
+                <p16:designElem xmlns:p16="http://schemas.microsoft.com/office/powerpoint/2015/main" val="1"/>
               </p:ext>
             </p:extLst>
           </p:nvPr>
@@ -15846,10 +17091,10 @@
             <p:cNvPr id="23" name="Freeform: Shape 22">
               <a:extLst>
                 <a:ext uri="{FF2B5EF4-FFF2-40B4-BE49-F238E27FC236}">
-                  <a16:creationId xmlns="" xmlns:a16="http://schemas.microsoft.com/office/drawing/2014/main" id="{79FAC916-D9BB-4794-81B4-7C47C67E850D}"/>
+                  <a16:creationId xmlns:a16="http://schemas.microsoft.com/office/drawing/2014/main" id="{79FAC916-D9BB-4794-81B4-7C47C67E850D}"/>
                 </a:ext>
                 <a:ext uri="{C183D7F6-B498-43B3-948B-1728B52AA6E4}">
-                  <adec:decorative xmlns="" xmlns:adec="http://schemas.microsoft.com/office/drawing/2017/decorative" val="1"/>
+                  <adec:decorative xmlns:adec="http://schemas.microsoft.com/office/drawing/2017/decorative" val="1"/>
                 </a:ext>
               </a:extLst>
             </p:cNvPr>
@@ -15859,7 +17104,7 @@
             <p:nvPr>
               <p:extLst>
                 <p:ext uri="{386F3935-93C4-4BCD-93E2-E3B085C9AB24}">
-                  <p16:designElem xmlns="" xmlns:p16="http://schemas.microsoft.com/office/powerpoint/2015/main" val="1"/>
+                  <p16:designElem xmlns:p16="http://schemas.microsoft.com/office/powerpoint/2015/main" val="1"/>
                 </p:ext>
               </p:extLst>
             </p:nvPr>
@@ -15993,10 +17238,10 @@
             <p:cNvPr id="24" name="Freeform: Shape 23">
               <a:extLst>
                 <a:ext uri="{FF2B5EF4-FFF2-40B4-BE49-F238E27FC236}">
-                  <a16:creationId xmlns="" xmlns:a16="http://schemas.microsoft.com/office/drawing/2014/main" id="{B5CA2231-7A65-4D16-8400-A210CC41DB73}"/>
+                  <a16:creationId xmlns:a16="http://schemas.microsoft.com/office/drawing/2014/main" id="{B5CA2231-7A65-4D16-8400-A210CC41DB73}"/>
                 </a:ext>
                 <a:ext uri="{C183D7F6-B498-43B3-948B-1728B52AA6E4}">
-                  <adec:decorative xmlns="" xmlns:adec="http://schemas.microsoft.com/office/drawing/2017/decorative" val="1"/>
+                  <adec:decorative xmlns:adec="http://schemas.microsoft.com/office/drawing/2017/decorative" val="1"/>
                 </a:ext>
               </a:extLst>
             </p:cNvPr>
@@ -16006,7 +17251,7 @@
             <p:nvPr>
               <p:extLst>
                 <p:ext uri="{386F3935-93C4-4BCD-93E2-E3B085C9AB24}">
-                  <p16:designElem xmlns="" xmlns:p16="http://schemas.microsoft.com/office/powerpoint/2015/main" val="1"/>
+                  <p16:designElem xmlns:p16="http://schemas.microsoft.com/office/powerpoint/2015/main" val="1"/>
                 </p:ext>
               </p:extLst>
             </p:nvPr>
@@ -16142,10 +17387,10 @@
             <p:cNvPr id="25" name="Oval 24">
               <a:extLst>
                 <a:ext uri="{FF2B5EF4-FFF2-40B4-BE49-F238E27FC236}">
-                  <a16:creationId xmlns="" xmlns:a16="http://schemas.microsoft.com/office/drawing/2014/main" id="{4B089C8C-B82B-4704-88E2-E857A5E21529}"/>
+                  <a16:creationId xmlns:a16="http://schemas.microsoft.com/office/drawing/2014/main" id="{4B089C8C-B82B-4704-88E2-E857A5E21529}"/>
                 </a:ext>
                 <a:ext uri="{C183D7F6-B498-43B3-948B-1728B52AA6E4}">
-                  <adec:decorative xmlns="" xmlns:adec="http://schemas.microsoft.com/office/drawing/2017/decorative" val="1"/>
+                  <adec:decorative xmlns:adec="http://schemas.microsoft.com/office/drawing/2017/decorative" val="1"/>
                 </a:ext>
               </a:extLst>
             </p:cNvPr>
@@ -16153,7 +17398,7 @@
             <p:nvPr>
               <p:extLst>
                 <p:ext uri="{386F3935-93C4-4BCD-93E2-E3B085C9AB24}">
-                  <p16:designElem xmlns="" xmlns:p16="http://schemas.microsoft.com/office/powerpoint/2015/main" val="1"/>
+                  <p16:designElem xmlns:p16="http://schemas.microsoft.com/office/powerpoint/2015/main" val="1"/>
                 </p:ext>
               </p:extLst>
             </p:nvPr>
@@ -16220,10 +17465,10 @@
             <p:cNvPr id="26" name="Oval 25">
               <a:extLst>
                 <a:ext uri="{FF2B5EF4-FFF2-40B4-BE49-F238E27FC236}">
-                  <a16:creationId xmlns="" xmlns:a16="http://schemas.microsoft.com/office/drawing/2014/main" id="{434B90C8-5B4D-456E-AD99-80EF748FDD72}"/>
+                  <a16:creationId xmlns:a16="http://schemas.microsoft.com/office/drawing/2014/main" id="{434B90C8-5B4D-456E-AD99-80EF748FDD72}"/>
                 </a:ext>
                 <a:ext uri="{C183D7F6-B498-43B3-948B-1728B52AA6E4}">
-                  <adec:decorative xmlns="" xmlns:adec="http://schemas.microsoft.com/office/drawing/2017/decorative" val="1"/>
+                  <adec:decorative xmlns:adec="http://schemas.microsoft.com/office/drawing/2017/decorative" val="1"/>
                 </a:ext>
               </a:extLst>
             </p:cNvPr>
@@ -16231,7 +17476,7 @@
             <p:nvPr>
               <p:extLst>
                 <p:ext uri="{386F3935-93C4-4BCD-93E2-E3B085C9AB24}">
-                  <p16:designElem xmlns="" xmlns:p16="http://schemas.microsoft.com/office/powerpoint/2015/main" val="1"/>
+                  <p16:designElem xmlns:p16="http://schemas.microsoft.com/office/powerpoint/2015/main" val="1"/>
                 </p:ext>
               </p:extLst>
             </p:nvPr>
@@ -16299,10 +17544,10 @@
           <p:cNvPr id="28" name="Rectangle 27">
             <a:extLst>
               <a:ext uri="{FF2B5EF4-FFF2-40B4-BE49-F238E27FC236}">
-                <a16:creationId xmlns="" xmlns:a16="http://schemas.microsoft.com/office/drawing/2014/main" id="{1DB043B4-68C6-45B9-82AC-A5800EADB8DB}"/>
+                <a16:creationId xmlns:a16="http://schemas.microsoft.com/office/drawing/2014/main" id="{1DB043B4-68C6-45B9-82AC-A5800EADB8DB}"/>
               </a:ext>
               <a:ext uri="{C183D7F6-B498-43B3-948B-1728B52AA6E4}">
-                <adec:decorative xmlns="" xmlns:adec="http://schemas.microsoft.com/office/drawing/2017/decorative" val="1"/>
+                <adec:decorative xmlns:adec="http://schemas.microsoft.com/office/drawing/2017/decorative" val="1"/>
               </a:ext>
             </a:extLst>
           </p:cNvPr>
@@ -16312,7 +17557,7 @@
           <p:nvPr>
             <p:extLst>
               <p:ext uri="{386F3935-93C4-4BCD-93E2-E3B085C9AB24}">
-                <p16:designElem xmlns="" xmlns:p16="http://schemas.microsoft.com/office/powerpoint/2015/main" val="1"/>
+                <p16:designElem xmlns:p16="http://schemas.microsoft.com/office/powerpoint/2015/main" val="1"/>
               </p:ext>
             </p:extLst>
           </p:nvPr>
@@ -16375,7 +17620,7 @@
           <p:cNvPr id="11" name="Title 10">
             <a:extLst>
               <a:ext uri="{FF2B5EF4-FFF2-40B4-BE49-F238E27FC236}">
-                <a16:creationId xmlns="" xmlns:a16="http://schemas.microsoft.com/office/drawing/2014/main" id="{581E8936-2270-47FE-94A4-398CB123EF90}"/>
+                <a16:creationId xmlns:a16="http://schemas.microsoft.com/office/drawing/2014/main" id="{581E8936-2270-47FE-94A4-398CB123EF90}"/>
               </a:ext>
             </a:extLst>
           </p:cNvPr>
@@ -16422,7 +17667,7 @@
           <p:cNvPr id="10" name="Picture Placeholder 9" descr="A picture containing clipart&#10;&#10;Description automatically generated">
             <a:extLst>
               <a:ext uri="{FF2B5EF4-FFF2-40B4-BE49-F238E27FC236}">
-                <a16:creationId xmlns="" xmlns:a16="http://schemas.microsoft.com/office/drawing/2014/main" id="{6A50DC30-FE07-4588-B19E-3F89009A85F1}"/>
+                <a16:creationId xmlns:a16="http://schemas.microsoft.com/office/drawing/2014/main" id="{6A50DC30-FE07-4588-B19E-3F89009A85F1}"/>
               </a:ext>
             </a:extLst>
           </p:cNvPr>
@@ -16485,7 +17730,7 @@
           <p:cNvPr id="4" name="Date Placeholder 3">
             <a:extLst>
               <a:ext uri="{FF2B5EF4-FFF2-40B4-BE49-F238E27FC236}">
-                <a16:creationId xmlns="" xmlns:a16="http://schemas.microsoft.com/office/drawing/2014/main" id="{0C329F70-04F7-4C70-BCF8-D4371F54EF2F}"/>
+                <a16:creationId xmlns:a16="http://schemas.microsoft.com/office/drawing/2014/main" id="{0C329F70-04F7-4C70-BCF8-D4371F54EF2F}"/>
               </a:ext>
             </a:extLst>
           </p:cNvPr>
@@ -16509,7 +17754,7 @@
               </a:spcAft>
             </a:pPr>
             <a:r>
-              <a:rPr lang="en-US" smtClean="0">
+              <a:rPr lang="en-US">
                 <a:solidFill>
                   <a:schemeClr val="tx1">
                     <a:alpha val="80000"/>
@@ -16518,13 +17763,6 @@
               </a:rPr>
               <a:t>Wednesday March 17, 2021</a:t>
             </a:r>
-            <a:endParaRPr lang="en-US">
-              <a:solidFill>
-                <a:schemeClr val="tx1">
-                  <a:alpha val="80000"/>
-                </a:schemeClr>
-              </a:solidFill>
-            </a:endParaRPr>
           </a:p>
         </p:txBody>
       </p:sp>
@@ -16533,7 +17771,7 @@
           <p:cNvPr id="5" name="Footer Placeholder 4">
             <a:extLst>
               <a:ext uri="{FF2B5EF4-FFF2-40B4-BE49-F238E27FC236}">
-                <a16:creationId xmlns="" xmlns:a16="http://schemas.microsoft.com/office/drawing/2014/main" id="{06A3302E-502D-4151-81C9-5FD6AF9596D6}"/>
+                <a16:creationId xmlns:a16="http://schemas.microsoft.com/office/drawing/2014/main" id="{06A3302E-502D-4151-81C9-5FD6AF9596D6}"/>
               </a:ext>
             </a:extLst>
           </p:cNvPr>
@@ -16557,7 +17795,7 @@
               </a:spcAft>
             </a:pPr>
             <a:r>
-              <a:rPr lang="en-US" kern="1200" smtClean="0">
+              <a:rPr lang="en-US" kern="1200">
                 <a:solidFill>
                   <a:schemeClr val="tx1">
                     <a:alpha val="80000"/>
@@ -16569,16 +17807,6 @@
               </a:rPr>
               <a:t>https://github.com/jenmusdat/BeerMachineLearning</a:t>
             </a:r>
-            <a:endParaRPr lang="en-US" kern="1200">
-              <a:solidFill>
-                <a:schemeClr val="tx1">
-                  <a:alpha val="80000"/>
-                </a:schemeClr>
-              </a:solidFill>
-              <a:latin typeface="+mn-lt"/>
-              <a:ea typeface="+mn-ea"/>
-              <a:cs typeface="+mn-cs"/>
-            </a:endParaRPr>
           </a:p>
         </p:txBody>
       </p:sp>
@@ -16587,7 +17815,7 @@
           <p:cNvPr id="6" name="Slide Number Placeholder 5">
             <a:extLst>
               <a:ext uri="{FF2B5EF4-FFF2-40B4-BE49-F238E27FC236}">
-                <a16:creationId xmlns="" xmlns:a16="http://schemas.microsoft.com/office/drawing/2014/main" id="{9ED907F8-C614-4D59-A03F-BF9CD5E35703}"/>
+                <a16:creationId xmlns:a16="http://schemas.microsoft.com/office/drawing/2014/main" id="{9ED907F8-C614-4D59-A03F-BF9CD5E35703}"/>
               </a:ext>
             </a:extLst>
           </p:cNvPr>
@@ -16623,7 +17851,7 @@
                   <a:spcPts val="600"/>
                 </a:spcAft>
               </a:pPr>
-              <a:t>12</a:t>
+              <a:t>13</a:t>
             </a:fld>
             <a:endParaRPr lang="en-US">
               <a:solidFill>
@@ -16756,15 +17984,15 @@
           <a:chExt cx="0" cy="0"/>
         </a:xfrm>
       </p:grpSpPr>
-      <p:sp>
+      <p:sp useBgFill="1">
         <p:nvSpPr>
-          <p:cNvPr id="46" name="Freeform: Shape 23">
+          <p:cNvPr id="11" name="Rectangle 10">
             <a:extLst>
               <a:ext uri="{FF2B5EF4-FFF2-40B4-BE49-F238E27FC236}">
-                <a16:creationId xmlns="" xmlns:a16="http://schemas.microsoft.com/office/drawing/2014/main" id="{82184FF4-7029-4ED7-813A-192E60608764}"/>
+                <a16:creationId xmlns:a16="http://schemas.microsoft.com/office/drawing/2014/main" id="{65EE0CA1-D3EE-4024-8924-687FF7C9BED1}"/>
               </a:ext>
               <a:ext uri="{C183D7F6-B498-43B3-948B-1728B52AA6E4}">
-                <adec:decorative xmlns="" xmlns:adec="http://schemas.microsoft.com/office/drawing/2017/decorative" val="1"/>
+                <adec:decorative xmlns:adec="http://schemas.microsoft.com/office/drawing/2017/decorative" val="1"/>
               </a:ext>
             </a:extLst>
           </p:cNvPr>
@@ -16774,7 +18002,297 @@
           <p:nvPr>
             <p:extLst>
               <p:ext uri="{386F3935-93C4-4BCD-93E2-E3B085C9AB24}">
-                <p16:designElem xmlns="" xmlns:p16="http://schemas.microsoft.com/office/powerpoint/2015/main" val="1"/>
+                <p16:designElem xmlns:p16="http://schemas.microsoft.com/office/powerpoint/2015/main" val="1"/>
+              </p:ext>
+            </p:extLst>
+          </p:nvPr>
+        </p:nvSpPr>
+        <p:spPr>
+          <a:xfrm>
+            <a:off x="0" y="0"/>
+            <a:ext cx="12192000" cy="6858000"/>
+          </a:xfrm>
+          <a:prstGeom prst="rect">
+            <a:avLst/>
+          </a:prstGeom>
+          <a:ln w="12700" cap="flat" cmpd="sng" algn="ctr">
+            <a:noFill/>
+            <a:prstDash val="solid"/>
+            <a:miter lim="800000"/>
+          </a:ln>
+          <a:effectLst/>
+          <a:extLst>
+            <a:ext uri="{91240B29-F687-4F45-9708-019B960494DF}">
+              <a14:hiddenLine xmlns:a14="http://schemas.microsoft.com/office/drawing/2010/main" w="12700" cap="flat" cmpd="sng" algn="ctr">
+                <a:solidFill>
+                  <a:schemeClr val="accent1">
+                    <a:shade val="50000"/>
+                  </a:schemeClr>
+                </a:solidFill>
+                <a:prstDash val="solid"/>
+                <a:miter lim="800000"/>
+              </a14:hiddenLine>
+            </a:ext>
+          </a:extLst>
+        </p:spPr>
+        <p:style>
+          <a:lnRef idx="2">
+            <a:schemeClr val="accent1">
+              <a:shade val="50000"/>
+            </a:schemeClr>
+          </a:lnRef>
+          <a:fillRef idx="1">
+            <a:schemeClr val="accent1"/>
+          </a:fillRef>
+          <a:effectRef idx="0">
+            <a:schemeClr val="accent1"/>
+          </a:effectRef>
+          <a:fontRef idx="minor">
+            <a:schemeClr val="lt1"/>
+          </a:fontRef>
+        </p:style>
+        <p:txBody>
+          <a:bodyPr rtlCol="0" anchor="ctr"/>
+          <a:lstStyle/>
+          <a:p>
+            <a:pPr algn="ctr"/>
+            <a:endParaRPr lang="en-US"/>
+          </a:p>
+        </p:txBody>
+      </p:sp>
+      <p:pic>
+        <p:nvPicPr>
+          <p:cNvPr id="6" name="Picture 5" descr="A picture containing text, person, indoor, beverage&#10;&#10;Description automatically generated">
+            <a:extLst>
+              <a:ext uri="{FF2B5EF4-FFF2-40B4-BE49-F238E27FC236}">
+                <a16:creationId xmlns:a16="http://schemas.microsoft.com/office/drawing/2014/main" id="{725D923E-74E8-4147-A5C1-FA9362ABBB8E}"/>
+              </a:ext>
+            </a:extLst>
+          </p:cNvPr>
+          <p:cNvPicPr>
+            <a:picLocks noChangeAspect="1"/>
+          </p:cNvPicPr>
+          <p:nvPr/>
+        </p:nvPicPr>
+        <p:blipFill rotWithShape="1">
+          <a:blip r:embed="rId2"/>
+          <a:srcRect b="7575"/>
+          <a:stretch/>
+        </p:blipFill>
+        <p:spPr>
+          <a:xfrm>
+            <a:off x="20" y="10"/>
+            <a:ext cx="12191980" cy="6310302"/>
+          </a:xfrm>
+          <a:custGeom>
+            <a:avLst/>
+            <a:gdLst/>
+            <a:ahLst/>
+            <a:cxnLst/>
+            <a:rect l="l" t="t" r="r" b="b"/>
+            <a:pathLst>
+              <a:path w="12192000" h="6310312">
+                <a:moveTo>
+                  <a:pt x="0" y="0"/>
+                </a:moveTo>
+                <a:lnTo>
+                  <a:pt x="12192000" y="0"/>
+                </a:lnTo>
+                <a:lnTo>
+                  <a:pt x="12192000" y="6310312"/>
+                </a:lnTo>
+                <a:lnTo>
+                  <a:pt x="0" y="6310312"/>
+                </a:lnTo>
+                <a:close/>
+              </a:path>
+            </a:pathLst>
+          </a:custGeom>
+        </p:spPr>
+      </p:pic>
+      <p:sp>
+        <p:nvSpPr>
+          <p:cNvPr id="2" name="Date Placeholder 1">
+            <a:extLst>
+              <a:ext uri="{FF2B5EF4-FFF2-40B4-BE49-F238E27FC236}">
+                <a16:creationId xmlns:a16="http://schemas.microsoft.com/office/drawing/2014/main" id="{A82ADF8D-FCC6-4A09-AAF2-B22661F1C412}"/>
+              </a:ext>
+            </a:extLst>
+          </p:cNvPr>
+          <p:cNvSpPr>
+            <a:spLocks noGrp="1"/>
+          </p:cNvSpPr>
+          <p:nvPr>
+            <p:ph type="dt" sz="half" idx="10"/>
+          </p:nvPr>
+        </p:nvSpPr>
+        <p:spPr>
+          <a:xfrm>
+            <a:off x="550863" y="6507212"/>
+            <a:ext cx="2628900" cy="153888"/>
+          </a:xfrm>
+        </p:spPr>
+        <p:txBody>
+          <a:bodyPr>
+            <a:normAutofit/>
+          </a:bodyPr>
+          <a:lstStyle/>
+          <a:p>
+            <a:pPr>
+              <a:spcAft>
+                <a:spcPts val="600"/>
+              </a:spcAft>
+            </a:pPr>
+            <a:r>
+              <a:rPr lang="en-US"/>
+              <a:t>Wednesday March 17, 2021</a:t>
+            </a:r>
+          </a:p>
+        </p:txBody>
+      </p:sp>
+      <p:sp>
+        <p:nvSpPr>
+          <p:cNvPr id="3" name="Footer Placeholder 2">
+            <a:extLst>
+              <a:ext uri="{FF2B5EF4-FFF2-40B4-BE49-F238E27FC236}">
+                <a16:creationId xmlns:a16="http://schemas.microsoft.com/office/drawing/2014/main" id="{3B5457C4-D4F6-4E18-9BCB-363A2DECC17E}"/>
+              </a:ext>
+            </a:extLst>
+          </p:cNvPr>
+          <p:cNvSpPr>
+            <a:spLocks noGrp="1"/>
+          </p:cNvSpPr>
+          <p:nvPr>
+            <p:ph type="ftr" sz="quarter" idx="11"/>
+          </p:nvPr>
+        </p:nvSpPr>
+        <p:spPr>
+          <a:xfrm>
+            <a:off x="3359150" y="6507212"/>
+            <a:ext cx="6379210" cy="153888"/>
+          </a:xfrm>
+        </p:spPr>
+        <p:txBody>
+          <a:bodyPr>
+            <a:normAutofit/>
+          </a:bodyPr>
+          <a:lstStyle/>
+          <a:p>
+            <a:pPr>
+              <a:spcAft>
+                <a:spcPts val="600"/>
+              </a:spcAft>
+            </a:pPr>
+            <a:r>
+              <a:rPr lang="en-US"/>
+              <a:t>https://github.com/jenmusdat/BeerMachineLearning</a:t>
+            </a:r>
+          </a:p>
+        </p:txBody>
+      </p:sp>
+      <p:sp>
+        <p:nvSpPr>
+          <p:cNvPr id="4" name="Slide Number Placeholder 3">
+            <a:extLst>
+              <a:ext uri="{FF2B5EF4-FFF2-40B4-BE49-F238E27FC236}">
+                <a16:creationId xmlns:a16="http://schemas.microsoft.com/office/drawing/2014/main" id="{1D0E98AC-DBE2-4B5A-AD8F-94FD11320F71}"/>
+              </a:ext>
+            </a:extLst>
+          </p:cNvPr>
+          <p:cNvSpPr>
+            <a:spLocks noGrp="1"/>
+          </p:cNvSpPr>
+          <p:nvPr>
+            <p:ph type="sldNum" sz="quarter" idx="12"/>
+          </p:nvPr>
+        </p:nvSpPr>
+        <p:spPr>
+          <a:xfrm>
+            <a:off x="9948863" y="6507212"/>
+            <a:ext cx="1692274" cy="153888"/>
+          </a:xfrm>
+        </p:spPr>
+        <p:txBody>
+          <a:bodyPr>
+            <a:normAutofit/>
+          </a:bodyPr>
+          <a:lstStyle/>
+          <a:p>
+            <a:pPr>
+              <a:spcAft>
+                <a:spcPts val="600"/>
+              </a:spcAft>
+            </a:pPr>
+            <a:fld id="{DBA1B0FB-D917-4C8C-928F-313BD683BF39}" type="slidenum">
+              <a:rPr lang="en-US" smtClean="0"/>
+              <a:pPr>
+                <a:spcAft>
+                  <a:spcPts val="600"/>
+                </a:spcAft>
+              </a:pPr>
+              <a:t>2</a:t>
+            </a:fld>
+            <a:endParaRPr lang="en-US"/>
+          </a:p>
+        </p:txBody>
+      </p:sp>
+    </p:spTree>
+    <p:extLst>
+      <p:ext uri="{BB962C8B-B14F-4D97-AF65-F5344CB8AC3E}">
+        <p14:creationId xmlns:p14="http://schemas.microsoft.com/office/powerpoint/2010/main" val="1951904419"/>
+      </p:ext>
+    </p:extLst>
+  </p:cSld>
+  <p:clrMapOvr>
+    <a:masterClrMapping/>
+  </p:clrMapOvr>
+</p:sld>
+</file>
+
+<file path=ppt/slides/slide3.xml><?xml version="1.0" encoding="utf-8"?>
+<p:sld xmlns:a="http://schemas.openxmlformats.org/drawingml/2006/main" xmlns:r="http://schemas.openxmlformats.org/officeDocument/2006/relationships" xmlns:p="http://schemas.openxmlformats.org/presentationml/2006/main">
+  <p:cSld>
+    <p:bg>
+      <p:bgPr>
+        <a:solidFill>
+          <a:schemeClr val="bg2"/>
+        </a:solidFill>
+        <a:effectLst/>
+      </p:bgPr>
+    </p:bg>
+    <p:spTree>
+      <p:nvGrpSpPr>
+        <p:cNvPr id="1" name=""/>
+        <p:cNvGrpSpPr/>
+        <p:nvPr/>
+      </p:nvGrpSpPr>
+      <p:grpSpPr>
+        <a:xfrm>
+          <a:off x="0" y="0"/>
+          <a:ext cx="0" cy="0"/>
+          <a:chOff x="0" y="0"/>
+          <a:chExt cx="0" cy="0"/>
+        </a:xfrm>
+      </p:grpSpPr>
+      <p:sp>
+        <p:nvSpPr>
+          <p:cNvPr id="46" name="Freeform: Shape 23">
+            <a:extLst>
+              <a:ext uri="{FF2B5EF4-FFF2-40B4-BE49-F238E27FC236}">
+                <a16:creationId xmlns:a16="http://schemas.microsoft.com/office/drawing/2014/main" id="{82184FF4-7029-4ED7-813A-192E60608764}"/>
+              </a:ext>
+              <a:ext uri="{C183D7F6-B498-43B3-948B-1728B52AA6E4}">
+                <adec:decorative xmlns:adec="http://schemas.microsoft.com/office/drawing/2017/decorative" val="1"/>
+              </a:ext>
+            </a:extLst>
+          </p:cNvPr>
+          <p:cNvSpPr>
+            <a:spLocks noGrp="1" noRot="1" noChangeAspect="1" noMove="1" noResize="1" noEditPoints="1" noAdjustHandles="1" noChangeArrowheads="1" noChangeShapeType="1" noTextEdit="1"/>
+          </p:cNvSpPr>
+          <p:nvPr>
+            <p:extLst>
+              <p:ext uri="{386F3935-93C4-4BCD-93E2-E3B085C9AB24}">
+                <p16:designElem xmlns:p16="http://schemas.microsoft.com/office/powerpoint/2015/main" val="1"/>
               </p:ext>
             </p:extLst>
           </p:nvPr>
@@ -16905,10 +18423,10 @@
           <p:cNvPr id="47" name="Oval 25">
             <a:extLst>
               <a:ext uri="{FF2B5EF4-FFF2-40B4-BE49-F238E27FC236}">
-                <a16:creationId xmlns="" xmlns:a16="http://schemas.microsoft.com/office/drawing/2014/main" id="{AAA7AB09-557C-41AD-9113-FF9F68FA1035}"/>
+                <a16:creationId xmlns:a16="http://schemas.microsoft.com/office/drawing/2014/main" id="{AAA7AB09-557C-41AD-9113-FF9F68FA1035}"/>
               </a:ext>
               <a:ext uri="{C183D7F6-B498-43B3-948B-1728B52AA6E4}">
-                <adec:decorative xmlns="" xmlns:adec="http://schemas.microsoft.com/office/drawing/2017/decorative" val="1"/>
+                <adec:decorative xmlns:adec="http://schemas.microsoft.com/office/drawing/2017/decorative" val="1"/>
               </a:ext>
             </a:extLst>
           </p:cNvPr>
@@ -16918,7 +18436,7 @@
           <p:nvPr>
             <p:extLst>
               <p:ext uri="{386F3935-93C4-4BCD-93E2-E3B085C9AB24}">
-                <p16:designElem xmlns="" xmlns:p16="http://schemas.microsoft.com/office/powerpoint/2015/main" val="1"/>
+                <p16:designElem xmlns:p16="http://schemas.microsoft.com/office/powerpoint/2015/main" val="1"/>
               </p:ext>
             </p:extLst>
           </p:nvPr>
@@ -16996,10 +18514,10 @@
           <p:cNvPr id="48" name="Oval 27">
             <a:extLst>
               <a:ext uri="{FF2B5EF4-FFF2-40B4-BE49-F238E27FC236}">
-                <a16:creationId xmlns="" xmlns:a16="http://schemas.microsoft.com/office/drawing/2014/main" id="{EF99ECAA-1F11-4937-BBA6-51935AB44C9D}"/>
+                <a16:creationId xmlns:a16="http://schemas.microsoft.com/office/drawing/2014/main" id="{EF99ECAA-1F11-4937-BBA6-51935AB44C9D}"/>
               </a:ext>
               <a:ext uri="{C183D7F6-B498-43B3-948B-1728B52AA6E4}">
-                <adec:decorative xmlns="" xmlns:adec="http://schemas.microsoft.com/office/drawing/2017/decorative" val="1"/>
+                <adec:decorative xmlns:adec="http://schemas.microsoft.com/office/drawing/2017/decorative" val="1"/>
               </a:ext>
             </a:extLst>
           </p:cNvPr>
@@ -17009,7 +18527,7 @@
           <p:nvPr>
             <p:extLst>
               <p:ext uri="{386F3935-93C4-4BCD-93E2-E3B085C9AB24}">
-                <p16:designElem xmlns="" xmlns:p16="http://schemas.microsoft.com/office/powerpoint/2015/main" val="1"/>
+                <p16:designElem xmlns:p16="http://schemas.microsoft.com/office/powerpoint/2015/main" val="1"/>
               </p:ext>
             </p:extLst>
           </p:nvPr>
@@ -17088,10 +18606,10 @@
           <p:cNvPr id="49" name="Group 29">
             <a:extLst>
               <a:ext uri="{FF2B5EF4-FFF2-40B4-BE49-F238E27FC236}">
-                <a16:creationId xmlns="" xmlns:a16="http://schemas.microsoft.com/office/drawing/2014/main" id="{79DE9FAB-6BBA-4CFE-B67D-77B47F01ECA4}"/>
+                <a16:creationId xmlns:a16="http://schemas.microsoft.com/office/drawing/2014/main" id="{79DE9FAB-6BBA-4CFE-B67D-77B47F01ECA4}"/>
               </a:ext>
               <a:ext uri="{C183D7F6-B498-43B3-948B-1728B52AA6E4}">
-                <adec:decorative xmlns="" xmlns:adec="http://schemas.microsoft.com/office/drawing/2017/decorative" val="1"/>
+                <adec:decorative xmlns:adec="http://schemas.microsoft.com/office/drawing/2017/decorative" val="1"/>
               </a:ext>
             </a:extLst>
           </p:cNvPr>
@@ -17101,7 +18619,7 @@
           <p:nvPr>
             <p:extLst>
               <p:ext uri="{386F3935-93C4-4BCD-93E2-E3B085C9AB24}">
-                <p16:designElem xmlns="" xmlns:p16="http://schemas.microsoft.com/office/powerpoint/2015/main" val="1"/>
+                <p16:designElem xmlns:p16="http://schemas.microsoft.com/office/powerpoint/2015/main" val="1"/>
               </p:ext>
             </p:extLst>
           </p:nvPr>
@@ -17119,10 +18637,10 @@
             <p:cNvPr id="50" name="Freeform: Shape 30">
               <a:extLst>
                 <a:ext uri="{FF2B5EF4-FFF2-40B4-BE49-F238E27FC236}">
-                  <a16:creationId xmlns="" xmlns:a16="http://schemas.microsoft.com/office/drawing/2014/main" id="{79FAC916-D9BB-4794-81B4-7C47C67E850D}"/>
+                  <a16:creationId xmlns:a16="http://schemas.microsoft.com/office/drawing/2014/main" id="{79FAC916-D9BB-4794-81B4-7C47C67E850D}"/>
                 </a:ext>
                 <a:ext uri="{C183D7F6-B498-43B3-948B-1728B52AA6E4}">
-                  <adec:decorative xmlns="" xmlns:adec="http://schemas.microsoft.com/office/drawing/2017/decorative" val="1"/>
+                  <adec:decorative xmlns:adec="http://schemas.microsoft.com/office/drawing/2017/decorative" val="1"/>
                 </a:ext>
               </a:extLst>
             </p:cNvPr>
@@ -17132,7 +18650,7 @@
             <p:nvPr>
               <p:extLst>
                 <p:ext uri="{386F3935-93C4-4BCD-93E2-E3B085C9AB24}">
-                  <p16:designElem xmlns="" xmlns:p16="http://schemas.microsoft.com/office/powerpoint/2015/main" val="1"/>
+                  <p16:designElem xmlns:p16="http://schemas.microsoft.com/office/powerpoint/2015/main" val="1"/>
                 </p:ext>
               </p:extLst>
             </p:nvPr>
@@ -17266,10 +18784,10 @@
             <p:cNvPr id="51" name="Freeform: Shape 31">
               <a:extLst>
                 <a:ext uri="{FF2B5EF4-FFF2-40B4-BE49-F238E27FC236}">
-                  <a16:creationId xmlns="" xmlns:a16="http://schemas.microsoft.com/office/drawing/2014/main" id="{B5CA2231-7A65-4D16-8400-A210CC41DB73}"/>
+                  <a16:creationId xmlns:a16="http://schemas.microsoft.com/office/drawing/2014/main" id="{B5CA2231-7A65-4D16-8400-A210CC41DB73}"/>
                 </a:ext>
                 <a:ext uri="{C183D7F6-B498-43B3-948B-1728B52AA6E4}">
-                  <adec:decorative xmlns="" xmlns:adec="http://schemas.microsoft.com/office/drawing/2017/decorative" val="1"/>
+                  <adec:decorative xmlns:adec="http://schemas.microsoft.com/office/drawing/2017/decorative" val="1"/>
                 </a:ext>
               </a:extLst>
             </p:cNvPr>
@@ -17279,7 +18797,7 @@
             <p:nvPr>
               <p:extLst>
                 <p:ext uri="{386F3935-93C4-4BCD-93E2-E3B085C9AB24}">
-                  <p16:designElem xmlns="" xmlns:p16="http://schemas.microsoft.com/office/powerpoint/2015/main" val="1"/>
+                  <p16:designElem xmlns:p16="http://schemas.microsoft.com/office/powerpoint/2015/main" val="1"/>
                 </p:ext>
               </p:extLst>
             </p:nvPr>
@@ -17415,10 +18933,10 @@
             <p:cNvPr id="52" name="Oval 32">
               <a:extLst>
                 <a:ext uri="{FF2B5EF4-FFF2-40B4-BE49-F238E27FC236}">
-                  <a16:creationId xmlns="" xmlns:a16="http://schemas.microsoft.com/office/drawing/2014/main" id="{4B089C8C-B82B-4704-88E2-E857A5E21529}"/>
+                  <a16:creationId xmlns:a16="http://schemas.microsoft.com/office/drawing/2014/main" id="{4B089C8C-B82B-4704-88E2-E857A5E21529}"/>
                 </a:ext>
                 <a:ext uri="{C183D7F6-B498-43B3-948B-1728B52AA6E4}">
-                  <adec:decorative xmlns="" xmlns:adec="http://schemas.microsoft.com/office/drawing/2017/decorative" val="1"/>
+                  <adec:decorative xmlns:adec="http://schemas.microsoft.com/office/drawing/2017/decorative" val="1"/>
                 </a:ext>
               </a:extLst>
             </p:cNvPr>
@@ -17426,7 +18944,7 @@
             <p:nvPr>
               <p:extLst>
                 <p:ext uri="{386F3935-93C4-4BCD-93E2-E3B085C9AB24}">
-                  <p16:designElem xmlns="" xmlns:p16="http://schemas.microsoft.com/office/powerpoint/2015/main" val="1"/>
+                  <p16:designElem xmlns:p16="http://schemas.microsoft.com/office/powerpoint/2015/main" val="1"/>
                 </p:ext>
               </p:extLst>
             </p:nvPr>
@@ -17493,10 +19011,10 @@
             <p:cNvPr id="53" name="Oval 33">
               <a:extLst>
                 <a:ext uri="{FF2B5EF4-FFF2-40B4-BE49-F238E27FC236}">
-                  <a16:creationId xmlns="" xmlns:a16="http://schemas.microsoft.com/office/drawing/2014/main" id="{434B90C8-5B4D-456E-AD99-80EF748FDD72}"/>
+                  <a16:creationId xmlns:a16="http://schemas.microsoft.com/office/drawing/2014/main" id="{434B90C8-5B4D-456E-AD99-80EF748FDD72}"/>
                 </a:ext>
                 <a:ext uri="{C183D7F6-B498-43B3-948B-1728B52AA6E4}">
-                  <adec:decorative xmlns="" xmlns:adec="http://schemas.microsoft.com/office/drawing/2017/decorative" val="1"/>
+                  <adec:decorative xmlns:adec="http://schemas.microsoft.com/office/drawing/2017/decorative" val="1"/>
                 </a:ext>
               </a:extLst>
             </p:cNvPr>
@@ -17504,7 +19022,7 @@
             <p:nvPr>
               <p:extLst>
                 <p:ext uri="{386F3935-93C4-4BCD-93E2-E3B085C9AB24}">
-                  <p16:designElem xmlns="" xmlns:p16="http://schemas.microsoft.com/office/powerpoint/2015/main" val="1"/>
+                  <p16:designElem xmlns:p16="http://schemas.microsoft.com/office/powerpoint/2015/main" val="1"/>
                 </p:ext>
               </p:extLst>
             </p:nvPr>
@@ -17572,10 +19090,10 @@
           <p:cNvPr id="54" name="Rectangle 35">
             <a:extLst>
               <a:ext uri="{FF2B5EF4-FFF2-40B4-BE49-F238E27FC236}">
-                <a16:creationId xmlns="" xmlns:a16="http://schemas.microsoft.com/office/drawing/2014/main" id="{1DB043B4-68C6-45B9-82AC-A5800EADB8DB}"/>
+                <a16:creationId xmlns:a16="http://schemas.microsoft.com/office/drawing/2014/main" id="{1DB043B4-68C6-45B9-82AC-A5800EADB8DB}"/>
               </a:ext>
               <a:ext uri="{C183D7F6-B498-43B3-948B-1728B52AA6E4}">
-                <adec:decorative xmlns="" xmlns:adec="http://schemas.microsoft.com/office/drawing/2017/decorative" val="1"/>
+                <adec:decorative xmlns:adec="http://schemas.microsoft.com/office/drawing/2017/decorative" val="1"/>
               </a:ext>
             </a:extLst>
           </p:cNvPr>
@@ -17585,7 +19103,7 @@
           <p:nvPr>
             <p:extLst>
               <p:ext uri="{386F3935-93C4-4BCD-93E2-E3B085C9AB24}">
-                <p16:designElem xmlns="" xmlns:p16="http://schemas.microsoft.com/office/powerpoint/2015/main" val="1"/>
+                <p16:designElem xmlns:p16="http://schemas.microsoft.com/office/powerpoint/2015/main" val="1"/>
               </p:ext>
             </p:extLst>
           </p:nvPr>
@@ -17648,7 +19166,7 @@
           <p:cNvPr id="11" name="Title 10">
             <a:extLst>
               <a:ext uri="{FF2B5EF4-FFF2-40B4-BE49-F238E27FC236}">
-                <a16:creationId xmlns="" xmlns:a16="http://schemas.microsoft.com/office/drawing/2014/main" id="{23418ADF-358F-4647-A511-FCFFEDA83429}"/>
+                <a16:creationId xmlns:a16="http://schemas.microsoft.com/office/drawing/2014/main" id="{23418ADF-358F-4647-A511-FCFFEDA83429}"/>
               </a:ext>
             </a:extLst>
           </p:cNvPr>
@@ -17695,7 +19213,7 @@
           <p:cNvPr id="16" name="Picture Placeholder 15" descr="A picture containing clipart&#10;&#10;Description automatically generated">
             <a:extLst>
               <a:ext uri="{FF2B5EF4-FFF2-40B4-BE49-F238E27FC236}">
-                <a16:creationId xmlns="" xmlns:a16="http://schemas.microsoft.com/office/drawing/2014/main" id="{75B4A019-E5ED-4210-96D8-2C7E70B45AF2}"/>
+                <a16:creationId xmlns:a16="http://schemas.microsoft.com/office/drawing/2014/main" id="{75B4A019-E5ED-4210-96D8-2C7E70B45AF2}"/>
               </a:ext>
             </a:extLst>
           </p:cNvPr>
@@ -17758,7 +19276,7 @@
           <p:cNvPr id="4" name="Date Placeholder 3">
             <a:extLst>
               <a:ext uri="{FF2B5EF4-FFF2-40B4-BE49-F238E27FC236}">
-                <a16:creationId xmlns="" xmlns:a16="http://schemas.microsoft.com/office/drawing/2014/main" id="{0C329F70-04F7-4C70-BCF8-D4371F54EF2F}"/>
+                <a16:creationId xmlns:a16="http://schemas.microsoft.com/office/drawing/2014/main" id="{0C329F70-04F7-4C70-BCF8-D4371F54EF2F}"/>
               </a:ext>
             </a:extLst>
           </p:cNvPr>
@@ -17782,7 +19300,7 @@
               </a:spcAft>
             </a:pPr>
             <a:r>
-              <a:rPr lang="en-US" smtClean="0">
+              <a:rPr lang="en-US">
                 <a:solidFill>
                   <a:schemeClr val="tx1">
                     <a:alpha val="80000"/>
@@ -17806,7 +19324,7 @@
           <p:cNvPr id="5" name="Footer Placeholder 4">
             <a:extLst>
               <a:ext uri="{FF2B5EF4-FFF2-40B4-BE49-F238E27FC236}">
-                <a16:creationId xmlns="" xmlns:a16="http://schemas.microsoft.com/office/drawing/2014/main" id="{06A3302E-502D-4151-81C9-5FD6AF9596D6}"/>
+                <a16:creationId xmlns:a16="http://schemas.microsoft.com/office/drawing/2014/main" id="{06A3302E-502D-4151-81C9-5FD6AF9596D6}"/>
               </a:ext>
             </a:extLst>
           </p:cNvPr>
@@ -17830,7 +19348,7 @@
               </a:spcAft>
             </a:pPr>
             <a:r>
-              <a:rPr lang="en-US" kern="1200" smtClean="0">
+              <a:rPr lang="en-US" kern="1200">
                 <a:solidFill>
                   <a:schemeClr val="tx1">
                     <a:alpha val="80000"/>
@@ -17842,16 +19360,6 @@
               </a:rPr>
               <a:t>https://github.com/jenmusdat/BeerMachineLearning</a:t>
             </a:r>
-            <a:endParaRPr lang="en-US" kern="1200">
-              <a:solidFill>
-                <a:schemeClr val="tx1">
-                  <a:alpha val="80000"/>
-                </a:schemeClr>
-              </a:solidFill>
-              <a:latin typeface="+mn-lt"/>
-              <a:ea typeface="+mn-ea"/>
-              <a:cs typeface="+mn-cs"/>
-            </a:endParaRPr>
           </a:p>
         </p:txBody>
       </p:sp>
@@ -17860,7 +19368,7 @@
           <p:cNvPr id="6" name="Slide Number Placeholder 5">
             <a:extLst>
               <a:ext uri="{FF2B5EF4-FFF2-40B4-BE49-F238E27FC236}">
-                <a16:creationId xmlns="" xmlns:a16="http://schemas.microsoft.com/office/drawing/2014/main" id="{9ED907F8-C614-4D59-A03F-BF9CD5E35703}"/>
+                <a16:creationId xmlns:a16="http://schemas.microsoft.com/office/drawing/2014/main" id="{9ED907F8-C614-4D59-A03F-BF9CD5E35703}"/>
               </a:ext>
             </a:extLst>
           </p:cNvPr>
@@ -17896,7 +19404,7 @@
                   <a:spcPts val="600"/>
                 </a:spcAft>
               </a:pPr>
-              <a:t>2</a:t>
+              <a:t>3</a:t>
             </a:fld>
             <a:endParaRPr lang="en-US">
               <a:solidFill>
@@ -18066,7 +19574,7 @@
 </p:sld>
 </file>
 
-<file path=ppt/slides/slide3.xml><?xml version="1.0" encoding="utf-8"?>
+<file path=ppt/slides/slide4.xml><?xml version="1.0" encoding="utf-8"?>
 <p:sld xmlns:a="http://schemas.openxmlformats.org/drawingml/2006/main" xmlns:r="http://schemas.openxmlformats.org/officeDocument/2006/relationships" xmlns:p="http://schemas.openxmlformats.org/presentationml/2006/main">
   <p:cSld>
     <p:bg>
@@ -18096,10 +19604,10 @@
           <p:cNvPr id="34" name="Freeform: Shape 33">
             <a:extLst>
               <a:ext uri="{FF2B5EF4-FFF2-40B4-BE49-F238E27FC236}">
-                <a16:creationId xmlns="" xmlns:a16="http://schemas.microsoft.com/office/drawing/2014/main" id="{82184FF4-7029-4ED7-813A-192E60608764}"/>
+                <a16:creationId xmlns:a16="http://schemas.microsoft.com/office/drawing/2014/main" id="{82184FF4-7029-4ED7-813A-192E60608764}"/>
               </a:ext>
               <a:ext uri="{C183D7F6-B498-43B3-948B-1728B52AA6E4}">
-                <adec:decorative xmlns="" xmlns:adec="http://schemas.microsoft.com/office/drawing/2017/decorative" val="1"/>
+                <adec:decorative xmlns:adec="http://schemas.microsoft.com/office/drawing/2017/decorative" val="1"/>
               </a:ext>
             </a:extLst>
           </p:cNvPr>
@@ -18109,7 +19617,7 @@
           <p:nvPr>
             <p:extLst>
               <p:ext uri="{386F3935-93C4-4BCD-93E2-E3B085C9AB24}">
-                <p16:designElem xmlns="" xmlns:p16="http://schemas.microsoft.com/office/powerpoint/2015/main" val="1"/>
+                <p16:designElem xmlns:p16="http://schemas.microsoft.com/office/powerpoint/2015/main" val="1"/>
               </p:ext>
             </p:extLst>
           </p:nvPr>
@@ -18240,10 +19748,10 @@
           <p:cNvPr id="36" name="Oval 35">
             <a:extLst>
               <a:ext uri="{FF2B5EF4-FFF2-40B4-BE49-F238E27FC236}">
-                <a16:creationId xmlns="" xmlns:a16="http://schemas.microsoft.com/office/drawing/2014/main" id="{AAA7AB09-557C-41AD-9113-FF9F68FA1035}"/>
+                <a16:creationId xmlns:a16="http://schemas.microsoft.com/office/drawing/2014/main" id="{AAA7AB09-557C-41AD-9113-FF9F68FA1035}"/>
               </a:ext>
               <a:ext uri="{C183D7F6-B498-43B3-948B-1728B52AA6E4}">
-                <adec:decorative xmlns="" xmlns:adec="http://schemas.microsoft.com/office/drawing/2017/decorative" val="1"/>
+                <adec:decorative xmlns:adec="http://schemas.microsoft.com/office/drawing/2017/decorative" val="1"/>
               </a:ext>
             </a:extLst>
           </p:cNvPr>
@@ -18253,7 +19761,7 @@
           <p:nvPr>
             <p:extLst>
               <p:ext uri="{386F3935-93C4-4BCD-93E2-E3B085C9AB24}">
-                <p16:designElem xmlns="" xmlns:p16="http://schemas.microsoft.com/office/powerpoint/2015/main" val="1"/>
+                <p16:designElem xmlns:p16="http://schemas.microsoft.com/office/powerpoint/2015/main" val="1"/>
               </p:ext>
             </p:extLst>
           </p:nvPr>
@@ -18331,10 +19839,10 @@
           <p:cNvPr id="38" name="Oval 37">
             <a:extLst>
               <a:ext uri="{FF2B5EF4-FFF2-40B4-BE49-F238E27FC236}">
-                <a16:creationId xmlns="" xmlns:a16="http://schemas.microsoft.com/office/drawing/2014/main" id="{EF99ECAA-1F11-4937-BBA6-51935AB44C9D}"/>
+                <a16:creationId xmlns:a16="http://schemas.microsoft.com/office/drawing/2014/main" id="{EF99ECAA-1F11-4937-BBA6-51935AB44C9D}"/>
               </a:ext>
               <a:ext uri="{C183D7F6-B498-43B3-948B-1728B52AA6E4}">
-                <adec:decorative xmlns="" xmlns:adec="http://schemas.microsoft.com/office/drawing/2017/decorative" val="1"/>
+                <adec:decorative xmlns:adec="http://schemas.microsoft.com/office/drawing/2017/decorative" val="1"/>
               </a:ext>
             </a:extLst>
           </p:cNvPr>
@@ -18344,7 +19852,7 @@
           <p:nvPr>
             <p:extLst>
               <p:ext uri="{386F3935-93C4-4BCD-93E2-E3B085C9AB24}">
-                <p16:designElem xmlns="" xmlns:p16="http://schemas.microsoft.com/office/powerpoint/2015/main" val="1"/>
+                <p16:designElem xmlns:p16="http://schemas.microsoft.com/office/powerpoint/2015/main" val="1"/>
               </p:ext>
             </p:extLst>
           </p:nvPr>
@@ -18423,10 +19931,10 @@
           <p:cNvPr id="40" name="Group 39">
             <a:extLst>
               <a:ext uri="{FF2B5EF4-FFF2-40B4-BE49-F238E27FC236}">
-                <a16:creationId xmlns="" xmlns:a16="http://schemas.microsoft.com/office/drawing/2014/main" id="{79DE9FAB-6BBA-4CFE-B67D-77B47F01ECA4}"/>
+                <a16:creationId xmlns:a16="http://schemas.microsoft.com/office/drawing/2014/main" id="{79DE9FAB-6BBA-4CFE-B67D-77B47F01ECA4}"/>
               </a:ext>
               <a:ext uri="{C183D7F6-B498-43B3-948B-1728B52AA6E4}">
-                <adec:decorative xmlns="" xmlns:adec="http://schemas.microsoft.com/office/drawing/2017/decorative" val="1"/>
+                <adec:decorative xmlns:adec="http://schemas.microsoft.com/office/drawing/2017/decorative" val="1"/>
               </a:ext>
             </a:extLst>
           </p:cNvPr>
@@ -18436,7 +19944,7 @@
           <p:nvPr>
             <p:extLst>
               <p:ext uri="{386F3935-93C4-4BCD-93E2-E3B085C9AB24}">
-                <p16:designElem xmlns="" xmlns:p16="http://schemas.microsoft.com/office/powerpoint/2015/main" val="1"/>
+                <p16:designElem xmlns:p16="http://schemas.microsoft.com/office/powerpoint/2015/main" val="1"/>
               </p:ext>
             </p:extLst>
           </p:nvPr>
@@ -18454,10 +19962,10 @@
             <p:cNvPr id="41" name="Freeform: Shape 40">
               <a:extLst>
                 <a:ext uri="{FF2B5EF4-FFF2-40B4-BE49-F238E27FC236}">
-                  <a16:creationId xmlns="" xmlns:a16="http://schemas.microsoft.com/office/drawing/2014/main" id="{79FAC916-D9BB-4794-81B4-7C47C67E850D}"/>
+                  <a16:creationId xmlns:a16="http://schemas.microsoft.com/office/drawing/2014/main" id="{79FAC916-D9BB-4794-81B4-7C47C67E850D}"/>
                 </a:ext>
                 <a:ext uri="{C183D7F6-B498-43B3-948B-1728B52AA6E4}">
-                  <adec:decorative xmlns="" xmlns:adec="http://schemas.microsoft.com/office/drawing/2017/decorative" val="1"/>
+                  <adec:decorative xmlns:adec="http://schemas.microsoft.com/office/drawing/2017/decorative" val="1"/>
                 </a:ext>
               </a:extLst>
             </p:cNvPr>
@@ -18467,7 +19975,7 @@
             <p:nvPr>
               <p:extLst>
                 <p:ext uri="{386F3935-93C4-4BCD-93E2-E3B085C9AB24}">
-                  <p16:designElem xmlns="" xmlns:p16="http://schemas.microsoft.com/office/powerpoint/2015/main" val="1"/>
+                  <p16:designElem xmlns:p16="http://schemas.microsoft.com/office/powerpoint/2015/main" val="1"/>
                 </p:ext>
               </p:extLst>
             </p:nvPr>
@@ -18601,10 +20109,10 @@
             <p:cNvPr id="42" name="Freeform: Shape 41">
               <a:extLst>
                 <a:ext uri="{FF2B5EF4-FFF2-40B4-BE49-F238E27FC236}">
-                  <a16:creationId xmlns="" xmlns:a16="http://schemas.microsoft.com/office/drawing/2014/main" id="{B5CA2231-7A65-4D16-8400-A210CC41DB73}"/>
+                  <a16:creationId xmlns:a16="http://schemas.microsoft.com/office/drawing/2014/main" id="{B5CA2231-7A65-4D16-8400-A210CC41DB73}"/>
                 </a:ext>
                 <a:ext uri="{C183D7F6-B498-43B3-948B-1728B52AA6E4}">
-                  <adec:decorative xmlns="" xmlns:adec="http://schemas.microsoft.com/office/drawing/2017/decorative" val="1"/>
+                  <adec:decorative xmlns:adec="http://schemas.microsoft.com/office/drawing/2017/decorative" val="1"/>
                 </a:ext>
               </a:extLst>
             </p:cNvPr>
@@ -18614,7 +20122,7 @@
             <p:nvPr>
               <p:extLst>
                 <p:ext uri="{386F3935-93C4-4BCD-93E2-E3B085C9AB24}">
-                  <p16:designElem xmlns="" xmlns:p16="http://schemas.microsoft.com/office/powerpoint/2015/main" val="1"/>
+                  <p16:designElem xmlns:p16="http://schemas.microsoft.com/office/powerpoint/2015/main" val="1"/>
                 </p:ext>
               </p:extLst>
             </p:nvPr>
@@ -18750,10 +20258,10 @@
             <p:cNvPr id="43" name="Oval 42">
               <a:extLst>
                 <a:ext uri="{FF2B5EF4-FFF2-40B4-BE49-F238E27FC236}">
-                  <a16:creationId xmlns="" xmlns:a16="http://schemas.microsoft.com/office/drawing/2014/main" id="{4B089C8C-B82B-4704-88E2-E857A5E21529}"/>
+                  <a16:creationId xmlns:a16="http://schemas.microsoft.com/office/drawing/2014/main" id="{4B089C8C-B82B-4704-88E2-E857A5E21529}"/>
                 </a:ext>
                 <a:ext uri="{C183D7F6-B498-43B3-948B-1728B52AA6E4}">
-                  <adec:decorative xmlns="" xmlns:adec="http://schemas.microsoft.com/office/drawing/2017/decorative" val="1"/>
+                  <adec:decorative xmlns:adec="http://schemas.microsoft.com/office/drawing/2017/decorative" val="1"/>
                 </a:ext>
               </a:extLst>
             </p:cNvPr>
@@ -18761,7 +20269,7 @@
             <p:nvPr>
               <p:extLst>
                 <p:ext uri="{386F3935-93C4-4BCD-93E2-E3B085C9AB24}">
-                  <p16:designElem xmlns="" xmlns:p16="http://schemas.microsoft.com/office/powerpoint/2015/main" val="1"/>
+                  <p16:designElem xmlns:p16="http://schemas.microsoft.com/office/powerpoint/2015/main" val="1"/>
                 </p:ext>
               </p:extLst>
             </p:nvPr>
@@ -18828,10 +20336,10 @@
             <p:cNvPr id="44" name="Oval 43">
               <a:extLst>
                 <a:ext uri="{FF2B5EF4-FFF2-40B4-BE49-F238E27FC236}">
-                  <a16:creationId xmlns="" xmlns:a16="http://schemas.microsoft.com/office/drawing/2014/main" id="{434B90C8-5B4D-456E-AD99-80EF748FDD72}"/>
+                  <a16:creationId xmlns:a16="http://schemas.microsoft.com/office/drawing/2014/main" id="{434B90C8-5B4D-456E-AD99-80EF748FDD72}"/>
                 </a:ext>
                 <a:ext uri="{C183D7F6-B498-43B3-948B-1728B52AA6E4}">
-                  <adec:decorative xmlns="" xmlns:adec="http://schemas.microsoft.com/office/drawing/2017/decorative" val="1"/>
+                  <adec:decorative xmlns:adec="http://schemas.microsoft.com/office/drawing/2017/decorative" val="1"/>
                 </a:ext>
               </a:extLst>
             </p:cNvPr>
@@ -18839,7 +20347,7 @@
             <p:nvPr>
               <p:extLst>
                 <p:ext uri="{386F3935-93C4-4BCD-93E2-E3B085C9AB24}">
-                  <p16:designElem xmlns="" xmlns:p16="http://schemas.microsoft.com/office/powerpoint/2015/main" val="1"/>
+                  <p16:designElem xmlns:p16="http://schemas.microsoft.com/office/powerpoint/2015/main" val="1"/>
                 </p:ext>
               </p:extLst>
             </p:nvPr>
@@ -18907,10 +20415,10 @@
           <p:cNvPr id="46" name="Rectangle 45">
             <a:extLst>
               <a:ext uri="{FF2B5EF4-FFF2-40B4-BE49-F238E27FC236}">
-                <a16:creationId xmlns="" xmlns:a16="http://schemas.microsoft.com/office/drawing/2014/main" id="{1DB043B4-68C6-45B9-82AC-A5800EADB8DB}"/>
+                <a16:creationId xmlns:a16="http://schemas.microsoft.com/office/drawing/2014/main" id="{1DB043B4-68C6-45B9-82AC-A5800EADB8DB}"/>
               </a:ext>
               <a:ext uri="{C183D7F6-B498-43B3-948B-1728B52AA6E4}">
-                <adec:decorative xmlns="" xmlns:adec="http://schemas.microsoft.com/office/drawing/2017/decorative" val="1"/>
+                <adec:decorative xmlns:adec="http://schemas.microsoft.com/office/drawing/2017/decorative" val="1"/>
               </a:ext>
             </a:extLst>
           </p:cNvPr>
@@ -18920,7 +20428,7 @@
           <p:nvPr>
             <p:extLst>
               <p:ext uri="{386F3935-93C4-4BCD-93E2-E3B085C9AB24}">
-                <p16:designElem xmlns="" xmlns:p16="http://schemas.microsoft.com/office/powerpoint/2015/main" val="1"/>
+                <p16:designElem xmlns:p16="http://schemas.microsoft.com/office/powerpoint/2015/main" val="1"/>
               </p:ext>
             </p:extLst>
           </p:nvPr>
@@ -18983,7 +20491,7 @@
           <p:cNvPr id="8" name="Picture Placeholder 7" descr="Data Points Digital background">
             <a:extLst>
               <a:ext uri="{FF2B5EF4-FFF2-40B4-BE49-F238E27FC236}">
-                <a16:creationId xmlns="" xmlns:a16="http://schemas.microsoft.com/office/drawing/2014/main" id="{5FED7C55-F545-49A1-90FD-D853A25AB453}"/>
+                <a16:creationId xmlns:a16="http://schemas.microsoft.com/office/drawing/2014/main" id="{5FED7C55-F545-49A1-90FD-D853A25AB453}"/>
               </a:ext>
             </a:extLst>
           </p:cNvPr>
@@ -19014,7 +20522,7 @@
           <p:cNvPr id="2" name="Date Placeholder 1">
             <a:extLst>
               <a:ext uri="{FF2B5EF4-FFF2-40B4-BE49-F238E27FC236}">
-                <a16:creationId xmlns="" xmlns:a16="http://schemas.microsoft.com/office/drawing/2014/main" id="{2910D835-B454-4270-BB35-86A187307E6F}"/>
+                <a16:creationId xmlns:a16="http://schemas.microsoft.com/office/drawing/2014/main" id="{2910D835-B454-4270-BB35-86A187307E6F}"/>
               </a:ext>
             </a:extLst>
           </p:cNvPr>
@@ -19031,10 +20539,9 @@
           <a:lstStyle/>
           <a:p>
             <a:r>
-              <a:rPr lang="en-US" smtClean="0"/>
+              <a:rPr lang="en-US"/>
               <a:t>Wednesday March 17, 2021</a:t>
             </a:r>
-            <a:endParaRPr lang="en-US"/>
           </a:p>
         </p:txBody>
       </p:sp>
@@ -19043,7 +20550,7 @@
           <p:cNvPr id="3" name="Footer Placeholder 2">
             <a:extLst>
               <a:ext uri="{FF2B5EF4-FFF2-40B4-BE49-F238E27FC236}">
-                <a16:creationId xmlns="" xmlns:a16="http://schemas.microsoft.com/office/drawing/2014/main" id="{7F7F653B-90B5-4F47-A33F-93DCB2EF68C2}"/>
+                <a16:creationId xmlns:a16="http://schemas.microsoft.com/office/drawing/2014/main" id="{7F7F653B-90B5-4F47-A33F-93DCB2EF68C2}"/>
               </a:ext>
             </a:extLst>
           </p:cNvPr>
@@ -19060,10 +20567,9 @@
           <a:lstStyle/>
           <a:p>
             <a:r>
-              <a:rPr lang="en-US" smtClean="0"/>
+              <a:rPr lang="en-US"/>
               <a:t>https://github.com/jenmusdat/BeerMachineLearning</a:t>
             </a:r>
-            <a:endParaRPr lang="en-US"/>
           </a:p>
         </p:txBody>
       </p:sp>
@@ -19072,7 +20578,7 @@
           <p:cNvPr id="4" name="Slide Number Placeholder 3">
             <a:extLst>
               <a:ext uri="{FF2B5EF4-FFF2-40B4-BE49-F238E27FC236}">
-                <a16:creationId xmlns="" xmlns:a16="http://schemas.microsoft.com/office/drawing/2014/main" id="{E1E7D98D-6710-41D2-B258-E1A1059D29F8}"/>
+                <a16:creationId xmlns:a16="http://schemas.microsoft.com/office/drawing/2014/main" id="{E1E7D98D-6710-41D2-B258-E1A1059D29F8}"/>
               </a:ext>
             </a:extLst>
           </p:cNvPr>
@@ -19090,7 +20596,7 @@
           <a:p>
             <a:fld id="{DBA1B0FB-D917-4C8C-928F-313BD683BF39}" type="slidenum">
               <a:rPr lang="en-US" smtClean="0"/>
-              <a:t>3</a:t>
+              <a:t>4</a:t>
             </a:fld>
             <a:endParaRPr lang="en-US"/>
           </a:p>
@@ -19101,7 +20607,7 @@
           <p:cNvPr id="15" name="Title 14">
             <a:extLst>
               <a:ext uri="{FF2B5EF4-FFF2-40B4-BE49-F238E27FC236}">
-                <a16:creationId xmlns="" xmlns:a16="http://schemas.microsoft.com/office/drawing/2014/main" id="{40F1DF5B-353A-4270-8C10-6A1509441174}"/>
+                <a16:creationId xmlns:a16="http://schemas.microsoft.com/office/drawing/2014/main" id="{40F1DF5B-353A-4270-8C10-6A1509441174}"/>
               </a:ext>
             </a:extLst>
           </p:cNvPr>
@@ -19138,27 +20644,8 @@
                 <a:ea typeface="+mj-ea"/>
                 <a:cs typeface="+mj-cs"/>
               </a:rPr>
-              <a:t>The </a:t>
+              <a:t>The Plan?</a:t>
             </a:r>
-            <a:r>
-              <a:rPr lang="en-US" sz="6400" kern="1200" dirty="0" smtClean="0">
-                <a:solidFill>
-                  <a:schemeClr val="tx1"/>
-                </a:solidFill>
-                <a:latin typeface="+mj-lt"/>
-                <a:ea typeface="+mj-ea"/>
-                <a:cs typeface="+mj-cs"/>
-              </a:rPr>
-              <a:t>Plan?</a:t>
-            </a:r>
-            <a:endParaRPr lang="en-US" sz="6400" kern="1200" dirty="0">
-              <a:solidFill>
-                <a:schemeClr val="tx1"/>
-              </a:solidFill>
-              <a:latin typeface="+mj-lt"/>
-              <a:ea typeface="+mj-ea"/>
-              <a:cs typeface="+mj-cs"/>
-            </a:endParaRPr>
           </a:p>
         </p:txBody>
       </p:sp>
@@ -19167,7 +20654,7 @@
           <p:cNvPr id="16" name="Subtitle 15">
             <a:extLst>
               <a:ext uri="{FF2B5EF4-FFF2-40B4-BE49-F238E27FC236}">
-                <a16:creationId xmlns="" xmlns:a16="http://schemas.microsoft.com/office/drawing/2014/main" id="{4BDCF583-1D5D-4235-97C2-39272B80A0B1}"/>
+                <a16:creationId xmlns:a16="http://schemas.microsoft.com/office/drawing/2014/main" id="{4BDCF583-1D5D-4235-97C2-39272B80A0B1}"/>
               </a:ext>
             </a:extLst>
           </p:cNvPr>
@@ -19241,17 +20728,6 @@
               <a:buNone/>
             </a:pPr>
             <a:r>
-              <a:rPr lang="en-US" kern="1200" dirty="0" smtClean="0">
-                <a:solidFill>
-                  <a:srgbClr val="FFFFFF"/>
-                </a:solidFill>
-                <a:latin typeface="+mn-lt"/>
-                <a:ea typeface="+mn-ea"/>
-                <a:cs typeface="+mn-cs"/>
-              </a:rPr>
-              <a:t>Yeah </a:t>
-            </a:r>
-            <a:r>
               <a:rPr lang="en-US" kern="1200" dirty="0">
                 <a:solidFill>
                   <a:srgbClr val="FFFFFF"/>
@@ -19260,33 +20736,8 @@
                 <a:ea typeface="+mn-ea"/>
                 <a:cs typeface="+mn-cs"/>
               </a:rPr>
-              <a:t>buddy</a:t>
+              <a:t>Yeah buddy!</a:t>
             </a:r>
-            <a:r>
-              <a:rPr lang="en-US" kern="1200" dirty="0" smtClean="0">
-                <a:solidFill>
-                  <a:srgbClr val="FFFFFF"/>
-                </a:solidFill>
-                <a:latin typeface="+mn-lt"/>
-                <a:ea typeface="+mn-ea"/>
-                <a:cs typeface="+mn-cs"/>
-              </a:rPr>
-              <a:t>!</a:t>
-            </a:r>
-          </a:p>
-          <a:p>
-            <a:pPr marL="0" indent="0">
-              <a:lnSpc>
-                <a:spcPct val="100000"/>
-              </a:lnSpc>
-              <a:spcBef>
-                <a:spcPts val="0"/>
-              </a:spcBef>
-              <a:spcAft>
-                <a:spcPts val="0"/>
-              </a:spcAft>
-            </a:pPr>
-            <a:endParaRPr lang="en-US" sz="1200" dirty="0" smtClean="0"/>
           </a:p>
           <a:p>
             <a:pPr marL="0" indent="0">
@@ -19314,7 +20765,7 @@
                 <a:spcPts val="0"/>
               </a:spcAft>
             </a:pPr>
-            <a:endParaRPr lang="en-US" sz="1200" dirty="0" smtClean="0"/>
+            <a:endParaRPr lang="en-US" sz="1200" dirty="0"/>
           </a:p>
           <a:p>
             <a:pPr marL="0" indent="0">
@@ -19342,14 +20793,7 @@
                 <a:spcPts val="0"/>
               </a:spcAft>
             </a:pPr>
-            <a:r>
-              <a:rPr lang="en-US" sz="1200" dirty="0" smtClean="0">
-                <a:solidFill>
-                  <a:srgbClr val="FFFFFF"/>
-                </a:solidFill>
-              </a:rPr>
-              <a:t>Resources:</a:t>
-            </a:r>
+            <a:endParaRPr lang="en-US" sz="1200" dirty="0"/>
           </a:p>
           <a:p>
             <a:pPr marL="0" indent="0">
@@ -19364,19 +20808,13 @@
               </a:spcAft>
             </a:pPr>
             <a:r>
-              <a:rPr lang="en-US" sz="1200" dirty="0" smtClean="0">
-                <a:hlinkClick r:id="rId4"/>
+              <a:rPr lang="en-US" sz="1200" dirty="0">
+                <a:solidFill>
+                  <a:srgbClr val="FFFFFF"/>
+                </a:solidFill>
               </a:rPr>
-              <a:t>Kaggle Dataset</a:t>
+              <a:t>Resources:</a:t>
             </a:r>
-            <a:r>
-              <a:rPr lang="en-US" sz="1200" dirty="0"/>
-              <a:t/>
-            </a:r>
-            <a:br>
-              <a:rPr lang="en-US" sz="1200" dirty="0"/>
-            </a:br>
-            <a:endParaRPr lang="en-US" sz="1200" dirty="0" smtClean="0"/>
           </a:p>
           <a:p>
             <a:pPr marL="0" indent="0">
@@ -19391,20 +20829,35 @@
               </a:spcAft>
             </a:pPr>
             <a:r>
-              <a:rPr lang="en-US" sz="1200" dirty="0" smtClean="0">
-                <a:solidFill>
-                  <a:srgbClr val="FFFFFF"/>
-                </a:solidFill>
+              <a:rPr lang="en-US" sz="1200" dirty="0">
+                <a:hlinkClick r:id="rId4"/>
               </a:rPr>
-              <a:t>3 </a:t>
+              <a:t>Kaggle Dataset</a:t>
             </a:r>
+            <a:br>
+              <a:rPr lang="en-US" sz="1200" dirty="0"/>
+            </a:br>
+            <a:endParaRPr lang="en-US" sz="1200" dirty="0"/>
+          </a:p>
+          <a:p>
+            <a:pPr marL="0" indent="0">
+              <a:lnSpc>
+                <a:spcPct val="100000"/>
+              </a:lnSpc>
+              <a:spcBef>
+                <a:spcPts val="0"/>
+              </a:spcBef>
+              <a:spcAft>
+                <a:spcPts val="0"/>
+              </a:spcAft>
+            </a:pPr>
             <a:r>
               <a:rPr lang="en-US" sz="1200" dirty="0">
                 <a:solidFill>
                   <a:srgbClr val="FFFFFF"/>
                 </a:solidFill>
               </a:rPr>
-              <a:t>Files:</a:t>
+              <a:t>3 Files:</a:t>
             </a:r>
             <a:br>
               <a:rPr lang="en-US" sz="1200" dirty="0">
@@ -19414,20 +20867,12 @@
               </a:rPr>
             </a:br>
             <a:r>
-              <a:rPr lang="en-US" sz="1200" dirty="0" smtClean="0">
+              <a:rPr lang="en-US" sz="1200" dirty="0">
                 <a:solidFill>
                   <a:srgbClr val="FFFFFF"/>
                 </a:solidFill>
               </a:rPr>
               <a:t>beers.csv</a:t>
-            </a:r>
-            <a:r>
-              <a:rPr lang="en-US" sz="1200" dirty="0">
-                <a:solidFill>
-                  <a:srgbClr val="FFFFFF"/>
-                </a:solidFill>
-              </a:rPr>
-              <a:t/>
             </a:r>
             <a:br>
               <a:rPr lang="en-US" sz="1200" dirty="0">
@@ -19437,20 +20882,12 @@
               </a:rPr>
             </a:br>
             <a:r>
-              <a:rPr lang="en-US" sz="1200" dirty="0" smtClean="0">
+              <a:rPr lang="en-US" sz="1200" dirty="0">
                 <a:solidFill>
                   <a:srgbClr val="FFFFFF"/>
                 </a:solidFill>
               </a:rPr>
               <a:t>breweries.csv</a:t>
-            </a:r>
-            <a:r>
-              <a:rPr lang="en-US" sz="1200" dirty="0">
-                <a:solidFill>
-                  <a:srgbClr val="FFFFFF"/>
-                </a:solidFill>
-              </a:rPr>
-              <a:t/>
             </a:r>
             <a:br>
               <a:rPr lang="en-US" sz="1200" dirty="0">
@@ -19460,18 +20897,13 @@
               </a:rPr>
             </a:br>
             <a:r>
-              <a:rPr lang="en-US" sz="1200" dirty="0" smtClean="0">
+              <a:rPr lang="en-US" sz="1200" dirty="0">
                 <a:solidFill>
                   <a:srgbClr val="FFFFFF"/>
                 </a:solidFill>
               </a:rPr>
               <a:t>reviews.csv </a:t>
             </a:r>
-            <a:endParaRPr lang="en-US" sz="1200" dirty="0">
-              <a:solidFill>
-                <a:srgbClr val="FFFFFF"/>
-              </a:solidFill>
-            </a:endParaRPr>
           </a:p>
           <a:p>
             <a:pPr marL="0" indent="0">
@@ -19498,17 +20930,10 @@
   <p:clrMapOvr>
     <a:masterClrMapping/>
   </p:clrMapOvr>
-  <p:timing>
-    <p:tnLst>
-      <p:par>
-        <p:cTn id="1" dur="indefinite" restart="never" nodeType="tmRoot"/>
-      </p:par>
-    </p:tnLst>
-  </p:timing>
 </p:sld>
 </file>
 
-<file path=ppt/slides/slide4.xml><?xml version="1.0" encoding="utf-8"?>
+<file path=ppt/slides/slide5.xml><?xml version="1.0" encoding="utf-8"?>
 <p:sld xmlns:a="http://schemas.openxmlformats.org/drawingml/2006/main" xmlns:r="http://schemas.openxmlformats.org/officeDocument/2006/relationships" xmlns:p="http://schemas.openxmlformats.org/presentationml/2006/main">
   <p:cSld>
     <p:spTree>
@@ -19530,7 +20955,7 @@
           <p:cNvPr id="8" name="Picture Placeholder 7" descr="Data Points Digital background">
             <a:extLst>
               <a:ext uri="{FF2B5EF4-FFF2-40B4-BE49-F238E27FC236}">
-                <a16:creationId xmlns="" xmlns:a16="http://schemas.microsoft.com/office/drawing/2014/main" id="{5FED7C55-F545-49A1-90FD-D853A25AB453}"/>
+                <a16:creationId xmlns:a16="http://schemas.microsoft.com/office/drawing/2014/main" id="{5FED7C55-F545-49A1-90FD-D853A25AB453}"/>
               </a:ext>
             </a:extLst>
           </p:cNvPr>
@@ -19561,7 +20986,7 @@
           <p:cNvPr id="2" name="Date Placeholder 1">
             <a:extLst>
               <a:ext uri="{FF2B5EF4-FFF2-40B4-BE49-F238E27FC236}">
-                <a16:creationId xmlns="" xmlns:a16="http://schemas.microsoft.com/office/drawing/2014/main" id="{2910D835-B454-4270-BB35-86A187307E6F}"/>
+                <a16:creationId xmlns:a16="http://schemas.microsoft.com/office/drawing/2014/main" id="{2910D835-B454-4270-BB35-86A187307E6F}"/>
               </a:ext>
             </a:extLst>
           </p:cNvPr>
@@ -19578,10 +21003,9 @@
           <a:lstStyle/>
           <a:p>
             <a:r>
-              <a:rPr lang="en-US" smtClean="0"/>
+              <a:rPr lang="en-US"/>
               <a:t>Wednesday March 17, 2021</a:t>
             </a:r>
-            <a:endParaRPr lang="en-US"/>
           </a:p>
         </p:txBody>
       </p:sp>
@@ -19590,7 +21014,7 @@
           <p:cNvPr id="3" name="Footer Placeholder 2">
             <a:extLst>
               <a:ext uri="{FF2B5EF4-FFF2-40B4-BE49-F238E27FC236}">
-                <a16:creationId xmlns="" xmlns:a16="http://schemas.microsoft.com/office/drawing/2014/main" id="{7F7F653B-90B5-4F47-A33F-93DCB2EF68C2}"/>
+                <a16:creationId xmlns:a16="http://schemas.microsoft.com/office/drawing/2014/main" id="{7F7F653B-90B5-4F47-A33F-93DCB2EF68C2}"/>
               </a:ext>
             </a:extLst>
           </p:cNvPr>
@@ -19607,10 +21031,9 @@
           <a:lstStyle/>
           <a:p>
             <a:r>
-              <a:rPr lang="en-US" smtClean="0"/>
+              <a:rPr lang="en-US"/>
               <a:t>https://github.com/jenmusdat/BeerMachineLearning</a:t>
             </a:r>
-            <a:endParaRPr lang="en-US"/>
           </a:p>
         </p:txBody>
       </p:sp>
@@ -19619,7 +21042,7 @@
           <p:cNvPr id="4" name="Slide Number Placeholder 3">
             <a:extLst>
               <a:ext uri="{FF2B5EF4-FFF2-40B4-BE49-F238E27FC236}">
-                <a16:creationId xmlns="" xmlns:a16="http://schemas.microsoft.com/office/drawing/2014/main" id="{E1E7D98D-6710-41D2-B258-E1A1059D29F8}"/>
+                <a16:creationId xmlns:a16="http://schemas.microsoft.com/office/drawing/2014/main" id="{E1E7D98D-6710-41D2-B258-E1A1059D29F8}"/>
               </a:ext>
             </a:extLst>
           </p:cNvPr>
@@ -19637,7 +21060,7 @@
           <a:p>
             <a:fld id="{DBA1B0FB-D917-4C8C-928F-313BD683BF39}" type="slidenum">
               <a:rPr lang="en-US" smtClean="0"/>
-              <a:t>4</a:t>
+              <a:t>5</a:t>
             </a:fld>
             <a:endParaRPr lang="en-US"/>
           </a:p>
@@ -19648,7 +21071,7 @@
           <p:cNvPr id="15" name="Title 14">
             <a:extLst>
               <a:ext uri="{FF2B5EF4-FFF2-40B4-BE49-F238E27FC236}">
-                <a16:creationId xmlns="" xmlns:a16="http://schemas.microsoft.com/office/drawing/2014/main" id="{40F1DF5B-353A-4270-8C10-6A1509441174}"/>
+                <a16:creationId xmlns:a16="http://schemas.microsoft.com/office/drawing/2014/main" id="{40F1DF5B-353A-4270-8C10-6A1509441174}"/>
               </a:ext>
             </a:extLst>
           </p:cNvPr>
@@ -19695,17 +21118,10 @@
   <p:clrMapOvr>
     <a:masterClrMapping/>
   </p:clrMapOvr>
-  <p:timing>
-    <p:tnLst>
-      <p:par>
-        <p:cTn id="1" dur="indefinite" restart="never" nodeType="tmRoot"/>
-      </p:par>
-    </p:tnLst>
-  </p:timing>
 </p:sld>
 </file>
 
-<file path=ppt/slides/slide5.xml><?xml version="1.0" encoding="utf-8"?>
+<file path=ppt/slides/slide6.xml><?xml version="1.0" encoding="utf-8"?>
 <p:sld xmlns:a="http://schemas.openxmlformats.org/drawingml/2006/main" xmlns:r="http://schemas.openxmlformats.org/officeDocument/2006/relationships" xmlns:p="http://schemas.openxmlformats.org/presentationml/2006/main">
   <p:cSld>
     <p:spTree>
@@ -19727,7 +21143,7 @@
           <p:cNvPr id="2" name="Title 1">
             <a:extLst>
               <a:ext uri="{FF2B5EF4-FFF2-40B4-BE49-F238E27FC236}">
-                <a16:creationId xmlns="" xmlns:a16="http://schemas.microsoft.com/office/drawing/2014/main" id="{5AACC302-64BC-4CB7-8B67-5D4506B45A8D}"/>
+                <a16:creationId xmlns:a16="http://schemas.microsoft.com/office/drawing/2014/main" id="{5AACC302-64BC-4CB7-8B67-5D4506B45A8D}"/>
               </a:ext>
             </a:extLst>
           </p:cNvPr>
@@ -19755,7 +21171,7 @@
           <p:cNvPr id="3" name="Text Placeholder 2">
             <a:extLst>
               <a:ext uri="{FF2B5EF4-FFF2-40B4-BE49-F238E27FC236}">
-                <a16:creationId xmlns="" xmlns:a16="http://schemas.microsoft.com/office/drawing/2014/main" id="{C04D1A25-6D49-4272-A945-45449D0DF890}"/>
+                <a16:creationId xmlns:a16="http://schemas.microsoft.com/office/drawing/2014/main" id="{C04D1A25-6D49-4272-A945-45449D0DF890}"/>
               </a:ext>
             </a:extLst>
           </p:cNvPr>
@@ -19788,7 +21204,7 @@
           <p:cNvPr id="13" name="Content Placeholder 12" descr="Text&#10;&#10;Description automatically generated">
             <a:extLst>
               <a:ext uri="{FF2B5EF4-FFF2-40B4-BE49-F238E27FC236}">
-                <a16:creationId xmlns="" xmlns:a16="http://schemas.microsoft.com/office/drawing/2014/main" id="{064AEE2E-5872-4DC9-8FF5-5237CF54DB2B}"/>
+                <a16:creationId xmlns:a16="http://schemas.microsoft.com/office/drawing/2014/main" id="{064AEE2E-5872-4DC9-8FF5-5237CF54DB2B}"/>
               </a:ext>
             </a:extLst>
           </p:cNvPr>
@@ -19816,7 +21232,7 @@
           <p:cNvPr id="5" name="Text Placeholder 4">
             <a:extLst>
               <a:ext uri="{FF2B5EF4-FFF2-40B4-BE49-F238E27FC236}">
-                <a16:creationId xmlns="" xmlns:a16="http://schemas.microsoft.com/office/drawing/2014/main" id="{36F36281-8AE2-45D9-ACA1-C1504FFF290D}"/>
+                <a16:creationId xmlns:a16="http://schemas.microsoft.com/office/drawing/2014/main" id="{36F36281-8AE2-45D9-ACA1-C1504FFF290D}"/>
               </a:ext>
             </a:extLst>
           </p:cNvPr>
@@ -19849,7 +21265,7 @@
           <p:cNvPr id="15" name="Content Placeholder 14" descr="Text&#10;&#10;Description automatically generated">
             <a:extLst>
               <a:ext uri="{FF2B5EF4-FFF2-40B4-BE49-F238E27FC236}">
-                <a16:creationId xmlns="" xmlns:a16="http://schemas.microsoft.com/office/drawing/2014/main" id="{F6E15A58-7758-496C-9234-26B4413508D8}"/>
+                <a16:creationId xmlns:a16="http://schemas.microsoft.com/office/drawing/2014/main" id="{F6E15A58-7758-496C-9234-26B4413508D8}"/>
               </a:ext>
             </a:extLst>
           </p:cNvPr>
@@ -19878,7 +21294,7 @@
           <p:cNvPr id="7" name="Text Placeholder 6">
             <a:extLst>
               <a:ext uri="{FF2B5EF4-FFF2-40B4-BE49-F238E27FC236}">
-                <a16:creationId xmlns="" xmlns:a16="http://schemas.microsoft.com/office/drawing/2014/main" id="{B3BC27B4-6710-4FFC-9D26-269B0EF9E00D}"/>
+                <a16:creationId xmlns:a16="http://schemas.microsoft.com/office/drawing/2014/main" id="{B3BC27B4-6710-4FFC-9D26-269B0EF9E00D}"/>
               </a:ext>
             </a:extLst>
           </p:cNvPr>
@@ -19900,10 +21316,9 @@
           <a:lstStyle/>
           <a:p>
             <a:r>
-              <a:rPr lang="en-US" dirty="0" smtClean="0"/>
+              <a:rPr lang="en-US" dirty="0"/>
               <a:t>Irish</a:t>
             </a:r>
-            <a:endParaRPr lang="en-US" dirty="0"/>
           </a:p>
         </p:txBody>
       </p:sp>
@@ -19912,7 +21327,7 @@
           <p:cNvPr id="17" name="Content Placeholder 16" descr="Text&#10;&#10;Description automatically generated">
             <a:extLst>
               <a:ext uri="{FF2B5EF4-FFF2-40B4-BE49-F238E27FC236}">
-                <a16:creationId xmlns="" xmlns:a16="http://schemas.microsoft.com/office/drawing/2014/main" id="{51B27478-D268-4DB3-97B9-17632512DFCD}"/>
+                <a16:creationId xmlns:a16="http://schemas.microsoft.com/office/drawing/2014/main" id="{51B27478-D268-4DB3-97B9-17632512DFCD}"/>
               </a:ext>
             </a:extLst>
           </p:cNvPr>
@@ -19940,7 +21355,7 @@
           <p:cNvPr id="9" name="Date Placeholder 8">
             <a:extLst>
               <a:ext uri="{FF2B5EF4-FFF2-40B4-BE49-F238E27FC236}">
-                <a16:creationId xmlns="" xmlns:a16="http://schemas.microsoft.com/office/drawing/2014/main" id="{7C780F62-333B-4864-AC80-20E8D311BF7F}"/>
+                <a16:creationId xmlns:a16="http://schemas.microsoft.com/office/drawing/2014/main" id="{7C780F62-333B-4864-AC80-20E8D311BF7F}"/>
               </a:ext>
             </a:extLst>
           </p:cNvPr>
@@ -19957,7 +21372,7 @@
           <a:lstStyle/>
           <a:p>
             <a:r>
-              <a:rPr lang="en-US" smtClean="0"/>
+              <a:rPr lang="en-US"/>
               <a:t>Wednesday March 17, 2021</a:t>
             </a:r>
             <a:endParaRPr lang="en-US" dirty="0"/>
@@ -19969,7 +21384,7 @@
           <p:cNvPr id="10" name="Footer Placeholder 9">
             <a:extLst>
               <a:ext uri="{FF2B5EF4-FFF2-40B4-BE49-F238E27FC236}">
-                <a16:creationId xmlns="" xmlns:a16="http://schemas.microsoft.com/office/drawing/2014/main" id="{987AD84A-CC97-4CBB-A2DF-60F1E19B46FE}"/>
+                <a16:creationId xmlns:a16="http://schemas.microsoft.com/office/drawing/2014/main" id="{987AD84A-CC97-4CBB-A2DF-60F1E19B46FE}"/>
               </a:ext>
             </a:extLst>
           </p:cNvPr>
@@ -19986,10 +21401,9 @@
           <a:lstStyle/>
           <a:p>
             <a:r>
-              <a:rPr lang="en-US" smtClean="0"/>
+              <a:rPr lang="en-US"/>
               <a:t>https://github.com/jenmusdat/BeerMachineLearning</a:t>
             </a:r>
-            <a:endParaRPr lang="en-US"/>
           </a:p>
         </p:txBody>
       </p:sp>
@@ -19998,7 +21412,7 @@
           <p:cNvPr id="11" name="Slide Number Placeholder 10">
             <a:extLst>
               <a:ext uri="{FF2B5EF4-FFF2-40B4-BE49-F238E27FC236}">
-                <a16:creationId xmlns="" xmlns:a16="http://schemas.microsoft.com/office/drawing/2014/main" id="{B55369B0-57C2-4937-90CC-3DC14DD2384A}"/>
+                <a16:creationId xmlns:a16="http://schemas.microsoft.com/office/drawing/2014/main" id="{B55369B0-57C2-4937-90CC-3DC14DD2384A}"/>
               </a:ext>
             </a:extLst>
           </p:cNvPr>
@@ -20016,7 +21430,7 @@
           <a:p>
             <a:fld id="{DBA1B0FB-D917-4C8C-928F-313BD683BF39}" type="slidenum">
               <a:rPr lang="en-US" smtClean="0"/>
-              <a:t>5</a:t>
+              <a:t>6</a:t>
             </a:fld>
             <a:endParaRPr lang="en-US"/>
           </a:p>
@@ -20027,7 +21441,7 @@
           <p:cNvPr id="19" name="Text Placeholder 4">
             <a:extLst>
               <a:ext uri="{FF2B5EF4-FFF2-40B4-BE49-F238E27FC236}">
-                <a16:creationId xmlns="" xmlns:a16="http://schemas.microsoft.com/office/drawing/2014/main" id="{F08D7E7D-733C-45C6-B1CC-3A059DF01952}"/>
+                <a16:creationId xmlns:a16="http://schemas.microsoft.com/office/drawing/2014/main" id="{F08D7E7D-733C-45C6-B1CC-3A059DF01952}"/>
               </a:ext>
             </a:extLst>
           </p:cNvPr>
@@ -20249,7 +21663,7 @@
           <p:cNvPr id="22" name="Text Placeholder 4">
             <a:extLst>
               <a:ext uri="{FF2B5EF4-FFF2-40B4-BE49-F238E27FC236}">
-                <a16:creationId xmlns="" xmlns:a16="http://schemas.microsoft.com/office/drawing/2014/main" id="{66AAD937-9852-4226-A58B-5E9119BA6821}"/>
+                <a16:creationId xmlns:a16="http://schemas.microsoft.com/office/drawing/2014/main" id="{66AAD937-9852-4226-A58B-5E9119BA6821}"/>
               </a:ext>
             </a:extLst>
           </p:cNvPr>
@@ -20471,7 +21885,7 @@
           <p:cNvPr id="23" name="Text Placeholder 4">
             <a:extLst>
               <a:ext uri="{FF2B5EF4-FFF2-40B4-BE49-F238E27FC236}">
-                <a16:creationId xmlns="" xmlns:a16="http://schemas.microsoft.com/office/drawing/2014/main" id="{F0FF638B-5EDB-47D1-B350-E8144EB46C4D}"/>
+                <a16:creationId xmlns:a16="http://schemas.microsoft.com/office/drawing/2014/main" id="{F0FF638B-5EDB-47D1-B350-E8144EB46C4D}"/>
               </a:ext>
             </a:extLst>
           </p:cNvPr>
@@ -20693,7 +22107,7 @@
           <p:cNvPr id="25" name="Picture 24" descr="Text&#10;&#10;Description automatically generated">
             <a:extLst>
               <a:ext uri="{FF2B5EF4-FFF2-40B4-BE49-F238E27FC236}">
-                <a16:creationId xmlns="" xmlns:a16="http://schemas.microsoft.com/office/drawing/2014/main" id="{740B5239-031F-46CF-81B5-A0F4427D68C4}"/>
+                <a16:creationId xmlns:a16="http://schemas.microsoft.com/office/drawing/2014/main" id="{740B5239-031F-46CF-81B5-A0F4427D68C4}"/>
               </a:ext>
             </a:extLst>
           </p:cNvPr>
@@ -20722,7 +22136,7 @@
           <p:cNvPr id="27" name="Picture 26" descr="Text&#10;&#10;Description automatically generated">
             <a:extLst>
               <a:ext uri="{FF2B5EF4-FFF2-40B4-BE49-F238E27FC236}">
-                <a16:creationId xmlns="" xmlns:a16="http://schemas.microsoft.com/office/drawing/2014/main" id="{BDF7BEE5-7ECB-4E19-9CFC-F7670C0C16D0}"/>
+                <a16:creationId xmlns:a16="http://schemas.microsoft.com/office/drawing/2014/main" id="{BDF7BEE5-7ECB-4E19-9CFC-F7670C0C16D0}"/>
               </a:ext>
             </a:extLst>
           </p:cNvPr>
@@ -20752,7 +22166,7 @@
           <p:cNvPr id="29" name="Picture 28" descr="Text&#10;&#10;Description automatically generated">
             <a:extLst>
               <a:ext uri="{FF2B5EF4-FFF2-40B4-BE49-F238E27FC236}">
-                <a16:creationId xmlns="" xmlns:a16="http://schemas.microsoft.com/office/drawing/2014/main" id="{0826FE27-D68A-40D8-BCFB-5C183989F990}"/>
+                <a16:creationId xmlns:a16="http://schemas.microsoft.com/office/drawing/2014/main" id="{0826FE27-D68A-40D8-BCFB-5C183989F990}"/>
               </a:ext>
             </a:extLst>
           </p:cNvPr>
@@ -21864,7 +23278,7 @@
 </p:sld>
 </file>
 
-<file path=ppt/slides/slide6.xml><?xml version="1.0" encoding="utf-8"?>
+<file path=ppt/slides/slide7.xml><?xml version="1.0" encoding="utf-8"?>
 <p:sld xmlns:a="http://schemas.openxmlformats.org/drawingml/2006/main" xmlns:r="http://schemas.openxmlformats.org/officeDocument/2006/relationships" xmlns:p="http://schemas.openxmlformats.org/presentationml/2006/main">
   <p:cSld>
     <p:bg>
@@ -21894,7 +23308,7 @@
           <p:cNvPr id="2" name="Title 1">
             <a:extLst>
               <a:ext uri="{FF2B5EF4-FFF2-40B4-BE49-F238E27FC236}">
-                <a16:creationId xmlns="" xmlns:a16="http://schemas.microsoft.com/office/drawing/2014/main" id="{5767E737-8E81-4C16-8F59-00C8A5870CA8}"/>
+                <a16:creationId xmlns:a16="http://schemas.microsoft.com/office/drawing/2014/main" id="{5767E737-8E81-4C16-8F59-00C8A5870CA8}"/>
               </a:ext>
             </a:extLst>
           </p:cNvPr>
@@ -21927,7 +23341,7 @@
           <p:cNvPr id="4" name="Date Placeholder 3">
             <a:extLst>
               <a:ext uri="{FF2B5EF4-FFF2-40B4-BE49-F238E27FC236}">
-                <a16:creationId xmlns="" xmlns:a16="http://schemas.microsoft.com/office/drawing/2014/main" id="{890FD507-54C8-466D-B7E5-3B954DD3B99F}"/>
+                <a16:creationId xmlns:a16="http://schemas.microsoft.com/office/drawing/2014/main" id="{890FD507-54C8-466D-B7E5-3B954DD3B99F}"/>
               </a:ext>
             </a:extLst>
           </p:cNvPr>
@@ -21944,7 +23358,7 @@
           <a:lstStyle/>
           <a:p>
             <a:r>
-              <a:rPr lang="en-US" smtClean="0"/>
+              <a:rPr lang="en-US"/>
               <a:t>Wednesday March 17, 2021</a:t>
             </a:r>
             <a:endParaRPr lang="en-US" dirty="0"/>
@@ -21956,7 +23370,7 @@
           <p:cNvPr id="5" name="Footer Placeholder 4">
             <a:extLst>
               <a:ext uri="{FF2B5EF4-FFF2-40B4-BE49-F238E27FC236}">
-                <a16:creationId xmlns="" xmlns:a16="http://schemas.microsoft.com/office/drawing/2014/main" id="{23C3381D-F623-4CD2-899F-C6FA2247D2E5}"/>
+                <a16:creationId xmlns:a16="http://schemas.microsoft.com/office/drawing/2014/main" id="{23C3381D-F623-4CD2-899F-C6FA2247D2E5}"/>
               </a:ext>
             </a:extLst>
           </p:cNvPr>
@@ -21973,10 +23387,9 @@
           <a:lstStyle/>
           <a:p>
             <a:r>
-              <a:rPr lang="en-US" smtClean="0"/>
+              <a:rPr lang="en-US"/>
               <a:t>https://github.com/jenmusdat/BeerMachineLearning</a:t>
             </a:r>
-            <a:endParaRPr lang="en-US"/>
           </a:p>
         </p:txBody>
       </p:sp>
@@ -21985,7 +23398,7 @@
           <p:cNvPr id="6" name="Slide Number Placeholder 5">
             <a:extLst>
               <a:ext uri="{FF2B5EF4-FFF2-40B4-BE49-F238E27FC236}">
-                <a16:creationId xmlns="" xmlns:a16="http://schemas.microsoft.com/office/drawing/2014/main" id="{F3D16BAB-C257-49C5-93AC-A260775ED609}"/>
+                <a16:creationId xmlns:a16="http://schemas.microsoft.com/office/drawing/2014/main" id="{F3D16BAB-C257-49C5-93AC-A260775ED609}"/>
               </a:ext>
             </a:extLst>
           </p:cNvPr>
@@ -22003,7 +23416,7 @@
           <a:p>
             <a:fld id="{DBA1B0FB-D917-4C8C-928F-313BD683BF39}" type="slidenum">
               <a:rPr lang="en-US" smtClean="0"/>
-              <a:t>6</a:t>
+              <a:t>7</a:t>
             </a:fld>
             <a:endParaRPr lang="en-US"/>
           </a:p>
@@ -22019,17 +23432,10 @@
   <p:clrMapOvr>
     <a:masterClrMapping/>
   </p:clrMapOvr>
-  <p:timing>
-    <p:tnLst>
-      <p:par>
-        <p:cTn id="1" dur="indefinite" restart="never" nodeType="tmRoot"/>
-      </p:par>
-    </p:tnLst>
-  </p:timing>
 </p:sld>
 </file>
 
-<file path=ppt/slides/slide7.xml><?xml version="1.0" encoding="utf-8"?>
+<file path=ppt/slides/slide8.xml><?xml version="1.0" encoding="utf-8"?>
 <p:sld xmlns:a="http://schemas.openxmlformats.org/drawingml/2006/main" xmlns:r="http://schemas.openxmlformats.org/officeDocument/2006/relationships" xmlns:p="http://schemas.openxmlformats.org/presentationml/2006/main">
   <p:cSld>
     <p:spTree>
@@ -22051,7 +23457,7 @@
           <p:cNvPr id="2" name="Title 1">
             <a:extLst>
               <a:ext uri="{FF2B5EF4-FFF2-40B4-BE49-F238E27FC236}">
-                <a16:creationId xmlns="" xmlns:a16="http://schemas.microsoft.com/office/drawing/2014/main" id="{FCB102D8-1D22-4940-AF19-07CF3A0DC5F4}"/>
+                <a16:creationId xmlns:a16="http://schemas.microsoft.com/office/drawing/2014/main" id="{FCB102D8-1D22-4940-AF19-07CF3A0DC5F4}"/>
               </a:ext>
             </a:extLst>
           </p:cNvPr>
@@ -22079,7 +23485,7 @@
           <p:cNvPr id="13" name="Table 13">
             <a:extLst>
               <a:ext uri="{FF2B5EF4-FFF2-40B4-BE49-F238E27FC236}">
-                <a16:creationId xmlns="" xmlns:a16="http://schemas.microsoft.com/office/drawing/2014/main" id="{914D6EE3-4782-45C1-A75C-003483879C97}"/>
+                <a16:creationId xmlns:a16="http://schemas.microsoft.com/office/drawing/2014/main" id="{914D6EE3-4782-45C1-A75C-003483879C97}"/>
               </a:ext>
             </a:extLst>
           </p:cNvPr>
@@ -22109,14 +23515,14 @@
                 <a:gridCol w="2218055">
                   <a:extLst>
                     <a:ext uri="{9D8B030D-6E8A-4147-A177-3AD203B41FA5}">
-                      <a16:colId xmlns="" xmlns:a16="http://schemas.microsoft.com/office/drawing/2014/main" val="562691606"/>
+                      <a16:colId xmlns:a16="http://schemas.microsoft.com/office/drawing/2014/main" val="562691606"/>
                     </a:ext>
                   </a:extLst>
                 </a:gridCol>
                 <a:gridCol w="2218055">
                   <a:extLst>
                     <a:ext uri="{9D8B030D-6E8A-4147-A177-3AD203B41FA5}">
-                      <a16:colId xmlns="" xmlns:a16="http://schemas.microsoft.com/office/drawing/2014/main" val="3970149589"/>
+                      <a16:colId xmlns:a16="http://schemas.microsoft.com/office/drawing/2014/main" val="3970149589"/>
                     </a:ext>
                   </a:extLst>
                 </a:gridCol>
@@ -22229,7 +23635,7 @@
                 </a:tc>
                 <a:extLst>
                   <a:ext uri="{0D108BD9-81ED-4DB2-BD59-A6C34878D82A}">
-                    <a16:rowId xmlns="" xmlns:a16="http://schemas.microsoft.com/office/drawing/2014/main" val="2193002138"/>
+                    <a16:rowId xmlns:a16="http://schemas.microsoft.com/office/drawing/2014/main" val="2193002138"/>
                   </a:ext>
                 </a:extLst>
               </a:tr>
@@ -22348,7 +23754,7 @@
                 </a:tc>
                 <a:extLst>
                   <a:ext uri="{0D108BD9-81ED-4DB2-BD59-A6C34878D82A}">
-                    <a16:rowId xmlns="" xmlns:a16="http://schemas.microsoft.com/office/drawing/2014/main" val="3922611538"/>
+                    <a16:rowId xmlns:a16="http://schemas.microsoft.com/office/drawing/2014/main" val="3922611538"/>
                   </a:ext>
                 </a:extLst>
               </a:tr>
@@ -22467,7 +23873,7 @@
                 </a:tc>
                 <a:extLst>
                   <a:ext uri="{0D108BD9-81ED-4DB2-BD59-A6C34878D82A}">
-                    <a16:rowId xmlns="" xmlns:a16="http://schemas.microsoft.com/office/drawing/2014/main" val="1580915798"/>
+                    <a16:rowId xmlns:a16="http://schemas.microsoft.com/office/drawing/2014/main" val="1580915798"/>
                   </a:ext>
                 </a:extLst>
               </a:tr>
@@ -22586,7 +23992,7 @@
                 </a:tc>
                 <a:extLst>
                   <a:ext uri="{0D108BD9-81ED-4DB2-BD59-A6C34878D82A}">
-                    <a16:rowId xmlns="" xmlns:a16="http://schemas.microsoft.com/office/drawing/2014/main" val="3796691047"/>
+                    <a16:rowId xmlns:a16="http://schemas.microsoft.com/office/drawing/2014/main" val="3796691047"/>
                   </a:ext>
                 </a:extLst>
               </a:tr>
@@ -22705,7 +24111,7 @@
                 </a:tc>
                 <a:extLst>
                   <a:ext uri="{0D108BD9-81ED-4DB2-BD59-A6C34878D82A}">
-                    <a16:rowId xmlns="" xmlns:a16="http://schemas.microsoft.com/office/drawing/2014/main" val="3721269701"/>
+                    <a16:rowId xmlns:a16="http://schemas.microsoft.com/office/drawing/2014/main" val="3721269701"/>
                   </a:ext>
                 </a:extLst>
               </a:tr>
@@ -22824,7 +24230,7 @@
                 </a:tc>
                 <a:extLst>
                   <a:ext uri="{0D108BD9-81ED-4DB2-BD59-A6C34878D82A}">
-                    <a16:rowId xmlns="" xmlns:a16="http://schemas.microsoft.com/office/drawing/2014/main" val="3042620374"/>
+                    <a16:rowId xmlns:a16="http://schemas.microsoft.com/office/drawing/2014/main" val="3042620374"/>
                   </a:ext>
                 </a:extLst>
               </a:tr>
@@ -22943,7 +24349,7 @@
                 </a:tc>
                 <a:extLst>
                   <a:ext uri="{0D108BD9-81ED-4DB2-BD59-A6C34878D82A}">
-                    <a16:rowId xmlns="" xmlns:a16="http://schemas.microsoft.com/office/drawing/2014/main" val="954251297"/>
+                    <a16:rowId xmlns:a16="http://schemas.microsoft.com/office/drawing/2014/main" val="954251297"/>
                   </a:ext>
                 </a:extLst>
               </a:tr>
@@ -22956,7 +24362,7 @@
           <p:cNvPr id="14" name="Date Placeholder 13">
             <a:extLst>
               <a:ext uri="{FF2B5EF4-FFF2-40B4-BE49-F238E27FC236}">
-                <a16:creationId xmlns="" xmlns:a16="http://schemas.microsoft.com/office/drawing/2014/main" id="{DC738669-5750-45EA-9715-A0041D4C569B}"/>
+                <a16:creationId xmlns:a16="http://schemas.microsoft.com/office/drawing/2014/main" id="{DC738669-5750-45EA-9715-A0041D4C569B}"/>
               </a:ext>
             </a:extLst>
           </p:cNvPr>
@@ -22973,10 +24379,9 @@
           <a:lstStyle/>
           <a:p>
             <a:r>
-              <a:rPr lang="en-US" smtClean="0"/>
+              <a:rPr lang="en-US"/>
               <a:t>Wednesday March 17, 2021</a:t>
             </a:r>
-            <a:endParaRPr lang="en-US"/>
           </a:p>
         </p:txBody>
       </p:sp>
@@ -22985,7 +24390,7 @@
           <p:cNvPr id="15" name="Footer Placeholder 14">
             <a:extLst>
               <a:ext uri="{FF2B5EF4-FFF2-40B4-BE49-F238E27FC236}">
-                <a16:creationId xmlns="" xmlns:a16="http://schemas.microsoft.com/office/drawing/2014/main" id="{CD05A243-8080-4F6D-8538-65CDDF891BA6}"/>
+                <a16:creationId xmlns:a16="http://schemas.microsoft.com/office/drawing/2014/main" id="{CD05A243-8080-4F6D-8538-65CDDF891BA6}"/>
               </a:ext>
             </a:extLst>
           </p:cNvPr>
@@ -23002,10 +24407,9 @@
           <a:lstStyle/>
           <a:p>
             <a:r>
-              <a:rPr lang="en-US" smtClean="0"/>
+              <a:rPr lang="en-US"/>
               <a:t>https://github.com/jenmusdat/BeerMachineLearning</a:t>
             </a:r>
-            <a:endParaRPr lang="en-US"/>
           </a:p>
         </p:txBody>
       </p:sp>
@@ -23014,7 +24418,7 @@
           <p:cNvPr id="16" name="Slide Number Placeholder 15">
             <a:extLst>
               <a:ext uri="{FF2B5EF4-FFF2-40B4-BE49-F238E27FC236}">
-                <a16:creationId xmlns="" xmlns:a16="http://schemas.microsoft.com/office/drawing/2014/main" id="{3F8A62C8-5437-4C47-AC0F-0605F84CBA57}"/>
+                <a16:creationId xmlns:a16="http://schemas.microsoft.com/office/drawing/2014/main" id="{3F8A62C8-5437-4C47-AC0F-0605F84CBA57}"/>
               </a:ext>
             </a:extLst>
           </p:cNvPr>
@@ -23033,7 +24437,7 @@
             <a:fld id="{DBA1B0FB-D917-4C8C-928F-313BD683BF39}" type="slidenum">
               <a:rPr lang="en-US" smtClean="0"/>
               <a:pPr/>
-              <a:t>7</a:t>
+              <a:t>8</a:t>
             </a:fld>
             <a:endParaRPr lang="en-US"/>
           </a:p>
@@ -23044,7 +24448,7 @@
           <p:cNvPr id="4" name="&quot;Not Allowed&quot; Symbol 3">
             <a:extLst>
               <a:ext uri="{FF2B5EF4-FFF2-40B4-BE49-F238E27FC236}">
-                <a16:creationId xmlns="" xmlns:a16="http://schemas.microsoft.com/office/drawing/2014/main" id="{AF38A44D-CD2B-4AA2-B099-3FFA92DC5D4E}"/>
+                <a16:creationId xmlns:a16="http://schemas.microsoft.com/office/drawing/2014/main" id="{AF38A44D-CD2B-4AA2-B099-3FFA92DC5D4E}"/>
               </a:ext>
             </a:extLst>
           </p:cNvPr>
@@ -23106,7 +24510,7 @@
           <p:cNvPr id="6" name="Picture 5" descr="A picture containing clipart&#10;&#10;Description automatically generated">
             <a:extLst>
               <a:ext uri="{FF2B5EF4-FFF2-40B4-BE49-F238E27FC236}">
-                <a16:creationId xmlns="" xmlns:a16="http://schemas.microsoft.com/office/drawing/2014/main" id="{01D03D58-9684-4523-A9E8-E78A60D52917}"/>
+                <a16:creationId xmlns:a16="http://schemas.microsoft.com/office/drawing/2014/main" id="{01D03D58-9684-4523-A9E8-E78A60D52917}"/>
               </a:ext>
             </a:extLst>
           </p:cNvPr>
@@ -23411,7 +24815,7 @@
 </p:sld>
 </file>
 
-<file path=ppt/slides/slide8.xml><?xml version="1.0" encoding="utf-8"?>
+<file path=ppt/slides/slide9.xml><?xml version="1.0" encoding="utf-8"?>
 <p:sld xmlns:a="http://schemas.openxmlformats.org/drawingml/2006/main" xmlns:r="http://schemas.openxmlformats.org/officeDocument/2006/relationships" xmlns:p="http://schemas.openxmlformats.org/presentationml/2006/main">
   <p:cSld>
     <p:bg>
@@ -23441,10 +24845,10 @@
           <p:cNvPr id="26" name="Freeform: Shape 25">
             <a:extLst>
               <a:ext uri="{FF2B5EF4-FFF2-40B4-BE49-F238E27FC236}">
-                <a16:creationId xmlns="" xmlns:a16="http://schemas.microsoft.com/office/drawing/2014/main" id="{82184FF4-7029-4ED7-813A-192E60608764}"/>
+                <a16:creationId xmlns:a16="http://schemas.microsoft.com/office/drawing/2014/main" id="{82184FF4-7029-4ED7-813A-192E60608764}"/>
               </a:ext>
               <a:ext uri="{C183D7F6-B498-43B3-948B-1728B52AA6E4}">
-                <adec:decorative xmlns="" xmlns:adec="http://schemas.microsoft.com/office/drawing/2017/decorative" val="1"/>
+                <adec:decorative xmlns:adec="http://schemas.microsoft.com/office/drawing/2017/decorative" val="1"/>
               </a:ext>
             </a:extLst>
           </p:cNvPr>
@@ -23454,7 +24858,7 @@
           <p:nvPr>
             <p:extLst>
               <p:ext uri="{386F3935-93C4-4BCD-93E2-E3B085C9AB24}">
-                <p16:designElem xmlns="" xmlns:p16="http://schemas.microsoft.com/office/powerpoint/2015/main" val="1"/>
+                <p16:designElem xmlns:p16="http://schemas.microsoft.com/office/powerpoint/2015/main" val="1"/>
               </p:ext>
             </p:extLst>
           </p:nvPr>
@@ -23585,10 +24989,10 @@
           <p:cNvPr id="28" name="Oval 27">
             <a:extLst>
               <a:ext uri="{FF2B5EF4-FFF2-40B4-BE49-F238E27FC236}">
-                <a16:creationId xmlns="" xmlns:a16="http://schemas.microsoft.com/office/drawing/2014/main" id="{AAA7AB09-557C-41AD-9113-FF9F68FA1035}"/>
+                <a16:creationId xmlns:a16="http://schemas.microsoft.com/office/drawing/2014/main" id="{AAA7AB09-557C-41AD-9113-FF9F68FA1035}"/>
               </a:ext>
               <a:ext uri="{C183D7F6-B498-43B3-948B-1728B52AA6E4}">
-                <adec:decorative xmlns="" xmlns:adec="http://schemas.microsoft.com/office/drawing/2017/decorative" val="1"/>
+                <adec:decorative xmlns:adec="http://schemas.microsoft.com/office/drawing/2017/decorative" val="1"/>
               </a:ext>
             </a:extLst>
           </p:cNvPr>
@@ -23598,7 +25002,7 @@
           <p:nvPr>
             <p:extLst>
               <p:ext uri="{386F3935-93C4-4BCD-93E2-E3B085C9AB24}">
-                <p16:designElem xmlns="" xmlns:p16="http://schemas.microsoft.com/office/powerpoint/2015/main" val="1"/>
+                <p16:designElem xmlns:p16="http://schemas.microsoft.com/office/powerpoint/2015/main" val="1"/>
               </p:ext>
             </p:extLst>
           </p:nvPr>
@@ -23676,10 +25080,10 @@
           <p:cNvPr id="30" name="Oval 29">
             <a:extLst>
               <a:ext uri="{FF2B5EF4-FFF2-40B4-BE49-F238E27FC236}">
-                <a16:creationId xmlns="" xmlns:a16="http://schemas.microsoft.com/office/drawing/2014/main" id="{EF99ECAA-1F11-4937-BBA6-51935AB44C9D}"/>
+                <a16:creationId xmlns:a16="http://schemas.microsoft.com/office/drawing/2014/main" id="{EF99ECAA-1F11-4937-BBA6-51935AB44C9D}"/>
               </a:ext>
               <a:ext uri="{C183D7F6-B498-43B3-948B-1728B52AA6E4}">
-                <adec:decorative xmlns="" xmlns:adec="http://schemas.microsoft.com/office/drawing/2017/decorative" val="1"/>
+                <adec:decorative xmlns:adec="http://schemas.microsoft.com/office/drawing/2017/decorative" val="1"/>
               </a:ext>
             </a:extLst>
           </p:cNvPr>
@@ -23689,7 +25093,7 @@
           <p:nvPr>
             <p:extLst>
               <p:ext uri="{386F3935-93C4-4BCD-93E2-E3B085C9AB24}">
-                <p16:designElem xmlns="" xmlns:p16="http://schemas.microsoft.com/office/powerpoint/2015/main" val="1"/>
+                <p16:designElem xmlns:p16="http://schemas.microsoft.com/office/powerpoint/2015/main" val="1"/>
               </p:ext>
             </p:extLst>
           </p:nvPr>
@@ -23768,10 +25172,10 @@
           <p:cNvPr id="32" name="Group 31">
             <a:extLst>
               <a:ext uri="{FF2B5EF4-FFF2-40B4-BE49-F238E27FC236}">
-                <a16:creationId xmlns="" xmlns:a16="http://schemas.microsoft.com/office/drawing/2014/main" id="{79DE9FAB-6BBA-4CFE-B67D-77B47F01ECA4}"/>
+                <a16:creationId xmlns:a16="http://schemas.microsoft.com/office/drawing/2014/main" id="{79DE9FAB-6BBA-4CFE-B67D-77B47F01ECA4}"/>
               </a:ext>
               <a:ext uri="{C183D7F6-B498-43B3-948B-1728B52AA6E4}">
-                <adec:decorative xmlns="" xmlns:adec="http://schemas.microsoft.com/office/drawing/2017/decorative" val="1"/>
+                <adec:decorative xmlns:adec="http://schemas.microsoft.com/office/drawing/2017/decorative" val="1"/>
               </a:ext>
             </a:extLst>
           </p:cNvPr>
@@ -23781,7 +25185,7 @@
           <p:nvPr>
             <p:extLst>
               <p:ext uri="{386F3935-93C4-4BCD-93E2-E3B085C9AB24}">
-                <p16:designElem xmlns="" xmlns:p16="http://schemas.microsoft.com/office/powerpoint/2015/main" val="1"/>
+                <p16:designElem xmlns:p16="http://schemas.microsoft.com/office/powerpoint/2015/main" val="1"/>
               </p:ext>
             </p:extLst>
           </p:nvPr>
@@ -23799,10 +25203,10 @@
             <p:cNvPr id="33" name="Freeform: Shape 32">
               <a:extLst>
                 <a:ext uri="{FF2B5EF4-FFF2-40B4-BE49-F238E27FC236}">
-                  <a16:creationId xmlns="" xmlns:a16="http://schemas.microsoft.com/office/drawing/2014/main" id="{79FAC916-D9BB-4794-81B4-7C47C67E850D}"/>
+                  <a16:creationId xmlns:a16="http://schemas.microsoft.com/office/drawing/2014/main" id="{79FAC916-D9BB-4794-81B4-7C47C67E850D}"/>
                 </a:ext>
                 <a:ext uri="{C183D7F6-B498-43B3-948B-1728B52AA6E4}">
-                  <adec:decorative xmlns="" xmlns:adec="http://schemas.microsoft.com/office/drawing/2017/decorative" val="1"/>
+                  <adec:decorative xmlns:adec="http://schemas.microsoft.com/office/drawing/2017/decorative" val="1"/>
                 </a:ext>
               </a:extLst>
             </p:cNvPr>
@@ -23812,7 +25216,7 @@
             <p:nvPr>
               <p:extLst>
                 <p:ext uri="{386F3935-93C4-4BCD-93E2-E3B085C9AB24}">
-                  <p16:designElem xmlns="" xmlns:p16="http://schemas.microsoft.com/office/powerpoint/2015/main" val="1"/>
+                  <p16:designElem xmlns:p16="http://schemas.microsoft.com/office/powerpoint/2015/main" val="1"/>
                 </p:ext>
               </p:extLst>
             </p:nvPr>
@@ -23946,10 +25350,10 @@
             <p:cNvPr id="34" name="Freeform: Shape 33">
               <a:extLst>
                 <a:ext uri="{FF2B5EF4-FFF2-40B4-BE49-F238E27FC236}">
-                  <a16:creationId xmlns="" xmlns:a16="http://schemas.microsoft.com/office/drawing/2014/main" id="{B5CA2231-7A65-4D16-8400-A210CC41DB73}"/>
+                  <a16:creationId xmlns:a16="http://schemas.microsoft.com/office/drawing/2014/main" id="{B5CA2231-7A65-4D16-8400-A210CC41DB73}"/>
                 </a:ext>
                 <a:ext uri="{C183D7F6-B498-43B3-948B-1728B52AA6E4}">
-                  <adec:decorative xmlns="" xmlns:adec="http://schemas.microsoft.com/office/drawing/2017/decorative" val="1"/>
+                  <adec:decorative xmlns:adec="http://schemas.microsoft.com/office/drawing/2017/decorative" val="1"/>
                 </a:ext>
               </a:extLst>
             </p:cNvPr>
@@ -23959,7 +25363,7 @@
             <p:nvPr>
               <p:extLst>
                 <p:ext uri="{386F3935-93C4-4BCD-93E2-E3B085C9AB24}">
-                  <p16:designElem xmlns="" xmlns:p16="http://schemas.microsoft.com/office/powerpoint/2015/main" val="1"/>
+                  <p16:designElem xmlns:p16="http://schemas.microsoft.com/office/powerpoint/2015/main" val="1"/>
                 </p:ext>
               </p:extLst>
             </p:nvPr>
@@ -24095,10 +25499,10 @@
             <p:cNvPr id="35" name="Oval 34">
               <a:extLst>
                 <a:ext uri="{FF2B5EF4-FFF2-40B4-BE49-F238E27FC236}">
-                  <a16:creationId xmlns="" xmlns:a16="http://schemas.microsoft.com/office/drawing/2014/main" id="{4B089C8C-B82B-4704-88E2-E857A5E21529}"/>
+                  <a16:creationId xmlns:a16="http://schemas.microsoft.com/office/drawing/2014/main" id="{4B089C8C-B82B-4704-88E2-E857A5E21529}"/>
                 </a:ext>
                 <a:ext uri="{C183D7F6-B498-43B3-948B-1728B52AA6E4}">
-                  <adec:decorative xmlns="" xmlns:adec="http://schemas.microsoft.com/office/drawing/2017/decorative" val="1"/>
+                  <adec:decorative xmlns:adec="http://schemas.microsoft.com/office/drawing/2017/decorative" val="1"/>
                 </a:ext>
               </a:extLst>
             </p:cNvPr>
@@ -24106,7 +25510,7 @@
             <p:nvPr>
               <p:extLst>
                 <p:ext uri="{386F3935-93C4-4BCD-93E2-E3B085C9AB24}">
-                  <p16:designElem xmlns="" xmlns:p16="http://schemas.microsoft.com/office/powerpoint/2015/main" val="1"/>
+                  <p16:designElem xmlns:p16="http://schemas.microsoft.com/office/powerpoint/2015/main" val="1"/>
                 </p:ext>
               </p:extLst>
             </p:nvPr>
@@ -24173,10 +25577,10 @@
             <p:cNvPr id="36" name="Oval 35">
               <a:extLst>
                 <a:ext uri="{FF2B5EF4-FFF2-40B4-BE49-F238E27FC236}">
-                  <a16:creationId xmlns="" xmlns:a16="http://schemas.microsoft.com/office/drawing/2014/main" id="{434B90C8-5B4D-456E-AD99-80EF748FDD72}"/>
+                  <a16:creationId xmlns:a16="http://schemas.microsoft.com/office/drawing/2014/main" id="{434B90C8-5B4D-456E-AD99-80EF748FDD72}"/>
                 </a:ext>
                 <a:ext uri="{C183D7F6-B498-43B3-948B-1728B52AA6E4}">
-                  <adec:decorative xmlns="" xmlns:adec="http://schemas.microsoft.com/office/drawing/2017/decorative" val="1"/>
+                  <adec:decorative xmlns:adec="http://schemas.microsoft.com/office/drawing/2017/decorative" val="1"/>
                 </a:ext>
               </a:extLst>
             </p:cNvPr>
@@ -24184,7 +25588,7 @@
             <p:nvPr>
               <p:extLst>
                 <p:ext uri="{386F3935-93C4-4BCD-93E2-E3B085C9AB24}">
-                  <p16:designElem xmlns="" xmlns:p16="http://schemas.microsoft.com/office/powerpoint/2015/main" val="1"/>
+                  <p16:designElem xmlns:p16="http://schemas.microsoft.com/office/powerpoint/2015/main" val="1"/>
                 </p:ext>
               </p:extLst>
             </p:nvPr>
@@ -24252,10 +25656,10 @@
           <p:cNvPr id="38" name="Rectangle 37">
             <a:extLst>
               <a:ext uri="{FF2B5EF4-FFF2-40B4-BE49-F238E27FC236}">
-                <a16:creationId xmlns="" xmlns:a16="http://schemas.microsoft.com/office/drawing/2014/main" id="{1DB043B4-68C6-45B9-82AC-A5800EADB8DB}"/>
+                <a16:creationId xmlns:a16="http://schemas.microsoft.com/office/drawing/2014/main" id="{1DB043B4-68C6-45B9-82AC-A5800EADB8DB}"/>
               </a:ext>
               <a:ext uri="{C183D7F6-B498-43B3-948B-1728B52AA6E4}">
-                <adec:decorative xmlns="" xmlns:adec="http://schemas.microsoft.com/office/drawing/2017/decorative" val="1"/>
+                <adec:decorative xmlns:adec="http://schemas.microsoft.com/office/drawing/2017/decorative" val="1"/>
               </a:ext>
             </a:extLst>
           </p:cNvPr>
@@ -24265,7 +25669,7 @@
           <p:nvPr>
             <p:extLst>
               <p:ext uri="{386F3935-93C4-4BCD-93E2-E3B085C9AB24}">
-                <p16:designElem xmlns="" xmlns:p16="http://schemas.microsoft.com/office/powerpoint/2015/main" val="1"/>
+                <p16:designElem xmlns:p16="http://schemas.microsoft.com/office/powerpoint/2015/main" val="1"/>
               </p:ext>
             </p:extLst>
           </p:nvPr>
@@ -24328,7 +25732,7 @@
           <p:cNvPr id="18" name="Picture Placeholder 17">
             <a:extLst>
               <a:ext uri="{FF2B5EF4-FFF2-40B4-BE49-F238E27FC236}">
-                <a16:creationId xmlns="" xmlns:a16="http://schemas.microsoft.com/office/drawing/2014/main" id="{301557C2-9072-409B-88EC-E8577CEFCAFB}"/>
+                <a16:creationId xmlns:a16="http://schemas.microsoft.com/office/drawing/2014/main" id="{301557C2-9072-409B-88EC-E8577CEFCAFB}"/>
               </a:ext>
             </a:extLst>
           </p:cNvPr>
@@ -24384,7 +25788,7 @@
           <p:cNvPr id="19" name="Date Placeholder 18">
             <a:extLst>
               <a:ext uri="{FF2B5EF4-FFF2-40B4-BE49-F238E27FC236}">
-                <a16:creationId xmlns="" xmlns:a16="http://schemas.microsoft.com/office/drawing/2014/main" id="{386DB667-0553-4FB8-B0E0-776539934AFF}"/>
+                <a16:creationId xmlns:a16="http://schemas.microsoft.com/office/drawing/2014/main" id="{386DB667-0553-4FB8-B0E0-776539934AFF}"/>
               </a:ext>
             </a:extLst>
           </p:cNvPr>
@@ -24408,7 +25812,7 @@
               </a:spcAft>
             </a:pPr>
             <a:r>
-              <a:rPr lang="en-US" smtClean="0">
+              <a:rPr lang="en-US">
                 <a:solidFill>
                   <a:schemeClr val="tx1">
                     <a:alpha val="80000"/>
@@ -24417,13 +25821,6 @@
               </a:rPr>
               <a:t>Wednesday March 17, 2021</a:t>
             </a:r>
-            <a:endParaRPr lang="en-US">
-              <a:solidFill>
-                <a:schemeClr val="tx1">
-                  <a:alpha val="80000"/>
-                </a:schemeClr>
-              </a:solidFill>
-            </a:endParaRPr>
           </a:p>
         </p:txBody>
       </p:sp>
@@ -24432,7 +25829,7 @@
           <p:cNvPr id="20" name="Footer Placeholder 19">
             <a:extLst>
               <a:ext uri="{FF2B5EF4-FFF2-40B4-BE49-F238E27FC236}">
-                <a16:creationId xmlns="" xmlns:a16="http://schemas.microsoft.com/office/drawing/2014/main" id="{C77C6228-C5A8-44DC-ABD7-A22A4475D3DF}"/>
+                <a16:creationId xmlns:a16="http://schemas.microsoft.com/office/drawing/2014/main" id="{C77C6228-C5A8-44DC-ABD7-A22A4475D3DF}"/>
               </a:ext>
             </a:extLst>
           </p:cNvPr>
@@ -24456,7 +25853,7 @@
               </a:spcAft>
             </a:pPr>
             <a:r>
-              <a:rPr lang="en-US" kern="1200" smtClean="0">
+              <a:rPr lang="en-US" kern="1200">
                 <a:solidFill>
                   <a:schemeClr val="tx1">
                     <a:alpha val="80000"/>
@@ -24468,16 +25865,6 @@
               </a:rPr>
               <a:t>https://github.com/jenmusdat/BeerMachineLearning</a:t>
             </a:r>
-            <a:endParaRPr lang="en-US" kern="1200">
-              <a:solidFill>
-                <a:schemeClr val="tx1">
-                  <a:alpha val="80000"/>
-                </a:schemeClr>
-              </a:solidFill>
-              <a:latin typeface="+mn-lt"/>
-              <a:ea typeface="+mn-ea"/>
-              <a:cs typeface="+mn-cs"/>
-            </a:endParaRPr>
           </a:p>
         </p:txBody>
       </p:sp>
@@ -24486,7 +25873,7 @@
           <p:cNvPr id="21" name="Slide Number Placeholder 20">
             <a:extLst>
               <a:ext uri="{FF2B5EF4-FFF2-40B4-BE49-F238E27FC236}">
-                <a16:creationId xmlns="" xmlns:a16="http://schemas.microsoft.com/office/drawing/2014/main" id="{1C563B34-DD53-4FB1-B8C2-8914E01C6365}"/>
+                <a16:creationId xmlns:a16="http://schemas.microsoft.com/office/drawing/2014/main" id="{1C563B34-DD53-4FB1-B8C2-8914E01C6365}"/>
               </a:ext>
             </a:extLst>
           </p:cNvPr>
@@ -24522,7 +25909,7 @@
                   <a:spcPts val="600"/>
                 </a:spcAft>
               </a:pPr>
-              <a:t>8</a:t>
+              <a:t>9</a:t>
             </a:fld>
             <a:endParaRPr lang="en-US">
               <a:solidFill>
@@ -24539,7 +25926,7 @@
           <p:cNvPr id="14" name="Title 13">
             <a:extLst>
               <a:ext uri="{FF2B5EF4-FFF2-40B4-BE49-F238E27FC236}">
-                <a16:creationId xmlns="" xmlns:a16="http://schemas.microsoft.com/office/drawing/2014/main" id="{C15EE852-24F1-4643-8082-AB45CFF2BA10}"/>
+                <a16:creationId xmlns:a16="http://schemas.microsoft.com/office/drawing/2014/main" id="{C15EE852-24F1-4643-8082-AB45CFF2BA10}"/>
               </a:ext>
             </a:extLst>
           </p:cNvPr>
@@ -24581,10 +25968,10 @@
           <p:cNvPr id="40" name="Rectangle 39">
             <a:extLst>
               <a:ext uri="{FF2B5EF4-FFF2-40B4-BE49-F238E27FC236}">
-                <a16:creationId xmlns="" xmlns:a16="http://schemas.microsoft.com/office/drawing/2014/main" id="{3C64A91D-E535-4C24-A0E3-96A3810E3FDC}"/>
+                <a16:creationId xmlns:a16="http://schemas.microsoft.com/office/drawing/2014/main" id="{3C64A91D-E535-4C24-A0E3-96A3810E3FDC}"/>
               </a:ext>
               <a:ext uri="{C183D7F6-B498-43B3-948B-1728B52AA6E4}">
-                <adec:decorative xmlns="" xmlns:adec="http://schemas.microsoft.com/office/drawing/2017/decorative" val="1"/>
+                <adec:decorative xmlns:adec="http://schemas.microsoft.com/office/drawing/2017/decorative" val="1"/>
               </a:ext>
             </a:extLst>
           </p:cNvPr>
@@ -24594,7 +25981,7 @@
           <p:nvPr>
             <p:extLst>
               <p:ext uri="{386F3935-93C4-4BCD-93E2-E3B085C9AB24}">
-                <p16:designElem xmlns="" xmlns:p16="http://schemas.microsoft.com/office/powerpoint/2015/main" val="1"/>
+                <p16:designElem xmlns:p16="http://schemas.microsoft.com/office/powerpoint/2015/main" val="1"/>
               </p:ext>
             </p:extLst>
           </p:nvPr>
@@ -24662,1316 +26049,6 @@
   <p:clrMapOvr>
     <a:masterClrMapping/>
   </p:clrMapOvr>
-  <p:timing>
-    <p:tnLst>
-      <p:par>
-        <p:cTn id="1" dur="indefinite" restart="never" nodeType="tmRoot"/>
-      </p:par>
-    </p:tnLst>
-  </p:timing>
-</p:sld>
-</file>
-
-<file path=ppt/slides/slide9.xml><?xml version="1.0" encoding="utf-8"?>
-<p:sld xmlns:a="http://schemas.openxmlformats.org/drawingml/2006/main" xmlns:r="http://schemas.openxmlformats.org/officeDocument/2006/relationships" xmlns:p="http://schemas.openxmlformats.org/presentationml/2006/main">
-  <p:cSld>
-    <p:spTree>
-      <p:nvGrpSpPr>
-        <p:cNvPr id="1" name=""/>
-        <p:cNvGrpSpPr/>
-        <p:nvPr/>
-      </p:nvGrpSpPr>
-      <p:grpSpPr>
-        <a:xfrm>
-          <a:off x="0" y="0"/>
-          <a:ext cx="0" cy="0"/>
-          <a:chOff x="0" y="0"/>
-          <a:chExt cx="0" cy="0"/>
-        </a:xfrm>
-      </p:grpSpPr>
-      <p:sp>
-        <p:nvSpPr>
-          <p:cNvPr id="10" name="Title 9">
-            <a:extLst>
-              <a:ext uri="{FF2B5EF4-FFF2-40B4-BE49-F238E27FC236}">
-                <a16:creationId xmlns="" xmlns:a16="http://schemas.microsoft.com/office/drawing/2014/main" id="{11141A23-3245-413B-A849-2D9D2E484676}"/>
-              </a:ext>
-            </a:extLst>
-          </p:cNvPr>
-          <p:cNvSpPr>
-            <a:spLocks noGrp="1"/>
-          </p:cNvSpPr>
-          <p:nvPr>
-            <p:ph type="title"/>
-          </p:nvPr>
-        </p:nvSpPr>
-        <p:spPr/>
-        <p:txBody>
-          <a:bodyPr/>
-          <a:lstStyle/>
-          <a:p>
-            <a:r>
-              <a:rPr lang="en-US" dirty="0"/>
-              <a:t>Results</a:t>
-            </a:r>
-          </a:p>
-        </p:txBody>
-      </p:sp>
-      <p:sp>
-        <p:nvSpPr>
-          <p:cNvPr id="11" name="Text Placeholder 10">
-            <a:extLst>
-              <a:ext uri="{FF2B5EF4-FFF2-40B4-BE49-F238E27FC236}">
-                <a16:creationId xmlns="" xmlns:a16="http://schemas.microsoft.com/office/drawing/2014/main" id="{C252BADD-8097-43DD-9FB7-8BDFCF1A56DE}"/>
-              </a:ext>
-            </a:extLst>
-          </p:cNvPr>
-          <p:cNvSpPr>
-            <a:spLocks noGrp="1"/>
-          </p:cNvSpPr>
-          <p:nvPr>
-            <p:ph type="body" idx="1"/>
-          </p:nvPr>
-        </p:nvSpPr>
-        <p:spPr>
-          <a:xfrm>
-            <a:off x="550859" y="1215275"/>
-            <a:ext cx="5437186" cy="535354"/>
-          </a:xfrm>
-        </p:spPr>
-        <p:txBody>
-          <a:bodyPr/>
-          <a:lstStyle/>
-          <a:p>
-            <a:r>
-              <a:rPr lang="en-US" dirty="0"/>
-              <a:t>Two Dimensional</a:t>
-            </a:r>
-          </a:p>
-        </p:txBody>
-      </p:sp>
-      <p:pic>
-        <p:nvPicPr>
-          <p:cNvPr id="30" name="Content Placeholder 29" descr="Chart, scatter chart&#10;&#10;Description automatically generated">
-            <a:extLst>
-              <a:ext uri="{FF2B5EF4-FFF2-40B4-BE49-F238E27FC236}">
-                <a16:creationId xmlns="" xmlns:a16="http://schemas.microsoft.com/office/drawing/2014/main" id="{B5AE11C4-2F61-4B1A-AB66-3025FDE7F60A}"/>
-              </a:ext>
-            </a:extLst>
-          </p:cNvPr>
-          <p:cNvPicPr>
-            <a:picLocks noGrp="1" noChangeAspect="1"/>
-          </p:cNvPicPr>
-          <p:nvPr>
-            <p:ph sz="half" idx="2"/>
-          </p:nvPr>
-        </p:nvPicPr>
-        <p:blipFill>
-          <a:blip r:embed="rId2"/>
-          <a:stretch>
-            <a:fillRect/>
-          </a:stretch>
-        </p:blipFill>
-        <p:spPr>
-          <a:xfrm>
-            <a:off x="569900" y="2427288"/>
-            <a:ext cx="5391176" cy="3516312"/>
-          </a:xfrm>
-        </p:spPr>
-      </p:pic>
-      <p:sp>
-        <p:nvSpPr>
-          <p:cNvPr id="13" name="Text Placeholder 12">
-            <a:extLst>
-              <a:ext uri="{FF2B5EF4-FFF2-40B4-BE49-F238E27FC236}">
-                <a16:creationId xmlns="" xmlns:a16="http://schemas.microsoft.com/office/drawing/2014/main" id="{0859A9BC-4D8F-488D-AF3A-8FF9C6DE9123}"/>
-              </a:ext>
-            </a:extLst>
-          </p:cNvPr>
-          <p:cNvSpPr>
-            <a:spLocks noGrp="1"/>
-          </p:cNvSpPr>
-          <p:nvPr>
-            <p:ph type="body" sz="quarter" idx="3"/>
-          </p:nvPr>
-        </p:nvSpPr>
-        <p:spPr>
-          <a:xfrm>
-            <a:off x="6212024" y="1862489"/>
-            <a:ext cx="5436392" cy="404239"/>
-          </a:xfrm>
-        </p:spPr>
-        <p:txBody>
-          <a:bodyPr/>
-          <a:lstStyle/>
-          <a:p>
-            <a:r>
-              <a:rPr lang="en-US" dirty="0"/>
-              <a:t>Cosine distance = 0.2235</a:t>
-            </a:r>
-          </a:p>
-        </p:txBody>
-      </p:sp>
-      <p:pic>
-        <p:nvPicPr>
-          <p:cNvPr id="32" name="Content Placeholder 31" descr="Chart, scatter chart&#10;&#10;Description automatically generated">
-            <a:extLst>
-              <a:ext uri="{FF2B5EF4-FFF2-40B4-BE49-F238E27FC236}">
-                <a16:creationId xmlns="" xmlns:a16="http://schemas.microsoft.com/office/drawing/2014/main" id="{45712531-E93C-4F74-B5D7-6D877DC0E158}"/>
-              </a:ext>
-            </a:extLst>
-          </p:cNvPr>
-          <p:cNvPicPr>
-            <a:picLocks noGrp="1" noChangeAspect="1"/>
-          </p:cNvPicPr>
-          <p:nvPr>
-            <p:ph sz="quarter" idx="4"/>
-          </p:nvPr>
-        </p:nvPicPr>
-        <p:blipFill>
-          <a:blip r:embed="rId3"/>
-          <a:stretch>
-            <a:fillRect/>
-          </a:stretch>
-        </p:blipFill>
-        <p:spPr>
-          <a:xfrm>
-            <a:off x="6212024" y="2426695"/>
-            <a:ext cx="4997835" cy="3516312"/>
-          </a:xfrm>
-        </p:spPr>
-      </p:pic>
-      <p:sp>
-        <p:nvSpPr>
-          <p:cNvPr id="7" name="Date Placeholder 6">
-            <a:extLst>
-              <a:ext uri="{FF2B5EF4-FFF2-40B4-BE49-F238E27FC236}">
-                <a16:creationId xmlns="" xmlns:a16="http://schemas.microsoft.com/office/drawing/2014/main" id="{6C9769B6-7D27-4AAD-B7F1-024D10E1C336}"/>
-              </a:ext>
-            </a:extLst>
-          </p:cNvPr>
-          <p:cNvSpPr>
-            <a:spLocks noGrp="1"/>
-          </p:cNvSpPr>
-          <p:nvPr>
-            <p:ph type="dt" sz="half" idx="10"/>
-          </p:nvPr>
-        </p:nvSpPr>
-        <p:spPr/>
-        <p:txBody>
-          <a:bodyPr/>
-          <a:lstStyle/>
-          <a:p>
-            <a:r>
-              <a:rPr lang="en-US" smtClean="0"/>
-              <a:t>Wednesday March 17, 2021</a:t>
-            </a:r>
-            <a:endParaRPr lang="en-US"/>
-          </a:p>
-        </p:txBody>
-      </p:sp>
-      <p:sp>
-        <p:nvSpPr>
-          <p:cNvPr id="8" name="Footer Placeholder 7">
-            <a:extLst>
-              <a:ext uri="{FF2B5EF4-FFF2-40B4-BE49-F238E27FC236}">
-                <a16:creationId xmlns="" xmlns:a16="http://schemas.microsoft.com/office/drawing/2014/main" id="{C7026285-04C5-4037-8761-F916E119F47E}"/>
-              </a:ext>
-            </a:extLst>
-          </p:cNvPr>
-          <p:cNvSpPr>
-            <a:spLocks noGrp="1"/>
-          </p:cNvSpPr>
-          <p:nvPr>
-            <p:ph type="ftr" sz="quarter" idx="11"/>
-          </p:nvPr>
-        </p:nvSpPr>
-        <p:spPr/>
-        <p:txBody>
-          <a:bodyPr/>
-          <a:lstStyle/>
-          <a:p>
-            <a:r>
-              <a:rPr lang="en-US" smtClean="0"/>
-              <a:t>https://github.com/jenmusdat/BeerMachineLearning</a:t>
-            </a:r>
-            <a:endParaRPr lang="en-US"/>
-          </a:p>
-        </p:txBody>
-      </p:sp>
-      <p:sp>
-        <p:nvSpPr>
-          <p:cNvPr id="9" name="Slide Number Placeholder 8">
-            <a:extLst>
-              <a:ext uri="{FF2B5EF4-FFF2-40B4-BE49-F238E27FC236}">
-                <a16:creationId xmlns="" xmlns:a16="http://schemas.microsoft.com/office/drawing/2014/main" id="{6CDFEF72-70D2-4584-82FF-A79B4781D983}"/>
-              </a:ext>
-            </a:extLst>
-          </p:cNvPr>
-          <p:cNvSpPr>
-            <a:spLocks noGrp="1"/>
-          </p:cNvSpPr>
-          <p:nvPr>
-            <p:ph type="sldNum" sz="quarter" idx="12"/>
-          </p:nvPr>
-        </p:nvSpPr>
-        <p:spPr/>
-        <p:txBody>
-          <a:bodyPr/>
-          <a:lstStyle/>
-          <a:p>
-            <a:fld id="{DBA1B0FB-D917-4C8C-928F-313BD683BF39}" type="slidenum">
-              <a:rPr lang="en-US" smtClean="0"/>
-              <a:t>9</a:t>
-            </a:fld>
-            <a:endParaRPr lang="en-US"/>
-          </a:p>
-        </p:txBody>
-      </p:sp>
-      <p:sp>
-        <p:nvSpPr>
-          <p:cNvPr id="15" name="Text Placeholder 10">
-            <a:extLst>
-              <a:ext uri="{FF2B5EF4-FFF2-40B4-BE49-F238E27FC236}">
-                <a16:creationId xmlns="" xmlns:a16="http://schemas.microsoft.com/office/drawing/2014/main" id="{8151D13B-337F-464B-87F0-8EA3C048DF27}"/>
-              </a:ext>
-            </a:extLst>
-          </p:cNvPr>
-          <p:cNvSpPr txBox="1">
-            <a:spLocks/>
-          </p:cNvSpPr>
-          <p:nvPr/>
-        </p:nvSpPr>
-        <p:spPr>
-          <a:xfrm>
-            <a:off x="542791" y="1731375"/>
-            <a:ext cx="5437186" cy="535354"/>
-          </a:xfrm>
-          <a:prstGeom prst="rect">
-            <a:avLst/>
-          </a:prstGeom>
-        </p:spPr>
-        <p:txBody>
-          <a:bodyPr vert="horz" wrap="square" lIns="0" tIns="0" rIns="0" bIns="0" rtlCol="0" anchor="b">
-            <a:noAutofit/>
-          </a:bodyPr>
-          <a:lstStyle>
-            <a:lvl1pPr marL="0" indent="0" algn="l" defTabSz="914400" rtl="0" eaLnBrk="1" latinLnBrk="0" hangingPunct="1">
-              <a:lnSpc>
-                <a:spcPct val="110000"/>
-              </a:lnSpc>
-              <a:spcBef>
-                <a:spcPts val="1000"/>
-              </a:spcBef>
-              <a:spcAft>
-                <a:spcPts val="800"/>
-              </a:spcAft>
-              <a:buFont typeface="Arial" panose="020B0604020202020204" pitchFamily="34" charset="0"/>
-              <a:buNone/>
-              <a:defRPr sz="1400" b="0" kern="1200" cap="all" spc="200" baseline="0">
-                <a:solidFill>
-                  <a:schemeClr val="tx1"/>
-                </a:solidFill>
-                <a:latin typeface="+mn-lt"/>
-                <a:ea typeface="+mn-ea"/>
-                <a:cs typeface="+mn-cs"/>
-              </a:defRPr>
-            </a:lvl1pPr>
-            <a:lvl2pPr marL="457200" indent="0" algn="l" defTabSz="914400" rtl="0" eaLnBrk="1" latinLnBrk="0" hangingPunct="1">
-              <a:lnSpc>
-                <a:spcPct val="110000"/>
-              </a:lnSpc>
-              <a:spcBef>
-                <a:spcPts val="500"/>
-              </a:spcBef>
-              <a:spcAft>
-                <a:spcPts val="800"/>
-              </a:spcAft>
-              <a:buFont typeface="Arial" panose="020B0604020202020204" pitchFamily="34" charset="0"/>
-              <a:buNone/>
-              <a:defRPr sz="2000" b="1" kern="1200">
-                <a:solidFill>
-                  <a:schemeClr val="tx1">
-                    <a:alpha val="60000"/>
-                  </a:schemeClr>
-                </a:solidFill>
-                <a:latin typeface="+mn-lt"/>
-                <a:ea typeface="+mn-ea"/>
-                <a:cs typeface="+mn-cs"/>
-              </a:defRPr>
-            </a:lvl2pPr>
-            <a:lvl3pPr marL="914400" indent="0" algn="l" defTabSz="914400" rtl="0" eaLnBrk="1" latinLnBrk="0" hangingPunct="1">
-              <a:lnSpc>
-                <a:spcPct val="110000"/>
-              </a:lnSpc>
-              <a:spcBef>
-                <a:spcPts val="500"/>
-              </a:spcBef>
-              <a:spcAft>
-                <a:spcPts val="800"/>
-              </a:spcAft>
-              <a:buFont typeface="Arial" panose="020B0604020202020204" pitchFamily="34" charset="0"/>
-              <a:buNone/>
-              <a:defRPr sz="1800" b="1" kern="1200">
-                <a:solidFill>
-                  <a:schemeClr val="tx1">
-                    <a:alpha val="60000"/>
-                  </a:schemeClr>
-                </a:solidFill>
-                <a:latin typeface="+mn-lt"/>
-                <a:ea typeface="+mn-ea"/>
-                <a:cs typeface="+mn-cs"/>
-              </a:defRPr>
-            </a:lvl3pPr>
-            <a:lvl4pPr marL="1371600" indent="0" algn="l" defTabSz="914400" rtl="0" eaLnBrk="1" latinLnBrk="0" hangingPunct="1">
-              <a:lnSpc>
-                <a:spcPct val="110000"/>
-              </a:lnSpc>
-              <a:spcBef>
-                <a:spcPts val="500"/>
-              </a:spcBef>
-              <a:spcAft>
-                <a:spcPts val="800"/>
-              </a:spcAft>
-              <a:buFont typeface="Arial" panose="020B0604020202020204" pitchFamily="34" charset="0"/>
-              <a:buNone/>
-              <a:defRPr sz="1600" b="1" kern="1200">
-                <a:solidFill>
-                  <a:schemeClr val="tx1">
-                    <a:alpha val="60000"/>
-                  </a:schemeClr>
-                </a:solidFill>
-                <a:latin typeface="+mn-lt"/>
-                <a:ea typeface="+mn-ea"/>
-                <a:cs typeface="+mn-cs"/>
-              </a:defRPr>
-            </a:lvl4pPr>
-            <a:lvl5pPr marL="1828800" indent="0" algn="l" defTabSz="914400" rtl="0" eaLnBrk="1" latinLnBrk="0" hangingPunct="1">
-              <a:lnSpc>
-                <a:spcPct val="110000"/>
-              </a:lnSpc>
-              <a:spcBef>
-                <a:spcPts val="500"/>
-              </a:spcBef>
-              <a:spcAft>
-                <a:spcPts val="800"/>
-              </a:spcAft>
-              <a:buFont typeface="Arial" panose="020B0604020202020204" pitchFamily="34" charset="0"/>
-              <a:buNone/>
-              <a:defRPr sz="1600" b="1" kern="1200">
-                <a:solidFill>
-                  <a:schemeClr val="tx1">
-                    <a:alpha val="60000"/>
-                  </a:schemeClr>
-                </a:solidFill>
-                <a:latin typeface="+mn-lt"/>
-                <a:ea typeface="+mn-ea"/>
-                <a:cs typeface="+mn-cs"/>
-              </a:defRPr>
-            </a:lvl5pPr>
-            <a:lvl6pPr marL="2286000" indent="0" algn="l" defTabSz="914400" rtl="0" eaLnBrk="1" latinLnBrk="0" hangingPunct="1">
-              <a:lnSpc>
-                <a:spcPct val="90000"/>
-              </a:lnSpc>
-              <a:spcBef>
-                <a:spcPts val="500"/>
-              </a:spcBef>
-              <a:buFont typeface="Arial" panose="020B0604020202020204" pitchFamily="34" charset="0"/>
-              <a:buNone/>
-              <a:defRPr sz="1600" b="1" kern="1200">
-                <a:solidFill>
-                  <a:schemeClr val="tx1"/>
-                </a:solidFill>
-                <a:latin typeface="+mn-lt"/>
-                <a:ea typeface="+mn-ea"/>
-                <a:cs typeface="+mn-cs"/>
-              </a:defRPr>
-            </a:lvl6pPr>
-            <a:lvl7pPr marL="2743200" indent="0" algn="l" defTabSz="914400" rtl="0" eaLnBrk="1" latinLnBrk="0" hangingPunct="1">
-              <a:lnSpc>
-                <a:spcPct val="90000"/>
-              </a:lnSpc>
-              <a:spcBef>
-                <a:spcPts val="500"/>
-              </a:spcBef>
-              <a:buFont typeface="Arial" panose="020B0604020202020204" pitchFamily="34" charset="0"/>
-              <a:buNone/>
-              <a:defRPr sz="1600" b="1" kern="1200">
-                <a:solidFill>
-                  <a:schemeClr val="tx1"/>
-                </a:solidFill>
-                <a:latin typeface="+mn-lt"/>
-                <a:ea typeface="+mn-ea"/>
-                <a:cs typeface="+mn-cs"/>
-              </a:defRPr>
-            </a:lvl7pPr>
-            <a:lvl8pPr marL="3200400" indent="0" algn="l" defTabSz="914400" rtl="0" eaLnBrk="1" latinLnBrk="0" hangingPunct="1">
-              <a:lnSpc>
-                <a:spcPct val="90000"/>
-              </a:lnSpc>
-              <a:spcBef>
-                <a:spcPts val="500"/>
-              </a:spcBef>
-              <a:buFont typeface="Arial" panose="020B0604020202020204" pitchFamily="34" charset="0"/>
-              <a:buNone/>
-              <a:defRPr sz="1600" b="1" kern="1200">
-                <a:solidFill>
-                  <a:schemeClr val="tx1"/>
-                </a:solidFill>
-                <a:latin typeface="+mn-lt"/>
-                <a:ea typeface="+mn-ea"/>
-                <a:cs typeface="+mn-cs"/>
-              </a:defRPr>
-            </a:lvl8pPr>
-            <a:lvl9pPr marL="3657600" indent="0" algn="l" defTabSz="914400" rtl="0" eaLnBrk="1" latinLnBrk="0" hangingPunct="1">
-              <a:lnSpc>
-                <a:spcPct val="90000"/>
-              </a:lnSpc>
-              <a:spcBef>
-                <a:spcPts val="500"/>
-              </a:spcBef>
-              <a:buFont typeface="Arial" panose="020B0604020202020204" pitchFamily="34" charset="0"/>
-              <a:buNone/>
-              <a:defRPr sz="1600" b="1" kern="1200">
-                <a:solidFill>
-                  <a:schemeClr val="tx1"/>
-                </a:solidFill>
-                <a:latin typeface="+mn-lt"/>
-                <a:ea typeface="+mn-ea"/>
-                <a:cs typeface="+mn-cs"/>
-              </a:defRPr>
-            </a:lvl9pPr>
-          </a:lstStyle>
-          <a:p>
-            <a:r>
-              <a:rPr lang="en-US" dirty="0"/>
-              <a:t>Cosine distance = 0.1127</a:t>
-            </a:r>
-          </a:p>
-        </p:txBody>
-      </p:sp>
-      <p:sp>
-        <p:nvSpPr>
-          <p:cNvPr id="16" name="Text Placeholder 12">
-            <a:extLst>
-              <a:ext uri="{FF2B5EF4-FFF2-40B4-BE49-F238E27FC236}">
-                <a16:creationId xmlns="" xmlns:a16="http://schemas.microsoft.com/office/drawing/2014/main" id="{3F0D04FF-8AAF-45F8-86BD-F1A55F837EDF}"/>
-              </a:ext>
-            </a:extLst>
-          </p:cNvPr>
-          <p:cNvSpPr txBox="1">
-            <a:spLocks/>
-          </p:cNvSpPr>
-          <p:nvPr/>
-        </p:nvSpPr>
-        <p:spPr>
-          <a:xfrm>
-            <a:off x="6203956" y="1327729"/>
-            <a:ext cx="5436392" cy="535354"/>
-          </a:xfrm>
-          <a:prstGeom prst="rect">
-            <a:avLst/>
-          </a:prstGeom>
-        </p:spPr>
-        <p:txBody>
-          <a:bodyPr vert="horz" wrap="square" lIns="0" tIns="0" rIns="0" bIns="0" rtlCol="0" anchor="b">
-            <a:noAutofit/>
-          </a:bodyPr>
-          <a:lstStyle>
-            <a:lvl1pPr marL="228600" indent="-228600" algn="l" defTabSz="914400" rtl="0" eaLnBrk="1" latinLnBrk="0" hangingPunct="1">
-              <a:lnSpc>
-                <a:spcPct val="110000"/>
-              </a:lnSpc>
-              <a:spcBef>
-                <a:spcPts val="1000"/>
-              </a:spcBef>
-              <a:spcAft>
-                <a:spcPts val="800"/>
-              </a:spcAft>
-              <a:buFont typeface="Arial" panose="020B0604020202020204" pitchFamily="34" charset="0"/>
-              <a:buNone/>
-              <a:defRPr lang="en-US" sz="1400" b="0" kern="1200" cap="all" spc="200" baseline="0" dirty="0">
-                <a:solidFill>
-                  <a:schemeClr val="tx1"/>
-                </a:solidFill>
-                <a:latin typeface="+mn-lt"/>
-                <a:ea typeface="+mn-ea"/>
-                <a:cs typeface="+mn-cs"/>
-              </a:defRPr>
-            </a:lvl1pPr>
-            <a:lvl2pPr marL="685800" indent="-228600" algn="l" defTabSz="914400" rtl="0" eaLnBrk="1" latinLnBrk="0" hangingPunct="1">
-              <a:lnSpc>
-                <a:spcPct val="110000"/>
-              </a:lnSpc>
-              <a:spcBef>
-                <a:spcPts val="500"/>
-              </a:spcBef>
-              <a:spcAft>
-                <a:spcPts val="800"/>
-              </a:spcAft>
-              <a:buFont typeface="Arial" panose="020B0604020202020204" pitchFamily="34" charset="0"/>
-              <a:buChar char="•"/>
-              <a:defRPr sz="1400" kern="1200">
-                <a:solidFill>
-                  <a:schemeClr val="tx1">
-                    <a:alpha val="60000"/>
-                  </a:schemeClr>
-                </a:solidFill>
-                <a:latin typeface="+mn-lt"/>
-                <a:ea typeface="+mn-ea"/>
-                <a:cs typeface="+mn-cs"/>
-              </a:defRPr>
-            </a:lvl2pPr>
-            <a:lvl3pPr marL="1143000" indent="-228600" algn="l" defTabSz="914400" rtl="0" eaLnBrk="1" latinLnBrk="0" hangingPunct="1">
-              <a:lnSpc>
-                <a:spcPct val="110000"/>
-              </a:lnSpc>
-              <a:spcBef>
-                <a:spcPts val="500"/>
-              </a:spcBef>
-              <a:spcAft>
-                <a:spcPts val="800"/>
-              </a:spcAft>
-              <a:buFont typeface="Arial" panose="020B0604020202020204" pitchFamily="34" charset="0"/>
-              <a:buChar char="•"/>
-              <a:defRPr sz="1400" kern="1200">
-                <a:solidFill>
-                  <a:schemeClr val="tx1">
-                    <a:alpha val="60000"/>
-                  </a:schemeClr>
-                </a:solidFill>
-                <a:latin typeface="+mn-lt"/>
-                <a:ea typeface="+mn-ea"/>
-                <a:cs typeface="+mn-cs"/>
-              </a:defRPr>
-            </a:lvl3pPr>
-            <a:lvl4pPr marL="1600200" indent="-228600" algn="l" defTabSz="914400" rtl="0" eaLnBrk="1" latinLnBrk="0" hangingPunct="1">
-              <a:lnSpc>
-                <a:spcPct val="110000"/>
-              </a:lnSpc>
-              <a:spcBef>
-                <a:spcPts val="500"/>
-              </a:spcBef>
-              <a:spcAft>
-                <a:spcPts val="800"/>
-              </a:spcAft>
-              <a:buFont typeface="Arial" panose="020B0604020202020204" pitchFamily="34" charset="0"/>
-              <a:buChar char="•"/>
-              <a:defRPr sz="1400" kern="1200">
-                <a:solidFill>
-                  <a:schemeClr val="tx1">
-                    <a:alpha val="60000"/>
-                  </a:schemeClr>
-                </a:solidFill>
-                <a:latin typeface="+mn-lt"/>
-                <a:ea typeface="+mn-ea"/>
-                <a:cs typeface="+mn-cs"/>
-              </a:defRPr>
-            </a:lvl4pPr>
-            <a:lvl5pPr marL="2057400" indent="-228600" algn="l" defTabSz="914400" rtl="0" eaLnBrk="1" latinLnBrk="0" hangingPunct="1">
-              <a:lnSpc>
-                <a:spcPct val="110000"/>
-              </a:lnSpc>
-              <a:spcBef>
-                <a:spcPts val="500"/>
-              </a:spcBef>
-              <a:spcAft>
-                <a:spcPts val="800"/>
-              </a:spcAft>
-              <a:buFont typeface="Arial" panose="020B0604020202020204" pitchFamily="34" charset="0"/>
-              <a:buChar char="•"/>
-              <a:defRPr sz="1400" kern="1200">
-                <a:solidFill>
-                  <a:schemeClr val="tx1">
-                    <a:alpha val="60000"/>
-                  </a:schemeClr>
-                </a:solidFill>
-                <a:latin typeface="+mn-lt"/>
-                <a:ea typeface="+mn-ea"/>
-                <a:cs typeface="+mn-cs"/>
-              </a:defRPr>
-            </a:lvl5pPr>
-            <a:lvl6pPr marL="2514600" indent="-228600" algn="l" defTabSz="914400" rtl="0" eaLnBrk="1" latinLnBrk="0" hangingPunct="1">
-              <a:lnSpc>
-                <a:spcPct val="90000"/>
-              </a:lnSpc>
-              <a:spcBef>
-                <a:spcPts val="500"/>
-              </a:spcBef>
-              <a:buFont typeface="Arial" panose="020B0604020202020204" pitchFamily="34" charset="0"/>
-              <a:buChar char="•"/>
-              <a:defRPr sz="1800" kern="1200">
-                <a:solidFill>
-                  <a:schemeClr val="tx1"/>
-                </a:solidFill>
-                <a:latin typeface="+mn-lt"/>
-                <a:ea typeface="+mn-ea"/>
-                <a:cs typeface="+mn-cs"/>
-              </a:defRPr>
-            </a:lvl6pPr>
-            <a:lvl7pPr marL="2971800" indent="-228600" algn="l" defTabSz="914400" rtl="0" eaLnBrk="1" latinLnBrk="0" hangingPunct="1">
-              <a:lnSpc>
-                <a:spcPct val="90000"/>
-              </a:lnSpc>
-              <a:spcBef>
-                <a:spcPts val="500"/>
-              </a:spcBef>
-              <a:buFont typeface="Arial" panose="020B0604020202020204" pitchFamily="34" charset="0"/>
-              <a:buChar char="•"/>
-              <a:defRPr sz="1800" kern="1200">
-                <a:solidFill>
-                  <a:schemeClr val="tx1"/>
-                </a:solidFill>
-                <a:latin typeface="+mn-lt"/>
-                <a:ea typeface="+mn-ea"/>
-                <a:cs typeface="+mn-cs"/>
-              </a:defRPr>
-            </a:lvl7pPr>
-            <a:lvl8pPr marL="3429000" indent="-228600" algn="l" defTabSz="914400" rtl="0" eaLnBrk="1" latinLnBrk="0" hangingPunct="1">
-              <a:lnSpc>
-                <a:spcPct val="90000"/>
-              </a:lnSpc>
-              <a:spcBef>
-                <a:spcPts val="500"/>
-              </a:spcBef>
-              <a:buFont typeface="Arial" panose="020B0604020202020204" pitchFamily="34" charset="0"/>
-              <a:buChar char="•"/>
-              <a:defRPr sz="1800" kern="1200">
-                <a:solidFill>
-                  <a:schemeClr val="tx1"/>
-                </a:solidFill>
-                <a:latin typeface="+mn-lt"/>
-                <a:ea typeface="+mn-ea"/>
-                <a:cs typeface="+mn-cs"/>
-              </a:defRPr>
-            </a:lvl8pPr>
-            <a:lvl9pPr marL="3886200" indent="-228600" algn="l" defTabSz="914400" rtl="0" eaLnBrk="1" latinLnBrk="0" hangingPunct="1">
-              <a:lnSpc>
-                <a:spcPct val="90000"/>
-              </a:lnSpc>
-              <a:spcBef>
-                <a:spcPts val="500"/>
-              </a:spcBef>
-              <a:buFont typeface="Arial" panose="020B0604020202020204" pitchFamily="34" charset="0"/>
-              <a:buChar char="•"/>
-              <a:defRPr sz="1800" kern="1200">
-                <a:solidFill>
-                  <a:schemeClr val="tx1"/>
-                </a:solidFill>
-                <a:latin typeface="+mn-lt"/>
-                <a:ea typeface="+mn-ea"/>
-                <a:cs typeface="+mn-cs"/>
-              </a:defRPr>
-            </a:lvl9pPr>
-          </a:lstStyle>
-          <a:p>
-            <a:r>
-              <a:rPr lang="en-US" dirty="0"/>
-              <a:t>3-d</a:t>
-            </a:r>
-          </a:p>
-        </p:txBody>
-      </p:sp>
-    </p:spTree>
-    <p:extLst>
-      <p:ext uri="{BB962C8B-B14F-4D97-AF65-F5344CB8AC3E}">
-        <p14:creationId xmlns:p14="http://schemas.microsoft.com/office/powerpoint/2010/main" val="2433461697"/>
-      </p:ext>
-    </p:extLst>
-  </p:cSld>
-  <p:clrMapOvr>
-    <a:masterClrMapping/>
-  </p:clrMapOvr>
-  <p:timing>
-    <p:tnLst>
-      <p:par>
-        <p:cTn id="1" dur="indefinite" restart="never" nodeType="tmRoot">
-          <p:childTnLst>
-            <p:seq concurrent="1" nextAc="seek">
-              <p:cTn id="2" dur="indefinite" nodeType="mainSeq">
-                <p:childTnLst>
-                  <p:par>
-                    <p:cTn id="3" fill="hold">
-                      <p:stCondLst>
-                        <p:cond delay="indefinite"/>
-                      </p:stCondLst>
-                      <p:childTnLst>
-                        <p:par>
-                          <p:cTn id="4" fill="hold">
-                            <p:stCondLst>
-                              <p:cond delay="0"/>
-                            </p:stCondLst>
-                            <p:childTnLst>
-                              <p:par>
-                                <p:cTn id="5" presetID="42" presetClass="entr" presetSubtype="0" fill="hold" grpId="0" nodeType="clickEffect">
-                                  <p:stCondLst>
-                                    <p:cond delay="0"/>
-                                  </p:stCondLst>
-                                  <p:childTnLst>
-                                    <p:set>
-                                      <p:cBhvr>
-                                        <p:cTn id="6" dur="1" fill="hold">
-                                          <p:stCondLst>
-                                            <p:cond delay="0"/>
-                                          </p:stCondLst>
-                                        </p:cTn>
-                                        <p:tgtEl>
-                                          <p:spTgt spid="11">
-                                            <p:txEl>
-                                              <p:pRg st="0" end="0"/>
-                                            </p:txEl>
-                                          </p:spTgt>
-                                        </p:tgtEl>
-                                        <p:attrNameLst>
-                                          <p:attrName>style.visibility</p:attrName>
-                                        </p:attrNameLst>
-                                      </p:cBhvr>
-                                      <p:to>
-                                        <p:strVal val="visible"/>
-                                      </p:to>
-                                    </p:set>
-                                    <p:animEffect transition="in" filter="fade">
-                                      <p:cBhvr>
-                                        <p:cTn id="7" dur="1000"/>
-                                        <p:tgtEl>
-                                          <p:spTgt spid="11">
-                                            <p:txEl>
-                                              <p:pRg st="0" end="0"/>
-                                            </p:txEl>
-                                          </p:spTgt>
-                                        </p:tgtEl>
-                                      </p:cBhvr>
-                                    </p:animEffect>
-                                    <p:anim calcmode="lin" valueType="num">
-                                      <p:cBhvr>
-                                        <p:cTn id="8" dur="1000" fill="hold"/>
-                                        <p:tgtEl>
-                                          <p:spTgt spid="11">
-                                            <p:txEl>
-                                              <p:pRg st="0" end="0"/>
-                                            </p:txEl>
-                                          </p:spTgt>
-                                        </p:tgtEl>
-                                        <p:attrNameLst>
-                                          <p:attrName>ppt_x</p:attrName>
-                                        </p:attrNameLst>
-                                      </p:cBhvr>
-                                      <p:tavLst>
-                                        <p:tav tm="0">
-                                          <p:val>
-                                            <p:strVal val="#ppt_x"/>
-                                          </p:val>
-                                        </p:tav>
-                                        <p:tav tm="100000">
-                                          <p:val>
-                                            <p:strVal val="#ppt_x"/>
-                                          </p:val>
-                                        </p:tav>
-                                      </p:tavLst>
-                                    </p:anim>
-                                    <p:anim calcmode="lin" valueType="num">
-                                      <p:cBhvr>
-                                        <p:cTn id="9" dur="1000" fill="hold"/>
-                                        <p:tgtEl>
-                                          <p:spTgt spid="11">
-                                            <p:txEl>
-                                              <p:pRg st="0" end="0"/>
-                                            </p:txEl>
-                                          </p:spTgt>
-                                        </p:tgtEl>
-                                        <p:attrNameLst>
-                                          <p:attrName>ppt_y</p:attrName>
-                                        </p:attrNameLst>
-                                      </p:cBhvr>
-                                      <p:tavLst>
-                                        <p:tav tm="0">
-                                          <p:val>
-                                            <p:strVal val="#ppt_y+.1"/>
-                                          </p:val>
-                                        </p:tav>
-                                        <p:tav tm="100000">
-                                          <p:val>
-                                            <p:strVal val="#ppt_y"/>
-                                          </p:val>
-                                        </p:tav>
-                                      </p:tavLst>
-                                    </p:anim>
-                                  </p:childTnLst>
-                                </p:cTn>
-                              </p:par>
-                              <p:par>
-                                <p:cTn id="10" presetID="42" presetClass="entr" presetSubtype="0" fill="hold" grpId="0" nodeType="withEffect">
-                                  <p:stCondLst>
-                                    <p:cond delay="0"/>
-                                  </p:stCondLst>
-                                  <p:childTnLst>
-                                    <p:set>
-                                      <p:cBhvr>
-                                        <p:cTn id="11" dur="1" fill="hold">
-                                          <p:stCondLst>
-                                            <p:cond delay="0"/>
-                                          </p:stCondLst>
-                                        </p:cTn>
-                                        <p:tgtEl>
-                                          <p:spTgt spid="15"/>
-                                        </p:tgtEl>
-                                        <p:attrNameLst>
-                                          <p:attrName>style.visibility</p:attrName>
-                                        </p:attrNameLst>
-                                      </p:cBhvr>
-                                      <p:to>
-                                        <p:strVal val="visible"/>
-                                      </p:to>
-                                    </p:set>
-                                    <p:animEffect transition="in" filter="fade">
-                                      <p:cBhvr>
-                                        <p:cTn id="12" dur="1000"/>
-                                        <p:tgtEl>
-                                          <p:spTgt spid="15"/>
-                                        </p:tgtEl>
-                                      </p:cBhvr>
-                                    </p:animEffect>
-                                    <p:anim calcmode="lin" valueType="num">
-                                      <p:cBhvr>
-                                        <p:cTn id="13" dur="1000" fill="hold"/>
-                                        <p:tgtEl>
-                                          <p:spTgt spid="15"/>
-                                        </p:tgtEl>
-                                        <p:attrNameLst>
-                                          <p:attrName>ppt_x</p:attrName>
-                                        </p:attrNameLst>
-                                      </p:cBhvr>
-                                      <p:tavLst>
-                                        <p:tav tm="0">
-                                          <p:val>
-                                            <p:strVal val="#ppt_x"/>
-                                          </p:val>
-                                        </p:tav>
-                                        <p:tav tm="100000">
-                                          <p:val>
-                                            <p:strVal val="#ppt_x"/>
-                                          </p:val>
-                                        </p:tav>
-                                      </p:tavLst>
-                                    </p:anim>
-                                    <p:anim calcmode="lin" valueType="num">
-                                      <p:cBhvr>
-                                        <p:cTn id="14" dur="1000" fill="hold"/>
-                                        <p:tgtEl>
-                                          <p:spTgt spid="15"/>
-                                        </p:tgtEl>
-                                        <p:attrNameLst>
-                                          <p:attrName>ppt_y</p:attrName>
-                                        </p:attrNameLst>
-                                      </p:cBhvr>
-                                      <p:tavLst>
-                                        <p:tav tm="0">
-                                          <p:val>
-                                            <p:strVal val="#ppt_y+.1"/>
-                                          </p:val>
-                                        </p:tav>
-                                        <p:tav tm="100000">
-                                          <p:val>
-                                            <p:strVal val="#ppt_y"/>
-                                          </p:val>
-                                        </p:tav>
-                                      </p:tavLst>
-                                    </p:anim>
-                                  </p:childTnLst>
-                                </p:cTn>
-                              </p:par>
-                              <p:par>
-                                <p:cTn id="15" presetID="42" presetClass="entr" presetSubtype="0" fill="hold" nodeType="withEffect">
-                                  <p:stCondLst>
-                                    <p:cond delay="0"/>
-                                  </p:stCondLst>
-                                  <p:childTnLst>
-                                    <p:set>
-                                      <p:cBhvr>
-                                        <p:cTn id="16" dur="1" fill="hold">
-                                          <p:stCondLst>
-                                            <p:cond delay="0"/>
-                                          </p:stCondLst>
-                                        </p:cTn>
-                                        <p:tgtEl>
-                                          <p:spTgt spid="30"/>
-                                        </p:tgtEl>
-                                        <p:attrNameLst>
-                                          <p:attrName>style.visibility</p:attrName>
-                                        </p:attrNameLst>
-                                      </p:cBhvr>
-                                      <p:to>
-                                        <p:strVal val="visible"/>
-                                      </p:to>
-                                    </p:set>
-                                    <p:animEffect transition="in" filter="fade">
-                                      <p:cBhvr>
-                                        <p:cTn id="17" dur="1000"/>
-                                        <p:tgtEl>
-                                          <p:spTgt spid="30"/>
-                                        </p:tgtEl>
-                                      </p:cBhvr>
-                                    </p:animEffect>
-                                    <p:anim calcmode="lin" valueType="num">
-                                      <p:cBhvr>
-                                        <p:cTn id="18" dur="1000" fill="hold"/>
-                                        <p:tgtEl>
-                                          <p:spTgt spid="30"/>
-                                        </p:tgtEl>
-                                        <p:attrNameLst>
-                                          <p:attrName>ppt_x</p:attrName>
-                                        </p:attrNameLst>
-                                      </p:cBhvr>
-                                      <p:tavLst>
-                                        <p:tav tm="0">
-                                          <p:val>
-                                            <p:strVal val="#ppt_x"/>
-                                          </p:val>
-                                        </p:tav>
-                                        <p:tav tm="100000">
-                                          <p:val>
-                                            <p:strVal val="#ppt_x"/>
-                                          </p:val>
-                                        </p:tav>
-                                      </p:tavLst>
-                                    </p:anim>
-                                    <p:anim calcmode="lin" valueType="num">
-                                      <p:cBhvr>
-                                        <p:cTn id="19" dur="1000" fill="hold"/>
-                                        <p:tgtEl>
-                                          <p:spTgt spid="30"/>
-                                        </p:tgtEl>
-                                        <p:attrNameLst>
-                                          <p:attrName>ppt_y</p:attrName>
-                                        </p:attrNameLst>
-                                      </p:cBhvr>
-                                      <p:tavLst>
-                                        <p:tav tm="0">
-                                          <p:val>
-                                            <p:strVal val="#ppt_y+.1"/>
-                                          </p:val>
-                                        </p:tav>
-                                        <p:tav tm="100000">
-                                          <p:val>
-                                            <p:strVal val="#ppt_y"/>
-                                          </p:val>
-                                        </p:tav>
-                                      </p:tavLst>
-                                    </p:anim>
-                                  </p:childTnLst>
-                                </p:cTn>
-                              </p:par>
-                            </p:childTnLst>
-                          </p:cTn>
-                        </p:par>
-                      </p:childTnLst>
-                    </p:cTn>
-                  </p:par>
-                  <p:par>
-                    <p:cTn id="20" fill="hold">
-                      <p:stCondLst>
-                        <p:cond delay="indefinite"/>
-                      </p:stCondLst>
-                      <p:childTnLst>
-                        <p:par>
-                          <p:cTn id="21" fill="hold">
-                            <p:stCondLst>
-                              <p:cond delay="0"/>
-                            </p:stCondLst>
-                            <p:childTnLst>
-                              <p:par>
-                                <p:cTn id="22" presetID="42" presetClass="entr" presetSubtype="0" fill="hold" grpId="0" nodeType="clickEffect">
-                                  <p:stCondLst>
-                                    <p:cond delay="0"/>
-                                  </p:stCondLst>
-                                  <p:childTnLst>
-                                    <p:set>
-                                      <p:cBhvr>
-                                        <p:cTn id="23" dur="1" fill="hold">
-                                          <p:stCondLst>
-                                            <p:cond delay="0"/>
-                                          </p:stCondLst>
-                                        </p:cTn>
-                                        <p:tgtEl>
-                                          <p:spTgt spid="16"/>
-                                        </p:tgtEl>
-                                        <p:attrNameLst>
-                                          <p:attrName>style.visibility</p:attrName>
-                                        </p:attrNameLst>
-                                      </p:cBhvr>
-                                      <p:to>
-                                        <p:strVal val="visible"/>
-                                      </p:to>
-                                    </p:set>
-                                    <p:animEffect transition="in" filter="fade">
-                                      <p:cBhvr>
-                                        <p:cTn id="24" dur="1000"/>
-                                        <p:tgtEl>
-                                          <p:spTgt spid="16"/>
-                                        </p:tgtEl>
-                                      </p:cBhvr>
-                                    </p:animEffect>
-                                    <p:anim calcmode="lin" valueType="num">
-                                      <p:cBhvr>
-                                        <p:cTn id="25" dur="1000" fill="hold"/>
-                                        <p:tgtEl>
-                                          <p:spTgt spid="16"/>
-                                        </p:tgtEl>
-                                        <p:attrNameLst>
-                                          <p:attrName>ppt_x</p:attrName>
-                                        </p:attrNameLst>
-                                      </p:cBhvr>
-                                      <p:tavLst>
-                                        <p:tav tm="0">
-                                          <p:val>
-                                            <p:strVal val="#ppt_x"/>
-                                          </p:val>
-                                        </p:tav>
-                                        <p:tav tm="100000">
-                                          <p:val>
-                                            <p:strVal val="#ppt_x"/>
-                                          </p:val>
-                                        </p:tav>
-                                      </p:tavLst>
-                                    </p:anim>
-                                    <p:anim calcmode="lin" valueType="num">
-                                      <p:cBhvr>
-                                        <p:cTn id="26" dur="1000" fill="hold"/>
-                                        <p:tgtEl>
-                                          <p:spTgt spid="16"/>
-                                        </p:tgtEl>
-                                        <p:attrNameLst>
-                                          <p:attrName>ppt_y</p:attrName>
-                                        </p:attrNameLst>
-                                      </p:cBhvr>
-                                      <p:tavLst>
-                                        <p:tav tm="0">
-                                          <p:val>
-                                            <p:strVal val="#ppt_y+.1"/>
-                                          </p:val>
-                                        </p:tav>
-                                        <p:tav tm="100000">
-                                          <p:val>
-                                            <p:strVal val="#ppt_y"/>
-                                          </p:val>
-                                        </p:tav>
-                                      </p:tavLst>
-                                    </p:anim>
-                                  </p:childTnLst>
-                                </p:cTn>
-                              </p:par>
-                              <p:par>
-                                <p:cTn id="27" presetID="42" presetClass="entr" presetSubtype="0" fill="hold" grpId="0" nodeType="withEffect">
-                                  <p:stCondLst>
-                                    <p:cond delay="0"/>
-                                  </p:stCondLst>
-                                  <p:childTnLst>
-                                    <p:set>
-                                      <p:cBhvr>
-                                        <p:cTn id="28" dur="1" fill="hold">
-                                          <p:stCondLst>
-                                            <p:cond delay="0"/>
-                                          </p:stCondLst>
-                                        </p:cTn>
-                                        <p:tgtEl>
-                                          <p:spTgt spid="13">
-                                            <p:txEl>
-                                              <p:pRg st="0" end="0"/>
-                                            </p:txEl>
-                                          </p:spTgt>
-                                        </p:tgtEl>
-                                        <p:attrNameLst>
-                                          <p:attrName>style.visibility</p:attrName>
-                                        </p:attrNameLst>
-                                      </p:cBhvr>
-                                      <p:to>
-                                        <p:strVal val="visible"/>
-                                      </p:to>
-                                    </p:set>
-                                    <p:animEffect transition="in" filter="fade">
-                                      <p:cBhvr>
-                                        <p:cTn id="29" dur="1000"/>
-                                        <p:tgtEl>
-                                          <p:spTgt spid="13">
-                                            <p:txEl>
-                                              <p:pRg st="0" end="0"/>
-                                            </p:txEl>
-                                          </p:spTgt>
-                                        </p:tgtEl>
-                                      </p:cBhvr>
-                                    </p:animEffect>
-                                    <p:anim calcmode="lin" valueType="num">
-                                      <p:cBhvr>
-                                        <p:cTn id="30" dur="1000" fill="hold"/>
-                                        <p:tgtEl>
-                                          <p:spTgt spid="13">
-                                            <p:txEl>
-                                              <p:pRg st="0" end="0"/>
-                                            </p:txEl>
-                                          </p:spTgt>
-                                        </p:tgtEl>
-                                        <p:attrNameLst>
-                                          <p:attrName>ppt_x</p:attrName>
-                                        </p:attrNameLst>
-                                      </p:cBhvr>
-                                      <p:tavLst>
-                                        <p:tav tm="0">
-                                          <p:val>
-                                            <p:strVal val="#ppt_x"/>
-                                          </p:val>
-                                        </p:tav>
-                                        <p:tav tm="100000">
-                                          <p:val>
-                                            <p:strVal val="#ppt_x"/>
-                                          </p:val>
-                                        </p:tav>
-                                      </p:tavLst>
-                                    </p:anim>
-                                    <p:anim calcmode="lin" valueType="num">
-                                      <p:cBhvr>
-                                        <p:cTn id="31" dur="1000" fill="hold"/>
-                                        <p:tgtEl>
-                                          <p:spTgt spid="13">
-                                            <p:txEl>
-                                              <p:pRg st="0" end="0"/>
-                                            </p:txEl>
-                                          </p:spTgt>
-                                        </p:tgtEl>
-                                        <p:attrNameLst>
-                                          <p:attrName>ppt_y</p:attrName>
-                                        </p:attrNameLst>
-                                      </p:cBhvr>
-                                      <p:tavLst>
-                                        <p:tav tm="0">
-                                          <p:val>
-                                            <p:strVal val="#ppt_y+.1"/>
-                                          </p:val>
-                                        </p:tav>
-                                        <p:tav tm="100000">
-                                          <p:val>
-                                            <p:strVal val="#ppt_y"/>
-                                          </p:val>
-                                        </p:tav>
-                                      </p:tavLst>
-                                    </p:anim>
-                                  </p:childTnLst>
-                                </p:cTn>
-                              </p:par>
-                              <p:par>
-                                <p:cTn id="32" presetID="42" presetClass="entr" presetSubtype="0" fill="hold" nodeType="withEffect">
-                                  <p:stCondLst>
-                                    <p:cond delay="0"/>
-                                  </p:stCondLst>
-                                  <p:childTnLst>
-                                    <p:set>
-                                      <p:cBhvr>
-                                        <p:cTn id="33" dur="1" fill="hold">
-                                          <p:stCondLst>
-                                            <p:cond delay="0"/>
-                                          </p:stCondLst>
-                                        </p:cTn>
-                                        <p:tgtEl>
-                                          <p:spTgt spid="32"/>
-                                        </p:tgtEl>
-                                        <p:attrNameLst>
-                                          <p:attrName>style.visibility</p:attrName>
-                                        </p:attrNameLst>
-                                      </p:cBhvr>
-                                      <p:to>
-                                        <p:strVal val="visible"/>
-                                      </p:to>
-                                    </p:set>
-                                    <p:animEffect transition="in" filter="fade">
-                                      <p:cBhvr>
-                                        <p:cTn id="34" dur="1000"/>
-                                        <p:tgtEl>
-                                          <p:spTgt spid="32"/>
-                                        </p:tgtEl>
-                                      </p:cBhvr>
-                                    </p:animEffect>
-                                    <p:anim calcmode="lin" valueType="num">
-                                      <p:cBhvr>
-                                        <p:cTn id="35" dur="1000" fill="hold"/>
-                                        <p:tgtEl>
-                                          <p:spTgt spid="32"/>
-                                        </p:tgtEl>
-                                        <p:attrNameLst>
-                                          <p:attrName>ppt_x</p:attrName>
-                                        </p:attrNameLst>
-                                      </p:cBhvr>
-                                      <p:tavLst>
-                                        <p:tav tm="0">
-                                          <p:val>
-                                            <p:strVal val="#ppt_x"/>
-                                          </p:val>
-                                        </p:tav>
-                                        <p:tav tm="100000">
-                                          <p:val>
-                                            <p:strVal val="#ppt_x"/>
-                                          </p:val>
-                                        </p:tav>
-                                      </p:tavLst>
-                                    </p:anim>
-                                    <p:anim calcmode="lin" valueType="num">
-                                      <p:cBhvr>
-                                        <p:cTn id="36" dur="1000" fill="hold"/>
-                                        <p:tgtEl>
-                                          <p:spTgt spid="32"/>
-                                        </p:tgtEl>
-                                        <p:attrNameLst>
-                                          <p:attrName>ppt_y</p:attrName>
-                                        </p:attrNameLst>
-                                      </p:cBhvr>
-                                      <p:tavLst>
-                                        <p:tav tm="0">
-                                          <p:val>
-                                            <p:strVal val="#ppt_y+.1"/>
-                                          </p:val>
-                                        </p:tav>
-                                        <p:tav tm="100000">
-                                          <p:val>
-                                            <p:strVal val="#ppt_y"/>
-                                          </p:val>
-                                        </p:tav>
-                                      </p:tavLst>
-                                    </p:anim>
-                                  </p:childTnLst>
-                                </p:cTn>
-                              </p:par>
-                            </p:childTnLst>
-                          </p:cTn>
-                        </p:par>
-                      </p:childTnLst>
-                    </p:cTn>
-                  </p:par>
-                </p:childTnLst>
-              </p:cTn>
-              <p:prevCondLst>
-                <p:cond evt="onPrev" delay="0">
-                  <p:tgtEl>
-                    <p:sldTgt/>
-                  </p:tgtEl>
-                </p:cond>
-              </p:prevCondLst>
-              <p:nextCondLst>
-                <p:cond evt="onNext" delay="0">
-                  <p:tgtEl>
-                    <p:sldTgt/>
-                  </p:tgtEl>
-                </p:cond>
-              </p:nextCondLst>
-            </p:seq>
-          </p:childTnLst>
-        </p:cTn>
-      </p:par>
-    </p:tnLst>
-    <p:bldLst>
-      <p:bldP spid="11" grpId="0" build="p"/>
-      <p:bldP spid="13" grpId="0" build="p"/>
-      <p:bldP spid="15" grpId="0"/>
-      <p:bldP spid="16" grpId="0"/>
-    </p:bldLst>
-  </p:timing>
 </p:sld>
 </file>
 
@@ -26776,25 +26853,6 @@
 </file>
 
 <file path=customXml/item2.xml><?xml version="1.0" encoding="utf-8"?>
-<p:properties xmlns:p="http://schemas.microsoft.com/office/2006/metadata/properties" xmlns:xsi="http://www.w3.org/2001/XMLSchema-instance" xmlns:pc="http://schemas.microsoft.com/office/infopath/2007/PartnerControls">
-  <documentManagement>
-    <_ip_UnifiedCompliancePolicyUIAction xmlns="http://schemas.microsoft.com/sharepoint/v3" xsi:nil="true"/>
-    <Image xmlns="71af3243-3dd4-4a8d-8c0d-dd76da1f02a5">
-      <Url xsi:nil="true"/>
-      <Description xsi:nil="true"/>
-    </Image>
-    <Status xmlns="71af3243-3dd4-4a8d-8c0d-dd76da1f02a5">Not started</Status>
-    <_ip_UnifiedCompliancePolicyProperties xmlns="http://schemas.microsoft.com/sharepoint/v3" xsi:nil="true"/>
-    <lcf76f155ced4ddcb4097134ff3c332f xmlns="71af3243-3dd4-4a8d-8c0d-dd76da1f02a5">
-      <Terms xmlns="http://schemas.microsoft.com/office/infopath/2007/PartnerControls"/>
-    </lcf76f155ced4ddcb4097134ff3c332f>
-    <TaxCatchAll xmlns="230e9df3-be65-4c73-a93b-d1236ebd677e"/>
-    <MediaServiceKeyPoints xmlns="71af3243-3dd4-4a8d-8c0d-dd76da1f02a5" xsi:nil="true"/>
-  </documentManagement>
-</p:properties>
-</file>
-
-<file path=customXml/item3.xml><?xml version="1.0" encoding="utf-8"?>
 <ct:contentTypeSchema xmlns:ct="http://schemas.microsoft.com/office/2006/metadata/contentType" xmlns:ma="http://schemas.microsoft.com/office/2006/metadata/properties/metaAttributes" ct:_="" ma:_="" ma:contentTypeName="Document" ma:contentTypeID="0x01010079F111ED35F8CC479449609E8A0923A6" ma:contentTypeVersion="18" ma:contentTypeDescription="Create a new document." ma:contentTypeScope="" ma:versionID="22a266b9fa9a230c5a512669d8b298c3">
   <xsd:schema xmlns:xsd="http://www.w3.org/2001/XMLSchema" xmlns:xs="http://www.w3.org/2001/XMLSchema" xmlns:p="http://schemas.microsoft.com/office/2006/metadata/properties" xmlns:ns1="http://schemas.microsoft.com/sharepoint/v3" xmlns:ns2="71af3243-3dd4-4a8d-8c0d-dd76da1f02a5" xmlns:ns3="16c05727-aa75-4e4a-9b5f-8a80a1165891" xmlns:ns4="230e9df3-be65-4c73-a93b-d1236ebd677e" targetNamespace="http://schemas.microsoft.com/office/2006/metadata/properties" ma:root="true" ma:fieldsID="eddc33fff6b14141ee5c74a0d29ea6a1" ns1:_="" ns2:_="" ns3:_="" ns4:_="">
     <xsd:import namespace="http://schemas.microsoft.com/sharepoint/v3"/>
@@ -27070,6 +27128,25 @@
 </ct:contentTypeSchema>
 </file>
 
+<file path=customXml/item3.xml><?xml version="1.0" encoding="utf-8"?>
+<p:properties xmlns:p="http://schemas.microsoft.com/office/2006/metadata/properties" xmlns:xsi="http://www.w3.org/2001/XMLSchema-instance" xmlns:pc="http://schemas.microsoft.com/office/infopath/2007/PartnerControls">
+  <documentManagement>
+    <_ip_UnifiedCompliancePolicyUIAction xmlns="http://schemas.microsoft.com/sharepoint/v3" xsi:nil="true"/>
+    <Image xmlns="71af3243-3dd4-4a8d-8c0d-dd76da1f02a5">
+      <Url xsi:nil="true"/>
+      <Description xsi:nil="true"/>
+    </Image>
+    <Status xmlns="71af3243-3dd4-4a8d-8c0d-dd76da1f02a5">Not started</Status>
+    <_ip_UnifiedCompliancePolicyProperties xmlns="http://schemas.microsoft.com/sharepoint/v3" xsi:nil="true"/>
+    <lcf76f155ced4ddcb4097134ff3c332f xmlns="71af3243-3dd4-4a8d-8c0d-dd76da1f02a5">
+      <Terms xmlns="http://schemas.microsoft.com/office/infopath/2007/PartnerControls"/>
+    </lcf76f155ced4ddcb4097134ff3c332f>
+    <TaxCatchAll xmlns="230e9df3-be65-4c73-a93b-d1236ebd677e"/>
+    <MediaServiceKeyPoints xmlns="71af3243-3dd4-4a8d-8c0d-dd76da1f02a5" xsi:nil="true"/>
+  </documentManagement>
+</p:properties>
+</file>
+
 <file path=customXml/itemProps1.xml><?xml version="1.0" encoding="utf-8"?>
 <ds:datastoreItem xmlns:ds="http://schemas.openxmlformats.org/officeDocument/2006/customXml" ds:itemID="{904751AB-E840-446F-8D49-E697067EC887}">
   <ds:schemaRefs>
@@ -27079,25 +27156,6 @@
 </file>
 
 <file path=customXml/itemProps2.xml><?xml version="1.0" encoding="utf-8"?>
-<ds:datastoreItem xmlns:ds="http://schemas.openxmlformats.org/officeDocument/2006/customXml" ds:itemID="{50811A92-D464-4AC4-A396-BA73B10CEEAC}">
-  <ds:schemaRefs>
-    <ds:schemaRef ds:uri="http://purl.org/dc/elements/1.1/"/>
-    <ds:schemaRef ds:uri="http://www.w3.org/XML/1998/namespace"/>
-    <ds:schemaRef ds:uri="http://schemas.microsoft.com/sharepoint/v3"/>
-    <ds:schemaRef ds:uri="http://schemas.microsoft.com/office/infopath/2007/PartnerControls"/>
-    <ds:schemaRef ds:uri="http://purl.org/dc/dcmitype/"/>
-    <ds:schemaRef ds:uri="71af3243-3dd4-4a8d-8c0d-dd76da1f02a5"/>
-    <ds:schemaRef ds:uri="http://schemas.openxmlformats.org/package/2006/metadata/core-properties"/>
-    <ds:schemaRef ds:uri="http://schemas.microsoft.com/office/2006/documentManagement/types"/>
-    <ds:schemaRef ds:uri="http://purl.org/dc/terms/"/>
-    <ds:schemaRef ds:uri="230e9df3-be65-4c73-a93b-d1236ebd677e"/>
-    <ds:schemaRef ds:uri="16c05727-aa75-4e4a-9b5f-8a80a1165891"/>
-    <ds:schemaRef ds:uri="http://schemas.microsoft.com/office/2006/metadata/properties"/>
-  </ds:schemaRefs>
-</ds:datastoreItem>
-</file>
-
-<file path=customXml/itemProps3.xml><?xml version="1.0" encoding="utf-8"?>
 <ds:datastoreItem xmlns:ds="http://schemas.openxmlformats.org/officeDocument/2006/customXml" ds:itemID="{DE4876F9-7AE1-498D-B8FE-1E3AD703D2AF}">
   <ds:schemaRefs>
     <ds:schemaRef ds:uri="http://schemas.microsoft.com/office/2006/metadata/contentType"/>
@@ -27118,6 +27176,25 @@
 </ds:datastoreItem>
 </file>
 
+<file path=customXml/itemProps3.xml><?xml version="1.0" encoding="utf-8"?>
+<ds:datastoreItem xmlns:ds="http://schemas.openxmlformats.org/officeDocument/2006/customXml" ds:itemID="{50811A92-D464-4AC4-A396-BA73B10CEEAC}">
+  <ds:schemaRefs>
+    <ds:schemaRef ds:uri="http://purl.org/dc/elements/1.1/"/>
+    <ds:schemaRef ds:uri="http://www.w3.org/XML/1998/namespace"/>
+    <ds:schemaRef ds:uri="http://schemas.microsoft.com/sharepoint/v3"/>
+    <ds:schemaRef ds:uri="http://schemas.microsoft.com/office/infopath/2007/PartnerControls"/>
+    <ds:schemaRef ds:uri="http://purl.org/dc/dcmitype/"/>
+    <ds:schemaRef ds:uri="71af3243-3dd4-4a8d-8c0d-dd76da1f02a5"/>
+    <ds:schemaRef ds:uri="http://schemas.openxmlformats.org/package/2006/metadata/core-properties"/>
+    <ds:schemaRef ds:uri="http://schemas.microsoft.com/office/2006/documentManagement/types"/>
+    <ds:schemaRef ds:uri="http://purl.org/dc/terms/"/>
+    <ds:schemaRef ds:uri="230e9df3-be65-4c73-a93b-d1236ebd677e"/>
+    <ds:schemaRef ds:uri="16c05727-aa75-4e4a-9b5f-8a80a1165891"/>
+    <ds:schemaRef ds:uri="http://schemas.microsoft.com/office/2006/metadata/properties"/>
+  </ds:schemaRefs>
+</ds:datastoreItem>
+</file>
+
 <file path=docMetadata/LabelInfo.xml><?xml version="1.0" encoding="utf-8"?>
 <clbl:labelList xmlns:clbl="http://schemas.microsoft.com/office/2020/mipLabelMetadata">
   <clbl:label id="{f42aa342-8706-4288-bd11-ebb85995028c}" enabled="1" method="Standard" siteId="{72f988bf-86f1-41af-91ab-2d7cd011db47}" contentBits="0" removed="0"/>
